--- a/노코드 엔지니어링/구글 시트로 데이터 관리하기.pptx
+++ b/노코드 엔지니어링/구글 시트로 데이터 관리하기.pptx
@@ -12,6 +12,22 @@
     <p:sldId id="260" r:id="rId6"/>
     <p:sldId id="261" r:id="rId7"/>
     <p:sldId id="262" r:id="rId8"/>
+    <p:sldId id="263" r:id="rId9"/>
+    <p:sldId id="264" r:id="rId10"/>
+    <p:sldId id="265" r:id="rId11"/>
+    <p:sldId id="266" r:id="rId12"/>
+    <p:sldId id="267" r:id="rId13"/>
+    <p:sldId id="268" r:id="rId14"/>
+    <p:sldId id="269" r:id="rId15"/>
+    <p:sldId id="270" r:id="rId16"/>
+    <p:sldId id="271" r:id="rId17"/>
+    <p:sldId id="272" r:id="rId18"/>
+    <p:sldId id="273" r:id="rId19"/>
+    <p:sldId id="274" r:id="rId20"/>
+    <p:sldId id="275" r:id="rId21"/>
+    <p:sldId id="276" r:id="rId22"/>
+    <p:sldId id="277" r:id="rId23"/>
+    <p:sldId id="278" r:id="rId24"/>
   </p:sldIdLst>
   <p:sldSz cx="12192000" cy="6858000"/>
   <p:notesSz cx="6858000" cy="9144000"/>
@@ -3737,6 +3753,58 @@
       </p:grpSpPr>
       <p:sp>
         <p:nvSpPr>
+          <p:cNvPr id="2" name="Title 1"/>
+          <p:cNvSpPr>
+            <a:spLocks noGrp="1"/>
+          </p:cNvSpPr>
+          <p:nvPr>
+            <p:ph type="title"/>
+          </p:nvPr>
+        </p:nvSpPr>
+        <p:spPr>
+          <a:xfrm>
+            <a:off x="1454239" y="1756130"/>
+            <a:ext cx="8643154" cy="1887950"/>
+          </a:xfrm>
+        </p:spPr>
+        <p:txBody>
+          <a:bodyPr/>
+          <a:lstStyle/>
+          <a:p>
+            <a:pPr lvl="0" indent="0" marL="0">
+              <a:buNone/>
+            </a:pPr>
+            <a:r>
+              <a:rPr/>
+              <a:t>구글 시트로 데이터 관리하기</a:t>
+            </a:r>
+          </a:p>
+        </p:txBody>
+      </p:sp>
+    </p:spTree>
+  </p:cSld>
+</p:sld>
+</file>
+
+<file path=ppt/slides/slide10.xml><?xml version="1.0" encoding="utf-8"?>
+<p:sld xmlns:a="http://schemas.openxmlformats.org/drawingml/2006/main" xmlns:r="http://schemas.openxmlformats.org/officeDocument/2006/relationships" xmlns:p="http://schemas.openxmlformats.org/presentationml/2006/main">
+  <p:cSld>
+    <p:spTree>
+      <p:nvGrpSpPr>
+        <p:cNvPr id="1" name=""/>
+        <p:cNvGrpSpPr/>
+        <p:nvPr/>
+      </p:nvGrpSpPr>
+      <p:grpSpPr>
+        <a:xfrm>
+          <a:off x="0" y="0"/>
+          <a:ext cx="0" cy="0"/>
+          <a:chOff x="0" y="0"/>
+          <a:chExt cx="0" cy="0"/>
+        </a:xfrm>
+      </p:grpSpPr>
+      <p:sp>
+        <p:nvSpPr>
           <p:cNvPr id="3" name="Content Placeholder 2"/>
           <p:cNvSpPr>
             <a:spLocks noGrp="1"/>
@@ -3750,12 +3818,45 @@
           <a:bodyPr/>
           <a:lstStyle/>
           <a:p>
+            <a:pPr lvl="0" indent="0" marL="0">
+              <a:spcBef>
+                <a:spcPts val="3000"/>
+              </a:spcBef>
+              <a:buNone/>
+            </a:pPr>
+            <a:r>
+              <a:rPr b="1"/>
+              <a:t>객체(Object)</a:t>
+            </a:r>
+          </a:p>
+          <a:p>
             <a:pPr lvl="0"/>
             <a:r>
-              <a:rPr>
-                <a:hlinkClick r:id="rId2"/>
-              </a:rPr>
-              <a:t>엑셀 시트 하나로 시작해 연간 수십억을 벌어들이는 사람이 한둘이 아니다</a:t>
+              <a:rPr/>
+              <a:t>= </a:t>
+            </a:r>
+            <a:r>
+              <a:rPr b="1"/>
+              <a:t>엔티티</a:t>
+            </a:r>
+            <a:r>
+              <a:rPr/>
+              <a:t>(Entities, 개체), </a:t>
+            </a:r>
+            <a:r>
+              <a:rPr b="1"/>
+              <a:t>띵</a:t>
+            </a:r>
+            <a:r>
+              <a:rPr/>
+              <a:t>(Thing)</a:t>
+            </a:r>
+          </a:p>
+          <a:p>
+            <a:pPr lvl="0"/>
+            <a:r>
+              <a:rPr/>
+              <a:t>프로퍼티를 갖는 것.</a:t>
             </a:r>
           </a:p>
         </p:txBody>
@@ -3798,7 +3899,56 @@
                                         <p:tgtEl>
                                           <p:spTgt spid="3">
                                             <p:txEl>
-                                              <p:pRg st="0" end="0"/>
+                                              <p:pRg st="1" end="1"/>
+                                            </p:txEl>
+                                          </p:spTgt>
+                                        </p:tgtEl>
+                                        <p:attrNameLst>
+                                          <p:attrName>style.visibility</p:attrName>
+                                        </p:attrNameLst>
+                                      </p:cBhvr>
+                                      <p:to>
+                                        <p:strVal val="visible"/>
+                                      </p:to>
+                                    </p:set>
+                                  </p:childTnLst>
+                                </p:cTn>
+                              </p:par>
+                            </p:childTnLst>
+                          </p:cTn>
+                        </p:par>
+                      </p:childTnLst>
+                    </p:cTn>
+                  </p:par>
+                  <p:par>
+                    <p:cTn id="7" fill="hold">
+                      <p:stCondLst>
+                        <p:cond delay="indefinite"/>
+                      </p:stCondLst>
+                      <p:childTnLst>
+                        <p:par>
+                          <p:cTn id="8" fill="hold">
+                            <p:stCondLst>
+                              <p:cond delay="0"/>
+                            </p:stCondLst>
+                            <p:childTnLst>
+                              <p:par>
+                                <p:cTn id="9" presetID="1" presetClass="entr" presetSubtype="0" fill="hold" grpId="0" nodeType="clickEffect">
+                                  <p:stCondLst>
+                                    <p:cond delay="0"/>
+                                  </p:stCondLst>
+                                  <p:childTnLst>
+                                    <p:set>
+                                      <p:cBhvr>
+                                        <p:cTn id="10" dur="1" fill="hold">
+                                          <p:stCondLst>
+                                            <p:cond delay="0"/>
+                                          </p:stCondLst>
+                                        </p:cTn>
+                                        <p:tgtEl>
+                                          <p:spTgt spid="3">
+                                            <p:txEl>
+                                              <p:pRg st="2" end="2"/>
                                             </p:txEl>
                                           </p:spTgt>
                                         </p:tgtEl>
@@ -3847,7 +3997,7 @@
 </p:sld>
 </file>
 
-<file path=ppt/slides/slide2.xml><?xml version="1.0" encoding="utf-8"?>
+<file path=ppt/slides/slide11.xml><?xml version="1.0" encoding="utf-8"?>
 <p:sld xmlns:a="http://schemas.openxmlformats.org/drawingml/2006/main" xmlns:r="http://schemas.openxmlformats.org/officeDocument/2006/relationships" xmlns:p="http://schemas.openxmlformats.org/presentationml/2006/main">
   <p:cSld>
     <p:spTree>
@@ -3884,7 +4034,7 @@
             </a:pPr>
             <a:r>
               <a:rPr/>
-              <a:t>타입(Types, 유형)</a:t>
+              <a:t>프로퍼티(Properties, 속성)</a:t>
             </a:r>
           </a:p>
         </p:txBody>
@@ -3907,28 +4057,43 @@
             <a:pPr lvl="0"/>
             <a:r>
               <a:rPr/>
-              <a:t>정보의 유형, 종류</a:t>
+              <a:t>질문과 답변의 형태로 정리된 정보</a:t>
             </a:r>
           </a:p>
           <a:p>
             <a:pPr lvl="1"/>
             <a:r>
               <a:rPr/>
-              <a:t>숫자와 텍스트, 불리언</a:t>
+              <a:t>Key and Value (키와 값)</a:t>
             </a:r>
           </a:p>
           <a:p>
             <a:pPr lvl="1"/>
             <a:r>
               <a:rPr/>
-              <a:t>날짜, 지리적 위치 등 복합적인 정보 형태</a:t>
-            </a:r>
-          </a:p>
-          <a:p>
-            <a:pPr lvl="1"/>
-            <a:r>
-              <a:rPr/>
-              <a:t>리스트, 객체, 함수 등</a:t>
+              <a:t>답변은, 타입을 가짐</a:t>
+            </a:r>
+          </a:p>
+          <a:p>
+            <a:pPr lvl="2"/>
+            <a:r>
+              <a:rPr/>
+              <a:t>타입을 갖고 있기 때문에, 연산이 가능</a:t>
+            </a:r>
+          </a:p>
+          <a:p>
+            <a:pPr lvl="0"/>
+            <a:r>
+              <a:rPr/>
+              <a:t>현실에 존재하는 사물이나 현상을 </a:t>
+            </a:r>
+            <a:r>
+              <a:rPr b="1"/>
+              <a:t>연산가능한 형태</a:t>
+            </a:r>
+            <a:r>
+              <a:rPr/>
+              <a:t>로 만들기 위해 사용</a:t>
             </a:r>
           </a:p>
           <a:p>
@@ -3940,392 +4105,38 @@
             </a:pPr>
             <a:r>
               <a:rPr b="1"/>
-              <a:t>타입이 같으면, 연산을 할 수 있다.</a:t>
+              <a:t>값(Values)</a:t>
             </a:r>
           </a:p>
           <a:p>
             <a:pPr lvl="0"/>
             <a:r>
               <a:rPr/>
-              <a:t>타입이 다르면, 연산을 할 수 없다.</a:t>
-            </a:r>
-          </a:p>
-        </p:txBody>
-      </p:sp>
-    </p:spTree>
-  </p:cSld>
-  <p:timing>
-    <p:tnLst>
-      <p:par>
-        <p:cTn id="1" dur="indefinite" restart="never" nodeType="tmRoot">
-          <p:childTnLst>
-            <p:seq concurrent="1" nextAc="seek">
-              <p:cTn id="2" dur="indefinite" nodeType="mainSeq">
-                <p:childTnLst>
-                  <p:par>
-                    <p:cTn id="3" fill="hold">
-                      <p:stCondLst>
-                        <p:cond delay="indefinite"/>
-                      </p:stCondLst>
-                      <p:childTnLst>
-                        <p:par>
-                          <p:cTn id="4" fill="hold">
-                            <p:stCondLst>
-                              <p:cond delay="0"/>
-                            </p:stCondLst>
-                            <p:childTnLst>
-                              <p:par>
-                                <p:cTn id="5" presetID="1" presetClass="entr" presetSubtype="0" fill="hold" grpId="0" nodeType="clickEffect">
-                                  <p:stCondLst>
-                                    <p:cond delay="0"/>
-                                  </p:stCondLst>
-                                  <p:childTnLst>
-                                    <p:set>
-                                      <p:cBhvr>
-                                        <p:cTn id="6" dur="1" fill="hold">
-                                          <p:stCondLst>
-                                            <p:cond delay="0"/>
-                                          </p:stCondLst>
-                                        </p:cTn>
-                                        <p:tgtEl>
-                                          <p:spTgt spid="3">
-                                            <p:txEl>
-                                              <p:pRg st="0" end="0"/>
-                                            </p:txEl>
-                                          </p:spTgt>
-                                        </p:tgtEl>
-                                        <p:attrNameLst>
-                                          <p:attrName>style.visibility</p:attrName>
-                                        </p:attrNameLst>
-                                      </p:cBhvr>
-                                      <p:to>
-                                        <p:strVal val="visible"/>
-                                      </p:to>
-                                    </p:set>
-                                  </p:childTnLst>
-                                </p:cTn>
-                              </p:par>
-                            </p:childTnLst>
-                          </p:cTn>
-                        </p:par>
-                      </p:childTnLst>
-                    </p:cTn>
-                  </p:par>
-                  <p:par>
-                    <p:cTn id="7" fill="hold">
-                      <p:stCondLst>
-                        <p:cond delay="indefinite"/>
-                      </p:stCondLst>
-                      <p:childTnLst>
-                        <p:par>
-                          <p:cTn id="8" fill="hold">
-                            <p:stCondLst>
-                              <p:cond delay="0"/>
-                            </p:stCondLst>
-                            <p:childTnLst>
-                              <p:par>
-                                <p:cTn id="9" presetID="1" presetClass="entr" presetSubtype="0" fill="hold" grpId="0" nodeType="clickEffect">
-                                  <p:stCondLst>
-                                    <p:cond delay="0"/>
-                                  </p:stCondLst>
-                                  <p:childTnLst>
-                                    <p:set>
-                                      <p:cBhvr>
-                                        <p:cTn id="10" dur="1" fill="hold">
-                                          <p:stCondLst>
-                                            <p:cond delay="0"/>
-                                          </p:stCondLst>
-                                        </p:cTn>
-                                        <p:tgtEl>
-                                          <p:spTgt spid="3">
-                                            <p:txEl>
-                                              <p:pRg st="1" end="1"/>
-                                            </p:txEl>
-                                          </p:spTgt>
-                                        </p:tgtEl>
-                                        <p:attrNameLst>
-                                          <p:attrName>style.visibility</p:attrName>
-                                        </p:attrNameLst>
-                                      </p:cBhvr>
-                                      <p:to>
-                                        <p:strVal val="visible"/>
-                                      </p:to>
-                                    </p:set>
-                                  </p:childTnLst>
-                                </p:cTn>
-                              </p:par>
-                            </p:childTnLst>
-                          </p:cTn>
-                        </p:par>
-                      </p:childTnLst>
-                    </p:cTn>
-                  </p:par>
-                  <p:par>
-                    <p:cTn id="11" fill="hold">
-                      <p:stCondLst>
-                        <p:cond delay="indefinite"/>
-                      </p:stCondLst>
-                      <p:childTnLst>
-                        <p:par>
-                          <p:cTn id="12" fill="hold">
-                            <p:stCondLst>
-                              <p:cond delay="0"/>
-                            </p:stCondLst>
-                            <p:childTnLst>
-                              <p:par>
-                                <p:cTn id="13" presetID="1" presetClass="entr" presetSubtype="0" fill="hold" grpId="0" nodeType="clickEffect">
-                                  <p:stCondLst>
-                                    <p:cond delay="0"/>
-                                  </p:stCondLst>
-                                  <p:childTnLst>
-                                    <p:set>
-                                      <p:cBhvr>
-                                        <p:cTn id="14" dur="1" fill="hold">
-                                          <p:stCondLst>
-                                            <p:cond delay="0"/>
-                                          </p:stCondLst>
-                                        </p:cTn>
-                                        <p:tgtEl>
-                                          <p:spTgt spid="3">
-                                            <p:txEl>
-                                              <p:pRg st="2" end="2"/>
-                                            </p:txEl>
-                                          </p:spTgt>
-                                        </p:tgtEl>
-                                        <p:attrNameLst>
-                                          <p:attrName>style.visibility</p:attrName>
-                                        </p:attrNameLst>
-                                      </p:cBhvr>
-                                      <p:to>
-                                        <p:strVal val="visible"/>
-                                      </p:to>
-                                    </p:set>
-                                  </p:childTnLst>
-                                </p:cTn>
-                              </p:par>
-                            </p:childTnLst>
-                          </p:cTn>
-                        </p:par>
-                      </p:childTnLst>
-                    </p:cTn>
-                  </p:par>
-                  <p:par>
-                    <p:cTn id="15" fill="hold">
-                      <p:stCondLst>
-                        <p:cond delay="indefinite"/>
-                      </p:stCondLst>
-                      <p:childTnLst>
-                        <p:par>
-                          <p:cTn id="16" fill="hold">
-                            <p:stCondLst>
-                              <p:cond delay="0"/>
-                            </p:stCondLst>
-                            <p:childTnLst>
-                              <p:par>
-                                <p:cTn id="17" presetID="1" presetClass="entr" presetSubtype="0" fill="hold" grpId="0" nodeType="clickEffect">
-                                  <p:stCondLst>
-                                    <p:cond delay="0"/>
-                                  </p:stCondLst>
-                                  <p:childTnLst>
-                                    <p:set>
-                                      <p:cBhvr>
-                                        <p:cTn id="18" dur="1" fill="hold">
-                                          <p:stCondLst>
-                                            <p:cond delay="0"/>
-                                          </p:stCondLst>
-                                        </p:cTn>
-                                        <p:tgtEl>
-                                          <p:spTgt spid="3">
-                                            <p:txEl>
-                                              <p:pRg st="3" end="3"/>
-                                            </p:txEl>
-                                          </p:spTgt>
-                                        </p:tgtEl>
-                                        <p:attrNameLst>
-                                          <p:attrName>style.visibility</p:attrName>
-                                        </p:attrNameLst>
-                                      </p:cBhvr>
-                                      <p:to>
-                                        <p:strVal val="visible"/>
-                                      </p:to>
-                                    </p:set>
-                                  </p:childTnLst>
-                                </p:cTn>
-                              </p:par>
-                            </p:childTnLst>
-                          </p:cTn>
-                        </p:par>
-                      </p:childTnLst>
-                    </p:cTn>
-                  </p:par>
-                  <p:par>
-                    <p:cTn id="19" fill="hold">
-                      <p:stCondLst>
-                        <p:cond delay="indefinite"/>
-                      </p:stCondLst>
-                      <p:childTnLst>
-                        <p:par>
-                          <p:cTn id="20" fill="hold">
-                            <p:stCondLst>
-                              <p:cond delay="0"/>
-                            </p:stCondLst>
-                            <p:childTnLst>
-                              <p:par>
-                                <p:cTn id="21" presetID="1" presetClass="entr" presetSubtype="0" fill="hold" grpId="0" nodeType="clickEffect">
-                                  <p:stCondLst>
-                                    <p:cond delay="0"/>
-                                  </p:stCondLst>
-                                  <p:childTnLst>
-                                    <p:set>
-                                      <p:cBhvr>
-                                        <p:cTn id="22" dur="1" fill="hold">
-                                          <p:stCondLst>
-                                            <p:cond delay="0"/>
-                                          </p:stCondLst>
-                                        </p:cTn>
-                                        <p:tgtEl>
-                                          <p:spTgt spid="3">
-                                            <p:txEl>
-                                              <p:pRg st="5" end="5"/>
-                                            </p:txEl>
-                                          </p:spTgt>
-                                        </p:tgtEl>
-                                        <p:attrNameLst>
-                                          <p:attrName>style.visibility</p:attrName>
-                                        </p:attrNameLst>
-                                      </p:cBhvr>
-                                      <p:to>
-                                        <p:strVal val="visible"/>
-                                      </p:to>
-                                    </p:set>
-                                  </p:childTnLst>
-                                </p:cTn>
-                              </p:par>
-                            </p:childTnLst>
-                          </p:cTn>
-                        </p:par>
-                      </p:childTnLst>
-                    </p:cTn>
-                  </p:par>
-                </p:childTnLst>
-              </p:cTn>
-              <p:prevCondLst>
-                <p:cond evt="onPrev" delay="0">
-                  <p:tgtEl>
-                    <p:sldTgt/>
-                  </p:tgtEl>
-                </p:cond>
-              </p:prevCondLst>
-              <p:nextCondLst>
-                <p:cond evt="onNext" delay="0">
-                  <p:tgtEl>
-                    <p:sldTgt/>
-                  </p:tgtEl>
-                </p:cond>
-              </p:nextCondLst>
-            </p:seq>
-          </p:childTnLst>
-        </p:cTn>
-      </p:par>
-    </p:tnLst>
-    <p:bldLst>
-      <p:bldP spid="3" grpId="0" uiExpand="1" build="p"/>
-    </p:bldLst>
-  </p:timing>
-</p:sld>
-</file>
-
-<file path=ppt/slides/slide3.xml><?xml version="1.0" encoding="utf-8"?>
-<p:sld xmlns:a="http://schemas.openxmlformats.org/drawingml/2006/main" xmlns:r="http://schemas.openxmlformats.org/officeDocument/2006/relationships" xmlns:p="http://schemas.openxmlformats.org/presentationml/2006/main">
-  <p:cSld>
-    <p:spTree>
-      <p:nvGrpSpPr>
-        <p:cNvPr id="1" name=""/>
-        <p:cNvGrpSpPr/>
-        <p:nvPr/>
-      </p:nvGrpSpPr>
-      <p:grpSpPr>
-        <a:xfrm>
-          <a:off x="0" y="0"/>
-          <a:ext cx="0" cy="0"/>
-          <a:chOff x="0" y="0"/>
-          <a:chExt cx="0" cy="0"/>
-        </a:xfrm>
-      </p:grpSpPr>
-      <p:sp>
-        <p:nvSpPr>
-          <p:cNvPr id="2" name="Title 1"/>
-          <p:cNvSpPr>
-            <a:spLocks noGrp="1"/>
-          </p:cNvSpPr>
-          <p:nvPr>
-            <p:ph type="title"/>
-          </p:nvPr>
-        </p:nvSpPr>
-        <p:spPr/>
-        <p:txBody>
-          <a:bodyPr/>
-          <a:lstStyle/>
-          <a:p>
-            <a:pPr lvl="0" indent="0" marL="0">
-              <a:buNone/>
-            </a:pPr>
-            <a:r>
-              <a:rPr/>
-              <a:t>연산(Operations)</a:t>
-            </a:r>
-          </a:p>
-        </p:txBody>
-      </p:sp>
-      <p:sp>
-        <p:nvSpPr>
-          <p:cNvPr id="3" name="Content Placeholder 2"/>
-          <p:cNvSpPr>
-            <a:spLocks noGrp="1"/>
-          </p:cNvSpPr>
-          <p:nvPr>
-            <p:ph idx="1"/>
-          </p:nvPr>
-        </p:nvSpPr>
-        <p:spPr/>
-        <p:txBody>
-          <a:bodyPr/>
-          <a:lstStyle/>
+              <a:t>타입은 텍스트고 값은 </a:t>
+            </a:r>
+            <a:r>
+              <a:rPr>
+                <a:latin typeface="Courier"/>
+              </a:rPr>
+              <a:t>"강아지"</a:t>
+            </a:r>
+            <a:r>
+              <a:rPr/>
+              <a:t>야</a:t>
+            </a:r>
+          </a:p>
           <a:p>
             <a:pPr lvl="0"/>
             <a:r>
               <a:rPr/>
-              <a:t>사칙연산</a:t>
+              <a:t>정보(데이터)의 최소 단위</a:t>
             </a:r>
           </a:p>
           <a:p>
             <a:pPr lvl="1"/>
             <a:r>
               <a:rPr/>
-              <a:t>더하기, 빼기, 곱하기, 나누기</a:t>
-            </a:r>
-          </a:p>
-          <a:p>
-            <a:pPr lvl="0"/>
-            <a:r>
-              <a:rPr/>
-              <a:t>두 개의 정보(값)을 연산자(Operator)를 사용해 하나로 만드는 것.</a:t>
-            </a:r>
-          </a:p>
-          <a:p>
-            <a:pPr lvl="1" indent="-457200" marL="914400">
-              <a:buAutoNum type="arabicPeriod"/>
-            </a:pPr>
-            <a:r>
-              <a:rPr/>
-              <a:t>두 개와 하나는 타입이 같다.</a:t>
-            </a:r>
-          </a:p>
-          <a:p>
-            <a:pPr lvl="2"/>
-            <a:r>
-              <a:rPr/>
-              <a:t>비교연산(Comparison Operation)의 경우는 결과값이 항상 불리언 타입으로 나옴.</a:t>
+              <a:t>타입을 가짐</a:t>
             </a:r>
           </a:p>
         </p:txBody>
@@ -4585,6 +4396,153 @@
                       </p:childTnLst>
                     </p:cTn>
                   </p:par>
+                  <p:par>
+                    <p:cTn id="23" fill="hold">
+                      <p:stCondLst>
+                        <p:cond delay="indefinite"/>
+                      </p:stCondLst>
+                      <p:childTnLst>
+                        <p:par>
+                          <p:cTn id="24" fill="hold">
+                            <p:stCondLst>
+                              <p:cond delay="0"/>
+                            </p:stCondLst>
+                            <p:childTnLst>
+                              <p:par>
+                                <p:cTn id="25" presetID="1" presetClass="entr" presetSubtype="0" fill="hold" grpId="0" nodeType="clickEffect">
+                                  <p:stCondLst>
+                                    <p:cond delay="0"/>
+                                  </p:stCondLst>
+                                  <p:childTnLst>
+                                    <p:set>
+                                      <p:cBhvr>
+                                        <p:cTn id="26" dur="1" fill="hold">
+                                          <p:stCondLst>
+                                            <p:cond delay="0"/>
+                                          </p:stCondLst>
+                                        </p:cTn>
+                                        <p:tgtEl>
+                                          <p:spTgt spid="3">
+                                            <p:txEl>
+                                              <p:pRg st="6" end="6"/>
+                                            </p:txEl>
+                                          </p:spTgt>
+                                        </p:tgtEl>
+                                        <p:attrNameLst>
+                                          <p:attrName>style.visibility</p:attrName>
+                                        </p:attrNameLst>
+                                      </p:cBhvr>
+                                      <p:to>
+                                        <p:strVal val="visible"/>
+                                      </p:to>
+                                    </p:set>
+                                  </p:childTnLst>
+                                </p:cTn>
+                              </p:par>
+                            </p:childTnLst>
+                          </p:cTn>
+                        </p:par>
+                      </p:childTnLst>
+                    </p:cTn>
+                  </p:par>
+                  <p:par>
+                    <p:cTn id="27" fill="hold">
+                      <p:stCondLst>
+                        <p:cond delay="indefinite"/>
+                      </p:stCondLst>
+                      <p:childTnLst>
+                        <p:par>
+                          <p:cTn id="28" fill="hold">
+                            <p:stCondLst>
+                              <p:cond delay="0"/>
+                            </p:stCondLst>
+                            <p:childTnLst>
+                              <p:par>
+                                <p:cTn id="29" presetID="1" presetClass="entr" presetSubtype="0" fill="hold" grpId="0" nodeType="clickEffect">
+                                  <p:stCondLst>
+                                    <p:cond delay="0"/>
+                                  </p:stCondLst>
+                                  <p:childTnLst>
+                                    <p:set>
+                                      <p:cBhvr>
+                                        <p:cTn id="30" dur="1" fill="hold">
+                                          <p:stCondLst>
+                                            <p:cond delay="0"/>
+                                          </p:stCondLst>
+                                        </p:cTn>
+                                        <p:tgtEl>
+                                          <p:spTgt spid="3">
+                                            <p:txEl>
+                                              <p:pRg st="7" end="7"/>
+                                            </p:txEl>
+                                          </p:spTgt>
+                                        </p:tgtEl>
+                                        <p:attrNameLst>
+                                          <p:attrName>style.visibility</p:attrName>
+                                        </p:attrNameLst>
+                                      </p:cBhvr>
+                                      <p:to>
+                                        <p:strVal val="visible"/>
+                                      </p:to>
+                                    </p:set>
+                                  </p:childTnLst>
+                                </p:cTn>
+                              </p:par>
+                            </p:childTnLst>
+                          </p:cTn>
+                        </p:par>
+                      </p:childTnLst>
+                    </p:cTn>
+                  </p:par>
+                  <p:par>
+                    <p:cTn id="31" fill="hold">
+                      <p:stCondLst>
+                        <p:cond delay="indefinite"/>
+                      </p:stCondLst>
+                      <p:childTnLst>
+                        <p:par>
+                          <p:cTn id="32" fill="hold">
+                            <p:stCondLst>
+                              <p:cond delay="0"/>
+                            </p:stCondLst>
+                            <p:childTnLst>
+                              <p:par>
+                                <p:cTn id="33" presetID="1" presetClass="entr" presetSubtype="0" fill="hold" grpId="0" nodeType="clickEffect">
+                                  <p:stCondLst>
+                                    <p:cond delay="0"/>
+                                  </p:stCondLst>
+                                  <p:childTnLst>
+                                    <p:set>
+                                      <p:cBhvr>
+                                        <p:cTn id="34" dur="1" fill="hold">
+                                          <p:stCondLst>
+                                            <p:cond delay="0"/>
+                                          </p:stCondLst>
+                                        </p:cTn>
+                                        <p:tgtEl>
+                                          <p:spTgt spid="3">
+                                            <p:txEl>
+                                              <p:pRg st="8" end="8"/>
+                                            </p:txEl>
+                                          </p:spTgt>
+                                        </p:tgtEl>
+                                        <p:attrNameLst>
+                                          <p:attrName>style.visibility</p:attrName>
+                                        </p:attrNameLst>
+                                      </p:cBhvr>
+                                      <p:to>
+                                        <p:strVal val="visible"/>
+                                      </p:to>
+                                    </p:set>
+                                  </p:childTnLst>
+                                </p:cTn>
+                              </p:par>
+                            </p:childTnLst>
+                          </p:cTn>
+                        </p:par>
+                      </p:childTnLst>
+                    </p:cTn>
+                  </p:par>
                 </p:childTnLst>
               </p:cTn>
               <p:prevCondLst>
@@ -4613,7 +4571,7 @@
 </p:sld>
 </file>
 
-<file path=ppt/slides/slide4.xml><?xml version="1.0" encoding="utf-8"?>
+<file path=ppt/slides/slide12.xml><?xml version="1.0" encoding="utf-8"?>
 <p:sld xmlns:a="http://schemas.openxmlformats.org/drawingml/2006/main" xmlns:r="http://schemas.openxmlformats.org/officeDocument/2006/relationships" xmlns:p="http://schemas.openxmlformats.org/presentationml/2006/main">
   <p:cSld>
     <p:spTree>
@@ -4650,7 +4608,7 @@
             </a:pPr>
             <a:r>
               <a:rPr/>
-              <a:t>타입의 종류</a:t>
+              <a:t>스프레드시트의 단위</a:t>
             </a:r>
           </a:p>
         </p:txBody>
@@ -4678,92 +4636,101 @@
             </a:pPr>
             <a:r>
               <a:rPr b="1"/>
-              <a:t>텍스트(Text)</a:t>
+              <a:t>셀(Cells)</a:t>
             </a:r>
           </a:p>
           <a:p>
             <a:pPr lvl="0"/>
             <a:r>
               <a:rPr/>
-              <a:t>문자의 나열, 순서</a:t>
-            </a:r>
-          </a:p>
-          <a:p>
-            <a:pPr lvl="0" indent="0" marL="0">
-              <a:spcBef>
-                <a:spcPts val="3000"/>
-              </a:spcBef>
-              <a:buNone/>
-            </a:pPr>
-            <a:r>
-              <a:rPr b="1"/>
-              <a:t>숫자(Number)</a:t>
+              <a:t>표에서 한 칸을 의미하는 단위</a:t>
             </a:r>
           </a:p>
           <a:p>
             <a:pPr lvl="0"/>
             <a:r>
               <a:rPr/>
-              <a:t>양</a:t>
+              <a:t>하나의 값(Values)을 담을 수 있다.</a:t>
             </a:r>
           </a:p>
           <a:p>
             <a:pPr lvl="1"/>
             <a:r>
               <a:rPr/>
-              <a:t>Integer (정수)</a:t>
+              <a:t>하나의 타입이 지정된다.</a:t>
+            </a:r>
+          </a:p>
+          <a:p>
+            <a:pPr lvl="0"/>
+            <a:r>
+              <a:rPr/>
+              <a:t>타입을 확인할 수 있는 함수</a:t>
             </a:r>
           </a:p>
           <a:p>
             <a:pPr lvl="1"/>
-            <a:r>
-              <a:rPr/>
-              <a:t>Float (소수)</a:t>
-            </a:r>
-          </a:p>
-          <a:p>
-            <a:pPr lvl="1"/>
-            <a:r>
-              <a:rPr/>
-              <a:t>Double</a:t>
-            </a:r>
-          </a:p>
-          <a:p>
-            <a:pPr lvl="0"/>
-            <a:r>
-              <a:rPr/>
-              <a:t>날짜와 시간(Datetime)</a:t>
-            </a:r>
-          </a:p>
-          <a:p>
-            <a:pPr lvl="1"/>
-            <a:r>
-              <a:rPr/>
-              <a:t>내부적으로 숫자로 변환됨.</a:t>
-            </a:r>
-          </a:p>
-          <a:p>
-            <a:pPr lvl="2"/>
-            <a:r>
-              <a:rPr/>
-              <a:t>엑셀의 경우 </a:t>
-            </a:r>
             <a:r>
               <a:rPr>
                 <a:latin typeface="Courier"/>
               </a:rPr>
-              <a:t>1899-12-30</a:t>
-            </a:r>
-            <a:r>
-              <a:rPr/>
-              <a:t> 부터 하루를 1로 쳐서 지난 시간을 날짜와 시간으로 관리</a:t>
-            </a:r>
-          </a:p>
-          <a:p>
-            <a:pPr lvl="2"/>
-            <a:r>
-              <a:rPr/>
-              <a:t>노션과 대부분의 개발 언어에서는 Unix Timestamp를 사용.</a:t>
+              <a:t>TYPE()</a:t>
+            </a:r>
+          </a:p>
+          <a:p>
+            <a:pPr lvl="0"/>
+            <a:r>
+              <a:rPr/>
+              <a:t>숫자를 텍스트로 입력하는 방법</a:t>
+            </a:r>
+          </a:p>
+          <a:p>
+            <a:pPr lvl="1"/>
+            <a:r>
+              <a:rPr>
+                <a:latin typeface="Courier"/>
+              </a:rPr>
+              <a:t>‘</a:t>
+            </a:r>
+            <a:r>
+              <a:rPr/>
+              <a:t> 붙이고 숫자 쓰기</a:t>
+            </a:r>
+          </a:p>
+          <a:p>
+            <a:pPr lvl="1"/>
+            <a:r>
+              <a:rPr>
+                <a:latin typeface="Courier"/>
+              </a:rPr>
+              <a:t>=“텍스트”</a:t>
+            </a:r>
+            <a:r>
+              <a:rPr/>
+              <a:t> </a:t>
+            </a:r>
+            <a:r>
+              <a:rPr strike="sngStrike"/>
+              <a:t>or </a:t>
+            </a:r>
+            <a:r>
+              <a:rPr strike="sngStrike">
+                <a:latin typeface="Courier"/>
+              </a:rPr>
+              <a:t>=‘텍스트’</a:t>
+            </a:r>
+          </a:p>
+          <a:p>
+            <a:pPr lvl="0"/>
+            <a:r>
+              <a:rPr/>
+              <a:t>셀 주소를 가진다.</a:t>
+            </a:r>
+          </a:p>
+          <a:p>
+            <a:pPr lvl="1"/>
+            <a:r>
+              <a:rPr/>
+              <a:t>수식에서 사용할 수 있음.</a:t>
             </a:r>
           </a:p>
         </p:txBody>
@@ -4855,7 +4822,657 @@
                                         <p:tgtEl>
                                           <p:spTgt spid="3">
                                             <p:txEl>
+                                              <p:pRg st="2" end="2"/>
+                                            </p:txEl>
+                                          </p:spTgt>
+                                        </p:tgtEl>
+                                        <p:attrNameLst>
+                                          <p:attrName>style.visibility</p:attrName>
+                                        </p:attrNameLst>
+                                      </p:cBhvr>
+                                      <p:to>
+                                        <p:strVal val="visible"/>
+                                      </p:to>
+                                    </p:set>
+                                  </p:childTnLst>
+                                </p:cTn>
+                              </p:par>
+                            </p:childTnLst>
+                          </p:cTn>
+                        </p:par>
+                      </p:childTnLst>
+                    </p:cTn>
+                  </p:par>
+                  <p:par>
+                    <p:cTn id="11" fill="hold">
+                      <p:stCondLst>
+                        <p:cond delay="indefinite"/>
+                      </p:stCondLst>
+                      <p:childTnLst>
+                        <p:par>
+                          <p:cTn id="12" fill="hold">
+                            <p:stCondLst>
+                              <p:cond delay="0"/>
+                            </p:stCondLst>
+                            <p:childTnLst>
+                              <p:par>
+                                <p:cTn id="13" presetID="1" presetClass="entr" presetSubtype="0" fill="hold" grpId="0" nodeType="clickEffect">
+                                  <p:stCondLst>
+                                    <p:cond delay="0"/>
+                                  </p:stCondLst>
+                                  <p:childTnLst>
+                                    <p:set>
+                                      <p:cBhvr>
+                                        <p:cTn id="14" dur="1" fill="hold">
+                                          <p:stCondLst>
+                                            <p:cond delay="0"/>
+                                          </p:stCondLst>
+                                        </p:cTn>
+                                        <p:tgtEl>
+                                          <p:spTgt spid="3">
+                                            <p:txEl>
                                               <p:pRg st="3" end="3"/>
+                                            </p:txEl>
+                                          </p:spTgt>
+                                        </p:tgtEl>
+                                        <p:attrNameLst>
+                                          <p:attrName>style.visibility</p:attrName>
+                                        </p:attrNameLst>
+                                      </p:cBhvr>
+                                      <p:to>
+                                        <p:strVal val="visible"/>
+                                      </p:to>
+                                    </p:set>
+                                  </p:childTnLst>
+                                </p:cTn>
+                              </p:par>
+                            </p:childTnLst>
+                          </p:cTn>
+                        </p:par>
+                      </p:childTnLst>
+                    </p:cTn>
+                  </p:par>
+                  <p:par>
+                    <p:cTn id="15" fill="hold">
+                      <p:stCondLst>
+                        <p:cond delay="indefinite"/>
+                      </p:stCondLst>
+                      <p:childTnLst>
+                        <p:par>
+                          <p:cTn id="16" fill="hold">
+                            <p:stCondLst>
+                              <p:cond delay="0"/>
+                            </p:stCondLst>
+                            <p:childTnLst>
+                              <p:par>
+                                <p:cTn id="17" presetID="1" presetClass="entr" presetSubtype="0" fill="hold" grpId="0" nodeType="clickEffect">
+                                  <p:stCondLst>
+                                    <p:cond delay="0"/>
+                                  </p:stCondLst>
+                                  <p:childTnLst>
+                                    <p:set>
+                                      <p:cBhvr>
+                                        <p:cTn id="18" dur="1" fill="hold">
+                                          <p:stCondLst>
+                                            <p:cond delay="0"/>
+                                          </p:stCondLst>
+                                        </p:cTn>
+                                        <p:tgtEl>
+                                          <p:spTgt spid="3">
+                                            <p:txEl>
+                                              <p:pRg st="4" end="4"/>
+                                            </p:txEl>
+                                          </p:spTgt>
+                                        </p:tgtEl>
+                                        <p:attrNameLst>
+                                          <p:attrName>style.visibility</p:attrName>
+                                        </p:attrNameLst>
+                                      </p:cBhvr>
+                                      <p:to>
+                                        <p:strVal val="visible"/>
+                                      </p:to>
+                                    </p:set>
+                                  </p:childTnLst>
+                                </p:cTn>
+                              </p:par>
+                            </p:childTnLst>
+                          </p:cTn>
+                        </p:par>
+                      </p:childTnLst>
+                    </p:cTn>
+                  </p:par>
+                  <p:par>
+                    <p:cTn id="19" fill="hold">
+                      <p:stCondLst>
+                        <p:cond delay="indefinite"/>
+                      </p:stCondLst>
+                      <p:childTnLst>
+                        <p:par>
+                          <p:cTn id="20" fill="hold">
+                            <p:stCondLst>
+                              <p:cond delay="0"/>
+                            </p:stCondLst>
+                            <p:childTnLst>
+                              <p:par>
+                                <p:cTn id="21" presetID="1" presetClass="entr" presetSubtype="0" fill="hold" grpId="0" nodeType="clickEffect">
+                                  <p:stCondLst>
+                                    <p:cond delay="0"/>
+                                  </p:stCondLst>
+                                  <p:childTnLst>
+                                    <p:set>
+                                      <p:cBhvr>
+                                        <p:cTn id="22" dur="1" fill="hold">
+                                          <p:stCondLst>
+                                            <p:cond delay="0"/>
+                                          </p:stCondLst>
+                                        </p:cTn>
+                                        <p:tgtEl>
+                                          <p:spTgt spid="3">
+                                            <p:txEl>
+                                              <p:pRg st="5" end="5"/>
+                                            </p:txEl>
+                                          </p:spTgt>
+                                        </p:tgtEl>
+                                        <p:attrNameLst>
+                                          <p:attrName>style.visibility</p:attrName>
+                                        </p:attrNameLst>
+                                      </p:cBhvr>
+                                      <p:to>
+                                        <p:strVal val="visible"/>
+                                      </p:to>
+                                    </p:set>
+                                  </p:childTnLst>
+                                </p:cTn>
+                              </p:par>
+                            </p:childTnLst>
+                          </p:cTn>
+                        </p:par>
+                      </p:childTnLst>
+                    </p:cTn>
+                  </p:par>
+                  <p:par>
+                    <p:cTn id="23" fill="hold">
+                      <p:stCondLst>
+                        <p:cond delay="indefinite"/>
+                      </p:stCondLst>
+                      <p:childTnLst>
+                        <p:par>
+                          <p:cTn id="24" fill="hold">
+                            <p:stCondLst>
+                              <p:cond delay="0"/>
+                            </p:stCondLst>
+                            <p:childTnLst>
+                              <p:par>
+                                <p:cTn id="25" presetID="1" presetClass="entr" presetSubtype="0" fill="hold" grpId="0" nodeType="clickEffect">
+                                  <p:stCondLst>
+                                    <p:cond delay="0"/>
+                                  </p:stCondLst>
+                                  <p:childTnLst>
+                                    <p:set>
+                                      <p:cBhvr>
+                                        <p:cTn id="26" dur="1" fill="hold">
+                                          <p:stCondLst>
+                                            <p:cond delay="0"/>
+                                          </p:stCondLst>
+                                        </p:cTn>
+                                        <p:tgtEl>
+                                          <p:spTgt spid="3">
+                                            <p:txEl>
+                                              <p:pRg st="6" end="6"/>
+                                            </p:txEl>
+                                          </p:spTgt>
+                                        </p:tgtEl>
+                                        <p:attrNameLst>
+                                          <p:attrName>style.visibility</p:attrName>
+                                        </p:attrNameLst>
+                                      </p:cBhvr>
+                                      <p:to>
+                                        <p:strVal val="visible"/>
+                                      </p:to>
+                                    </p:set>
+                                  </p:childTnLst>
+                                </p:cTn>
+                              </p:par>
+                            </p:childTnLst>
+                          </p:cTn>
+                        </p:par>
+                      </p:childTnLst>
+                    </p:cTn>
+                  </p:par>
+                  <p:par>
+                    <p:cTn id="27" fill="hold">
+                      <p:stCondLst>
+                        <p:cond delay="indefinite"/>
+                      </p:stCondLst>
+                      <p:childTnLst>
+                        <p:par>
+                          <p:cTn id="28" fill="hold">
+                            <p:stCondLst>
+                              <p:cond delay="0"/>
+                            </p:stCondLst>
+                            <p:childTnLst>
+                              <p:par>
+                                <p:cTn id="29" presetID="1" presetClass="entr" presetSubtype="0" fill="hold" grpId="0" nodeType="clickEffect">
+                                  <p:stCondLst>
+                                    <p:cond delay="0"/>
+                                  </p:stCondLst>
+                                  <p:childTnLst>
+                                    <p:set>
+                                      <p:cBhvr>
+                                        <p:cTn id="30" dur="1" fill="hold">
+                                          <p:stCondLst>
+                                            <p:cond delay="0"/>
+                                          </p:stCondLst>
+                                        </p:cTn>
+                                        <p:tgtEl>
+                                          <p:spTgt spid="3">
+                                            <p:txEl>
+                                              <p:pRg st="7" end="7"/>
+                                            </p:txEl>
+                                          </p:spTgt>
+                                        </p:tgtEl>
+                                        <p:attrNameLst>
+                                          <p:attrName>style.visibility</p:attrName>
+                                        </p:attrNameLst>
+                                      </p:cBhvr>
+                                      <p:to>
+                                        <p:strVal val="visible"/>
+                                      </p:to>
+                                    </p:set>
+                                  </p:childTnLst>
+                                </p:cTn>
+                              </p:par>
+                            </p:childTnLst>
+                          </p:cTn>
+                        </p:par>
+                      </p:childTnLst>
+                    </p:cTn>
+                  </p:par>
+                  <p:par>
+                    <p:cTn id="31" fill="hold">
+                      <p:stCondLst>
+                        <p:cond delay="indefinite"/>
+                      </p:stCondLst>
+                      <p:childTnLst>
+                        <p:par>
+                          <p:cTn id="32" fill="hold">
+                            <p:stCondLst>
+                              <p:cond delay="0"/>
+                            </p:stCondLst>
+                            <p:childTnLst>
+                              <p:par>
+                                <p:cTn id="33" presetID="1" presetClass="entr" presetSubtype="0" fill="hold" grpId="0" nodeType="clickEffect">
+                                  <p:stCondLst>
+                                    <p:cond delay="0"/>
+                                  </p:stCondLst>
+                                  <p:childTnLst>
+                                    <p:set>
+                                      <p:cBhvr>
+                                        <p:cTn id="34" dur="1" fill="hold">
+                                          <p:stCondLst>
+                                            <p:cond delay="0"/>
+                                          </p:stCondLst>
+                                        </p:cTn>
+                                        <p:tgtEl>
+                                          <p:spTgt spid="3">
+                                            <p:txEl>
+                                              <p:pRg st="8" end="8"/>
+                                            </p:txEl>
+                                          </p:spTgt>
+                                        </p:tgtEl>
+                                        <p:attrNameLst>
+                                          <p:attrName>style.visibility</p:attrName>
+                                        </p:attrNameLst>
+                                      </p:cBhvr>
+                                      <p:to>
+                                        <p:strVal val="visible"/>
+                                      </p:to>
+                                    </p:set>
+                                  </p:childTnLst>
+                                </p:cTn>
+                              </p:par>
+                            </p:childTnLst>
+                          </p:cTn>
+                        </p:par>
+                      </p:childTnLst>
+                    </p:cTn>
+                  </p:par>
+                  <p:par>
+                    <p:cTn id="35" fill="hold">
+                      <p:stCondLst>
+                        <p:cond delay="indefinite"/>
+                      </p:stCondLst>
+                      <p:childTnLst>
+                        <p:par>
+                          <p:cTn id="36" fill="hold">
+                            <p:stCondLst>
+                              <p:cond delay="0"/>
+                            </p:stCondLst>
+                            <p:childTnLst>
+                              <p:par>
+                                <p:cTn id="37" presetID="1" presetClass="entr" presetSubtype="0" fill="hold" grpId="0" nodeType="clickEffect">
+                                  <p:stCondLst>
+                                    <p:cond delay="0"/>
+                                  </p:stCondLst>
+                                  <p:childTnLst>
+                                    <p:set>
+                                      <p:cBhvr>
+                                        <p:cTn id="38" dur="1" fill="hold">
+                                          <p:stCondLst>
+                                            <p:cond delay="0"/>
+                                          </p:stCondLst>
+                                        </p:cTn>
+                                        <p:tgtEl>
+                                          <p:spTgt spid="3">
+                                            <p:txEl>
+                                              <p:pRg st="9" end="9"/>
+                                            </p:txEl>
+                                          </p:spTgt>
+                                        </p:tgtEl>
+                                        <p:attrNameLst>
+                                          <p:attrName>style.visibility</p:attrName>
+                                        </p:attrNameLst>
+                                      </p:cBhvr>
+                                      <p:to>
+                                        <p:strVal val="visible"/>
+                                      </p:to>
+                                    </p:set>
+                                  </p:childTnLst>
+                                </p:cTn>
+                              </p:par>
+                            </p:childTnLst>
+                          </p:cTn>
+                        </p:par>
+                      </p:childTnLst>
+                    </p:cTn>
+                  </p:par>
+                  <p:par>
+                    <p:cTn id="39" fill="hold">
+                      <p:stCondLst>
+                        <p:cond delay="indefinite"/>
+                      </p:stCondLst>
+                      <p:childTnLst>
+                        <p:par>
+                          <p:cTn id="40" fill="hold">
+                            <p:stCondLst>
+                              <p:cond delay="0"/>
+                            </p:stCondLst>
+                            <p:childTnLst>
+                              <p:par>
+                                <p:cTn id="41" presetID="1" presetClass="entr" presetSubtype="0" fill="hold" grpId="0" nodeType="clickEffect">
+                                  <p:stCondLst>
+                                    <p:cond delay="0"/>
+                                  </p:stCondLst>
+                                  <p:childTnLst>
+                                    <p:set>
+                                      <p:cBhvr>
+                                        <p:cTn id="42" dur="1" fill="hold">
+                                          <p:stCondLst>
+                                            <p:cond delay="0"/>
+                                          </p:stCondLst>
+                                        </p:cTn>
+                                        <p:tgtEl>
+                                          <p:spTgt spid="3">
+                                            <p:txEl>
+                                              <p:pRg st="10" end="10"/>
+                                            </p:txEl>
+                                          </p:spTgt>
+                                        </p:tgtEl>
+                                        <p:attrNameLst>
+                                          <p:attrName>style.visibility</p:attrName>
+                                        </p:attrNameLst>
+                                      </p:cBhvr>
+                                      <p:to>
+                                        <p:strVal val="visible"/>
+                                      </p:to>
+                                    </p:set>
+                                  </p:childTnLst>
+                                </p:cTn>
+                              </p:par>
+                            </p:childTnLst>
+                          </p:cTn>
+                        </p:par>
+                      </p:childTnLst>
+                    </p:cTn>
+                  </p:par>
+                </p:childTnLst>
+              </p:cTn>
+              <p:prevCondLst>
+                <p:cond evt="onPrev" delay="0">
+                  <p:tgtEl>
+                    <p:sldTgt/>
+                  </p:tgtEl>
+                </p:cond>
+              </p:prevCondLst>
+              <p:nextCondLst>
+                <p:cond evt="onNext" delay="0">
+                  <p:tgtEl>
+                    <p:sldTgt/>
+                  </p:tgtEl>
+                </p:cond>
+              </p:nextCondLst>
+            </p:seq>
+          </p:childTnLst>
+        </p:cTn>
+      </p:par>
+    </p:tnLst>
+    <p:bldLst>
+      <p:bldP spid="3" grpId="0" uiExpand="1" build="p"/>
+    </p:bldLst>
+  </p:timing>
+</p:sld>
+</file>
+
+<file path=ppt/slides/slide13.xml><?xml version="1.0" encoding="utf-8"?>
+<p:sld xmlns:a="http://schemas.openxmlformats.org/drawingml/2006/main" xmlns:r="http://schemas.openxmlformats.org/officeDocument/2006/relationships" xmlns:p="http://schemas.openxmlformats.org/presentationml/2006/main">
+  <p:cSld>
+    <p:spTree>
+      <p:nvGrpSpPr>
+        <p:cNvPr id="1" name=""/>
+        <p:cNvGrpSpPr/>
+        <p:nvPr/>
+      </p:nvGrpSpPr>
+      <p:grpSpPr>
+        <a:xfrm>
+          <a:off x="0" y="0"/>
+          <a:ext cx="0" cy="0"/>
+          <a:chOff x="0" y="0"/>
+          <a:chExt cx="0" cy="0"/>
+        </a:xfrm>
+      </p:grpSpPr>
+      <p:sp>
+        <p:nvSpPr>
+          <p:cNvPr id="3" name="Content Placeholder 2"/>
+          <p:cNvSpPr>
+            <a:spLocks noGrp="1"/>
+          </p:cNvSpPr>
+          <p:nvPr>
+            <p:ph idx="1"/>
+          </p:nvPr>
+        </p:nvSpPr>
+        <p:spPr/>
+        <p:txBody>
+          <a:bodyPr/>
+          <a:lstStyle/>
+          <a:p>
+            <a:pPr lvl="0" indent="0" marL="0">
+              <a:spcBef>
+                <a:spcPts val="3000"/>
+              </a:spcBef>
+              <a:buNone/>
+            </a:pPr>
+            <a:r>
+              <a:rPr b="1"/>
+              <a:t>시트(Sheets)</a:t>
+            </a:r>
+          </a:p>
+          <a:p>
+            <a:pPr lvl="0"/>
+            <a:r>
+              <a:rPr/>
+              <a:t>테이블, 데이터베이스(노션)와 논리적으로 같은 단위</a:t>
+            </a:r>
+          </a:p>
+          <a:p>
+            <a:pPr lvl="0"/>
+            <a:r>
+              <a:rPr/>
+              <a:t>행렬, 2차원 배열</a:t>
+            </a:r>
+          </a:p>
+          <a:p>
+            <a:pPr lvl="0" indent="0" marL="0">
+              <a:spcBef>
+                <a:spcPts val="3000"/>
+              </a:spcBef>
+              <a:buNone/>
+            </a:pPr>
+            <a:r>
+              <a:rPr b="1"/>
+              <a:t>워크시트(Worksheets)</a:t>
+            </a:r>
+          </a:p>
+          <a:p>
+            <a:pPr lvl="0"/>
+            <a:r>
+              <a:rPr/>
+              <a:t>여러 개의 시트를 포함하는 스프레드시트 문서의 단위</a:t>
+            </a:r>
+          </a:p>
+          <a:p>
+            <a:pPr lvl="1"/>
+            <a:r>
+              <a:rPr/>
+              <a:t>수식에서 다른 시트의 셀 주소를 참조할 수 있다.</a:t>
+            </a:r>
+          </a:p>
+          <a:p>
+            <a:pPr lvl="2"/>
+            <a:r>
+              <a:rPr>
+                <a:latin typeface="Courier"/>
+              </a:rPr>
+              <a:t>‘시트이름’!셀주소</a:t>
+            </a:r>
+          </a:p>
+          <a:p>
+            <a:pPr lvl="0"/>
+            <a:r>
+              <a:rPr/>
+              <a:t>워크시트를 하나의 문서로 취급해서</a:t>
+            </a:r>
+          </a:p>
+          <a:p>
+            <a:pPr lvl="1"/>
+            <a:r>
+              <a:rPr/>
+              <a:t>공유</a:t>
+            </a:r>
+          </a:p>
+          <a:p>
+            <a:pPr lvl="1"/>
+            <a:r>
+              <a:rPr/>
+              <a:t>열고/생성하고/저장하는 단위</a:t>
+            </a:r>
+          </a:p>
+          <a:p>
+            <a:pPr lvl="0"/>
+            <a:r>
+              <a:rPr/>
+              <a:t>다른 워크시트를 참조하는 방법</a:t>
+            </a:r>
+          </a:p>
+        </p:txBody>
+      </p:sp>
+    </p:spTree>
+  </p:cSld>
+  <p:timing>
+    <p:tnLst>
+      <p:par>
+        <p:cTn id="1" dur="indefinite" restart="never" nodeType="tmRoot">
+          <p:childTnLst>
+            <p:seq concurrent="1" nextAc="seek">
+              <p:cTn id="2" dur="indefinite" nodeType="mainSeq">
+                <p:childTnLst>
+                  <p:par>
+                    <p:cTn id="3" fill="hold">
+                      <p:stCondLst>
+                        <p:cond delay="indefinite"/>
+                      </p:stCondLst>
+                      <p:childTnLst>
+                        <p:par>
+                          <p:cTn id="4" fill="hold">
+                            <p:stCondLst>
+                              <p:cond delay="0"/>
+                            </p:stCondLst>
+                            <p:childTnLst>
+                              <p:par>
+                                <p:cTn id="5" presetID="1" presetClass="entr" presetSubtype="0" fill="hold" grpId="0" nodeType="clickEffect">
+                                  <p:stCondLst>
+                                    <p:cond delay="0"/>
+                                  </p:stCondLst>
+                                  <p:childTnLst>
+                                    <p:set>
+                                      <p:cBhvr>
+                                        <p:cTn id="6" dur="1" fill="hold">
+                                          <p:stCondLst>
+                                            <p:cond delay="0"/>
+                                          </p:stCondLst>
+                                        </p:cTn>
+                                        <p:tgtEl>
+                                          <p:spTgt spid="3">
+                                            <p:txEl>
+                                              <p:pRg st="1" end="1"/>
+                                            </p:txEl>
+                                          </p:spTgt>
+                                        </p:tgtEl>
+                                        <p:attrNameLst>
+                                          <p:attrName>style.visibility</p:attrName>
+                                        </p:attrNameLst>
+                                      </p:cBhvr>
+                                      <p:to>
+                                        <p:strVal val="visible"/>
+                                      </p:to>
+                                    </p:set>
+                                  </p:childTnLst>
+                                </p:cTn>
+                              </p:par>
+                            </p:childTnLst>
+                          </p:cTn>
+                        </p:par>
+                      </p:childTnLst>
+                    </p:cTn>
+                  </p:par>
+                  <p:par>
+                    <p:cTn id="7" fill="hold">
+                      <p:stCondLst>
+                        <p:cond delay="indefinite"/>
+                      </p:stCondLst>
+                      <p:childTnLst>
+                        <p:par>
+                          <p:cTn id="8" fill="hold">
+                            <p:stCondLst>
+                              <p:cond delay="0"/>
+                            </p:stCondLst>
+                            <p:childTnLst>
+                              <p:par>
+                                <p:cTn id="9" presetID="1" presetClass="entr" presetSubtype="0" fill="hold" grpId="0" nodeType="clickEffect">
+                                  <p:stCondLst>
+                                    <p:cond delay="0"/>
+                                  </p:stCondLst>
+                                  <p:childTnLst>
+                                    <p:set>
+                                      <p:cBhvr>
+                                        <p:cTn id="10" dur="1" fill="hold">
+                                          <p:stCondLst>
+                                            <p:cond delay="0"/>
+                                          </p:stCondLst>
+                                        </p:cTn>
+                                        <p:tgtEl>
+                                          <p:spTgt spid="3">
+                                            <p:txEl>
+                                              <p:pRg st="2" end="2"/>
                                             </p:txEl>
                                           </p:spTgt>
                                         </p:tgtEl>
@@ -5247,7 +5864,7601 @@
 </p:sld>
 </file>
 
+<file path=ppt/slides/slide14.xml><?xml version="1.0" encoding="utf-8"?>
+<p:sld xmlns:a="http://schemas.openxmlformats.org/drawingml/2006/main" xmlns:r="http://schemas.openxmlformats.org/officeDocument/2006/relationships" xmlns:p="http://schemas.openxmlformats.org/presentationml/2006/main">
+  <p:cSld>
+    <p:spTree>
+      <p:nvGrpSpPr>
+        <p:cNvPr id="1" name=""/>
+        <p:cNvGrpSpPr/>
+        <p:nvPr/>
+      </p:nvGrpSpPr>
+      <p:grpSpPr>
+        <a:xfrm>
+          <a:off x="0" y="0"/>
+          <a:ext cx="0" cy="0"/>
+          <a:chOff x="0" y="0"/>
+          <a:chExt cx="0" cy="0"/>
+        </a:xfrm>
+      </p:grpSpPr>
+      <p:sp>
+        <p:nvSpPr>
+          <p:cNvPr id="2" name="Title 1"/>
+          <p:cNvSpPr>
+            <a:spLocks noGrp="1"/>
+          </p:cNvSpPr>
+          <p:nvPr>
+            <p:ph type="title"/>
+          </p:nvPr>
+        </p:nvSpPr>
+        <p:spPr/>
+        <p:txBody>
+          <a:bodyPr/>
+          <a:lstStyle/>
+          <a:p>
+            <a:pPr lvl="0" indent="0" marL="0">
+              <a:buNone/>
+            </a:pPr>
+            <a:r>
+              <a:rPr/>
+              <a:t>참조(Reference)</a:t>
+            </a:r>
+          </a:p>
+        </p:txBody>
+      </p:sp>
+      <p:sp>
+        <p:nvSpPr>
+          <p:cNvPr id="3" name="Content Placeholder 2"/>
+          <p:cNvSpPr>
+            <a:spLocks noGrp="1"/>
+          </p:cNvSpPr>
+          <p:nvPr>
+            <p:ph idx="1"/>
+          </p:nvPr>
+        </p:nvSpPr>
+        <p:spPr/>
+        <p:txBody>
+          <a:bodyPr/>
+          <a:lstStyle/>
+          <a:p>
+            <a:pPr lvl="0"/>
+            <a:r>
+              <a:rPr/>
+              <a:t>연결되어서 계산의 항으로 사용되는 데이터</a:t>
+            </a:r>
+          </a:p>
+          <a:p>
+            <a:pPr lvl="0" indent="0" marL="0">
+              <a:spcBef>
+                <a:spcPts val="3000"/>
+              </a:spcBef>
+              <a:buNone/>
+            </a:pPr>
+            <a:r>
+              <a:rPr b="1"/>
+              <a:t>상대참조</a:t>
+            </a:r>
+          </a:p>
+          <a:p>
+            <a:pPr lvl="0"/>
+            <a:r>
+              <a:rPr/>
+              <a:t>모든 참조의 기본값(디폴트)은 상대참조</a:t>
+            </a:r>
+          </a:p>
+          <a:p>
+            <a:pPr lvl="0" indent="0" marL="0">
+              <a:spcBef>
+                <a:spcPts val="3000"/>
+              </a:spcBef>
+              <a:buNone/>
+            </a:pPr>
+            <a:r>
+              <a:rPr b="1"/>
+              <a:t>절대참조</a:t>
+            </a:r>
+          </a:p>
+          <a:p>
+            <a:pPr lvl="0"/>
+            <a:r>
+              <a:rPr/>
+              <a:t>수식 편집기에서 </a:t>
+            </a:r>
+            <a:r>
+              <a:rPr>
+                <a:latin typeface="Courier"/>
+              </a:rPr>
+              <a:t>F4</a:t>
+            </a:r>
+          </a:p>
+          <a:p>
+            <a:pPr lvl="0"/>
+            <a:r>
+              <a:rPr/>
+              <a:t>행 번호 또는 열 번호에 절대참조를 따로 붙일 수 있다. - </a:t>
+            </a:r>
+            <a:r>
+              <a:rPr>
+                <a:latin typeface="Courier"/>
+              </a:rPr>
+              <a:t>$</a:t>
+            </a:r>
+            <a:r>
+              <a:rPr/>
+              <a:t> 사인을 각각의 행번호 또는 열 번호 붙임</a:t>
+            </a:r>
+          </a:p>
+        </p:txBody>
+      </p:sp>
+    </p:spTree>
+  </p:cSld>
+  <p:timing>
+    <p:tnLst>
+      <p:par>
+        <p:cTn id="1" dur="indefinite" restart="never" nodeType="tmRoot">
+          <p:childTnLst>
+            <p:seq concurrent="1" nextAc="seek">
+              <p:cTn id="2" dur="indefinite" nodeType="mainSeq">
+                <p:childTnLst>
+                  <p:par>
+                    <p:cTn id="3" fill="hold">
+                      <p:stCondLst>
+                        <p:cond delay="indefinite"/>
+                      </p:stCondLst>
+                      <p:childTnLst>
+                        <p:par>
+                          <p:cTn id="4" fill="hold">
+                            <p:stCondLst>
+                              <p:cond delay="0"/>
+                            </p:stCondLst>
+                            <p:childTnLst>
+                              <p:par>
+                                <p:cTn id="5" presetID="1" presetClass="entr" presetSubtype="0" fill="hold" grpId="0" nodeType="clickEffect">
+                                  <p:stCondLst>
+                                    <p:cond delay="0"/>
+                                  </p:stCondLst>
+                                  <p:childTnLst>
+                                    <p:set>
+                                      <p:cBhvr>
+                                        <p:cTn id="6" dur="1" fill="hold">
+                                          <p:stCondLst>
+                                            <p:cond delay="0"/>
+                                          </p:stCondLst>
+                                        </p:cTn>
+                                        <p:tgtEl>
+                                          <p:spTgt spid="3">
+                                            <p:txEl>
+                                              <p:pRg st="0" end="0"/>
+                                            </p:txEl>
+                                          </p:spTgt>
+                                        </p:tgtEl>
+                                        <p:attrNameLst>
+                                          <p:attrName>style.visibility</p:attrName>
+                                        </p:attrNameLst>
+                                      </p:cBhvr>
+                                      <p:to>
+                                        <p:strVal val="visible"/>
+                                      </p:to>
+                                    </p:set>
+                                  </p:childTnLst>
+                                </p:cTn>
+                              </p:par>
+                            </p:childTnLst>
+                          </p:cTn>
+                        </p:par>
+                      </p:childTnLst>
+                    </p:cTn>
+                  </p:par>
+                  <p:par>
+                    <p:cTn id="7" fill="hold">
+                      <p:stCondLst>
+                        <p:cond delay="indefinite"/>
+                      </p:stCondLst>
+                      <p:childTnLst>
+                        <p:par>
+                          <p:cTn id="8" fill="hold">
+                            <p:stCondLst>
+                              <p:cond delay="0"/>
+                            </p:stCondLst>
+                            <p:childTnLst>
+                              <p:par>
+                                <p:cTn id="9" presetID="1" presetClass="entr" presetSubtype="0" fill="hold" grpId="0" nodeType="clickEffect">
+                                  <p:stCondLst>
+                                    <p:cond delay="0"/>
+                                  </p:stCondLst>
+                                  <p:childTnLst>
+                                    <p:set>
+                                      <p:cBhvr>
+                                        <p:cTn id="10" dur="1" fill="hold">
+                                          <p:stCondLst>
+                                            <p:cond delay="0"/>
+                                          </p:stCondLst>
+                                        </p:cTn>
+                                        <p:tgtEl>
+                                          <p:spTgt spid="3">
+                                            <p:txEl>
+                                              <p:pRg st="2" end="2"/>
+                                            </p:txEl>
+                                          </p:spTgt>
+                                        </p:tgtEl>
+                                        <p:attrNameLst>
+                                          <p:attrName>style.visibility</p:attrName>
+                                        </p:attrNameLst>
+                                      </p:cBhvr>
+                                      <p:to>
+                                        <p:strVal val="visible"/>
+                                      </p:to>
+                                    </p:set>
+                                  </p:childTnLst>
+                                </p:cTn>
+                              </p:par>
+                            </p:childTnLst>
+                          </p:cTn>
+                        </p:par>
+                      </p:childTnLst>
+                    </p:cTn>
+                  </p:par>
+                  <p:par>
+                    <p:cTn id="11" fill="hold">
+                      <p:stCondLst>
+                        <p:cond delay="indefinite"/>
+                      </p:stCondLst>
+                      <p:childTnLst>
+                        <p:par>
+                          <p:cTn id="12" fill="hold">
+                            <p:stCondLst>
+                              <p:cond delay="0"/>
+                            </p:stCondLst>
+                            <p:childTnLst>
+                              <p:par>
+                                <p:cTn id="13" presetID="1" presetClass="entr" presetSubtype="0" fill="hold" grpId="0" nodeType="clickEffect">
+                                  <p:stCondLst>
+                                    <p:cond delay="0"/>
+                                  </p:stCondLst>
+                                  <p:childTnLst>
+                                    <p:set>
+                                      <p:cBhvr>
+                                        <p:cTn id="14" dur="1" fill="hold">
+                                          <p:stCondLst>
+                                            <p:cond delay="0"/>
+                                          </p:stCondLst>
+                                        </p:cTn>
+                                        <p:tgtEl>
+                                          <p:spTgt spid="3">
+                                            <p:txEl>
+                                              <p:pRg st="4" end="4"/>
+                                            </p:txEl>
+                                          </p:spTgt>
+                                        </p:tgtEl>
+                                        <p:attrNameLst>
+                                          <p:attrName>style.visibility</p:attrName>
+                                        </p:attrNameLst>
+                                      </p:cBhvr>
+                                      <p:to>
+                                        <p:strVal val="visible"/>
+                                      </p:to>
+                                    </p:set>
+                                  </p:childTnLst>
+                                </p:cTn>
+                              </p:par>
+                            </p:childTnLst>
+                          </p:cTn>
+                        </p:par>
+                      </p:childTnLst>
+                    </p:cTn>
+                  </p:par>
+                  <p:par>
+                    <p:cTn id="15" fill="hold">
+                      <p:stCondLst>
+                        <p:cond delay="indefinite"/>
+                      </p:stCondLst>
+                      <p:childTnLst>
+                        <p:par>
+                          <p:cTn id="16" fill="hold">
+                            <p:stCondLst>
+                              <p:cond delay="0"/>
+                            </p:stCondLst>
+                            <p:childTnLst>
+                              <p:par>
+                                <p:cTn id="17" presetID="1" presetClass="entr" presetSubtype="0" fill="hold" grpId="0" nodeType="clickEffect">
+                                  <p:stCondLst>
+                                    <p:cond delay="0"/>
+                                  </p:stCondLst>
+                                  <p:childTnLst>
+                                    <p:set>
+                                      <p:cBhvr>
+                                        <p:cTn id="18" dur="1" fill="hold">
+                                          <p:stCondLst>
+                                            <p:cond delay="0"/>
+                                          </p:stCondLst>
+                                        </p:cTn>
+                                        <p:tgtEl>
+                                          <p:spTgt spid="3">
+                                            <p:txEl>
+                                              <p:pRg st="5" end="5"/>
+                                            </p:txEl>
+                                          </p:spTgt>
+                                        </p:tgtEl>
+                                        <p:attrNameLst>
+                                          <p:attrName>style.visibility</p:attrName>
+                                        </p:attrNameLst>
+                                      </p:cBhvr>
+                                      <p:to>
+                                        <p:strVal val="visible"/>
+                                      </p:to>
+                                    </p:set>
+                                  </p:childTnLst>
+                                </p:cTn>
+                              </p:par>
+                            </p:childTnLst>
+                          </p:cTn>
+                        </p:par>
+                      </p:childTnLst>
+                    </p:cTn>
+                  </p:par>
+                </p:childTnLst>
+              </p:cTn>
+              <p:prevCondLst>
+                <p:cond evt="onPrev" delay="0">
+                  <p:tgtEl>
+                    <p:sldTgt/>
+                  </p:tgtEl>
+                </p:cond>
+              </p:prevCondLst>
+              <p:nextCondLst>
+                <p:cond evt="onNext" delay="0">
+                  <p:tgtEl>
+                    <p:sldTgt/>
+                  </p:tgtEl>
+                </p:cond>
+              </p:nextCondLst>
+            </p:seq>
+          </p:childTnLst>
+        </p:cTn>
+      </p:par>
+    </p:tnLst>
+    <p:bldLst>
+      <p:bldP spid="3" grpId="0" uiExpand="1" build="p"/>
+    </p:bldLst>
+  </p:timing>
+</p:sld>
+</file>
+
+<file path=ppt/slides/slide15.xml><?xml version="1.0" encoding="utf-8"?>
+<p:sld xmlns:a="http://schemas.openxmlformats.org/drawingml/2006/main" xmlns:r="http://schemas.openxmlformats.org/officeDocument/2006/relationships" xmlns:p="http://schemas.openxmlformats.org/presentationml/2006/main">
+  <p:cSld>
+    <p:spTree>
+      <p:nvGrpSpPr>
+        <p:cNvPr id="1" name=""/>
+        <p:cNvGrpSpPr/>
+        <p:nvPr/>
+      </p:nvGrpSpPr>
+      <p:grpSpPr>
+        <a:xfrm>
+          <a:off x="0" y="0"/>
+          <a:ext cx="0" cy="0"/>
+          <a:chOff x="0" y="0"/>
+          <a:chExt cx="0" cy="0"/>
+        </a:xfrm>
+      </p:grpSpPr>
+      <p:sp>
+        <p:nvSpPr>
+          <p:cNvPr id="2" name="Title 1"/>
+          <p:cNvSpPr>
+            <a:spLocks noGrp="1"/>
+          </p:cNvSpPr>
+          <p:nvPr>
+            <p:ph type="title"/>
+          </p:nvPr>
+        </p:nvSpPr>
+        <p:spPr/>
+        <p:txBody>
+          <a:bodyPr/>
+          <a:lstStyle/>
+          <a:p>
+            <a:pPr lvl="0" indent="0" marL="0">
+              <a:buNone/>
+            </a:pPr>
+            <a:r>
+              <a:rPr/>
+              <a:t>서식(Formats)</a:t>
+            </a:r>
+          </a:p>
+        </p:txBody>
+      </p:sp>
+      <p:sp>
+        <p:nvSpPr>
+          <p:cNvPr id="3" name="Content Placeholder 2"/>
+          <p:cNvSpPr>
+            <a:spLocks noGrp="1"/>
+          </p:cNvSpPr>
+          <p:nvPr>
+            <p:ph idx="1"/>
+          </p:nvPr>
+        </p:nvSpPr>
+        <p:spPr/>
+        <p:txBody>
+          <a:bodyPr/>
+          <a:lstStyle/>
+          <a:p>
+            <a:pPr lvl="0"/>
+            <a:r>
+              <a:rPr/>
+              <a:t>값을 표시하는 다른 방법</a:t>
+            </a:r>
+          </a:p>
+          <a:p>
+            <a:pPr lvl="0" indent="0" marL="0">
+              <a:spcBef>
+                <a:spcPts val="3000"/>
+              </a:spcBef>
+              <a:buNone/>
+            </a:pPr>
+            <a:r>
+              <a:rPr b="1"/>
+              <a:t>숫자를 나타내는 방법</a:t>
+            </a:r>
+          </a:p>
+          <a:p>
+            <a:pPr lvl="0"/>
+            <a:r>
+              <a:rPr/>
+              <a:t>숫자</a:t>
+            </a:r>
+          </a:p>
+          <a:p>
+            <a:pPr lvl="0"/>
+            <a:r>
+              <a:rPr/>
+              <a:t>날짜</a:t>
+            </a:r>
+          </a:p>
+          <a:p>
+            <a:pPr lvl="0"/>
+            <a:r>
+              <a:rPr/>
+              <a:t>통화</a:t>
+            </a:r>
+          </a:p>
+          <a:p>
+            <a:pPr lvl="0" indent="0" marL="0">
+              <a:spcBef>
+                <a:spcPts val="3000"/>
+              </a:spcBef>
+              <a:buNone/>
+            </a:pPr>
+            <a:r>
+              <a:rPr b="1"/>
+              <a:t>0을 표시하지 않는 방법</a:t>
+            </a:r>
+          </a:p>
+          <a:p>
+            <a:pPr lvl="0"/>
+            <a:r>
+              <a:rPr/>
+              <a:t>조건부 서식을 이용</a:t>
+            </a:r>
+          </a:p>
+          <a:p>
+            <a:pPr lvl="0"/>
+            <a:r>
+              <a:rPr/>
+              <a:t>숫자 서식을 이용</a:t>
+            </a:r>
+          </a:p>
+        </p:txBody>
+      </p:sp>
+    </p:spTree>
+  </p:cSld>
+  <p:timing>
+    <p:tnLst>
+      <p:par>
+        <p:cTn id="1" dur="indefinite" restart="never" nodeType="tmRoot">
+          <p:childTnLst>
+            <p:seq concurrent="1" nextAc="seek">
+              <p:cTn id="2" dur="indefinite" nodeType="mainSeq">
+                <p:childTnLst>
+                  <p:par>
+                    <p:cTn id="3" fill="hold">
+                      <p:stCondLst>
+                        <p:cond delay="indefinite"/>
+                      </p:stCondLst>
+                      <p:childTnLst>
+                        <p:par>
+                          <p:cTn id="4" fill="hold">
+                            <p:stCondLst>
+                              <p:cond delay="0"/>
+                            </p:stCondLst>
+                            <p:childTnLst>
+                              <p:par>
+                                <p:cTn id="5" presetID="1" presetClass="entr" presetSubtype="0" fill="hold" grpId="0" nodeType="clickEffect">
+                                  <p:stCondLst>
+                                    <p:cond delay="0"/>
+                                  </p:stCondLst>
+                                  <p:childTnLst>
+                                    <p:set>
+                                      <p:cBhvr>
+                                        <p:cTn id="6" dur="1" fill="hold">
+                                          <p:stCondLst>
+                                            <p:cond delay="0"/>
+                                          </p:stCondLst>
+                                        </p:cTn>
+                                        <p:tgtEl>
+                                          <p:spTgt spid="3">
+                                            <p:txEl>
+                                              <p:pRg st="0" end="0"/>
+                                            </p:txEl>
+                                          </p:spTgt>
+                                        </p:tgtEl>
+                                        <p:attrNameLst>
+                                          <p:attrName>style.visibility</p:attrName>
+                                        </p:attrNameLst>
+                                      </p:cBhvr>
+                                      <p:to>
+                                        <p:strVal val="visible"/>
+                                      </p:to>
+                                    </p:set>
+                                  </p:childTnLst>
+                                </p:cTn>
+                              </p:par>
+                            </p:childTnLst>
+                          </p:cTn>
+                        </p:par>
+                      </p:childTnLst>
+                    </p:cTn>
+                  </p:par>
+                  <p:par>
+                    <p:cTn id="7" fill="hold">
+                      <p:stCondLst>
+                        <p:cond delay="indefinite"/>
+                      </p:stCondLst>
+                      <p:childTnLst>
+                        <p:par>
+                          <p:cTn id="8" fill="hold">
+                            <p:stCondLst>
+                              <p:cond delay="0"/>
+                            </p:stCondLst>
+                            <p:childTnLst>
+                              <p:par>
+                                <p:cTn id="9" presetID="1" presetClass="entr" presetSubtype="0" fill="hold" grpId="0" nodeType="clickEffect">
+                                  <p:stCondLst>
+                                    <p:cond delay="0"/>
+                                  </p:stCondLst>
+                                  <p:childTnLst>
+                                    <p:set>
+                                      <p:cBhvr>
+                                        <p:cTn id="10" dur="1" fill="hold">
+                                          <p:stCondLst>
+                                            <p:cond delay="0"/>
+                                          </p:stCondLst>
+                                        </p:cTn>
+                                        <p:tgtEl>
+                                          <p:spTgt spid="3">
+                                            <p:txEl>
+                                              <p:pRg st="2" end="2"/>
+                                            </p:txEl>
+                                          </p:spTgt>
+                                        </p:tgtEl>
+                                        <p:attrNameLst>
+                                          <p:attrName>style.visibility</p:attrName>
+                                        </p:attrNameLst>
+                                      </p:cBhvr>
+                                      <p:to>
+                                        <p:strVal val="visible"/>
+                                      </p:to>
+                                    </p:set>
+                                  </p:childTnLst>
+                                </p:cTn>
+                              </p:par>
+                            </p:childTnLst>
+                          </p:cTn>
+                        </p:par>
+                      </p:childTnLst>
+                    </p:cTn>
+                  </p:par>
+                  <p:par>
+                    <p:cTn id="11" fill="hold">
+                      <p:stCondLst>
+                        <p:cond delay="indefinite"/>
+                      </p:stCondLst>
+                      <p:childTnLst>
+                        <p:par>
+                          <p:cTn id="12" fill="hold">
+                            <p:stCondLst>
+                              <p:cond delay="0"/>
+                            </p:stCondLst>
+                            <p:childTnLst>
+                              <p:par>
+                                <p:cTn id="13" presetID="1" presetClass="entr" presetSubtype="0" fill="hold" grpId="0" nodeType="clickEffect">
+                                  <p:stCondLst>
+                                    <p:cond delay="0"/>
+                                  </p:stCondLst>
+                                  <p:childTnLst>
+                                    <p:set>
+                                      <p:cBhvr>
+                                        <p:cTn id="14" dur="1" fill="hold">
+                                          <p:stCondLst>
+                                            <p:cond delay="0"/>
+                                          </p:stCondLst>
+                                        </p:cTn>
+                                        <p:tgtEl>
+                                          <p:spTgt spid="3">
+                                            <p:txEl>
+                                              <p:pRg st="3" end="3"/>
+                                            </p:txEl>
+                                          </p:spTgt>
+                                        </p:tgtEl>
+                                        <p:attrNameLst>
+                                          <p:attrName>style.visibility</p:attrName>
+                                        </p:attrNameLst>
+                                      </p:cBhvr>
+                                      <p:to>
+                                        <p:strVal val="visible"/>
+                                      </p:to>
+                                    </p:set>
+                                  </p:childTnLst>
+                                </p:cTn>
+                              </p:par>
+                            </p:childTnLst>
+                          </p:cTn>
+                        </p:par>
+                      </p:childTnLst>
+                    </p:cTn>
+                  </p:par>
+                  <p:par>
+                    <p:cTn id="15" fill="hold">
+                      <p:stCondLst>
+                        <p:cond delay="indefinite"/>
+                      </p:stCondLst>
+                      <p:childTnLst>
+                        <p:par>
+                          <p:cTn id="16" fill="hold">
+                            <p:stCondLst>
+                              <p:cond delay="0"/>
+                            </p:stCondLst>
+                            <p:childTnLst>
+                              <p:par>
+                                <p:cTn id="17" presetID="1" presetClass="entr" presetSubtype="0" fill="hold" grpId="0" nodeType="clickEffect">
+                                  <p:stCondLst>
+                                    <p:cond delay="0"/>
+                                  </p:stCondLst>
+                                  <p:childTnLst>
+                                    <p:set>
+                                      <p:cBhvr>
+                                        <p:cTn id="18" dur="1" fill="hold">
+                                          <p:stCondLst>
+                                            <p:cond delay="0"/>
+                                          </p:stCondLst>
+                                        </p:cTn>
+                                        <p:tgtEl>
+                                          <p:spTgt spid="3">
+                                            <p:txEl>
+                                              <p:pRg st="4" end="4"/>
+                                            </p:txEl>
+                                          </p:spTgt>
+                                        </p:tgtEl>
+                                        <p:attrNameLst>
+                                          <p:attrName>style.visibility</p:attrName>
+                                        </p:attrNameLst>
+                                      </p:cBhvr>
+                                      <p:to>
+                                        <p:strVal val="visible"/>
+                                      </p:to>
+                                    </p:set>
+                                  </p:childTnLst>
+                                </p:cTn>
+                              </p:par>
+                            </p:childTnLst>
+                          </p:cTn>
+                        </p:par>
+                      </p:childTnLst>
+                    </p:cTn>
+                  </p:par>
+                  <p:par>
+                    <p:cTn id="19" fill="hold">
+                      <p:stCondLst>
+                        <p:cond delay="indefinite"/>
+                      </p:stCondLst>
+                      <p:childTnLst>
+                        <p:par>
+                          <p:cTn id="20" fill="hold">
+                            <p:stCondLst>
+                              <p:cond delay="0"/>
+                            </p:stCondLst>
+                            <p:childTnLst>
+                              <p:par>
+                                <p:cTn id="21" presetID="1" presetClass="entr" presetSubtype="0" fill="hold" grpId="0" nodeType="clickEffect">
+                                  <p:stCondLst>
+                                    <p:cond delay="0"/>
+                                  </p:stCondLst>
+                                  <p:childTnLst>
+                                    <p:set>
+                                      <p:cBhvr>
+                                        <p:cTn id="22" dur="1" fill="hold">
+                                          <p:stCondLst>
+                                            <p:cond delay="0"/>
+                                          </p:stCondLst>
+                                        </p:cTn>
+                                        <p:tgtEl>
+                                          <p:spTgt spid="3">
+                                            <p:txEl>
+                                              <p:pRg st="6" end="6"/>
+                                            </p:txEl>
+                                          </p:spTgt>
+                                        </p:tgtEl>
+                                        <p:attrNameLst>
+                                          <p:attrName>style.visibility</p:attrName>
+                                        </p:attrNameLst>
+                                      </p:cBhvr>
+                                      <p:to>
+                                        <p:strVal val="visible"/>
+                                      </p:to>
+                                    </p:set>
+                                  </p:childTnLst>
+                                </p:cTn>
+                              </p:par>
+                            </p:childTnLst>
+                          </p:cTn>
+                        </p:par>
+                      </p:childTnLst>
+                    </p:cTn>
+                  </p:par>
+                  <p:par>
+                    <p:cTn id="23" fill="hold">
+                      <p:stCondLst>
+                        <p:cond delay="indefinite"/>
+                      </p:stCondLst>
+                      <p:childTnLst>
+                        <p:par>
+                          <p:cTn id="24" fill="hold">
+                            <p:stCondLst>
+                              <p:cond delay="0"/>
+                            </p:stCondLst>
+                            <p:childTnLst>
+                              <p:par>
+                                <p:cTn id="25" presetID="1" presetClass="entr" presetSubtype="0" fill="hold" grpId="0" nodeType="clickEffect">
+                                  <p:stCondLst>
+                                    <p:cond delay="0"/>
+                                  </p:stCondLst>
+                                  <p:childTnLst>
+                                    <p:set>
+                                      <p:cBhvr>
+                                        <p:cTn id="26" dur="1" fill="hold">
+                                          <p:stCondLst>
+                                            <p:cond delay="0"/>
+                                          </p:stCondLst>
+                                        </p:cTn>
+                                        <p:tgtEl>
+                                          <p:spTgt spid="3">
+                                            <p:txEl>
+                                              <p:pRg st="7" end="7"/>
+                                            </p:txEl>
+                                          </p:spTgt>
+                                        </p:tgtEl>
+                                        <p:attrNameLst>
+                                          <p:attrName>style.visibility</p:attrName>
+                                        </p:attrNameLst>
+                                      </p:cBhvr>
+                                      <p:to>
+                                        <p:strVal val="visible"/>
+                                      </p:to>
+                                    </p:set>
+                                  </p:childTnLst>
+                                </p:cTn>
+                              </p:par>
+                            </p:childTnLst>
+                          </p:cTn>
+                        </p:par>
+                      </p:childTnLst>
+                    </p:cTn>
+                  </p:par>
+                </p:childTnLst>
+              </p:cTn>
+              <p:prevCondLst>
+                <p:cond evt="onPrev" delay="0">
+                  <p:tgtEl>
+                    <p:sldTgt/>
+                  </p:tgtEl>
+                </p:cond>
+              </p:prevCondLst>
+              <p:nextCondLst>
+                <p:cond evt="onNext" delay="0">
+                  <p:tgtEl>
+                    <p:sldTgt/>
+                  </p:tgtEl>
+                </p:cond>
+              </p:nextCondLst>
+            </p:seq>
+          </p:childTnLst>
+        </p:cTn>
+      </p:par>
+    </p:tnLst>
+    <p:bldLst>
+      <p:bldP spid="3" grpId="0" uiExpand="1" build="p"/>
+    </p:bldLst>
+  </p:timing>
+</p:sld>
+</file>
+
+<file path=ppt/slides/slide16.xml><?xml version="1.0" encoding="utf-8"?>
+<p:sld xmlns:a="http://schemas.openxmlformats.org/drawingml/2006/main" xmlns:r="http://schemas.openxmlformats.org/officeDocument/2006/relationships" xmlns:p="http://schemas.openxmlformats.org/presentationml/2006/main">
+  <p:cSld>
+    <p:spTree>
+      <p:nvGrpSpPr>
+        <p:cNvPr id="1" name=""/>
+        <p:cNvGrpSpPr/>
+        <p:nvPr/>
+      </p:nvGrpSpPr>
+      <p:grpSpPr>
+        <a:xfrm>
+          <a:off x="0" y="0"/>
+          <a:ext cx="0" cy="0"/>
+          <a:chOff x="0" y="0"/>
+          <a:chExt cx="0" cy="0"/>
+        </a:xfrm>
+      </p:grpSpPr>
+      <p:sp>
+        <p:nvSpPr>
+          <p:cNvPr id="3" name="Content Placeholder 2"/>
+          <p:cNvSpPr>
+            <a:spLocks noGrp="1"/>
+          </p:cNvSpPr>
+          <p:nvPr>
+            <p:ph idx="1"/>
+          </p:nvPr>
+        </p:nvSpPr>
+        <p:spPr/>
+        <p:txBody>
+          <a:bodyPr/>
+          <a:lstStyle/>
+          <a:p>
+            <a:pPr lvl="0" indent="0" marL="0">
+              <a:spcBef>
+                <a:spcPts val="3000"/>
+              </a:spcBef>
+              <a:buNone/>
+            </a:pPr>
+            <a:r>
+              <a:rPr b="1"/>
+              <a:t>구글 시트가 날짜를 처리하는 방법</a:t>
+            </a:r>
+          </a:p>
+          <a:p>
+            <a:pPr lvl="0"/>
+            <a:r>
+              <a:rPr/>
+              <a:t>날짜는 내부적으로 숫자로 처리된다.</a:t>
+            </a:r>
+          </a:p>
+          <a:p>
+            <a:pPr lvl="1"/>
+            <a:r>
+              <a:rPr/>
+              <a:t>숫자 </a:t>
+            </a:r>
+            <a:r>
+              <a:rPr>
+                <a:latin typeface="Courier"/>
+              </a:rPr>
+              <a:t>1</a:t>
+            </a:r>
+            <a:r>
+              <a:rPr/>
+              <a:t>이 하루(24시간)를 의미</a:t>
+            </a:r>
+          </a:p>
+          <a:p>
+            <a:pPr lvl="2"/>
+            <a:r>
+              <a:rPr/>
+              <a:t>시간 단위는 소수점 이하로 표현</a:t>
+            </a:r>
+          </a:p>
+          <a:p>
+            <a:pPr lvl="1"/>
+            <a:r>
+              <a:rPr>
+                <a:latin typeface="Courier"/>
+              </a:rPr>
+              <a:t>today()</a:t>
+            </a:r>
+            <a:r>
+              <a:rPr/>
+              <a:t> 와 </a:t>
+            </a:r>
+            <a:r>
+              <a:rPr>
+                <a:latin typeface="Courier"/>
+              </a:rPr>
+              <a:t>now()</a:t>
+            </a:r>
+            <a:r>
+              <a:rPr/>
+              <a:t>의 차이</a:t>
+            </a:r>
+          </a:p>
+          <a:p>
+            <a:pPr lvl="0"/>
+            <a:r>
+              <a:rPr/>
+              <a:t>시각과 시간</a:t>
+            </a:r>
+          </a:p>
+          <a:p>
+            <a:pPr lvl="1"/>
+            <a:r>
+              <a:rPr/>
+              <a:t>시각은 시간 선 위의 특정 지점</a:t>
+            </a:r>
+          </a:p>
+          <a:p>
+            <a:pPr lvl="1"/>
+            <a:r>
+              <a:rPr/>
+              <a:t>시간은 두 시각 사이의 차잇값</a:t>
+            </a:r>
+          </a:p>
+          <a:p>
+            <a:pPr lvl="0"/>
+            <a:r>
+              <a:rPr/>
+              <a:t>노션 데이터베이스의 시간</a:t>
+            </a:r>
+          </a:p>
+          <a:p>
+            <a:pPr lvl="1"/>
+            <a:r>
+              <a:rPr/>
+              <a:t>Unix Timestamp (밀리초)</a:t>
+            </a:r>
+          </a:p>
+        </p:txBody>
+      </p:sp>
+    </p:spTree>
+  </p:cSld>
+  <p:timing>
+    <p:tnLst>
+      <p:par>
+        <p:cTn id="1" dur="indefinite" restart="never" nodeType="tmRoot">
+          <p:childTnLst>
+            <p:seq concurrent="1" nextAc="seek">
+              <p:cTn id="2" dur="indefinite" nodeType="mainSeq">
+                <p:childTnLst>
+                  <p:par>
+                    <p:cTn id="3" fill="hold">
+                      <p:stCondLst>
+                        <p:cond delay="indefinite"/>
+                      </p:stCondLst>
+                      <p:childTnLst>
+                        <p:par>
+                          <p:cTn id="4" fill="hold">
+                            <p:stCondLst>
+                              <p:cond delay="0"/>
+                            </p:stCondLst>
+                            <p:childTnLst>
+                              <p:par>
+                                <p:cTn id="5" presetID="1" presetClass="entr" presetSubtype="0" fill="hold" grpId="0" nodeType="clickEffect">
+                                  <p:stCondLst>
+                                    <p:cond delay="0"/>
+                                  </p:stCondLst>
+                                  <p:childTnLst>
+                                    <p:set>
+                                      <p:cBhvr>
+                                        <p:cTn id="6" dur="1" fill="hold">
+                                          <p:stCondLst>
+                                            <p:cond delay="0"/>
+                                          </p:stCondLst>
+                                        </p:cTn>
+                                        <p:tgtEl>
+                                          <p:spTgt spid="3">
+                                            <p:txEl>
+                                              <p:pRg st="1" end="1"/>
+                                            </p:txEl>
+                                          </p:spTgt>
+                                        </p:tgtEl>
+                                        <p:attrNameLst>
+                                          <p:attrName>style.visibility</p:attrName>
+                                        </p:attrNameLst>
+                                      </p:cBhvr>
+                                      <p:to>
+                                        <p:strVal val="visible"/>
+                                      </p:to>
+                                    </p:set>
+                                  </p:childTnLst>
+                                </p:cTn>
+                              </p:par>
+                            </p:childTnLst>
+                          </p:cTn>
+                        </p:par>
+                      </p:childTnLst>
+                    </p:cTn>
+                  </p:par>
+                  <p:par>
+                    <p:cTn id="7" fill="hold">
+                      <p:stCondLst>
+                        <p:cond delay="indefinite"/>
+                      </p:stCondLst>
+                      <p:childTnLst>
+                        <p:par>
+                          <p:cTn id="8" fill="hold">
+                            <p:stCondLst>
+                              <p:cond delay="0"/>
+                            </p:stCondLst>
+                            <p:childTnLst>
+                              <p:par>
+                                <p:cTn id="9" presetID="1" presetClass="entr" presetSubtype="0" fill="hold" grpId="0" nodeType="clickEffect">
+                                  <p:stCondLst>
+                                    <p:cond delay="0"/>
+                                  </p:stCondLst>
+                                  <p:childTnLst>
+                                    <p:set>
+                                      <p:cBhvr>
+                                        <p:cTn id="10" dur="1" fill="hold">
+                                          <p:stCondLst>
+                                            <p:cond delay="0"/>
+                                          </p:stCondLst>
+                                        </p:cTn>
+                                        <p:tgtEl>
+                                          <p:spTgt spid="3">
+                                            <p:txEl>
+                                              <p:pRg st="2" end="2"/>
+                                            </p:txEl>
+                                          </p:spTgt>
+                                        </p:tgtEl>
+                                        <p:attrNameLst>
+                                          <p:attrName>style.visibility</p:attrName>
+                                        </p:attrNameLst>
+                                      </p:cBhvr>
+                                      <p:to>
+                                        <p:strVal val="visible"/>
+                                      </p:to>
+                                    </p:set>
+                                  </p:childTnLst>
+                                </p:cTn>
+                              </p:par>
+                            </p:childTnLst>
+                          </p:cTn>
+                        </p:par>
+                      </p:childTnLst>
+                    </p:cTn>
+                  </p:par>
+                  <p:par>
+                    <p:cTn id="11" fill="hold">
+                      <p:stCondLst>
+                        <p:cond delay="indefinite"/>
+                      </p:stCondLst>
+                      <p:childTnLst>
+                        <p:par>
+                          <p:cTn id="12" fill="hold">
+                            <p:stCondLst>
+                              <p:cond delay="0"/>
+                            </p:stCondLst>
+                            <p:childTnLst>
+                              <p:par>
+                                <p:cTn id="13" presetID="1" presetClass="entr" presetSubtype="0" fill="hold" grpId="0" nodeType="clickEffect">
+                                  <p:stCondLst>
+                                    <p:cond delay="0"/>
+                                  </p:stCondLst>
+                                  <p:childTnLst>
+                                    <p:set>
+                                      <p:cBhvr>
+                                        <p:cTn id="14" dur="1" fill="hold">
+                                          <p:stCondLst>
+                                            <p:cond delay="0"/>
+                                          </p:stCondLst>
+                                        </p:cTn>
+                                        <p:tgtEl>
+                                          <p:spTgt spid="3">
+                                            <p:txEl>
+                                              <p:pRg st="3" end="3"/>
+                                            </p:txEl>
+                                          </p:spTgt>
+                                        </p:tgtEl>
+                                        <p:attrNameLst>
+                                          <p:attrName>style.visibility</p:attrName>
+                                        </p:attrNameLst>
+                                      </p:cBhvr>
+                                      <p:to>
+                                        <p:strVal val="visible"/>
+                                      </p:to>
+                                    </p:set>
+                                  </p:childTnLst>
+                                </p:cTn>
+                              </p:par>
+                            </p:childTnLst>
+                          </p:cTn>
+                        </p:par>
+                      </p:childTnLst>
+                    </p:cTn>
+                  </p:par>
+                  <p:par>
+                    <p:cTn id="15" fill="hold">
+                      <p:stCondLst>
+                        <p:cond delay="indefinite"/>
+                      </p:stCondLst>
+                      <p:childTnLst>
+                        <p:par>
+                          <p:cTn id="16" fill="hold">
+                            <p:stCondLst>
+                              <p:cond delay="0"/>
+                            </p:stCondLst>
+                            <p:childTnLst>
+                              <p:par>
+                                <p:cTn id="17" presetID="1" presetClass="entr" presetSubtype="0" fill="hold" grpId="0" nodeType="clickEffect">
+                                  <p:stCondLst>
+                                    <p:cond delay="0"/>
+                                  </p:stCondLst>
+                                  <p:childTnLst>
+                                    <p:set>
+                                      <p:cBhvr>
+                                        <p:cTn id="18" dur="1" fill="hold">
+                                          <p:stCondLst>
+                                            <p:cond delay="0"/>
+                                          </p:stCondLst>
+                                        </p:cTn>
+                                        <p:tgtEl>
+                                          <p:spTgt spid="3">
+                                            <p:txEl>
+                                              <p:pRg st="4" end="4"/>
+                                            </p:txEl>
+                                          </p:spTgt>
+                                        </p:tgtEl>
+                                        <p:attrNameLst>
+                                          <p:attrName>style.visibility</p:attrName>
+                                        </p:attrNameLst>
+                                      </p:cBhvr>
+                                      <p:to>
+                                        <p:strVal val="visible"/>
+                                      </p:to>
+                                    </p:set>
+                                  </p:childTnLst>
+                                </p:cTn>
+                              </p:par>
+                            </p:childTnLst>
+                          </p:cTn>
+                        </p:par>
+                      </p:childTnLst>
+                    </p:cTn>
+                  </p:par>
+                  <p:par>
+                    <p:cTn id="19" fill="hold">
+                      <p:stCondLst>
+                        <p:cond delay="indefinite"/>
+                      </p:stCondLst>
+                      <p:childTnLst>
+                        <p:par>
+                          <p:cTn id="20" fill="hold">
+                            <p:stCondLst>
+                              <p:cond delay="0"/>
+                            </p:stCondLst>
+                            <p:childTnLst>
+                              <p:par>
+                                <p:cTn id="21" presetID="1" presetClass="entr" presetSubtype="0" fill="hold" grpId="0" nodeType="clickEffect">
+                                  <p:stCondLst>
+                                    <p:cond delay="0"/>
+                                  </p:stCondLst>
+                                  <p:childTnLst>
+                                    <p:set>
+                                      <p:cBhvr>
+                                        <p:cTn id="22" dur="1" fill="hold">
+                                          <p:stCondLst>
+                                            <p:cond delay="0"/>
+                                          </p:stCondLst>
+                                        </p:cTn>
+                                        <p:tgtEl>
+                                          <p:spTgt spid="3">
+                                            <p:txEl>
+                                              <p:pRg st="5" end="5"/>
+                                            </p:txEl>
+                                          </p:spTgt>
+                                        </p:tgtEl>
+                                        <p:attrNameLst>
+                                          <p:attrName>style.visibility</p:attrName>
+                                        </p:attrNameLst>
+                                      </p:cBhvr>
+                                      <p:to>
+                                        <p:strVal val="visible"/>
+                                      </p:to>
+                                    </p:set>
+                                  </p:childTnLst>
+                                </p:cTn>
+                              </p:par>
+                            </p:childTnLst>
+                          </p:cTn>
+                        </p:par>
+                      </p:childTnLst>
+                    </p:cTn>
+                  </p:par>
+                  <p:par>
+                    <p:cTn id="23" fill="hold">
+                      <p:stCondLst>
+                        <p:cond delay="indefinite"/>
+                      </p:stCondLst>
+                      <p:childTnLst>
+                        <p:par>
+                          <p:cTn id="24" fill="hold">
+                            <p:stCondLst>
+                              <p:cond delay="0"/>
+                            </p:stCondLst>
+                            <p:childTnLst>
+                              <p:par>
+                                <p:cTn id="25" presetID="1" presetClass="entr" presetSubtype="0" fill="hold" grpId="0" nodeType="clickEffect">
+                                  <p:stCondLst>
+                                    <p:cond delay="0"/>
+                                  </p:stCondLst>
+                                  <p:childTnLst>
+                                    <p:set>
+                                      <p:cBhvr>
+                                        <p:cTn id="26" dur="1" fill="hold">
+                                          <p:stCondLst>
+                                            <p:cond delay="0"/>
+                                          </p:stCondLst>
+                                        </p:cTn>
+                                        <p:tgtEl>
+                                          <p:spTgt spid="3">
+                                            <p:txEl>
+                                              <p:pRg st="6" end="6"/>
+                                            </p:txEl>
+                                          </p:spTgt>
+                                        </p:tgtEl>
+                                        <p:attrNameLst>
+                                          <p:attrName>style.visibility</p:attrName>
+                                        </p:attrNameLst>
+                                      </p:cBhvr>
+                                      <p:to>
+                                        <p:strVal val="visible"/>
+                                      </p:to>
+                                    </p:set>
+                                  </p:childTnLst>
+                                </p:cTn>
+                              </p:par>
+                            </p:childTnLst>
+                          </p:cTn>
+                        </p:par>
+                      </p:childTnLst>
+                    </p:cTn>
+                  </p:par>
+                  <p:par>
+                    <p:cTn id="27" fill="hold">
+                      <p:stCondLst>
+                        <p:cond delay="indefinite"/>
+                      </p:stCondLst>
+                      <p:childTnLst>
+                        <p:par>
+                          <p:cTn id="28" fill="hold">
+                            <p:stCondLst>
+                              <p:cond delay="0"/>
+                            </p:stCondLst>
+                            <p:childTnLst>
+                              <p:par>
+                                <p:cTn id="29" presetID="1" presetClass="entr" presetSubtype="0" fill="hold" grpId="0" nodeType="clickEffect">
+                                  <p:stCondLst>
+                                    <p:cond delay="0"/>
+                                  </p:stCondLst>
+                                  <p:childTnLst>
+                                    <p:set>
+                                      <p:cBhvr>
+                                        <p:cTn id="30" dur="1" fill="hold">
+                                          <p:stCondLst>
+                                            <p:cond delay="0"/>
+                                          </p:stCondLst>
+                                        </p:cTn>
+                                        <p:tgtEl>
+                                          <p:spTgt spid="3">
+                                            <p:txEl>
+                                              <p:pRg st="7" end="7"/>
+                                            </p:txEl>
+                                          </p:spTgt>
+                                        </p:tgtEl>
+                                        <p:attrNameLst>
+                                          <p:attrName>style.visibility</p:attrName>
+                                        </p:attrNameLst>
+                                      </p:cBhvr>
+                                      <p:to>
+                                        <p:strVal val="visible"/>
+                                      </p:to>
+                                    </p:set>
+                                  </p:childTnLst>
+                                </p:cTn>
+                              </p:par>
+                            </p:childTnLst>
+                          </p:cTn>
+                        </p:par>
+                      </p:childTnLst>
+                    </p:cTn>
+                  </p:par>
+                  <p:par>
+                    <p:cTn id="31" fill="hold">
+                      <p:stCondLst>
+                        <p:cond delay="indefinite"/>
+                      </p:stCondLst>
+                      <p:childTnLst>
+                        <p:par>
+                          <p:cTn id="32" fill="hold">
+                            <p:stCondLst>
+                              <p:cond delay="0"/>
+                            </p:stCondLst>
+                            <p:childTnLst>
+                              <p:par>
+                                <p:cTn id="33" presetID="1" presetClass="entr" presetSubtype="0" fill="hold" grpId="0" nodeType="clickEffect">
+                                  <p:stCondLst>
+                                    <p:cond delay="0"/>
+                                  </p:stCondLst>
+                                  <p:childTnLst>
+                                    <p:set>
+                                      <p:cBhvr>
+                                        <p:cTn id="34" dur="1" fill="hold">
+                                          <p:stCondLst>
+                                            <p:cond delay="0"/>
+                                          </p:stCondLst>
+                                        </p:cTn>
+                                        <p:tgtEl>
+                                          <p:spTgt spid="3">
+                                            <p:txEl>
+                                              <p:pRg st="8" end="8"/>
+                                            </p:txEl>
+                                          </p:spTgt>
+                                        </p:tgtEl>
+                                        <p:attrNameLst>
+                                          <p:attrName>style.visibility</p:attrName>
+                                        </p:attrNameLst>
+                                      </p:cBhvr>
+                                      <p:to>
+                                        <p:strVal val="visible"/>
+                                      </p:to>
+                                    </p:set>
+                                  </p:childTnLst>
+                                </p:cTn>
+                              </p:par>
+                            </p:childTnLst>
+                          </p:cTn>
+                        </p:par>
+                      </p:childTnLst>
+                    </p:cTn>
+                  </p:par>
+                  <p:par>
+                    <p:cTn id="35" fill="hold">
+                      <p:stCondLst>
+                        <p:cond delay="indefinite"/>
+                      </p:stCondLst>
+                      <p:childTnLst>
+                        <p:par>
+                          <p:cTn id="36" fill="hold">
+                            <p:stCondLst>
+                              <p:cond delay="0"/>
+                            </p:stCondLst>
+                            <p:childTnLst>
+                              <p:par>
+                                <p:cTn id="37" presetID="1" presetClass="entr" presetSubtype="0" fill="hold" grpId="0" nodeType="clickEffect">
+                                  <p:stCondLst>
+                                    <p:cond delay="0"/>
+                                  </p:stCondLst>
+                                  <p:childTnLst>
+                                    <p:set>
+                                      <p:cBhvr>
+                                        <p:cTn id="38" dur="1" fill="hold">
+                                          <p:stCondLst>
+                                            <p:cond delay="0"/>
+                                          </p:stCondLst>
+                                        </p:cTn>
+                                        <p:tgtEl>
+                                          <p:spTgt spid="3">
+                                            <p:txEl>
+                                              <p:pRg st="9" end="9"/>
+                                            </p:txEl>
+                                          </p:spTgt>
+                                        </p:tgtEl>
+                                        <p:attrNameLst>
+                                          <p:attrName>style.visibility</p:attrName>
+                                        </p:attrNameLst>
+                                      </p:cBhvr>
+                                      <p:to>
+                                        <p:strVal val="visible"/>
+                                      </p:to>
+                                    </p:set>
+                                  </p:childTnLst>
+                                </p:cTn>
+                              </p:par>
+                            </p:childTnLst>
+                          </p:cTn>
+                        </p:par>
+                      </p:childTnLst>
+                    </p:cTn>
+                  </p:par>
+                </p:childTnLst>
+              </p:cTn>
+              <p:prevCondLst>
+                <p:cond evt="onPrev" delay="0">
+                  <p:tgtEl>
+                    <p:sldTgt/>
+                  </p:tgtEl>
+                </p:cond>
+              </p:prevCondLst>
+              <p:nextCondLst>
+                <p:cond evt="onNext" delay="0">
+                  <p:tgtEl>
+                    <p:sldTgt/>
+                  </p:tgtEl>
+                </p:cond>
+              </p:nextCondLst>
+            </p:seq>
+          </p:childTnLst>
+        </p:cTn>
+      </p:par>
+    </p:tnLst>
+    <p:bldLst>
+      <p:bldP spid="3" grpId="0" uiExpand="1" build="p"/>
+    </p:bldLst>
+  </p:timing>
+</p:sld>
+</file>
+
+<file path=ppt/slides/slide17.xml><?xml version="1.0" encoding="utf-8"?>
+<p:sld xmlns:a="http://schemas.openxmlformats.org/drawingml/2006/main" xmlns:r="http://schemas.openxmlformats.org/officeDocument/2006/relationships" xmlns:p="http://schemas.openxmlformats.org/presentationml/2006/main">
+  <p:cSld>
+    <p:spTree>
+      <p:nvGrpSpPr>
+        <p:cNvPr id="1" name=""/>
+        <p:cNvGrpSpPr/>
+        <p:nvPr/>
+      </p:nvGrpSpPr>
+      <p:grpSpPr>
+        <a:xfrm>
+          <a:off x="0" y="0"/>
+          <a:ext cx="0" cy="0"/>
+          <a:chOff x="0" y="0"/>
+          <a:chExt cx="0" cy="0"/>
+        </a:xfrm>
+      </p:grpSpPr>
+      <p:sp>
+        <p:nvSpPr>
+          <p:cNvPr id="3" name="Content Placeholder 2"/>
+          <p:cNvSpPr>
+            <a:spLocks noGrp="1"/>
+          </p:cNvSpPr>
+          <p:nvPr>
+            <p:ph idx="1"/>
+          </p:nvPr>
+        </p:nvSpPr>
+        <p:spPr/>
+        <p:txBody>
+          <a:bodyPr/>
+          <a:lstStyle/>
+          <a:p>
+            <a:pPr lvl="0" indent="0" marL="0">
+              <a:spcBef>
+                <a:spcPts val="3000"/>
+              </a:spcBef>
+              <a:buNone/>
+            </a:pPr>
+            <a:r>
+              <a:rPr b="1"/>
+              <a:t>맞춤 숫자 형식</a:t>
+            </a:r>
+          </a:p>
+          <a:p>
+            <a:pPr lvl="0"/>
+            <a:r>
+              <a:rPr>
+                <a:latin typeface="Courier"/>
+              </a:rPr>
+              <a:t>;</a:t>
+            </a:r>
+            <a:r>
+              <a:rPr/>
+              <a:t> 을 기준으로 각각</a:t>
+            </a:r>
+          </a:p>
+          <a:p>
+            <a:pPr lvl="0"/>
+            <a:r>
+              <a:rPr>
+                <a:latin typeface="Courier"/>
+              </a:rPr>
+              <a:t>양수;음수;0;텍스트</a:t>
+            </a:r>
+          </a:p>
+          <a:p>
+            <a:pPr lvl="1"/>
+            <a:r>
+              <a:rPr/>
+              <a:t>의 서식을 적어주면 된다.</a:t>
+            </a:r>
+          </a:p>
+          <a:p>
+            <a:pPr lvl="1"/>
+            <a:r>
+              <a:rPr>
+                <a:latin typeface="Courier"/>
+              </a:rPr>
+              <a:t>?</a:t>
+            </a:r>
+            <a:r>
+              <a:rPr/>
+              <a:t> </a:t>
+            </a:r>
+            <a:r>
+              <a:rPr>
+                <a:latin typeface="Courier"/>
+              </a:rPr>
+              <a:t>#</a:t>
+            </a:r>
+            <a:r>
+              <a:rPr/>
+              <a:t> </a:t>
+            </a:r>
+            <a:r>
+              <a:rPr>
+                <a:latin typeface="Courier"/>
+              </a:rPr>
+              <a:t>0</a:t>
+            </a:r>
+            <a:r>
+              <a:rPr/>
+              <a:t> </a:t>
+            </a:r>
+            <a:r>
+              <a:rPr>
+                <a:latin typeface="Courier"/>
+              </a:rPr>
+              <a:t>_</a:t>
+            </a:r>
+          </a:p>
+        </p:txBody>
+      </p:sp>
+    </p:spTree>
+  </p:cSld>
+  <p:timing>
+    <p:tnLst>
+      <p:par>
+        <p:cTn id="1" dur="indefinite" restart="never" nodeType="tmRoot">
+          <p:childTnLst>
+            <p:seq concurrent="1" nextAc="seek">
+              <p:cTn id="2" dur="indefinite" nodeType="mainSeq">
+                <p:childTnLst>
+                  <p:par>
+                    <p:cTn id="3" fill="hold">
+                      <p:stCondLst>
+                        <p:cond delay="indefinite"/>
+                      </p:stCondLst>
+                      <p:childTnLst>
+                        <p:par>
+                          <p:cTn id="4" fill="hold">
+                            <p:stCondLst>
+                              <p:cond delay="0"/>
+                            </p:stCondLst>
+                            <p:childTnLst>
+                              <p:par>
+                                <p:cTn id="5" presetID="1" presetClass="entr" presetSubtype="0" fill="hold" grpId="0" nodeType="clickEffect">
+                                  <p:stCondLst>
+                                    <p:cond delay="0"/>
+                                  </p:stCondLst>
+                                  <p:childTnLst>
+                                    <p:set>
+                                      <p:cBhvr>
+                                        <p:cTn id="6" dur="1" fill="hold">
+                                          <p:stCondLst>
+                                            <p:cond delay="0"/>
+                                          </p:stCondLst>
+                                        </p:cTn>
+                                        <p:tgtEl>
+                                          <p:spTgt spid="3">
+                                            <p:txEl>
+                                              <p:pRg st="1" end="1"/>
+                                            </p:txEl>
+                                          </p:spTgt>
+                                        </p:tgtEl>
+                                        <p:attrNameLst>
+                                          <p:attrName>style.visibility</p:attrName>
+                                        </p:attrNameLst>
+                                      </p:cBhvr>
+                                      <p:to>
+                                        <p:strVal val="visible"/>
+                                      </p:to>
+                                    </p:set>
+                                  </p:childTnLst>
+                                </p:cTn>
+                              </p:par>
+                            </p:childTnLst>
+                          </p:cTn>
+                        </p:par>
+                      </p:childTnLst>
+                    </p:cTn>
+                  </p:par>
+                  <p:par>
+                    <p:cTn id="7" fill="hold">
+                      <p:stCondLst>
+                        <p:cond delay="indefinite"/>
+                      </p:stCondLst>
+                      <p:childTnLst>
+                        <p:par>
+                          <p:cTn id="8" fill="hold">
+                            <p:stCondLst>
+                              <p:cond delay="0"/>
+                            </p:stCondLst>
+                            <p:childTnLst>
+                              <p:par>
+                                <p:cTn id="9" presetID="1" presetClass="entr" presetSubtype="0" fill="hold" grpId="0" nodeType="clickEffect">
+                                  <p:stCondLst>
+                                    <p:cond delay="0"/>
+                                  </p:stCondLst>
+                                  <p:childTnLst>
+                                    <p:set>
+                                      <p:cBhvr>
+                                        <p:cTn id="10" dur="1" fill="hold">
+                                          <p:stCondLst>
+                                            <p:cond delay="0"/>
+                                          </p:stCondLst>
+                                        </p:cTn>
+                                        <p:tgtEl>
+                                          <p:spTgt spid="3">
+                                            <p:txEl>
+                                              <p:pRg st="2" end="2"/>
+                                            </p:txEl>
+                                          </p:spTgt>
+                                        </p:tgtEl>
+                                        <p:attrNameLst>
+                                          <p:attrName>style.visibility</p:attrName>
+                                        </p:attrNameLst>
+                                      </p:cBhvr>
+                                      <p:to>
+                                        <p:strVal val="visible"/>
+                                      </p:to>
+                                    </p:set>
+                                  </p:childTnLst>
+                                </p:cTn>
+                              </p:par>
+                            </p:childTnLst>
+                          </p:cTn>
+                        </p:par>
+                      </p:childTnLst>
+                    </p:cTn>
+                  </p:par>
+                  <p:par>
+                    <p:cTn id="11" fill="hold">
+                      <p:stCondLst>
+                        <p:cond delay="indefinite"/>
+                      </p:stCondLst>
+                      <p:childTnLst>
+                        <p:par>
+                          <p:cTn id="12" fill="hold">
+                            <p:stCondLst>
+                              <p:cond delay="0"/>
+                            </p:stCondLst>
+                            <p:childTnLst>
+                              <p:par>
+                                <p:cTn id="13" presetID="1" presetClass="entr" presetSubtype="0" fill="hold" grpId="0" nodeType="clickEffect">
+                                  <p:stCondLst>
+                                    <p:cond delay="0"/>
+                                  </p:stCondLst>
+                                  <p:childTnLst>
+                                    <p:set>
+                                      <p:cBhvr>
+                                        <p:cTn id="14" dur="1" fill="hold">
+                                          <p:stCondLst>
+                                            <p:cond delay="0"/>
+                                          </p:stCondLst>
+                                        </p:cTn>
+                                        <p:tgtEl>
+                                          <p:spTgt spid="3">
+                                            <p:txEl>
+                                              <p:pRg st="3" end="3"/>
+                                            </p:txEl>
+                                          </p:spTgt>
+                                        </p:tgtEl>
+                                        <p:attrNameLst>
+                                          <p:attrName>style.visibility</p:attrName>
+                                        </p:attrNameLst>
+                                      </p:cBhvr>
+                                      <p:to>
+                                        <p:strVal val="visible"/>
+                                      </p:to>
+                                    </p:set>
+                                  </p:childTnLst>
+                                </p:cTn>
+                              </p:par>
+                            </p:childTnLst>
+                          </p:cTn>
+                        </p:par>
+                      </p:childTnLst>
+                    </p:cTn>
+                  </p:par>
+                  <p:par>
+                    <p:cTn id="15" fill="hold">
+                      <p:stCondLst>
+                        <p:cond delay="indefinite"/>
+                      </p:stCondLst>
+                      <p:childTnLst>
+                        <p:par>
+                          <p:cTn id="16" fill="hold">
+                            <p:stCondLst>
+                              <p:cond delay="0"/>
+                            </p:stCondLst>
+                            <p:childTnLst>
+                              <p:par>
+                                <p:cTn id="17" presetID="1" presetClass="entr" presetSubtype="0" fill="hold" grpId="0" nodeType="clickEffect">
+                                  <p:stCondLst>
+                                    <p:cond delay="0"/>
+                                  </p:stCondLst>
+                                  <p:childTnLst>
+                                    <p:set>
+                                      <p:cBhvr>
+                                        <p:cTn id="18" dur="1" fill="hold">
+                                          <p:stCondLst>
+                                            <p:cond delay="0"/>
+                                          </p:stCondLst>
+                                        </p:cTn>
+                                        <p:tgtEl>
+                                          <p:spTgt spid="3">
+                                            <p:txEl>
+                                              <p:pRg st="4" end="4"/>
+                                            </p:txEl>
+                                          </p:spTgt>
+                                        </p:tgtEl>
+                                        <p:attrNameLst>
+                                          <p:attrName>style.visibility</p:attrName>
+                                        </p:attrNameLst>
+                                      </p:cBhvr>
+                                      <p:to>
+                                        <p:strVal val="visible"/>
+                                      </p:to>
+                                    </p:set>
+                                  </p:childTnLst>
+                                </p:cTn>
+                              </p:par>
+                            </p:childTnLst>
+                          </p:cTn>
+                        </p:par>
+                      </p:childTnLst>
+                    </p:cTn>
+                  </p:par>
+                </p:childTnLst>
+              </p:cTn>
+              <p:prevCondLst>
+                <p:cond evt="onPrev" delay="0">
+                  <p:tgtEl>
+                    <p:sldTgt/>
+                  </p:tgtEl>
+                </p:cond>
+              </p:prevCondLst>
+              <p:nextCondLst>
+                <p:cond evt="onNext" delay="0">
+                  <p:tgtEl>
+                    <p:sldTgt/>
+                  </p:tgtEl>
+                </p:cond>
+              </p:nextCondLst>
+            </p:seq>
+          </p:childTnLst>
+        </p:cTn>
+      </p:par>
+    </p:tnLst>
+    <p:bldLst>
+      <p:bldP spid="3" grpId="0" uiExpand="1" build="p"/>
+    </p:bldLst>
+  </p:timing>
+</p:sld>
+</file>
+
+<file path=ppt/slides/slide18.xml><?xml version="1.0" encoding="utf-8"?>
+<p:sld xmlns:a="http://schemas.openxmlformats.org/drawingml/2006/main" xmlns:r="http://schemas.openxmlformats.org/officeDocument/2006/relationships" xmlns:p="http://schemas.openxmlformats.org/presentationml/2006/main">
+  <p:cSld>
+    <p:spTree>
+      <p:nvGrpSpPr>
+        <p:cNvPr id="1" name=""/>
+        <p:cNvGrpSpPr/>
+        <p:nvPr/>
+      </p:nvGrpSpPr>
+      <p:grpSpPr>
+        <a:xfrm>
+          <a:off x="0" y="0"/>
+          <a:ext cx="0" cy="0"/>
+          <a:chOff x="0" y="0"/>
+          <a:chExt cx="0" cy="0"/>
+        </a:xfrm>
+      </p:grpSpPr>
+      <p:sp>
+        <p:nvSpPr>
+          <p:cNvPr id="2" name="Title 1"/>
+          <p:cNvSpPr>
+            <a:spLocks noGrp="1"/>
+          </p:cNvSpPr>
+          <p:nvPr>
+            <p:ph type="title"/>
+          </p:nvPr>
+        </p:nvSpPr>
+        <p:spPr/>
+        <p:txBody>
+          <a:bodyPr/>
+          <a:lstStyle/>
+          <a:p>
+            <a:pPr lvl="0" indent="0" marL="0">
+              <a:buNone/>
+            </a:pPr>
+            <a:r>
+              <a:rPr/>
+              <a:t>정렬과 필터</a:t>
+            </a:r>
+          </a:p>
+        </p:txBody>
+      </p:sp>
+      <p:sp>
+        <p:nvSpPr>
+          <p:cNvPr id="3" name="Content Placeholder 2"/>
+          <p:cNvSpPr>
+            <a:spLocks noGrp="1"/>
+          </p:cNvSpPr>
+          <p:nvPr>
+            <p:ph idx="1"/>
+          </p:nvPr>
+        </p:nvSpPr>
+        <p:spPr/>
+        <p:txBody>
+          <a:bodyPr/>
+          <a:lstStyle/>
+          <a:p>
+            <a:pPr lvl="0" indent="0" marL="0">
+              <a:spcBef>
+                <a:spcPts val="3000"/>
+              </a:spcBef>
+              <a:buNone/>
+            </a:pPr>
+            <a:r>
+              <a:rPr b="1"/>
+              <a:t>정렬(Sorting)</a:t>
+            </a:r>
+          </a:p>
+          <a:p>
+            <a:pPr lvl="0"/>
+            <a:r>
+              <a:rPr/>
+              <a:t>다들 아시는 그 정렬</a:t>
+            </a:r>
+          </a:p>
+          <a:p>
+            <a:pPr lvl="0"/>
+            <a:r>
+              <a:rPr/>
+              <a:t>2차, 3차 기준을 통해</a:t>
+            </a:r>
+          </a:p>
+          <a:p>
+            <a:pPr lvl="0" indent="0" marL="0">
+              <a:spcBef>
+                <a:spcPts val="3000"/>
+              </a:spcBef>
+              <a:buNone/>
+            </a:pPr>
+            <a:r>
+              <a:rPr b="1"/>
+              <a:t>필터(Filter)</a:t>
+            </a:r>
+          </a:p>
+          <a:p>
+            <a:pPr lvl="0"/>
+            <a:r>
+              <a:rPr/>
+              <a:t>필요한 조건에 따라 데이터를 걸러내는 일</a:t>
+            </a:r>
+          </a:p>
+          <a:p>
+            <a:pPr lvl="0"/>
+            <a:r>
+              <a:rPr/>
+              <a:t>자동 필터 적용하기</a:t>
+            </a:r>
+          </a:p>
+          <a:p>
+            <a:pPr lvl="1"/>
+            <a:r>
+              <a:rPr/>
+              <a:t>색상으로 필터링하기</a:t>
+            </a:r>
+          </a:p>
+          <a:p>
+            <a:pPr lvl="1"/>
+            <a:r>
+              <a:rPr/>
+              <a:t>조건별 필터링하기</a:t>
+            </a:r>
+          </a:p>
+          <a:p>
+            <a:pPr lvl="1"/>
+            <a:r>
+              <a:rPr/>
+              <a:t>값으로 필터링하기</a:t>
+            </a:r>
+          </a:p>
+          <a:p>
+            <a:pPr lvl="0"/>
+            <a:r>
+              <a:rPr/>
+              <a:t>행/열 고정 사용하기</a:t>
+            </a:r>
+          </a:p>
+        </p:txBody>
+      </p:sp>
+    </p:spTree>
+  </p:cSld>
+  <p:timing>
+    <p:tnLst>
+      <p:par>
+        <p:cTn id="1" dur="indefinite" restart="never" nodeType="tmRoot">
+          <p:childTnLst>
+            <p:seq concurrent="1" nextAc="seek">
+              <p:cTn id="2" dur="indefinite" nodeType="mainSeq">
+                <p:childTnLst>
+                  <p:par>
+                    <p:cTn id="3" fill="hold">
+                      <p:stCondLst>
+                        <p:cond delay="indefinite"/>
+                      </p:stCondLst>
+                      <p:childTnLst>
+                        <p:par>
+                          <p:cTn id="4" fill="hold">
+                            <p:stCondLst>
+                              <p:cond delay="0"/>
+                            </p:stCondLst>
+                            <p:childTnLst>
+                              <p:par>
+                                <p:cTn id="5" presetID="1" presetClass="entr" presetSubtype="0" fill="hold" grpId="0" nodeType="clickEffect">
+                                  <p:stCondLst>
+                                    <p:cond delay="0"/>
+                                  </p:stCondLst>
+                                  <p:childTnLst>
+                                    <p:set>
+                                      <p:cBhvr>
+                                        <p:cTn id="6" dur="1" fill="hold">
+                                          <p:stCondLst>
+                                            <p:cond delay="0"/>
+                                          </p:stCondLst>
+                                        </p:cTn>
+                                        <p:tgtEl>
+                                          <p:spTgt spid="3">
+                                            <p:txEl>
+                                              <p:pRg st="1" end="1"/>
+                                            </p:txEl>
+                                          </p:spTgt>
+                                        </p:tgtEl>
+                                        <p:attrNameLst>
+                                          <p:attrName>style.visibility</p:attrName>
+                                        </p:attrNameLst>
+                                      </p:cBhvr>
+                                      <p:to>
+                                        <p:strVal val="visible"/>
+                                      </p:to>
+                                    </p:set>
+                                  </p:childTnLst>
+                                </p:cTn>
+                              </p:par>
+                            </p:childTnLst>
+                          </p:cTn>
+                        </p:par>
+                      </p:childTnLst>
+                    </p:cTn>
+                  </p:par>
+                  <p:par>
+                    <p:cTn id="7" fill="hold">
+                      <p:stCondLst>
+                        <p:cond delay="indefinite"/>
+                      </p:stCondLst>
+                      <p:childTnLst>
+                        <p:par>
+                          <p:cTn id="8" fill="hold">
+                            <p:stCondLst>
+                              <p:cond delay="0"/>
+                            </p:stCondLst>
+                            <p:childTnLst>
+                              <p:par>
+                                <p:cTn id="9" presetID="1" presetClass="entr" presetSubtype="0" fill="hold" grpId="0" nodeType="clickEffect">
+                                  <p:stCondLst>
+                                    <p:cond delay="0"/>
+                                  </p:stCondLst>
+                                  <p:childTnLst>
+                                    <p:set>
+                                      <p:cBhvr>
+                                        <p:cTn id="10" dur="1" fill="hold">
+                                          <p:stCondLst>
+                                            <p:cond delay="0"/>
+                                          </p:stCondLst>
+                                        </p:cTn>
+                                        <p:tgtEl>
+                                          <p:spTgt spid="3">
+                                            <p:txEl>
+                                              <p:pRg st="2" end="2"/>
+                                            </p:txEl>
+                                          </p:spTgt>
+                                        </p:tgtEl>
+                                        <p:attrNameLst>
+                                          <p:attrName>style.visibility</p:attrName>
+                                        </p:attrNameLst>
+                                      </p:cBhvr>
+                                      <p:to>
+                                        <p:strVal val="visible"/>
+                                      </p:to>
+                                    </p:set>
+                                  </p:childTnLst>
+                                </p:cTn>
+                              </p:par>
+                            </p:childTnLst>
+                          </p:cTn>
+                        </p:par>
+                      </p:childTnLst>
+                    </p:cTn>
+                  </p:par>
+                  <p:par>
+                    <p:cTn id="11" fill="hold">
+                      <p:stCondLst>
+                        <p:cond delay="indefinite"/>
+                      </p:stCondLst>
+                      <p:childTnLst>
+                        <p:par>
+                          <p:cTn id="12" fill="hold">
+                            <p:stCondLst>
+                              <p:cond delay="0"/>
+                            </p:stCondLst>
+                            <p:childTnLst>
+                              <p:par>
+                                <p:cTn id="13" presetID="1" presetClass="entr" presetSubtype="0" fill="hold" grpId="0" nodeType="clickEffect">
+                                  <p:stCondLst>
+                                    <p:cond delay="0"/>
+                                  </p:stCondLst>
+                                  <p:childTnLst>
+                                    <p:set>
+                                      <p:cBhvr>
+                                        <p:cTn id="14" dur="1" fill="hold">
+                                          <p:stCondLst>
+                                            <p:cond delay="0"/>
+                                          </p:stCondLst>
+                                        </p:cTn>
+                                        <p:tgtEl>
+                                          <p:spTgt spid="3">
+                                            <p:txEl>
+                                              <p:pRg st="4" end="4"/>
+                                            </p:txEl>
+                                          </p:spTgt>
+                                        </p:tgtEl>
+                                        <p:attrNameLst>
+                                          <p:attrName>style.visibility</p:attrName>
+                                        </p:attrNameLst>
+                                      </p:cBhvr>
+                                      <p:to>
+                                        <p:strVal val="visible"/>
+                                      </p:to>
+                                    </p:set>
+                                  </p:childTnLst>
+                                </p:cTn>
+                              </p:par>
+                            </p:childTnLst>
+                          </p:cTn>
+                        </p:par>
+                      </p:childTnLst>
+                    </p:cTn>
+                  </p:par>
+                  <p:par>
+                    <p:cTn id="15" fill="hold">
+                      <p:stCondLst>
+                        <p:cond delay="indefinite"/>
+                      </p:stCondLst>
+                      <p:childTnLst>
+                        <p:par>
+                          <p:cTn id="16" fill="hold">
+                            <p:stCondLst>
+                              <p:cond delay="0"/>
+                            </p:stCondLst>
+                            <p:childTnLst>
+                              <p:par>
+                                <p:cTn id="17" presetID="1" presetClass="entr" presetSubtype="0" fill="hold" grpId="0" nodeType="clickEffect">
+                                  <p:stCondLst>
+                                    <p:cond delay="0"/>
+                                  </p:stCondLst>
+                                  <p:childTnLst>
+                                    <p:set>
+                                      <p:cBhvr>
+                                        <p:cTn id="18" dur="1" fill="hold">
+                                          <p:stCondLst>
+                                            <p:cond delay="0"/>
+                                          </p:stCondLst>
+                                        </p:cTn>
+                                        <p:tgtEl>
+                                          <p:spTgt spid="3">
+                                            <p:txEl>
+                                              <p:pRg st="5" end="5"/>
+                                            </p:txEl>
+                                          </p:spTgt>
+                                        </p:tgtEl>
+                                        <p:attrNameLst>
+                                          <p:attrName>style.visibility</p:attrName>
+                                        </p:attrNameLst>
+                                      </p:cBhvr>
+                                      <p:to>
+                                        <p:strVal val="visible"/>
+                                      </p:to>
+                                    </p:set>
+                                  </p:childTnLst>
+                                </p:cTn>
+                              </p:par>
+                            </p:childTnLst>
+                          </p:cTn>
+                        </p:par>
+                      </p:childTnLst>
+                    </p:cTn>
+                  </p:par>
+                  <p:par>
+                    <p:cTn id="19" fill="hold">
+                      <p:stCondLst>
+                        <p:cond delay="indefinite"/>
+                      </p:stCondLst>
+                      <p:childTnLst>
+                        <p:par>
+                          <p:cTn id="20" fill="hold">
+                            <p:stCondLst>
+                              <p:cond delay="0"/>
+                            </p:stCondLst>
+                            <p:childTnLst>
+                              <p:par>
+                                <p:cTn id="21" presetID="1" presetClass="entr" presetSubtype="0" fill="hold" grpId="0" nodeType="clickEffect">
+                                  <p:stCondLst>
+                                    <p:cond delay="0"/>
+                                  </p:stCondLst>
+                                  <p:childTnLst>
+                                    <p:set>
+                                      <p:cBhvr>
+                                        <p:cTn id="22" dur="1" fill="hold">
+                                          <p:stCondLst>
+                                            <p:cond delay="0"/>
+                                          </p:stCondLst>
+                                        </p:cTn>
+                                        <p:tgtEl>
+                                          <p:spTgt spid="3">
+                                            <p:txEl>
+                                              <p:pRg st="6" end="6"/>
+                                            </p:txEl>
+                                          </p:spTgt>
+                                        </p:tgtEl>
+                                        <p:attrNameLst>
+                                          <p:attrName>style.visibility</p:attrName>
+                                        </p:attrNameLst>
+                                      </p:cBhvr>
+                                      <p:to>
+                                        <p:strVal val="visible"/>
+                                      </p:to>
+                                    </p:set>
+                                  </p:childTnLst>
+                                </p:cTn>
+                              </p:par>
+                            </p:childTnLst>
+                          </p:cTn>
+                        </p:par>
+                      </p:childTnLst>
+                    </p:cTn>
+                  </p:par>
+                  <p:par>
+                    <p:cTn id="23" fill="hold">
+                      <p:stCondLst>
+                        <p:cond delay="indefinite"/>
+                      </p:stCondLst>
+                      <p:childTnLst>
+                        <p:par>
+                          <p:cTn id="24" fill="hold">
+                            <p:stCondLst>
+                              <p:cond delay="0"/>
+                            </p:stCondLst>
+                            <p:childTnLst>
+                              <p:par>
+                                <p:cTn id="25" presetID="1" presetClass="entr" presetSubtype="0" fill="hold" grpId="0" nodeType="clickEffect">
+                                  <p:stCondLst>
+                                    <p:cond delay="0"/>
+                                  </p:stCondLst>
+                                  <p:childTnLst>
+                                    <p:set>
+                                      <p:cBhvr>
+                                        <p:cTn id="26" dur="1" fill="hold">
+                                          <p:stCondLst>
+                                            <p:cond delay="0"/>
+                                          </p:stCondLst>
+                                        </p:cTn>
+                                        <p:tgtEl>
+                                          <p:spTgt spid="3">
+                                            <p:txEl>
+                                              <p:pRg st="7" end="7"/>
+                                            </p:txEl>
+                                          </p:spTgt>
+                                        </p:tgtEl>
+                                        <p:attrNameLst>
+                                          <p:attrName>style.visibility</p:attrName>
+                                        </p:attrNameLst>
+                                      </p:cBhvr>
+                                      <p:to>
+                                        <p:strVal val="visible"/>
+                                      </p:to>
+                                    </p:set>
+                                  </p:childTnLst>
+                                </p:cTn>
+                              </p:par>
+                            </p:childTnLst>
+                          </p:cTn>
+                        </p:par>
+                      </p:childTnLst>
+                    </p:cTn>
+                  </p:par>
+                  <p:par>
+                    <p:cTn id="27" fill="hold">
+                      <p:stCondLst>
+                        <p:cond delay="indefinite"/>
+                      </p:stCondLst>
+                      <p:childTnLst>
+                        <p:par>
+                          <p:cTn id="28" fill="hold">
+                            <p:stCondLst>
+                              <p:cond delay="0"/>
+                            </p:stCondLst>
+                            <p:childTnLst>
+                              <p:par>
+                                <p:cTn id="29" presetID="1" presetClass="entr" presetSubtype="0" fill="hold" grpId="0" nodeType="clickEffect">
+                                  <p:stCondLst>
+                                    <p:cond delay="0"/>
+                                  </p:stCondLst>
+                                  <p:childTnLst>
+                                    <p:set>
+                                      <p:cBhvr>
+                                        <p:cTn id="30" dur="1" fill="hold">
+                                          <p:stCondLst>
+                                            <p:cond delay="0"/>
+                                          </p:stCondLst>
+                                        </p:cTn>
+                                        <p:tgtEl>
+                                          <p:spTgt spid="3">
+                                            <p:txEl>
+                                              <p:pRg st="8" end="8"/>
+                                            </p:txEl>
+                                          </p:spTgt>
+                                        </p:tgtEl>
+                                        <p:attrNameLst>
+                                          <p:attrName>style.visibility</p:attrName>
+                                        </p:attrNameLst>
+                                      </p:cBhvr>
+                                      <p:to>
+                                        <p:strVal val="visible"/>
+                                      </p:to>
+                                    </p:set>
+                                  </p:childTnLst>
+                                </p:cTn>
+                              </p:par>
+                            </p:childTnLst>
+                          </p:cTn>
+                        </p:par>
+                      </p:childTnLst>
+                    </p:cTn>
+                  </p:par>
+                  <p:par>
+                    <p:cTn id="31" fill="hold">
+                      <p:stCondLst>
+                        <p:cond delay="indefinite"/>
+                      </p:stCondLst>
+                      <p:childTnLst>
+                        <p:par>
+                          <p:cTn id="32" fill="hold">
+                            <p:stCondLst>
+                              <p:cond delay="0"/>
+                            </p:stCondLst>
+                            <p:childTnLst>
+                              <p:par>
+                                <p:cTn id="33" presetID="1" presetClass="entr" presetSubtype="0" fill="hold" grpId="0" nodeType="clickEffect">
+                                  <p:stCondLst>
+                                    <p:cond delay="0"/>
+                                  </p:stCondLst>
+                                  <p:childTnLst>
+                                    <p:set>
+                                      <p:cBhvr>
+                                        <p:cTn id="34" dur="1" fill="hold">
+                                          <p:stCondLst>
+                                            <p:cond delay="0"/>
+                                          </p:stCondLst>
+                                        </p:cTn>
+                                        <p:tgtEl>
+                                          <p:spTgt spid="3">
+                                            <p:txEl>
+                                              <p:pRg st="9" end="9"/>
+                                            </p:txEl>
+                                          </p:spTgt>
+                                        </p:tgtEl>
+                                        <p:attrNameLst>
+                                          <p:attrName>style.visibility</p:attrName>
+                                        </p:attrNameLst>
+                                      </p:cBhvr>
+                                      <p:to>
+                                        <p:strVal val="visible"/>
+                                      </p:to>
+                                    </p:set>
+                                  </p:childTnLst>
+                                </p:cTn>
+                              </p:par>
+                            </p:childTnLst>
+                          </p:cTn>
+                        </p:par>
+                      </p:childTnLst>
+                    </p:cTn>
+                  </p:par>
+                </p:childTnLst>
+              </p:cTn>
+              <p:prevCondLst>
+                <p:cond evt="onPrev" delay="0">
+                  <p:tgtEl>
+                    <p:sldTgt/>
+                  </p:tgtEl>
+                </p:cond>
+              </p:prevCondLst>
+              <p:nextCondLst>
+                <p:cond evt="onNext" delay="0">
+                  <p:tgtEl>
+                    <p:sldTgt/>
+                  </p:tgtEl>
+                </p:cond>
+              </p:nextCondLst>
+            </p:seq>
+          </p:childTnLst>
+        </p:cTn>
+      </p:par>
+    </p:tnLst>
+    <p:bldLst>
+      <p:bldP spid="3" grpId="0" uiExpand="1" build="p"/>
+    </p:bldLst>
+  </p:timing>
+</p:sld>
+</file>
+
+<file path=ppt/slides/slide19.xml><?xml version="1.0" encoding="utf-8"?>
+<p:sld xmlns:a="http://schemas.openxmlformats.org/drawingml/2006/main" xmlns:r="http://schemas.openxmlformats.org/officeDocument/2006/relationships" xmlns:p="http://schemas.openxmlformats.org/presentationml/2006/main">
+  <p:cSld>
+    <p:spTree>
+      <p:nvGrpSpPr>
+        <p:cNvPr id="1" name=""/>
+        <p:cNvGrpSpPr/>
+        <p:nvPr/>
+      </p:nvGrpSpPr>
+      <p:grpSpPr>
+        <a:xfrm>
+          <a:off x="0" y="0"/>
+          <a:ext cx="0" cy="0"/>
+          <a:chOff x="0" y="0"/>
+          <a:chExt cx="0" cy="0"/>
+        </a:xfrm>
+      </p:grpSpPr>
+      <p:sp>
+        <p:nvSpPr>
+          <p:cNvPr id="2" name="Title 1"/>
+          <p:cNvSpPr>
+            <a:spLocks noGrp="1"/>
+          </p:cNvSpPr>
+          <p:nvPr>
+            <p:ph type="title"/>
+          </p:nvPr>
+        </p:nvSpPr>
+        <p:spPr/>
+        <p:txBody>
+          <a:bodyPr/>
+          <a:lstStyle/>
+          <a:p>
+            <a:pPr lvl="0" indent="0" marL="0">
+              <a:buNone/>
+            </a:pPr>
+            <a:r>
+              <a:rPr/>
+              <a:t>수식(Formula)</a:t>
+            </a:r>
+          </a:p>
+        </p:txBody>
+      </p:sp>
+      <p:sp>
+        <p:nvSpPr>
+          <p:cNvPr id="3" name="Content Placeholder 2"/>
+          <p:cNvSpPr>
+            <a:spLocks noGrp="1"/>
+          </p:cNvSpPr>
+          <p:nvPr>
+            <p:ph idx="1"/>
+          </p:nvPr>
+        </p:nvSpPr>
+        <p:spPr/>
+        <p:txBody>
+          <a:bodyPr/>
+          <a:lstStyle/>
+          <a:p>
+            <a:pPr lvl="0"/>
+            <a:r>
+              <a:rPr/>
+              <a:t>동적으로 갱신되는 데이터를 만들기 위한 문법</a:t>
+            </a:r>
+          </a:p>
+          <a:p>
+            <a:pPr lvl="1"/>
+            <a:r>
+              <a:rPr/>
+              <a:t>수학식과 비슷하게 생겼음.</a:t>
+            </a:r>
+          </a:p>
+          <a:p>
+            <a:pPr lvl="2"/>
+            <a:r>
+              <a:rPr/>
+              <a:t>항(피연산자, Operand)</a:t>
+            </a:r>
+          </a:p>
+          <a:p>
+            <a:pPr lvl="2"/>
+            <a:r>
+              <a:rPr/>
+              <a:t>연산자(Operator)</a:t>
+            </a:r>
+          </a:p>
+          <a:p>
+            <a:pPr lvl="2"/>
+            <a:r>
+              <a:rPr/>
+              <a:t>함수(Function)</a:t>
+            </a:r>
+          </a:p>
+          <a:p>
+            <a:pPr lvl="2"/>
+            <a:r>
+              <a:rPr/>
+              <a:t>괄호(Brackets)</a:t>
+            </a:r>
+          </a:p>
+          <a:p>
+            <a:pPr lvl="1"/>
+            <a:r>
+              <a:rPr/>
+              <a:t>등호(</a:t>
+            </a:r>
+            <a:r>
+              <a:rPr>
+                <a:latin typeface="Courier"/>
+              </a:rPr>
+              <a:t>=</a:t>
+            </a:r>
+            <a:r>
+              <a:rPr/>
+              <a:t>)로 시작</a:t>
+            </a:r>
+          </a:p>
+          <a:p>
+            <a:pPr lvl="0" indent="0" marL="0">
+              <a:spcBef>
+                <a:spcPts val="3000"/>
+              </a:spcBef>
+              <a:buNone/>
+            </a:pPr>
+            <a:r>
+              <a:rPr b="1"/>
+              <a:t>평가하다(Evaluate)</a:t>
+            </a:r>
+          </a:p>
+          <a:p>
+            <a:pPr lvl="0"/>
+            <a:r>
+              <a:rPr/>
+              <a:t>수식을 계산(연산)해서 하나의 결과 </a:t>
+            </a:r>
+            <a:r>
+              <a:rPr b="1"/>
+              <a:t>값</a:t>
+            </a:r>
+            <a:r>
+              <a:rPr/>
+              <a:t>(타입을 가졌다.)을 내는 것</a:t>
+            </a:r>
+          </a:p>
+        </p:txBody>
+      </p:sp>
+    </p:spTree>
+  </p:cSld>
+  <p:timing>
+    <p:tnLst>
+      <p:par>
+        <p:cTn id="1" dur="indefinite" restart="never" nodeType="tmRoot">
+          <p:childTnLst>
+            <p:seq concurrent="1" nextAc="seek">
+              <p:cTn id="2" dur="indefinite" nodeType="mainSeq">
+                <p:childTnLst>
+                  <p:par>
+                    <p:cTn id="3" fill="hold">
+                      <p:stCondLst>
+                        <p:cond delay="indefinite"/>
+                      </p:stCondLst>
+                      <p:childTnLst>
+                        <p:par>
+                          <p:cTn id="4" fill="hold">
+                            <p:stCondLst>
+                              <p:cond delay="0"/>
+                            </p:stCondLst>
+                            <p:childTnLst>
+                              <p:par>
+                                <p:cTn id="5" presetID="1" presetClass="entr" presetSubtype="0" fill="hold" grpId="0" nodeType="clickEffect">
+                                  <p:stCondLst>
+                                    <p:cond delay="0"/>
+                                  </p:stCondLst>
+                                  <p:childTnLst>
+                                    <p:set>
+                                      <p:cBhvr>
+                                        <p:cTn id="6" dur="1" fill="hold">
+                                          <p:stCondLst>
+                                            <p:cond delay="0"/>
+                                          </p:stCondLst>
+                                        </p:cTn>
+                                        <p:tgtEl>
+                                          <p:spTgt spid="3">
+                                            <p:txEl>
+                                              <p:pRg st="0" end="0"/>
+                                            </p:txEl>
+                                          </p:spTgt>
+                                        </p:tgtEl>
+                                        <p:attrNameLst>
+                                          <p:attrName>style.visibility</p:attrName>
+                                        </p:attrNameLst>
+                                      </p:cBhvr>
+                                      <p:to>
+                                        <p:strVal val="visible"/>
+                                      </p:to>
+                                    </p:set>
+                                  </p:childTnLst>
+                                </p:cTn>
+                              </p:par>
+                            </p:childTnLst>
+                          </p:cTn>
+                        </p:par>
+                      </p:childTnLst>
+                    </p:cTn>
+                  </p:par>
+                  <p:par>
+                    <p:cTn id="7" fill="hold">
+                      <p:stCondLst>
+                        <p:cond delay="indefinite"/>
+                      </p:stCondLst>
+                      <p:childTnLst>
+                        <p:par>
+                          <p:cTn id="8" fill="hold">
+                            <p:stCondLst>
+                              <p:cond delay="0"/>
+                            </p:stCondLst>
+                            <p:childTnLst>
+                              <p:par>
+                                <p:cTn id="9" presetID="1" presetClass="entr" presetSubtype="0" fill="hold" grpId="0" nodeType="clickEffect">
+                                  <p:stCondLst>
+                                    <p:cond delay="0"/>
+                                  </p:stCondLst>
+                                  <p:childTnLst>
+                                    <p:set>
+                                      <p:cBhvr>
+                                        <p:cTn id="10" dur="1" fill="hold">
+                                          <p:stCondLst>
+                                            <p:cond delay="0"/>
+                                          </p:stCondLst>
+                                        </p:cTn>
+                                        <p:tgtEl>
+                                          <p:spTgt spid="3">
+                                            <p:txEl>
+                                              <p:pRg st="1" end="1"/>
+                                            </p:txEl>
+                                          </p:spTgt>
+                                        </p:tgtEl>
+                                        <p:attrNameLst>
+                                          <p:attrName>style.visibility</p:attrName>
+                                        </p:attrNameLst>
+                                      </p:cBhvr>
+                                      <p:to>
+                                        <p:strVal val="visible"/>
+                                      </p:to>
+                                    </p:set>
+                                  </p:childTnLst>
+                                </p:cTn>
+                              </p:par>
+                            </p:childTnLst>
+                          </p:cTn>
+                        </p:par>
+                      </p:childTnLst>
+                    </p:cTn>
+                  </p:par>
+                  <p:par>
+                    <p:cTn id="11" fill="hold">
+                      <p:stCondLst>
+                        <p:cond delay="indefinite"/>
+                      </p:stCondLst>
+                      <p:childTnLst>
+                        <p:par>
+                          <p:cTn id="12" fill="hold">
+                            <p:stCondLst>
+                              <p:cond delay="0"/>
+                            </p:stCondLst>
+                            <p:childTnLst>
+                              <p:par>
+                                <p:cTn id="13" presetID="1" presetClass="entr" presetSubtype="0" fill="hold" grpId="0" nodeType="clickEffect">
+                                  <p:stCondLst>
+                                    <p:cond delay="0"/>
+                                  </p:stCondLst>
+                                  <p:childTnLst>
+                                    <p:set>
+                                      <p:cBhvr>
+                                        <p:cTn id="14" dur="1" fill="hold">
+                                          <p:stCondLst>
+                                            <p:cond delay="0"/>
+                                          </p:stCondLst>
+                                        </p:cTn>
+                                        <p:tgtEl>
+                                          <p:spTgt spid="3">
+                                            <p:txEl>
+                                              <p:pRg st="2" end="2"/>
+                                            </p:txEl>
+                                          </p:spTgt>
+                                        </p:tgtEl>
+                                        <p:attrNameLst>
+                                          <p:attrName>style.visibility</p:attrName>
+                                        </p:attrNameLst>
+                                      </p:cBhvr>
+                                      <p:to>
+                                        <p:strVal val="visible"/>
+                                      </p:to>
+                                    </p:set>
+                                  </p:childTnLst>
+                                </p:cTn>
+                              </p:par>
+                            </p:childTnLst>
+                          </p:cTn>
+                        </p:par>
+                      </p:childTnLst>
+                    </p:cTn>
+                  </p:par>
+                  <p:par>
+                    <p:cTn id="15" fill="hold">
+                      <p:stCondLst>
+                        <p:cond delay="indefinite"/>
+                      </p:stCondLst>
+                      <p:childTnLst>
+                        <p:par>
+                          <p:cTn id="16" fill="hold">
+                            <p:stCondLst>
+                              <p:cond delay="0"/>
+                            </p:stCondLst>
+                            <p:childTnLst>
+                              <p:par>
+                                <p:cTn id="17" presetID="1" presetClass="entr" presetSubtype="0" fill="hold" grpId="0" nodeType="clickEffect">
+                                  <p:stCondLst>
+                                    <p:cond delay="0"/>
+                                  </p:stCondLst>
+                                  <p:childTnLst>
+                                    <p:set>
+                                      <p:cBhvr>
+                                        <p:cTn id="18" dur="1" fill="hold">
+                                          <p:stCondLst>
+                                            <p:cond delay="0"/>
+                                          </p:stCondLst>
+                                        </p:cTn>
+                                        <p:tgtEl>
+                                          <p:spTgt spid="3">
+                                            <p:txEl>
+                                              <p:pRg st="3" end="3"/>
+                                            </p:txEl>
+                                          </p:spTgt>
+                                        </p:tgtEl>
+                                        <p:attrNameLst>
+                                          <p:attrName>style.visibility</p:attrName>
+                                        </p:attrNameLst>
+                                      </p:cBhvr>
+                                      <p:to>
+                                        <p:strVal val="visible"/>
+                                      </p:to>
+                                    </p:set>
+                                  </p:childTnLst>
+                                </p:cTn>
+                              </p:par>
+                            </p:childTnLst>
+                          </p:cTn>
+                        </p:par>
+                      </p:childTnLst>
+                    </p:cTn>
+                  </p:par>
+                  <p:par>
+                    <p:cTn id="19" fill="hold">
+                      <p:stCondLst>
+                        <p:cond delay="indefinite"/>
+                      </p:stCondLst>
+                      <p:childTnLst>
+                        <p:par>
+                          <p:cTn id="20" fill="hold">
+                            <p:stCondLst>
+                              <p:cond delay="0"/>
+                            </p:stCondLst>
+                            <p:childTnLst>
+                              <p:par>
+                                <p:cTn id="21" presetID="1" presetClass="entr" presetSubtype="0" fill="hold" grpId="0" nodeType="clickEffect">
+                                  <p:stCondLst>
+                                    <p:cond delay="0"/>
+                                  </p:stCondLst>
+                                  <p:childTnLst>
+                                    <p:set>
+                                      <p:cBhvr>
+                                        <p:cTn id="22" dur="1" fill="hold">
+                                          <p:stCondLst>
+                                            <p:cond delay="0"/>
+                                          </p:stCondLst>
+                                        </p:cTn>
+                                        <p:tgtEl>
+                                          <p:spTgt spid="3">
+                                            <p:txEl>
+                                              <p:pRg st="4" end="4"/>
+                                            </p:txEl>
+                                          </p:spTgt>
+                                        </p:tgtEl>
+                                        <p:attrNameLst>
+                                          <p:attrName>style.visibility</p:attrName>
+                                        </p:attrNameLst>
+                                      </p:cBhvr>
+                                      <p:to>
+                                        <p:strVal val="visible"/>
+                                      </p:to>
+                                    </p:set>
+                                  </p:childTnLst>
+                                </p:cTn>
+                              </p:par>
+                            </p:childTnLst>
+                          </p:cTn>
+                        </p:par>
+                      </p:childTnLst>
+                    </p:cTn>
+                  </p:par>
+                  <p:par>
+                    <p:cTn id="23" fill="hold">
+                      <p:stCondLst>
+                        <p:cond delay="indefinite"/>
+                      </p:stCondLst>
+                      <p:childTnLst>
+                        <p:par>
+                          <p:cTn id="24" fill="hold">
+                            <p:stCondLst>
+                              <p:cond delay="0"/>
+                            </p:stCondLst>
+                            <p:childTnLst>
+                              <p:par>
+                                <p:cTn id="25" presetID="1" presetClass="entr" presetSubtype="0" fill="hold" grpId="0" nodeType="clickEffect">
+                                  <p:stCondLst>
+                                    <p:cond delay="0"/>
+                                  </p:stCondLst>
+                                  <p:childTnLst>
+                                    <p:set>
+                                      <p:cBhvr>
+                                        <p:cTn id="26" dur="1" fill="hold">
+                                          <p:stCondLst>
+                                            <p:cond delay="0"/>
+                                          </p:stCondLst>
+                                        </p:cTn>
+                                        <p:tgtEl>
+                                          <p:spTgt spid="3">
+                                            <p:txEl>
+                                              <p:pRg st="5" end="5"/>
+                                            </p:txEl>
+                                          </p:spTgt>
+                                        </p:tgtEl>
+                                        <p:attrNameLst>
+                                          <p:attrName>style.visibility</p:attrName>
+                                        </p:attrNameLst>
+                                      </p:cBhvr>
+                                      <p:to>
+                                        <p:strVal val="visible"/>
+                                      </p:to>
+                                    </p:set>
+                                  </p:childTnLst>
+                                </p:cTn>
+                              </p:par>
+                            </p:childTnLst>
+                          </p:cTn>
+                        </p:par>
+                      </p:childTnLst>
+                    </p:cTn>
+                  </p:par>
+                  <p:par>
+                    <p:cTn id="27" fill="hold">
+                      <p:stCondLst>
+                        <p:cond delay="indefinite"/>
+                      </p:stCondLst>
+                      <p:childTnLst>
+                        <p:par>
+                          <p:cTn id="28" fill="hold">
+                            <p:stCondLst>
+                              <p:cond delay="0"/>
+                            </p:stCondLst>
+                            <p:childTnLst>
+                              <p:par>
+                                <p:cTn id="29" presetID="1" presetClass="entr" presetSubtype="0" fill="hold" grpId="0" nodeType="clickEffect">
+                                  <p:stCondLst>
+                                    <p:cond delay="0"/>
+                                  </p:stCondLst>
+                                  <p:childTnLst>
+                                    <p:set>
+                                      <p:cBhvr>
+                                        <p:cTn id="30" dur="1" fill="hold">
+                                          <p:stCondLst>
+                                            <p:cond delay="0"/>
+                                          </p:stCondLst>
+                                        </p:cTn>
+                                        <p:tgtEl>
+                                          <p:spTgt spid="3">
+                                            <p:txEl>
+                                              <p:pRg st="6" end="6"/>
+                                            </p:txEl>
+                                          </p:spTgt>
+                                        </p:tgtEl>
+                                        <p:attrNameLst>
+                                          <p:attrName>style.visibility</p:attrName>
+                                        </p:attrNameLst>
+                                      </p:cBhvr>
+                                      <p:to>
+                                        <p:strVal val="visible"/>
+                                      </p:to>
+                                    </p:set>
+                                  </p:childTnLst>
+                                </p:cTn>
+                              </p:par>
+                            </p:childTnLst>
+                          </p:cTn>
+                        </p:par>
+                      </p:childTnLst>
+                    </p:cTn>
+                  </p:par>
+                  <p:par>
+                    <p:cTn id="31" fill="hold">
+                      <p:stCondLst>
+                        <p:cond delay="indefinite"/>
+                      </p:stCondLst>
+                      <p:childTnLst>
+                        <p:par>
+                          <p:cTn id="32" fill="hold">
+                            <p:stCondLst>
+                              <p:cond delay="0"/>
+                            </p:stCondLst>
+                            <p:childTnLst>
+                              <p:par>
+                                <p:cTn id="33" presetID="1" presetClass="entr" presetSubtype="0" fill="hold" grpId="0" nodeType="clickEffect">
+                                  <p:stCondLst>
+                                    <p:cond delay="0"/>
+                                  </p:stCondLst>
+                                  <p:childTnLst>
+                                    <p:set>
+                                      <p:cBhvr>
+                                        <p:cTn id="34" dur="1" fill="hold">
+                                          <p:stCondLst>
+                                            <p:cond delay="0"/>
+                                          </p:stCondLst>
+                                        </p:cTn>
+                                        <p:tgtEl>
+                                          <p:spTgt spid="3">
+                                            <p:txEl>
+                                              <p:pRg st="8" end="8"/>
+                                            </p:txEl>
+                                          </p:spTgt>
+                                        </p:tgtEl>
+                                        <p:attrNameLst>
+                                          <p:attrName>style.visibility</p:attrName>
+                                        </p:attrNameLst>
+                                      </p:cBhvr>
+                                      <p:to>
+                                        <p:strVal val="visible"/>
+                                      </p:to>
+                                    </p:set>
+                                  </p:childTnLst>
+                                </p:cTn>
+                              </p:par>
+                            </p:childTnLst>
+                          </p:cTn>
+                        </p:par>
+                      </p:childTnLst>
+                    </p:cTn>
+                  </p:par>
+                </p:childTnLst>
+              </p:cTn>
+              <p:prevCondLst>
+                <p:cond evt="onPrev" delay="0">
+                  <p:tgtEl>
+                    <p:sldTgt/>
+                  </p:tgtEl>
+                </p:cond>
+              </p:prevCondLst>
+              <p:nextCondLst>
+                <p:cond evt="onNext" delay="0">
+                  <p:tgtEl>
+                    <p:sldTgt/>
+                  </p:tgtEl>
+                </p:cond>
+              </p:nextCondLst>
+            </p:seq>
+          </p:childTnLst>
+        </p:cTn>
+      </p:par>
+    </p:tnLst>
+    <p:bldLst>
+      <p:bldP spid="3" grpId="0" uiExpand="1" build="p"/>
+    </p:bldLst>
+  </p:timing>
+</p:sld>
+</file>
+
+<file path=ppt/slides/slide2.xml><?xml version="1.0" encoding="utf-8"?>
+<p:sld xmlns:a="http://schemas.openxmlformats.org/drawingml/2006/main" xmlns:r="http://schemas.openxmlformats.org/officeDocument/2006/relationships" xmlns:p="http://schemas.openxmlformats.org/presentationml/2006/main">
+  <p:cSld>
+    <p:spTree>
+      <p:nvGrpSpPr>
+        <p:cNvPr id="1" name=""/>
+        <p:cNvGrpSpPr/>
+        <p:nvPr/>
+      </p:nvGrpSpPr>
+      <p:grpSpPr>
+        <a:xfrm>
+          <a:off x="0" y="0"/>
+          <a:ext cx="0" cy="0"/>
+          <a:chOff x="0" y="0"/>
+          <a:chExt cx="0" cy="0"/>
+        </a:xfrm>
+      </p:grpSpPr>
+      <p:sp>
+        <p:nvSpPr>
+          <p:cNvPr id="2" name="Title 1"/>
+          <p:cNvSpPr>
+            <a:spLocks noGrp="1"/>
+          </p:cNvSpPr>
+          <p:nvPr>
+            <p:ph type="title"/>
+          </p:nvPr>
+        </p:nvSpPr>
+        <p:spPr/>
+        <p:txBody>
+          <a:bodyPr/>
+          <a:lstStyle/>
+          <a:p>
+            <a:pPr lvl="0" indent="0" marL="0">
+              <a:buNone/>
+            </a:pPr>
+            <a:r>
+              <a:rPr/>
+              <a:t>구글 시트도 노코드 툴인가요?</a:t>
+            </a:r>
+          </a:p>
+        </p:txBody>
+      </p:sp>
+      <p:sp>
+        <p:nvSpPr>
+          <p:cNvPr id="3" name="Content Placeholder 2"/>
+          <p:cNvSpPr>
+            <a:spLocks noGrp="1"/>
+          </p:cNvSpPr>
+          <p:nvPr>
+            <p:ph idx="1"/>
+          </p:nvPr>
+        </p:nvSpPr>
+        <p:spPr/>
+        <p:txBody>
+          <a:bodyPr/>
+          <a:lstStyle/>
+          <a:p>
+            <a:pPr lvl="0"/>
+            <a:r>
+              <a:rPr/>
+              <a:t>UI</a:t>
+            </a:r>
+          </a:p>
+          <a:p>
+            <a:pPr lvl="1"/>
+            <a:r>
+              <a:rPr/>
+              <a:t>아주 제한된 형태의 UI</a:t>
+            </a:r>
+          </a:p>
+          <a:p>
+            <a:pPr lvl="1"/>
+            <a:r>
+              <a:rPr/>
+              <a:t>전체 공개를 통해 웹에서 접근할 수 있음.</a:t>
+            </a:r>
+          </a:p>
+          <a:p>
+            <a:pPr lvl="0"/>
+            <a:r>
+              <a:rPr/>
+              <a:t>DB</a:t>
+            </a:r>
+          </a:p>
+          <a:p>
+            <a:pPr lvl="1"/>
+            <a:r>
+              <a:rPr/>
+              <a:t>스프레드시트를 활용한 2차원 DB</a:t>
+            </a:r>
+          </a:p>
+          <a:p>
+            <a:pPr lvl="1"/>
+            <a:r>
+              <a:rPr/>
+              <a:t>API를 통해 읽고 쓸 수 있다.</a:t>
+            </a:r>
+          </a:p>
+          <a:p>
+            <a:pPr lvl="0"/>
+            <a:r>
+              <a:rPr/>
+              <a:t>로직</a:t>
+            </a:r>
+          </a:p>
+          <a:p>
+            <a:pPr lvl="1"/>
+            <a:r>
+              <a:rPr/>
+              <a:t>수식(Formula)을 사용해 데이터를 조작/가공할 수 있다.</a:t>
+            </a:r>
+          </a:p>
+          <a:p>
+            <a:pPr lvl="1"/>
+            <a:r>
+              <a:rPr/>
+              <a:t>엑셀의 VBA (Visual Basic for Application)</a:t>
+            </a:r>
+          </a:p>
+          <a:p>
+            <a:pPr lvl="2"/>
+            <a:r>
+              <a:rPr/>
+              <a:t>구글 시트의 Apps Script</a:t>
+            </a:r>
+          </a:p>
+          <a:p>
+            <a:pPr lvl="0"/>
+            <a:r>
+              <a:rPr>
+                <a:hlinkClick r:id="rId2"/>
+              </a:rPr>
+              <a:t>엑셀 시트 하나로 시작해 연간 수십억을 벌어들이는 사람이 한둘이 아니다</a:t>
+            </a:r>
+          </a:p>
+        </p:txBody>
+      </p:sp>
+    </p:spTree>
+  </p:cSld>
+  <p:timing>
+    <p:tnLst>
+      <p:par>
+        <p:cTn id="1" dur="indefinite" restart="never" nodeType="tmRoot">
+          <p:childTnLst>
+            <p:seq concurrent="1" nextAc="seek">
+              <p:cTn id="2" dur="indefinite" nodeType="mainSeq">
+                <p:childTnLst>
+                  <p:par>
+                    <p:cTn id="3" fill="hold">
+                      <p:stCondLst>
+                        <p:cond delay="indefinite"/>
+                      </p:stCondLst>
+                      <p:childTnLst>
+                        <p:par>
+                          <p:cTn id="4" fill="hold">
+                            <p:stCondLst>
+                              <p:cond delay="0"/>
+                            </p:stCondLst>
+                            <p:childTnLst>
+                              <p:par>
+                                <p:cTn id="5" presetID="1" presetClass="entr" presetSubtype="0" fill="hold" grpId="0" nodeType="clickEffect">
+                                  <p:stCondLst>
+                                    <p:cond delay="0"/>
+                                  </p:stCondLst>
+                                  <p:childTnLst>
+                                    <p:set>
+                                      <p:cBhvr>
+                                        <p:cTn id="6" dur="1" fill="hold">
+                                          <p:stCondLst>
+                                            <p:cond delay="0"/>
+                                          </p:stCondLst>
+                                        </p:cTn>
+                                        <p:tgtEl>
+                                          <p:spTgt spid="3">
+                                            <p:txEl>
+                                              <p:pRg st="0" end="0"/>
+                                            </p:txEl>
+                                          </p:spTgt>
+                                        </p:tgtEl>
+                                        <p:attrNameLst>
+                                          <p:attrName>style.visibility</p:attrName>
+                                        </p:attrNameLst>
+                                      </p:cBhvr>
+                                      <p:to>
+                                        <p:strVal val="visible"/>
+                                      </p:to>
+                                    </p:set>
+                                  </p:childTnLst>
+                                </p:cTn>
+                              </p:par>
+                            </p:childTnLst>
+                          </p:cTn>
+                        </p:par>
+                      </p:childTnLst>
+                    </p:cTn>
+                  </p:par>
+                  <p:par>
+                    <p:cTn id="7" fill="hold">
+                      <p:stCondLst>
+                        <p:cond delay="indefinite"/>
+                      </p:stCondLst>
+                      <p:childTnLst>
+                        <p:par>
+                          <p:cTn id="8" fill="hold">
+                            <p:stCondLst>
+                              <p:cond delay="0"/>
+                            </p:stCondLst>
+                            <p:childTnLst>
+                              <p:par>
+                                <p:cTn id="9" presetID="1" presetClass="entr" presetSubtype="0" fill="hold" grpId="0" nodeType="clickEffect">
+                                  <p:stCondLst>
+                                    <p:cond delay="0"/>
+                                  </p:stCondLst>
+                                  <p:childTnLst>
+                                    <p:set>
+                                      <p:cBhvr>
+                                        <p:cTn id="10" dur="1" fill="hold">
+                                          <p:stCondLst>
+                                            <p:cond delay="0"/>
+                                          </p:stCondLst>
+                                        </p:cTn>
+                                        <p:tgtEl>
+                                          <p:spTgt spid="3">
+                                            <p:txEl>
+                                              <p:pRg st="1" end="1"/>
+                                            </p:txEl>
+                                          </p:spTgt>
+                                        </p:tgtEl>
+                                        <p:attrNameLst>
+                                          <p:attrName>style.visibility</p:attrName>
+                                        </p:attrNameLst>
+                                      </p:cBhvr>
+                                      <p:to>
+                                        <p:strVal val="visible"/>
+                                      </p:to>
+                                    </p:set>
+                                  </p:childTnLst>
+                                </p:cTn>
+                              </p:par>
+                            </p:childTnLst>
+                          </p:cTn>
+                        </p:par>
+                      </p:childTnLst>
+                    </p:cTn>
+                  </p:par>
+                  <p:par>
+                    <p:cTn id="11" fill="hold">
+                      <p:stCondLst>
+                        <p:cond delay="indefinite"/>
+                      </p:stCondLst>
+                      <p:childTnLst>
+                        <p:par>
+                          <p:cTn id="12" fill="hold">
+                            <p:stCondLst>
+                              <p:cond delay="0"/>
+                            </p:stCondLst>
+                            <p:childTnLst>
+                              <p:par>
+                                <p:cTn id="13" presetID="1" presetClass="entr" presetSubtype="0" fill="hold" grpId="0" nodeType="clickEffect">
+                                  <p:stCondLst>
+                                    <p:cond delay="0"/>
+                                  </p:stCondLst>
+                                  <p:childTnLst>
+                                    <p:set>
+                                      <p:cBhvr>
+                                        <p:cTn id="14" dur="1" fill="hold">
+                                          <p:stCondLst>
+                                            <p:cond delay="0"/>
+                                          </p:stCondLst>
+                                        </p:cTn>
+                                        <p:tgtEl>
+                                          <p:spTgt spid="3">
+                                            <p:txEl>
+                                              <p:pRg st="2" end="2"/>
+                                            </p:txEl>
+                                          </p:spTgt>
+                                        </p:tgtEl>
+                                        <p:attrNameLst>
+                                          <p:attrName>style.visibility</p:attrName>
+                                        </p:attrNameLst>
+                                      </p:cBhvr>
+                                      <p:to>
+                                        <p:strVal val="visible"/>
+                                      </p:to>
+                                    </p:set>
+                                  </p:childTnLst>
+                                </p:cTn>
+                              </p:par>
+                            </p:childTnLst>
+                          </p:cTn>
+                        </p:par>
+                      </p:childTnLst>
+                    </p:cTn>
+                  </p:par>
+                  <p:par>
+                    <p:cTn id="15" fill="hold">
+                      <p:stCondLst>
+                        <p:cond delay="indefinite"/>
+                      </p:stCondLst>
+                      <p:childTnLst>
+                        <p:par>
+                          <p:cTn id="16" fill="hold">
+                            <p:stCondLst>
+                              <p:cond delay="0"/>
+                            </p:stCondLst>
+                            <p:childTnLst>
+                              <p:par>
+                                <p:cTn id="17" presetID="1" presetClass="entr" presetSubtype="0" fill="hold" grpId="0" nodeType="clickEffect">
+                                  <p:stCondLst>
+                                    <p:cond delay="0"/>
+                                  </p:stCondLst>
+                                  <p:childTnLst>
+                                    <p:set>
+                                      <p:cBhvr>
+                                        <p:cTn id="18" dur="1" fill="hold">
+                                          <p:stCondLst>
+                                            <p:cond delay="0"/>
+                                          </p:stCondLst>
+                                        </p:cTn>
+                                        <p:tgtEl>
+                                          <p:spTgt spid="3">
+                                            <p:txEl>
+                                              <p:pRg st="3" end="3"/>
+                                            </p:txEl>
+                                          </p:spTgt>
+                                        </p:tgtEl>
+                                        <p:attrNameLst>
+                                          <p:attrName>style.visibility</p:attrName>
+                                        </p:attrNameLst>
+                                      </p:cBhvr>
+                                      <p:to>
+                                        <p:strVal val="visible"/>
+                                      </p:to>
+                                    </p:set>
+                                  </p:childTnLst>
+                                </p:cTn>
+                              </p:par>
+                            </p:childTnLst>
+                          </p:cTn>
+                        </p:par>
+                      </p:childTnLst>
+                    </p:cTn>
+                  </p:par>
+                  <p:par>
+                    <p:cTn id="19" fill="hold">
+                      <p:stCondLst>
+                        <p:cond delay="indefinite"/>
+                      </p:stCondLst>
+                      <p:childTnLst>
+                        <p:par>
+                          <p:cTn id="20" fill="hold">
+                            <p:stCondLst>
+                              <p:cond delay="0"/>
+                            </p:stCondLst>
+                            <p:childTnLst>
+                              <p:par>
+                                <p:cTn id="21" presetID="1" presetClass="entr" presetSubtype="0" fill="hold" grpId="0" nodeType="clickEffect">
+                                  <p:stCondLst>
+                                    <p:cond delay="0"/>
+                                  </p:stCondLst>
+                                  <p:childTnLst>
+                                    <p:set>
+                                      <p:cBhvr>
+                                        <p:cTn id="22" dur="1" fill="hold">
+                                          <p:stCondLst>
+                                            <p:cond delay="0"/>
+                                          </p:stCondLst>
+                                        </p:cTn>
+                                        <p:tgtEl>
+                                          <p:spTgt spid="3">
+                                            <p:txEl>
+                                              <p:pRg st="4" end="4"/>
+                                            </p:txEl>
+                                          </p:spTgt>
+                                        </p:tgtEl>
+                                        <p:attrNameLst>
+                                          <p:attrName>style.visibility</p:attrName>
+                                        </p:attrNameLst>
+                                      </p:cBhvr>
+                                      <p:to>
+                                        <p:strVal val="visible"/>
+                                      </p:to>
+                                    </p:set>
+                                  </p:childTnLst>
+                                </p:cTn>
+                              </p:par>
+                            </p:childTnLst>
+                          </p:cTn>
+                        </p:par>
+                      </p:childTnLst>
+                    </p:cTn>
+                  </p:par>
+                  <p:par>
+                    <p:cTn id="23" fill="hold">
+                      <p:stCondLst>
+                        <p:cond delay="indefinite"/>
+                      </p:stCondLst>
+                      <p:childTnLst>
+                        <p:par>
+                          <p:cTn id="24" fill="hold">
+                            <p:stCondLst>
+                              <p:cond delay="0"/>
+                            </p:stCondLst>
+                            <p:childTnLst>
+                              <p:par>
+                                <p:cTn id="25" presetID="1" presetClass="entr" presetSubtype="0" fill="hold" grpId="0" nodeType="clickEffect">
+                                  <p:stCondLst>
+                                    <p:cond delay="0"/>
+                                  </p:stCondLst>
+                                  <p:childTnLst>
+                                    <p:set>
+                                      <p:cBhvr>
+                                        <p:cTn id="26" dur="1" fill="hold">
+                                          <p:stCondLst>
+                                            <p:cond delay="0"/>
+                                          </p:stCondLst>
+                                        </p:cTn>
+                                        <p:tgtEl>
+                                          <p:spTgt spid="3">
+                                            <p:txEl>
+                                              <p:pRg st="5" end="5"/>
+                                            </p:txEl>
+                                          </p:spTgt>
+                                        </p:tgtEl>
+                                        <p:attrNameLst>
+                                          <p:attrName>style.visibility</p:attrName>
+                                        </p:attrNameLst>
+                                      </p:cBhvr>
+                                      <p:to>
+                                        <p:strVal val="visible"/>
+                                      </p:to>
+                                    </p:set>
+                                  </p:childTnLst>
+                                </p:cTn>
+                              </p:par>
+                            </p:childTnLst>
+                          </p:cTn>
+                        </p:par>
+                      </p:childTnLst>
+                    </p:cTn>
+                  </p:par>
+                  <p:par>
+                    <p:cTn id="27" fill="hold">
+                      <p:stCondLst>
+                        <p:cond delay="indefinite"/>
+                      </p:stCondLst>
+                      <p:childTnLst>
+                        <p:par>
+                          <p:cTn id="28" fill="hold">
+                            <p:stCondLst>
+                              <p:cond delay="0"/>
+                            </p:stCondLst>
+                            <p:childTnLst>
+                              <p:par>
+                                <p:cTn id="29" presetID="1" presetClass="entr" presetSubtype="0" fill="hold" grpId="0" nodeType="clickEffect">
+                                  <p:stCondLst>
+                                    <p:cond delay="0"/>
+                                  </p:stCondLst>
+                                  <p:childTnLst>
+                                    <p:set>
+                                      <p:cBhvr>
+                                        <p:cTn id="30" dur="1" fill="hold">
+                                          <p:stCondLst>
+                                            <p:cond delay="0"/>
+                                          </p:stCondLst>
+                                        </p:cTn>
+                                        <p:tgtEl>
+                                          <p:spTgt spid="3">
+                                            <p:txEl>
+                                              <p:pRg st="6" end="6"/>
+                                            </p:txEl>
+                                          </p:spTgt>
+                                        </p:tgtEl>
+                                        <p:attrNameLst>
+                                          <p:attrName>style.visibility</p:attrName>
+                                        </p:attrNameLst>
+                                      </p:cBhvr>
+                                      <p:to>
+                                        <p:strVal val="visible"/>
+                                      </p:to>
+                                    </p:set>
+                                  </p:childTnLst>
+                                </p:cTn>
+                              </p:par>
+                            </p:childTnLst>
+                          </p:cTn>
+                        </p:par>
+                      </p:childTnLst>
+                    </p:cTn>
+                  </p:par>
+                  <p:par>
+                    <p:cTn id="31" fill="hold">
+                      <p:stCondLst>
+                        <p:cond delay="indefinite"/>
+                      </p:stCondLst>
+                      <p:childTnLst>
+                        <p:par>
+                          <p:cTn id="32" fill="hold">
+                            <p:stCondLst>
+                              <p:cond delay="0"/>
+                            </p:stCondLst>
+                            <p:childTnLst>
+                              <p:par>
+                                <p:cTn id="33" presetID="1" presetClass="entr" presetSubtype="0" fill="hold" grpId="0" nodeType="clickEffect">
+                                  <p:stCondLst>
+                                    <p:cond delay="0"/>
+                                  </p:stCondLst>
+                                  <p:childTnLst>
+                                    <p:set>
+                                      <p:cBhvr>
+                                        <p:cTn id="34" dur="1" fill="hold">
+                                          <p:stCondLst>
+                                            <p:cond delay="0"/>
+                                          </p:stCondLst>
+                                        </p:cTn>
+                                        <p:tgtEl>
+                                          <p:spTgt spid="3">
+                                            <p:txEl>
+                                              <p:pRg st="7" end="7"/>
+                                            </p:txEl>
+                                          </p:spTgt>
+                                        </p:tgtEl>
+                                        <p:attrNameLst>
+                                          <p:attrName>style.visibility</p:attrName>
+                                        </p:attrNameLst>
+                                      </p:cBhvr>
+                                      <p:to>
+                                        <p:strVal val="visible"/>
+                                      </p:to>
+                                    </p:set>
+                                  </p:childTnLst>
+                                </p:cTn>
+                              </p:par>
+                            </p:childTnLst>
+                          </p:cTn>
+                        </p:par>
+                      </p:childTnLst>
+                    </p:cTn>
+                  </p:par>
+                  <p:par>
+                    <p:cTn id="35" fill="hold">
+                      <p:stCondLst>
+                        <p:cond delay="indefinite"/>
+                      </p:stCondLst>
+                      <p:childTnLst>
+                        <p:par>
+                          <p:cTn id="36" fill="hold">
+                            <p:stCondLst>
+                              <p:cond delay="0"/>
+                            </p:stCondLst>
+                            <p:childTnLst>
+                              <p:par>
+                                <p:cTn id="37" presetID="1" presetClass="entr" presetSubtype="0" fill="hold" grpId="0" nodeType="clickEffect">
+                                  <p:stCondLst>
+                                    <p:cond delay="0"/>
+                                  </p:stCondLst>
+                                  <p:childTnLst>
+                                    <p:set>
+                                      <p:cBhvr>
+                                        <p:cTn id="38" dur="1" fill="hold">
+                                          <p:stCondLst>
+                                            <p:cond delay="0"/>
+                                          </p:stCondLst>
+                                        </p:cTn>
+                                        <p:tgtEl>
+                                          <p:spTgt spid="3">
+                                            <p:txEl>
+                                              <p:pRg st="8" end="8"/>
+                                            </p:txEl>
+                                          </p:spTgt>
+                                        </p:tgtEl>
+                                        <p:attrNameLst>
+                                          <p:attrName>style.visibility</p:attrName>
+                                        </p:attrNameLst>
+                                      </p:cBhvr>
+                                      <p:to>
+                                        <p:strVal val="visible"/>
+                                      </p:to>
+                                    </p:set>
+                                  </p:childTnLst>
+                                </p:cTn>
+                              </p:par>
+                            </p:childTnLst>
+                          </p:cTn>
+                        </p:par>
+                      </p:childTnLst>
+                    </p:cTn>
+                  </p:par>
+                  <p:par>
+                    <p:cTn id="39" fill="hold">
+                      <p:stCondLst>
+                        <p:cond delay="indefinite"/>
+                      </p:stCondLst>
+                      <p:childTnLst>
+                        <p:par>
+                          <p:cTn id="40" fill="hold">
+                            <p:stCondLst>
+                              <p:cond delay="0"/>
+                            </p:stCondLst>
+                            <p:childTnLst>
+                              <p:par>
+                                <p:cTn id="41" presetID="1" presetClass="entr" presetSubtype="0" fill="hold" grpId="0" nodeType="clickEffect">
+                                  <p:stCondLst>
+                                    <p:cond delay="0"/>
+                                  </p:stCondLst>
+                                  <p:childTnLst>
+                                    <p:set>
+                                      <p:cBhvr>
+                                        <p:cTn id="42" dur="1" fill="hold">
+                                          <p:stCondLst>
+                                            <p:cond delay="0"/>
+                                          </p:stCondLst>
+                                        </p:cTn>
+                                        <p:tgtEl>
+                                          <p:spTgt spid="3">
+                                            <p:txEl>
+                                              <p:pRg st="9" end="9"/>
+                                            </p:txEl>
+                                          </p:spTgt>
+                                        </p:tgtEl>
+                                        <p:attrNameLst>
+                                          <p:attrName>style.visibility</p:attrName>
+                                        </p:attrNameLst>
+                                      </p:cBhvr>
+                                      <p:to>
+                                        <p:strVal val="visible"/>
+                                      </p:to>
+                                    </p:set>
+                                  </p:childTnLst>
+                                </p:cTn>
+                              </p:par>
+                            </p:childTnLst>
+                          </p:cTn>
+                        </p:par>
+                      </p:childTnLst>
+                    </p:cTn>
+                  </p:par>
+                  <p:par>
+                    <p:cTn id="43" fill="hold">
+                      <p:stCondLst>
+                        <p:cond delay="indefinite"/>
+                      </p:stCondLst>
+                      <p:childTnLst>
+                        <p:par>
+                          <p:cTn id="44" fill="hold">
+                            <p:stCondLst>
+                              <p:cond delay="0"/>
+                            </p:stCondLst>
+                            <p:childTnLst>
+                              <p:par>
+                                <p:cTn id="45" presetID="1" presetClass="entr" presetSubtype="0" fill="hold" grpId="0" nodeType="clickEffect">
+                                  <p:stCondLst>
+                                    <p:cond delay="0"/>
+                                  </p:stCondLst>
+                                  <p:childTnLst>
+                                    <p:set>
+                                      <p:cBhvr>
+                                        <p:cTn id="46" dur="1" fill="hold">
+                                          <p:stCondLst>
+                                            <p:cond delay="0"/>
+                                          </p:stCondLst>
+                                        </p:cTn>
+                                        <p:tgtEl>
+                                          <p:spTgt spid="3">
+                                            <p:txEl>
+                                              <p:pRg st="10" end="10"/>
+                                            </p:txEl>
+                                          </p:spTgt>
+                                        </p:tgtEl>
+                                        <p:attrNameLst>
+                                          <p:attrName>style.visibility</p:attrName>
+                                        </p:attrNameLst>
+                                      </p:cBhvr>
+                                      <p:to>
+                                        <p:strVal val="visible"/>
+                                      </p:to>
+                                    </p:set>
+                                  </p:childTnLst>
+                                </p:cTn>
+                              </p:par>
+                            </p:childTnLst>
+                          </p:cTn>
+                        </p:par>
+                      </p:childTnLst>
+                    </p:cTn>
+                  </p:par>
+                </p:childTnLst>
+              </p:cTn>
+              <p:prevCondLst>
+                <p:cond evt="onPrev" delay="0">
+                  <p:tgtEl>
+                    <p:sldTgt/>
+                  </p:tgtEl>
+                </p:cond>
+              </p:prevCondLst>
+              <p:nextCondLst>
+                <p:cond evt="onNext" delay="0">
+                  <p:tgtEl>
+                    <p:sldTgt/>
+                  </p:tgtEl>
+                </p:cond>
+              </p:nextCondLst>
+            </p:seq>
+          </p:childTnLst>
+        </p:cTn>
+      </p:par>
+    </p:tnLst>
+    <p:bldLst>
+      <p:bldP spid="3" grpId="0" uiExpand="1" build="p"/>
+    </p:bldLst>
+  </p:timing>
+</p:sld>
+</file>
+
+<file path=ppt/slides/slide20.xml><?xml version="1.0" encoding="utf-8"?>
+<p:sld xmlns:a="http://schemas.openxmlformats.org/drawingml/2006/main" xmlns:r="http://schemas.openxmlformats.org/officeDocument/2006/relationships" xmlns:p="http://schemas.openxmlformats.org/presentationml/2006/main">
+  <p:cSld>
+    <p:spTree>
+      <p:nvGrpSpPr>
+        <p:cNvPr id="1" name=""/>
+        <p:cNvGrpSpPr/>
+        <p:nvPr/>
+      </p:nvGrpSpPr>
+      <p:grpSpPr>
+        <a:xfrm>
+          <a:off x="0" y="0"/>
+          <a:ext cx="0" cy="0"/>
+          <a:chOff x="0" y="0"/>
+          <a:chExt cx="0" cy="0"/>
+        </a:xfrm>
+      </p:grpSpPr>
+      <p:sp>
+        <p:nvSpPr>
+          <p:cNvPr id="2" name="Title 1"/>
+          <p:cNvSpPr>
+            <a:spLocks noGrp="1"/>
+          </p:cNvSpPr>
+          <p:nvPr>
+            <p:ph type="title"/>
+          </p:nvPr>
+        </p:nvSpPr>
+        <p:spPr/>
+        <p:txBody>
+          <a:bodyPr/>
+          <a:lstStyle/>
+          <a:p>
+            <a:pPr lvl="0" indent="0" marL="0">
+              <a:buNone/>
+            </a:pPr>
+            <a:r>
+              <a:rPr/>
+              <a:t>함수(Function)</a:t>
+            </a:r>
+          </a:p>
+        </p:txBody>
+      </p:sp>
+      <p:sp>
+        <p:nvSpPr>
+          <p:cNvPr id="3" name="Content Placeholder 2"/>
+          <p:cNvSpPr>
+            <a:spLocks noGrp="1"/>
+          </p:cNvSpPr>
+          <p:nvPr>
+            <p:ph idx="1"/>
+          </p:nvPr>
+        </p:nvSpPr>
+        <p:spPr/>
+        <p:txBody>
+          <a:bodyPr/>
+          <a:lstStyle/>
+          <a:p>
+            <a:pPr lvl="0"/>
+            <a:r>
+              <a:rPr/>
+              <a:t>기 정의된 일련의 처리과정</a:t>
+            </a:r>
+          </a:p>
+          <a:p>
+            <a:pPr lvl="1"/>
+            <a:r>
+              <a:rPr/>
+              <a:t>매개변수, 인수를 받아서, 처리한 다음 리턴한다.</a:t>
+            </a:r>
+          </a:p>
+          <a:p>
+            <a:pPr lvl="0" indent="0" marL="0">
+              <a:spcBef>
+                <a:spcPts val="3000"/>
+              </a:spcBef>
+              <a:buNone/>
+            </a:pPr>
+            <a:r>
+              <a:rPr b="1"/>
+              <a:t>매개변수(파라미터, Parameters)</a:t>
+            </a:r>
+          </a:p>
+          <a:p>
+            <a:pPr lvl="0"/>
+            <a:r>
+              <a:rPr/>
+              <a:t>인수, 인자(Arguments)</a:t>
+            </a:r>
+          </a:p>
+          <a:p>
+            <a:pPr lvl="1"/>
+            <a:r>
+              <a:rPr b="1"/>
+              <a:t>여러 개일 수 있어요.</a:t>
+            </a:r>
+          </a:p>
+        </p:txBody>
+      </p:sp>
+    </p:spTree>
+  </p:cSld>
+  <p:timing>
+    <p:tnLst>
+      <p:par>
+        <p:cTn id="1" dur="indefinite" restart="never" nodeType="tmRoot">
+          <p:childTnLst>
+            <p:seq concurrent="1" nextAc="seek">
+              <p:cTn id="2" dur="indefinite" nodeType="mainSeq">
+                <p:childTnLst>
+                  <p:par>
+                    <p:cTn id="3" fill="hold">
+                      <p:stCondLst>
+                        <p:cond delay="indefinite"/>
+                      </p:stCondLst>
+                      <p:childTnLst>
+                        <p:par>
+                          <p:cTn id="4" fill="hold">
+                            <p:stCondLst>
+                              <p:cond delay="0"/>
+                            </p:stCondLst>
+                            <p:childTnLst>
+                              <p:par>
+                                <p:cTn id="5" presetID="1" presetClass="entr" presetSubtype="0" fill="hold" grpId="0" nodeType="clickEffect">
+                                  <p:stCondLst>
+                                    <p:cond delay="0"/>
+                                  </p:stCondLst>
+                                  <p:childTnLst>
+                                    <p:set>
+                                      <p:cBhvr>
+                                        <p:cTn id="6" dur="1" fill="hold">
+                                          <p:stCondLst>
+                                            <p:cond delay="0"/>
+                                          </p:stCondLst>
+                                        </p:cTn>
+                                        <p:tgtEl>
+                                          <p:spTgt spid="3">
+                                            <p:txEl>
+                                              <p:pRg st="0" end="0"/>
+                                            </p:txEl>
+                                          </p:spTgt>
+                                        </p:tgtEl>
+                                        <p:attrNameLst>
+                                          <p:attrName>style.visibility</p:attrName>
+                                        </p:attrNameLst>
+                                      </p:cBhvr>
+                                      <p:to>
+                                        <p:strVal val="visible"/>
+                                      </p:to>
+                                    </p:set>
+                                  </p:childTnLst>
+                                </p:cTn>
+                              </p:par>
+                            </p:childTnLst>
+                          </p:cTn>
+                        </p:par>
+                      </p:childTnLst>
+                    </p:cTn>
+                  </p:par>
+                  <p:par>
+                    <p:cTn id="7" fill="hold">
+                      <p:stCondLst>
+                        <p:cond delay="indefinite"/>
+                      </p:stCondLst>
+                      <p:childTnLst>
+                        <p:par>
+                          <p:cTn id="8" fill="hold">
+                            <p:stCondLst>
+                              <p:cond delay="0"/>
+                            </p:stCondLst>
+                            <p:childTnLst>
+                              <p:par>
+                                <p:cTn id="9" presetID="1" presetClass="entr" presetSubtype="0" fill="hold" grpId="0" nodeType="clickEffect">
+                                  <p:stCondLst>
+                                    <p:cond delay="0"/>
+                                  </p:stCondLst>
+                                  <p:childTnLst>
+                                    <p:set>
+                                      <p:cBhvr>
+                                        <p:cTn id="10" dur="1" fill="hold">
+                                          <p:stCondLst>
+                                            <p:cond delay="0"/>
+                                          </p:stCondLst>
+                                        </p:cTn>
+                                        <p:tgtEl>
+                                          <p:spTgt spid="3">
+                                            <p:txEl>
+                                              <p:pRg st="1" end="1"/>
+                                            </p:txEl>
+                                          </p:spTgt>
+                                        </p:tgtEl>
+                                        <p:attrNameLst>
+                                          <p:attrName>style.visibility</p:attrName>
+                                        </p:attrNameLst>
+                                      </p:cBhvr>
+                                      <p:to>
+                                        <p:strVal val="visible"/>
+                                      </p:to>
+                                    </p:set>
+                                  </p:childTnLst>
+                                </p:cTn>
+                              </p:par>
+                            </p:childTnLst>
+                          </p:cTn>
+                        </p:par>
+                      </p:childTnLst>
+                    </p:cTn>
+                  </p:par>
+                  <p:par>
+                    <p:cTn id="11" fill="hold">
+                      <p:stCondLst>
+                        <p:cond delay="indefinite"/>
+                      </p:stCondLst>
+                      <p:childTnLst>
+                        <p:par>
+                          <p:cTn id="12" fill="hold">
+                            <p:stCondLst>
+                              <p:cond delay="0"/>
+                            </p:stCondLst>
+                            <p:childTnLst>
+                              <p:par>
+                                <p:cTn id="13" presetID="1" presetClass="entr" presetSubtype="0" fill="hold" grpId="0" nodeType="clickEffect">
+                                  <p:stCondLst>
+                                    <p:cond delay="0"/>
+                                  </p:stCondLst>
+                                  <p:childTnLst>
+                                    <p:set>
+                                      <p:cBhvr>
+                                        <p:cTn id="14" dur="1" fill="hold">
+                                          <p:stCondLst>
+                                            <p:cond delay="0"/>
+                                          </p:stCondLst>
+                                        </p:cTn>
+                                        <p:tgtEl>
+                                          <p:spTgt spid="3">
+                                            <p:txEl>
+                                              <p:pRg st="3" end="3"/>
+                                            </p:txEl>
+                                          </p:spTgt>
+                                        </p:tgtEl>
+                                        <p:attrNameLst>
+                                          <p:attrName>style.visibility</p:attrName>
+                                        </p:attrNameLst>
+                                      </p:cBhvr>
+                                      <p:to>
+                                        <p:strVal val="visible"/>
+                                      </p:to>
+                                    </p:set>
+                                  </p:childTnLst>
+                                </p:cTn>
+                              </p:par>
+                            </p:childTnLst>
+                          </p:cTn>
+                        </p:par>
+                      </p:childTnLst>
+                    </p:cTn>
+                  </p:par>
+                  <p:par>
+                    <p:cTn id="15" fill="hold">
+                      <p:stCondLst>
+                        <p:cond delay="indefinite"/>
+                      </p:stCondLst>
+                      <p:childTnLst>
+                        <p:par>
+                          <p:cTn id="16" fill="hold">
+                            <p:stCondLst>
+                              <p:cond delay="0"/>
+                            </p:stCondLst>
+                            <p:childTnLst>
+                              <p:par>
+                                <p:cTn id="17" presetID="1" presetClass="entr" presetSubtype="0" fill="hold" grpId="0" nodeType="clickEffect">
+                                  <p:stCondLst>
+                                    <p:cond delay="0"/>
+                                  </p:stCondLst>
+                                  <p:childTnLst>
+                                    <p:set>
+                                      <p:cBhvr>
+                                        <p:cTn id="18" dur="1" fill="hold">
+                                          <p:stCondLst>
+                                            <p:cond delay="0"/>
+                                          </p:stCondLst>
+                                        </p:cTn>
+                                        <p:tgtEl>
+                                          <p:spTgt spid="3">
+                                            <p:txEl>
+                                              <p:pRg st="4" end="4"/>
+                                            </p:txEl>
+                                          </p:spTgt>
+                                        </p:tgtEl>
+                                        <p:attrNameLst>
+                                          <p:attrName>style.visibility</p:attrName>
+                                        </p:attrNameLst>
+                                      </p:cBhvr>
+                                      <p:to>
+                                        <p:strVal val="visible"/>
+                                      </p:to>
+                                    </p:set>
+                                  </p:childTnLst>
+                                </p:cTn>
+                              </p:par>
+                            </p:childTnLst>
+                          </p:cTn>
+                        </p:par>
+                      </p:childTnLst>
+                    </p:cTn>
+                  </p:par>
+                </p:childTnLst>
+              </p:cTn>
+              <p:prevCondLst>
+                <p:cond evt="onPrev" delay="0">
+                  <p:tgtEl>
+                    <p:sldTgt/>
+                  </p:tgtEl>
+                </p:cond>
+              </p:prevCondLst>
+              <p:nextCondLst>
+                <p:cond evt="onNext" delay="0">
+                  <p:tgtEl>
+                    <p:sldTgt/>
+                  </p:tgtEl>
+                </p:cond>
+              </p:nextCondLst>
+            </p:seq>
+          </p:childTnLst>
+        </p:cTn>
+      </p:par>
+    </p:tnLst>
+    <p:bldLst>
+      <p:bldP spid="3" grpId="0" uiExpand="1" build="p"/>
+    </p:bldLst>
+  </p:timing>
+</p:sld>
+</file>
+
+<file path=ppt/slides/slide21.xml><?xml version="1.0" encoding="utf-8"?>
+<p:sld xmlns:a="http://schemas.openxmlformats.org/drawingml/2006/main" xmlns:r="http://schemas.openxmlformats.org/officeDocument/2006/relationships" xmlns:p="http://schemas.openxmlformats.org/presentationml/2006/main">
+  <p:cSld>
+    <p:spTree>
+      <p:nvGrpSpPr>
+        <p:cNvPr id="1" name=""/>
+        <p:cNvGrpSpPr/>
+        <p:nvPr/>
+      </p:nvGrpSpPr>
+      <p:grpSpPr>
+        <a:xfrm>
+          <a:off x="0" y="0"/>
+          <a:ext cx="0" cy="0"/>
+          <a:chOff x="0" y="0"/>
+          <a:chExt cx="0" cy="0"/>
+        </a:xfrm>
+      </p:grpSpPr>
+      <p:sp>
+        <p:nvSpPr>
+          <p:cNvPr id="2" name="Title 1"/>
+          <p:cNvSpPr>
+            <a:spLocks noGrp="1"/>
+          </p:cNvSpPr>
+          <p:nvPr>
+            <p:ph type="title"/>
+          </p:nvPr>
+        </p:nvSpPr>
+        <p:spPr/>
+        <p:txBody>
+          <a:bodyPr/>
+          <a:lstStyle/>
+          <a:p>
+            <a:pPr lvl="0" indent="0" marL="0">
+              <a:buNone/>
+            </a:pPr>
+            <a:r>
+              <a:rPr/>
+              <a:t>배열(Array)</a:t>
+            </a:r>
+          </a:p>
+        </p:txBody>
+      </p:sp>
+      <p:sp>
+        <p:nvSpPr>
+          <p:cNvPr id="3" name="Content Placeholder 2"/>
+          <p:cNvSpPr>
+            <a:spLocks noGrp="1"/>
+          </p:cNvSpPr>
+          <p:nvPr>
+            <p:ph idx="1"/>
+          </p:nvPr>
+        </p:nvSpPr>
+        <p:spPr/>
+        <p:txBody>
+          <a:bodyPr/>
+          <a:lstStyle/>
+          <a:p>
+            <a:pPr lvl="0"/>
+            <a:r>
+              <a:rPr/>
+              <a:t>복잡한 타입의 하나</a:t>
+            </a:r>
+          </a:p>
+          <a:p>
+            <a:pPr lvl="1"/>
+            <a:r>
+              <a:rPr/>
+              <a:t>리스트는 1차원 배열</a:t>
+            </a:r>
+          </a:p>
+          <a:p>
+            <a:pPr lvl="0"/>
+            <a:r>
+              <a:rPr/>
+              <a:t>1차원 배열은 행으로 표시</a:t>
+            </a:r>
+          </a:p>
+          <a:p>
+            <a:pPr lvl="0"/>
+            <a:r>
+              <a:rPr/>
+              <a:t>스프레드시트에서는 </a:t>
+            </a:r>
+            <a:r>
+              <a:rPr b="1"/>
+              <a:t>범위</a:t>
+            </a:r>
+            <a:r>
+              <a:rPr/>
+              <a:t>(Ranges)로 다룸.</a:t>
+            </a:r>
+          </a:p>
+          <a:p>
+            <a:pPr lvl="1"/>
+            <a:r>
+              <a:rPr>
+                <a:latin typeface="Courier"/>
+              </a:rPr>
+              <a:t>시작셀주소:종료셀주소</a:t>
+            </a:r>
+          </a:p>
+        </p:txBody>
+      </p:sp>
+    </p:spTree>
+  </p:cSld>
+  <p:timing>
+    <p:tnLst>
+      <p:par>
+        <p:cTn id="1" dur="indefinite" restart="never" nodeType="tmRoot">
+          <p:childTnLst>
+            <p:seq concurrent="1" nextAc="seek">
+              <p:cTn id="2" dur="indefinite" nodeType="mainSeq">
+                <p:childTnLst>
+                  <p:par>
+                    <p:cTn id="3" fill="hold">
+                      <p:stCondLst>
+                        <p:cond delay="indefinite"/>
+                      </p:stCondLst>
+                      <p:childTnLst>
+                        <p:par>
+                          <p:cTn id="4" fill="hold">
+                            <p:stCondLst>
+                              <p:cond delay="0"/>
+                            </p:stCondLst>
+                            <p:childTnLst>
+                              <p:par>
+                                <p:cTn id="5" presetID="1" presetClass="entr" presetSubtype="0" fill="hold" grpId="0" nodeType="clickEffect">
+                                  <p:stCondLst>
+                                    <p:cond delay="0"/>
+                                  </p:stCondLst>
+                                  <p:childTnLst>
+                                    <p:set>
+                                      <p:cBhvr>
+                                        <p:cTn id="6" dur="1" fill="hold">
+                                          <p:stCondLst>
+                                            <p:cond delay="0"/>
+                                          </p:stCondLst>
+                                        </p:cTn>
+                                        <p:tgtEl>
+                                          <p:spTgt spid="3">
+                                            <p:txEl>
+                                              <p:pRg st="0" end="0"/>
+                                            </p:txEl>
+                                          </p:spTgt>
+                                        </p:tgtEl>
+                                        <p:attrNameLst>
+                                          <p:attrName>style.visibility</p:attrName>
+                                        </p:attrNameLst>
+                                      </p:cBhvr>
+                                      <p:to>
+                                        <p:strVal val="visible"/>
+                                      </p:to>
+                                    </p:set>
+                                  </p:childTnLst>
+                                </p:cTn>
+                              </p:par>
+                            </p:childTnLst>
+                          </p:cTn>
+                        </p:par>
+                      </p:childTnLst>
+                    </p:cTn>
+                  </p:par>
+                  <p:par>
+                    <p:cTn id="7" fill="hold">
+                      <p:stCondLst>
+                        <p:cond delay="indefinite"/>
+                      </p:stCondLst>
+                      <p:childTnLst>
+                        <p:par>
+                          <p:cTn id="8" fill="hold">
+                            <p:stCondLst>
+                              <p:cond delay="0"/>
+                            </p:stCondLst>
+                            <p:childTnLst>
+                              <p:par>
+                                <p:cTn id="9" presetID="1" presetClass="entr" presetSubtype="0" fill="hold" grpId="0" nodeType="clickEffect">
+                                  <p:stCondLst>
+                                    <p:cond delay="0"/>
+                                  </p:stCondLst>
+                                  <p:childTnLst>
+                                    <p:set>
+                                      <p:cBhvr>
+                                        <p:cTn id="10" dur="1" fill="hold">
+                                          <p:stCondLst>
+                                            <p:cond delay="0"/>
+                                          </p:stCondLst>
+                                        </p:cTn>
+                                        <p:tgtEl>
+                                          <p:spTgt spid="3">
+                                            <p:txEl>
+                                              <p:pRg st="1" end="1"/>
+                                            </p:txEl>
+                                          </p:spTgt>
+                                        </p:tgtEl>
+                                        <p:attrNameLst>
+                                          <p:attrName>style.visibility</p:attrName>
+                                        </p:attrNameLst>
+                                      </p:cBhvr>
+                                      <p:to>
+                                        <p:strVal val="visible"/>
+                                      </p:to>
+                                    </p:set>
+                                  </p:childTnLst>
+                                </p:cTn>
+                              </p:par>
+                            </p:childTnLst>
+                          </p:cTn>
+                        </p:par>
+                      </p:childTnLst>
+                    </p:cTn>
+                  </p:par>
+                  <p:par>
+                    <p:cTn id="11" fill="hold">
+                      <p:stCondLst>
+                        <p:cond delay="indefinite"/>
+                      </p:stCondLst>
+                      <p:childTnLst>
+                        <p:par>
+                          <p:cTn id="12" fill="hold">
+                            <p:stCondLst>
+                              <p:cond delay="0"/>
+                            </p:stCondLst>
+                            <p:childTnLst>
+                              <p:par>
+                                <p:cTn id="13" presetID="1" presetClass="entr" presetSubtype="0" fill="hold" grpId="0" nodeType="clickEffect">
+                                  <p:stCondLst>
+                                    <p:cond delay="0"/>
+                                  </p:stCondLst>
+                                  <p:childTnLst>
+                                    <p:set>
+                                      <p:cBhvr>
+                                        <p:cTn id="14" dur="1" fill="hold">
+                                          <p:stCondLst>
+                                            <p:cond delay="0"/>
+                                          </p:stCondLst>
+                                        </p:cTn>
+                                        <p:tgtEl>
+                                          <p:spTgt spid="3">
+                                            <p:txEl>
+                                              <p:pRg st="2" end="2"/>
+                                            </p:txEl>
+                                          </p:spTgt>
+                                        </p:tgtEl>
+                                        <p:attrNameLst>
+                                          <p:attrName>style.visibility</p:attrName>
+                                        </p:attrNameLst>
+                                      </p:cBhvr>
+                                      <p:to>
+                                        <p:strVal val="visible"/>
+                                      </p:to>
+                                    </p:set>
+                                  </p:childTnLst>
+                                </p:cTn>
+                              </p:par>
+                            </p:childTnLst>
+                          </p:cTn>
+                        </p:par>
+                      </p:childTnLst>
+                    </p:cTn>
+                  </p:par>
+                  <p:par>
+                    <p:cTn id="15" fill="hold">
+                      <p:stCondLst>
+                        <p:cond delay="indefinite"/>
+                      </p:stCondLst>
+                      <p:childTnLst>
+                        <p:par>
+                          <p:cTn id="16" fill="hold">
+                            <p:stCondLst>
+                              <p:cond delay="0"/>
+                            </p:stCondLst>
+                            <p:childTnLst>
+                              <p:par>
+                                <p:cTn id="17" presetID="1" presetClass="entr" presetSubtype="0" fill="hold" grpId="0" nodeType="clickEffect">
+                                  <p:stCondLst>
+                                    <p:cond delay="0"/>
+                                  </p:stCondLst>
+                                  <p:childTnLst>
+                                    <p:set>
+                                      <p:cBhvr>
+                                        <p:cTn id="18" dur="1" fill="hold">
+                                          <p:stCondLst>
+                                            <p:cond delay="0"/>
+                                          </p:stCondLst>
+                                        </p:cTn>
+                                        <p:tgtEl>
+                                          <p:spTgt spid="3">
+                                            <p:txEl>
+                                              <p:pRg st="3" end="3"/>
+                                            </p:txEl>
+                                          </p:spTgt>
+                                        </p:tgtEl>
+                                        <p:attrNameLst>
+                                          <p:attrName>style.visibility</p:attrName>
+                                        </p:attrNameLst>
+                                      </p:cBhvr>
+                                      <p:to>
+                                        <p:strVal val="visible"/>
+                                      </p:to>
+                                    </p:set>
+                                  </p:childTnLst>
+                                </p:cTn>
+                              </p:par>
+                            </p:childTnLst>
+                          </p:cTn>
+                        </p:par>
+                      </p:childTnLst>
+                    </p:cTn>
+                  </p:par>
+                  <p:par>
+                    <p:cTn id="19" fill="hold">
+                      <p:stCondLst>
+                        <p:cond delay="indefinite"/>
+                      </p:stCondLst>
+                      <p:childTnLst>
+                        <p:par>
+                          <p:cTn id="20" fill="hold">
+                            <p:stCondLst>
+                              <p:cond delay="0"/>
+                            </p:stCondLst>
+                            <p:childTnLst>
+                              <p:par>
+                                <p:cTn id="21" presetID="1" presetClass="entr" presetSubtype="0" fill="hold" grpId="0" nodeType="clickEffect">
+                                  <p:stCondLst>
+                                    <p:cond delay="0"/>
+                                  </p:stCondLst>
+                                  <p:childTnLst>
+                                    <p:set>
+                                      <p:cBhvr>
+                                        <p:cTn id="22" dur="1" fill="hold">
+                                          <p:stCondLst>
+                                            <p:cond delay="0"/>
+                                          </p:stCondLst>
+                                        </p:cTn>
+                                        <p:tgtEl>
+                                          <p:spTgt spid="3">
+                                            <p:txEl>
+                                              <p:pRg st="4" end="4"/>
+                                            </p:txEl>
+                                          </p:spTgt>
+                                        </p:tgtEl>
+                                        <p:attrNameLst>
+                                          <p:attrName>style.visibility</p:attrName>
+                                        </p:attrNameLst>
+                                      </p:cBhvr>
+                                      <p:to>
+                                        <p:strVal val="visible"/>
+                                      </p:to>
+                                    </p:set>
+                                  </p:childTnLst>
+                                </p:cTn>
+                              </p:par>
+                            </p:childTnLst>
+                          </p:cTn>
+                        </p:par>
+                      </p:childTnLst>
+                    </p:cTn>
+                  </p:par>
+                </p:childTnLst>
+              </p:cTn>
+              <p:prevCondLst>
+                <p:cond evt="onPrev" delay="0">
+                  <p:tgtEl>
+                    <p:sldTgt/>
+                  </p:tgtEl>
+                </p:cond>
+              </p:prevCondLst>
+              <p:nextCondLst>
+                <p:cond evt="onNext" delay="0">
+                  <p:tgtEl>
+                    <p:sldTgt/>
+                  </p:tgtEl>
+                </p:cond>
+              </p:nextCondLst>
+            </p:seq>
+          </p:childTnLst>
+        </p:cTn>
+      </p:par>
+    </p:tnLst>
+    <p:bldLst>
+      <p:bldP spid="3" grpId="0" uiExpand="1" build="p"/>
+    </p:bldLst>
+  </p:timing>
+</p:sld>
+</file>
+
+<file path=ppt/slides/slide22.xml><?xml version="1.0" encoding="utf-8"?>
+<p:sld xmlns:a="http://schemas.openxmlformats.org/drawingml/2006/main" xmlns:r="http://schemas.openxmlformats.org/officeDocument/2006/relationships" xmlns:p="http://schemas.openxmlformats.org/presentationml/2006/main">
+  <p:cSld>
+    <p:spTree>
+      <p:nvGrpSpPr>
+        <p:cNvPr id="1" name=""/>
+        <p:cNvGrpSpPr/>
+        <p:nvPr/>
+      </p:nvGrpSpPr>
+      <p:grpSpPr>
+        <a:xfrm>
+          <a:off x="0" y="0"/>
+          <a:ext cx="0" cy="0"/>
+          <a:chOff x="0" y="0"/>
+          <a:chExt cx="0" cy="0"/>
+        </a:xfrm>
+      </p:grpSpPr>
+      <p:sp>
+        <p:nvSpPr>
+          <p:cNvPr id="2" name="Title 1"/>
+          <p:cNvSpPr>
+            <a:spLocks noGrp="1"/>
+          </p:cNvSpPr>
+          <p:nvPr>
+            <p:ph type="title"/>
+          </p:nvPr>
+        </p:nvSpPr>
+        <p:spPr/>
+        <p:txBody>
+          <a:bodyPr/>
+          <a:lstStyle/>
+          <a:p>
+            <a:pPr lvl="0" indent="0" marL="0">
+              <a:buNone/>
+            </a:pPr>
+            <a:r>
+              <a:rPr>
+                <a:latin typeface="Courier"/>
+              </a:rPr>
+              <a:t>IF()</a:t>
+            </a:r>
+            <a:r>
+              <a:rPr/>
+              <a:t> 함수</a:t>
+            </a:r>
+          </a:p>
+        </p:txBody>
+      </p:sp>
+      <p:sp>
+        <p:nvSpPr>
+          <p:cNvPr id="3" name="Content Placeholder 2"/>
+          <p:cNvSpPr>
+            <a:spLocks noGrp="1"/>
+          </p:cNvSpPr>
+          <p:nvPr>
+            <p:ph idx="1"/>
+          </p:nvPr>
+        </p:nvSpPr>
+        <p:spPr/>
+        <p:txBody>
+          <a:bodyPr/>
+          <a:lstStyle/>
+          <a:p>
+            <a:pPr lvl="0"/>
+            <a:r>
+              <a:rPr>
+                <a:latin typeface="Courier"/>
+              </a:rPr>
+              <a:t>IF(조건식, 참일 경우의 수식, 거짓일 경우의 수식)</a:t>
+            </a:r>
+          </a:p>
+          <a:p>
+            <a:pPr lvl="1"/>
+            <a:r>
+              <a:rPr/>
+              <a:t>인풋과 아웃풋의 타입이 따로 지정돼있지 않다. (수식 또한 타입일까?)</a:t>
+            </a:r>
+          </a:p>
+          <a:p>
+            <a:pPr lvl="1"/>
+            <a:r>
+              <a:rPr/>
+              <a:t>만약에.</a:t>
+            </a:r>
+          </a:p>
+          <a:p>
+            <a:pPr lvl="2"/>
+            <a:r>
+              <a:rPr/>
+              <a:t>~~라면 ~~ 하다</a:t>
+            </a:r>
+          </a:p>
+          <a:p>
+            <a:pPr lvl="0" indent="0" marL="0">
+              <a:spcBef>
+                <a:spcPts val="3000"/>
+              </a:spcBef>
+              <a:buNone/>
+            </a:pPr>
+            <a:r>
+              <a:rPr b="1"/>
+              <a:t>중첩 </a:t>
+            </a:r>
+            <a:r>
+              <a:rPr b="1">
+                <a:latin typeface="Courier"/>
+              </a:rPr>
+              <a:t>IF</a:t>
+            </a:r>
+            <a:r>
+              <a:rPr b="1"/>
+              <a:t> 함수</a:t>
+            </a:r>
+          </a:p>
+          <a:p>
+            <a:pPr lvl="0"/>
+            <a:r>
+              <a:rPr>
+                <a:latin typeface="Courier"/>
+              </a:rPr>
+              <a:t>Alt + Enter</a:t>
+            </a:r>
+            <a:r>
+              <a:rPr/>
+              <a:t>: 수식 내 줄바꿈</a:t>
+            </a:r>
+          </a:p>
+          <a:p>
+            <a:pPr lvl="0"/>
+            <a:r>
+              <a:rPr/>
+              <a:t>수식이 길어지면 줄바꿈과 들여쓰기를 사용해서 수식을 덜 못생기게 만듭니다.</a:t>
+            </a:r>
+          </a:p>
+        </p:txBody>
+      </p:sp>
+    </p:spTree>
+  </p:cSld>
+  <p:timing>
+    <p:tnLst>
+      <p:par>
+        <p:cTn id="1" dur="indefinite" restart="never" nodeType="tmRoot">
+          <p:childTnLst>
+            <p:seq concurrent="1" nextAc="seek">
+              <p:cTn id="2" dur="indefinite" nodeType="mainSeq">
+                <p:childTnLst>
+                  <p:par>
+                    <p:cTn id="3" fill="hold">
+                      <p:stCondLst>
+                        <p:cond delay="indefinite"/>
+                      </p:stCondLst>
+                      <p:childTnLst>
+                        <p:par>
+                          <p:cTn id="4" fill="hold">
+                            <p:stCondLst>
+                              <p:cond delay="0"/>
+                            </p:stCondLst>
+                            <p:childTnLst>
+                              <p:par>
+                                <p:cTn id="5" presetID="1" presetClass="entr" presetSubtype="0" fill="hold" grpId="0" nodeType="clickEffect">
+                                  <p:stCondLst>
+                                    <p:cond delay="0"/>
+                                  </p:stCondLst>
+                                  <p:childTnLst>
+                                    <p:set>
+                                      <p:cBhvr>
+                                        <p:cTn id="6" dur="1" fill="hold">
+                                          <p:stCondLst>
+                                            <p:cond delay="0"/>
+                                          </p:stCondLst>
+                                        </p:cTn>
+                                        <p:tgtEl>
+                                          <p:spTgt spid="3">
+                                            <p:txEl>
+                                              <p:pRg st="0" end="0"/>
+                                            </p:txEl>
+                                          </p:spTgt>
+                                        </p:tgtEl>
+                                        <p:attrNameLst>
+                                          <p:attrName>style.visibility</p:attrName>
+                                        </p:attrNameLst>
+                                      </p:cBhvr>
+                                      <p:to>
+                                        <p:strVal val="visible"/>
+                                      </p:to>
+                                    </p:set>
+                                  </p:childTnLst>
+                                </p:cTn>
+                              </p:par>
+                            </p:childTnLst>
+                          </p:cTn>
+                        </p:par>
+                      </p:childTnLst>
+                    </p:cTn>
+                  </p:par>
+                  <p:par>
+                    <p:cTn id="7" fill="hold">
+                      <p:stCondLst>
+                        <p:cond delay="indefinite"/>
+                      </p:stCondLst>
+                      <p:childTnLst>
+                        <p:par>
+                          <p:cTn id="8" fill="hold">
+                            <p:stCondLst>
+                              <p:cond delay="0"/>
+                            </p:stCondLst>
+                            <p:childTnLst>
+                              <p:par>
+                                <p:cTn id="9" presetID="1" presetClass="entr" presetSubtype="0" fill="hold" grpId="0" nodeType="clickEffect">
+                                  <p:stCondLst>
+                                    <p:cond delay="0"/>
+                                  </p:stCondLst>
+                                  <p:childTnLst>
+                                    <p:set>
+                                      <p:cBhvr>
+                                        <p:cTn id="10" dur="1" fill="hold">
+                                          <p:stCondLst>
+                                            <p:cond delay="0"/>
+                                          </p:stCondLst>
+                                        </p:cTn>
+                                        <p:tgtEl>
+                                          <p:spTgt spid="3">
+                                            <p:txEl>
+                                              <p:pRg st="1" end="1"/>
+                                            </p:txEl>
+                                          </p:spTgt>
+                                        </p:tgtEl>
+                                        <p:attrNameLst>
+                                          <p:attrName>style.visibility</p:attrName>
+                                        </p:attrNameLst>
+                                      </p:cBhvr>
+                                      <p:to>
+                                        <p:strVal val="visible"/>
+                                      </p:to>
+                                    </p:set>
+                                  </p:childTnLst>
+                                </p:cTn>
+                              </p:par>
+                            </p:childTnLst>
+                          </p:cTn>
+                        </p:par>
+                      </p:childTnLst>
+                    </p:cTn>
+                  </p:par>
+                  <p:par>
+                    <p:cTn id="11" fill="hold">
+                      <p:stCondLst>
+                        <p:cond delay="indefinite"/>
+                      </p:stCondLst>
+                      <p:childTnLst>
+                        <p:par>
+                          <p:cTn id="12" fill="hold">
+                            <p:stCondLst>
+                              <p:cond delay="0"/>
+                            </p:stCondLst>
+                            <p:childTnLst>
+                              <p:par>
+                                <p:cTn id="13" presetID="1" presetClass="entr" presetSubtype="0" fill="hold" grpId="0" nodeType="clickEffect">
+                                  <p:stCondLst>
+                                    <p:cond delay="0"/>
+                                  </p:stCondLst>
+                                  <p:childTnLst>
+                                    <p:set>
+                                      <p:cBhvr>
+                                        <p:cTn id="14" dur="1" fill="hold">
+                                          <p:stCondLst>
+                                            <p:cond delay="0"/>
+                                          </p:stCondLst>
+                                        </p:cTn>
+                                        <p:tgtEl>
+                                          <p:spTgt spid="3">
+                                            <p:txEl>
+                                              <p:pRg st="2" end="2"/>
+                                            </p:txEl>
+                                          </p:spTgt>
+                                        </p:tgtEl>
+                                        <p:attrNameLst>
+                                          <p:attrName>style.visibility</p:attrName>
+                                        </p:attrNameLst>
+                                      </p:cBhvr>
+                                      <p:to>
+                                        <p:strVal val="visible"/>
+                                      </p:to>
+                                    </p:set>
+                                  </p:childTnLst>
+                                </p:cTn>
+                              </p:par>
+                            </p:childTnLst>
+                          </p:cTn>
+                        </p:par>
+                      </p:childTnLst>
+                    </p:cTn>
+                  </p:par>
+                  <p:par>
+                    <p:cTn id="15" fill="hold">
+                      <p:stCondLst>
+                        <p:cond delay="indefinite"/>
+                      </p:stCondLst>
+                      <p:childTnLst>
+                        <p:par>
+                          <p:cTn id="16" fill="hold">
+                            <p:stCondLst>
+                              <p:cond delay="0"/>
+                            </p:stCondLst>
+                            <p:childTnLst>
+                              <p:par>
+                                <p:cTn id="17" presetID="1" presetClass="entr" presetSubtype="0" fill="hold" grpId="0" nodeType="clickEffect">
+                                  <p:stCondLst>
+                                    <p:cond delay="0"/>
+                                  </p:stCondLst>
+                                  <p:childTnLst>
+                                    <p:set>
+                                      <p:cBhvr>
+                                        <p:cTn id="18" dur="1" fill="hold">
+                                          <p:stCondLst>
+                                            <p:cond delay="0"/>
+                                          </p:stCondLst>
+                                        </p:cTn>
+                                        <p:tgtEl>
+                                          <p:spTgt spid="3">
+                                            <p:txEl>
+                                              <p:pRg st="3" end="3"/>
+                                            </p:txEl>
+                                          </p:spTgt>
+                                        </p:tgtEl>
+                                        <p:attrNameLst>
+                                          <p:attrName>style.visibility</p:attrName>
+                                        </p:attrNameLst>
+                                      </p:cBhvr>
+                                      <p:to>
+                                        <p:strVal val="visible"/>
+                                      </p:to>
+                                    </p:set>
+                                  </p:childTnLst>
+                                </p:cTn>
+                              </p:par>
+                            </p:childTnLst>
+                          </p:cTn>
+                        </p:par>
+                      </p:childTnLst>
+                    </p:cTn>
+                  </p:par>
+                  <p:par>
+                    <p:cTn id="19" fill="hold">
+                      <p:stCondLst>
+                        <p:cond delay="indefinite"/>
+                      </p:stCondLst>
+                      <p:childTnLst>
+                        <p:par>
+                          <p:cTn id="20" fill="hold">
+                            <p:stCondLst>
+                              <p:cond delay="0"/>
+                            </p:stCondLst>
+                            <p:childTnLst>
+                              <p:par>
+                                <p:cTn id="21" presetID="1" presetClass="entr" presetSubtype="0" fill="hold" grpId="0" nodeType="clickEffect">
+                                  <p:stCondLst>
+                                    <p:cond delay="0"/>
+                                  </p:stCondLst>
+                                  <p:childTnLst>
+                                    <p:set>
+                                      <p:cBhvr>
+                                        <p:cTn id="22" dur="1" fill="hold">
+                                          <p:stCondLst>
+                                            <p:cond delay="0"/>
+                                          </p:stCondLst>
+                                        </p:cTn>
+                                        <p:tgtEl>
+                                          <p:spTgt spid="3">
+                                            <p:txEl>
+                                              <p:pRg st="5" end="5"/>
+                                            </p:txEl>
+                                          </p:spTgt>
+                                        </p:tgtEl>
+                                        <p:attrNameLst>
+                                          <p:attrName>style.visibility</p:attrName>
+                                        </p:attrNameLst>
+                                      </p:cBhvr>
+                                      <p:to>
+                                        <p:strVal val="visible"/>
+                                      </p:to>
+                                    </p:set>
+                                  </p:childTnLst>
+                                </p:cTn>
+                              </p:par>
+                            </p:childTnLst>
+                          </p:cTn>
+                        </p:par>
+                      </p:childTnLst>
+                    </p:cTn>
+                  </p:par>
+                  <p:par>
+                    <p:cTn id="23" fill="hold">
+                      <p:stCondLst>
+                        <p:cond delay="indefinite"/>
+                      </p:stCondLst>
+                      <p:childTnLst>
+                        <p:par>
+                          <p:cTn id="24" fill="hold">
+                            <p:stCondLst>
+                              <p:cond delay="0"/>
+                            </p:stCondLst>
+                            <p:childTnLst>
+                              <p:par>
+                                <p:cTn id="25" presetID="1" presetClass="entr" presetSubtype="0" fill="hold" grpId="0" nodeType="clickEffect">
+                                  <p:stCondLst>
+                                    <p:cond delay="0"/>
+                                  </p:stCondLst>
+                                  <p:childTnLst>
+                                    <p:set>
+                                      <p:cBhvr>
+                                        <p:cTn id="26" dur="1" fill="hold">
+                                          <p:stCondLst>
+                                            <p:cond delay="0"/>
+                                          </p:stCondLst>
+                                        </p:cTn>
+                                        <p:tgtEl>
+                                          <p:spTgt spid="3">
+                                            <p:txEl>
+                                              <p:pRg st="6" end="6"/>
+                                            </p:txEl>
+                                          </p:spTgt>
+                                        </p:tgtEl>
+                                        <p:attrNameLst>
+                                          <p:attrName>style.visibility</p:attrName>
+                                        </p:attrNameLst>
+                                      </p:cBhvr>
+                                      <p:to>
+                                        <p:strVal val="visible"/>
+                                      </p:to>
+                                    </p:set>
+                                  </p:childTnLst>
+                                </p:cTn>
+                              </p:par>
+                            </p:childTnLst>
+                          </p:cTn>
+                        </p:par>
+                      </p:childTnLst>
+                    </p:cTn>
+                  </p:par>
+                </p:childTnLst>
+              </p:cTn>
+              <p:prevCondLst>
+                <p:cond evt="onPrev" delay="0">
+                  <p:tgtEl>
+                    <p:sldTgt/>
+                  </p:tgtEl>
+                </p:cond>
+              </p:prevCondLst>
+              <p:nextCondLst>
+                <p:cond evt="onNext" delay="0">
+                  <p:tgtEl>
+                    <p:sldTgt/>
+                  </p:tgtEl>
+                </p:cond>
+              </p:nextCondLst>
+            </p:seq>
+          </p:childTnLst>
+        </p:cTn>
+      </p:par>
+    </p:tnLst>
+    <p:bldLst>
+      <p:bldP spid="3" grpId="0" uiExpand="1" build="p"/>
+    </p:bldLst>
+  </p:timing>
+</p:sld>
+</file>
+
+<file path=ppt/slides/slide23.xml><?xml version="1.0" encoding="utf-8"?>
+<p:sld xmlns:a="http://schemas.openxmlformats.org/drawingml/2006/main" xmlns:r="http://schemas.openxmlformats.org/officeDocument/2006/relationships" xmlns:p="http://schemas.openxmlformats.org/presentationml/2006/main">
+  <p:cSld>
+    <p:spTree>
+      <p:nvGrpSpPr>
+        <p:cNvPr id="1" name=""/>
+        <p:cNvGrpSpPr/>
+        <p:nvPr/>
+      </p:nvGrpSpPr>
+      <p:grpSpPr>
+        <a:xfrm>
+          <a:off x="0" y="0"/>
+          <a:ext cx="0" cy="0"/>
+          <a:chOff x="0" y="0"/>
+          <a:chExt cx="0" cy="0"/>
+        </a:xfrm>
+      </p:grpSpPr>
+      <p:sp>
+        <p:nvSpPr>
+          <p:cNvPr id="2" name="Title 1"/>
+          <p:cNvSpPr>
+            <a:spLocks noGrp="1"/>
+          </p:cNvSpPr>
+          <p:nvPr>
+            <p:ph type="title"/>
+          </p:nvPr>
+        </p:nvSpPr>
+        <p:spPr/>
+        <p:txBody>
+          <a:bodyPr/>
+          <a:lstStyle/>
+          <a:p>
+            <a:pPr lvl="0" indent="0" marL="0">
+              <a:buNone/>
+            </a:pPr>
+            <a:r>
+              <a:rPr/>
+              <a:t>조건식 (conditional expression)</a:t>
+            </a:r>
+          </a:p>
+        </p:txBody>
+      </p:sp>
+      <p:sp>
+        <p:nvSpPr>
+          <p:cNvPr id="3" name="Content Placeholder 2"/>
+          <p:cNvSpPr>
+            <a:spLocks noGrp="1"/>
+          </p:cNvSpPr>
+          <p:nvPr>
+            <p:ph idx="1"/>
+          </p:nvPr>
+        </p:nvSpPr>
+        <p:spPr/>
+        <p:txBody>
+          <a:bodyPr/>
+          <a:lstStyle/>
+          <a:p>
+            <a:pPr lvl="0"/>
+            <a:r>
+              <a:rPr/>
+              <a:t>연산의 결과가 불리언 타입인 수식</a:t>
+            </a:r>
+          </a:p>
+          <a:p>
+            <a:pPr lvl="1"/>
+            <a:r>
+              <a:rPr>
+                <a:latin typeface="Courier"/>
+              </a:rPr>
+              <a:t>True</a:t>
+            </a:r>
+            <a:r>
+              <a:rPr/>
+              <a:t> / </a:t>
+            </a:r>
+            <a:r>
+              <a:rPr>
+                <a:latin typeface="Courier"/>
+              </a:rPr>
+              <a:t>False</a:t>
+            </a:r>
+          </a:p>
+          <a:p>
+            <a:pPr lvl="0" indent="0" marL="0">
+              <a:spcBef>
+                <a:spcPts val="3000"/>
+              </a:spcBef>
+              <a:buNone/>
+            </a:pPr>
+            <a:r>
+              <a:rPr b="1"/>
+              <a:t>비교연산자(Comparison operator)</a:t>
+            </a:r>
+          </a:p>
+          <a:p>
+            <a:pPr lvl="0"/>
+            <a:r>
+              <a:rPr/>
+              <a:t>두 개의 항을 비교해서 불리언 타입으로 계산되는 연산자</a:t>
+            </a:r>
+          </a:p>
+          <a:p>
+            <a:pPr lvl="0"/>
+            <a:r>
+              <a:rPr>
+                <a:latin typeface="Courier"/>
+              </a:rPr>
+              <a:t>&gt;</a:t>
+            </a:r>
+            <a:r>
+              <a:rPr/>
+              <a:t>, </a:t>
+            </a:r>
+            <a:r>
+              <a:rPr>
+                <a:latin typeface="Courier"/>
+              </a:rPr>
+              <a:t>&lt;</a:t>
+            </a:r>
+            <a:r>
+              <a:rPr/>
+              <a:t>, </a:t>
+            </a:r>
+            <a:r>
+              <a:rPr>
+                <a:latin typeface="Courier"/>
+              </a:rPr>
+              <a:t>≥</a:t>
+            </a:r>
+            <a:r>
+              <a:rPr/>
+              <a:t>, </a:t>
+            </a:r>
+            <a:r>
+              <a:rPr>
+                <a:latin typeface="Courier"/>
+              </a:rPr>
+              <a:t>≤</a:t>
+            </a:r>
+            <a:r>
+              <a:rPr/>
+              <a:t>, </a:t>
+            </a:r>
+            <a:r>
+              <a:rPr>
+                <a:latin typeface="Courier"/>
+              </a:rPr>
+              <a:t>=</a:t>
+            </a:r>
+            <a:r>
+              <a:rPr/>
+              <a:t>, </a:t>
+            </a:r>
+            <a:r>
+              <a:rPr>
+                <a:latin typeface="Courier"/>
+              </a:rPr>
+              <a:t>&lt;&gt;</a:t>
+            </a:r>
+          </a:p>
+          <a:p>
+            <a:pPr lvl="1"/>
+            <a:r>
+              <a:rPr/>
+              <a:t>Ligature</a:t>
+            </a:r>
+          </a:p>
+        </p:txBody>
+      </p:sp>
+    </p:spTree>
+  </p:cSld>
+  <p:timing>
+    <p:tnLst>
+      <p:par>
+        <p:cTn id="1" dur="indefinite" restart="never" nodeType="tmRoot">
+          <p:childTnLst>
+            <p:seq concurrent="1" nextAc="seek">
+              <p:cTn id="2" dur="indefinite" nodeType="mainSeq">
+                <p:childTnLst>
+                  <p:par>
+                    <p:cTn id="3" fill="hold">
+                      <p:stCondLst>
+                        <p:cond delay="indefinite"/>
+                      </p:stCondLst>
+                      <p:childTnLst>
+                        <p:par>
+                          <p:cTn id="4" fill="hold">
+                            <p:stCondLst>
+                              <p:cond delay="0"/>
+                            </p:stCondLst>
+                            <p:childTnLst>
+                              <p:par>
+                                <p:cTn id="5" presetID="1" presetClass="entr" presetSubtype="0" fill="hold" grpId="0" nodeType="clickEffect">
+                                  <p:stCondLst>
+                                    <p:cond delay="0"/>
+                                  </p:stCondLst>
+                                  <p:childTnLst>
+                                    <p:set>
+                                      <p:cBhvr>
+                                        <p:cTn id="6" dur="1" fill="hold">
+                                          <p:stCondLst>
+                                            <p:cond delay="0"/>
+                                          </p:stCondLst>
+                                        </p:cTn>
+                                        <p:tgtEl>
+                                          <p:spTgt spid="3">
+                                            <p:txEl>
+                                              <p:pRg st="0" end="0"/>
+                                            </p:txEl>
+                                          </p:spTgt>
+                                        </p:tgtEl>
+                                        <p:attrNameLst>
+                                          <p:attrName>style.visibility</p:attrName>
+                                        </p:attrNameLst>
+                                      </p:cBhvr>
+                                      <p:to>
+                                        <p:strVal val="visible"/>
+                                      </p:to>
+                                    </p:set>
+                                  </p:childTnLst>
+                                </p:cTn>
+                              </p:par>
+                            </p:childTnLst>
+                          </p:cTn>
+                        </p:par>
+                      </p:childTnLst>
+                    </p:cTn>
+                  </p:par>
+                  <p:par>
+                    <p:cTn id="7" fill="hold">
+                      <p:stCondLst>
+                        <p:cond delay="indefinite"/>
+                      </p:stCondLst>
+                      <p:childTnLst>
+                        <p:par>
+                          <p:cTn id="8" fill="hold">
+                            <p:stCondLst>
+                              <p:cond delay="0"/>
+                            </p:stCondLst>
+                            <p:childTnLst>
+                              <p:par>
+                                <p:cTn id="9" presetID="1" presetClass="entr" presetSubtype="0" fill="hold" grpId="0" nodeType="clickEffect">
+                                  <p:stCondLst>
+                                    <p:cond delay="0"/>
+                                  </p:stCondLst>
+                                  <p:childTnLst>
+                                    <p:set>
+                                      <p:cBhvr>
+                                        <p:cTn id="10" dur="1" fill="hold">
+                                          <p:stCondLst>
+                                            <p:cond delay="0"/>
+                                          </p:stCondLst>
+                                        </p:cTn>
+                                        <p:tgtEl>
+                                          <p:spTgt spid="3">
+                                            <p:txEl>
+                                              <p:pRg st="1" end="1"/>
+                                            </p:txEl>
+                                          </p:spTgt>
+                                        </p:tgtEl>
+                                        <p:attrNameLst>
+                                          <p:attrName>style.visibility</p:attrName>
+                                        </p:attrNameLst>
+                                      </p:cBhvr>
+                                      <p:to>
+                                        <p:strVal val="visible"/>
+                                      </p:to>
+                                    </p:set>
+                                  </p:childTnLst>
+                                </p:cTn>
+                              </p:par>
+                            </p:childTnLst>
+                          </p:cTn>
+                        </p:par>
+                      </p:childTnLst>
+                    </p:cTn>
+                  </p:par>
+                  <p:par>
+                    <p:cTn id="11" fill="hold">
+                      <p:stCondLst>
+                        <p:cond delay="indefinite"/>
+                      </p:stCondLst>
+                      <p:childTnLst>
+                        <p:par>
+                          <p:cTn id="12" fill="hold">
+                            <p:stCondLst>
+                              <p:cond delay="0"/>
+                            </p:stCondLst>
+                            <p:childTnLst>
+                              <p:par>
+                                <p:cTn id="13" presetID="1" presetClass="entr" presetSubtype="0" fill="hold" grpId="0" nodeType="clickEffect">
+                                  <p:stCondLst>
+                                    <p:cond delay="0"/>
+                                  </p:stCondLst>
+                                  <p:childTnLst>
+                                    <p:set>
+                                      <p:cBhvr>
+                                        <p:cTn id="14" dur="1" fill="hold">
+                                          <p:stCondLst>
+                                            <p:cond delay="0"/>
+                                          </p:stCondLst>
+                                        </p:cTn>
+                                        <p:tgtEl>
+                                          <p:spTgt spid="3">
+                                            <p:txEl>
+                                              <p:pRg st="3" end="3"/>
+                                            </p:txEl>
+                                          </p:spTgt>
+                                        </p:tgtEl>
+                                        <p:attrNameLst>
+                                          <p:attrName>style.visibility</p:attrName>
+                                        </p:attrNameLst>
+                                      </p:cBhvr>
+                                      <p:to>
+                                        <p:strVal val="visible"/>
+                                      </p:to>
+                                    </p:set>
+                                  </p:childTnLst>
+                                </p:cTn>
+                              </p:par>
+                            </p:childTnLst>
+                          </p:cTn>
+                        </p:par>
+                      </p:childTnLst>
+                    </p:cTn>
+                  </p:par>
+                  <p:par>
+                    <p:cTn id="15" fill="hold">
+                      <p:stCondLst>
+                        <p:cond delay="indefinite"/>
+                      </p:stCondLst>
+                      <p:childTnLst>
+                        <p:par>
+                          <p:cTn id="16" fill="hold">
+                            <p:stCondLst>
+                              <p:cond delay="0"/>
+                            </p:stCondLst>
+                            <p:childTnLst>
+                              <p:par>
+                                <p:cTn id="17" presetID="1" presetClass="entr" presetSubtype="0" fill="hold" grpId="0" nodeType="clickEffect">
+                                  <p:stCondLst>
+                                    <p:cond delay="0"/>
+                                  </p:stCondLst>
+                                  <p:childTnLst>
+                                    <p:set>
+                                      <p:cBhvr>
+                                        <p:cTn id="18" dur="1" fill="hold">
+                                          <p:stCondLst>
+                                            <p:cond delay="0"/>
+                                          </p:stCondLst>
+                                        </p:cTn>
+                                        <p:tgtEl>
+                                          <p:spTgt spid="3">
+                                            <p:txEl>
+                                              <p:pRg st="4" end="4"/>
+                                            </p:txEl>
+                                          </p:spTgt>
+                                        </p:tgtEl>
+                                        <p:attrNameLst>
+                                          <p:attrName>style.visibility</p:attrName>
+                                        </p:attrNameLst>
+                                      </p:cBhvr>
+                                      <p:to>
+                                        <p:strVal val="visible"/>
+                                      </p:to>
+                                    </p:set>
+                                  </p:childTnLst>
+                                </p:cTn>
+                              </p:par>
+                            </p:childTnLst>
+                          </p:cTn>
+                        </p:par>
+                      </p:childTnLst>
+                    </p:cTn>
+                  </p:par>
+                  <p:par>
+                    <p:cTn id="19" fill="hold">
+                      <p:stCondLst>
+                        <p:cond delay="indefinite"/>
+                      </p:stCondLst>
+                      <p:childTnLst>
+                        <p:par>
+                          <p:cTn id="20" fill="hold">
+                            <p:stCondLst>
+                              <p:cond delay="0"/>
+                            </p:stCondLst>
+                            <p:childTnLst>
+                              <p:par>
+                                <p:cTn id="21" presetID="1" presetClass="entr" presetSubtype="0" fill="hold" grpId="0" nodeType="clickEffect">
+                                  <p:stCondLst>
+                                    <p:cond delay="0"/>
+                                  </p:stCondLst>
+                                  <p:childTnLst>
+                                    <p:set>
+                                      <p:cBhvr>
+                                        <p:cTn id="22" dur="1" fill="hold">
+                                          <p:stCondLst>
+                                            <p:cond delay="0"/>
+                                          </p:stCondLst>
+                                        </p:cTn>
+                                        <p:tgtEl>
+                                          <p:spTgt spid="3">
+                                            <p:txEl>
+                                              <p:pRg st="5" end="5"/>
+                                            </p:txEl>
+                                          </p:spTgt>
+                                        </p:tgtEl>
+                                        <p:attrNameLst>
+                                          <p:attrName>style.visibility</p:attrName>
+                                        </p:attrNameLst>
+                                      </p:cBhvr>
+                                      <p:to>
+                                        <p:strVal val="visible"/>
+                                      </p:to>
+                                    </p:set>
+                                  </p:childTnLst>
+                                </p:cTn>
+                              </p:par>
+                            </p:childTnLst>
+                          </p:cTn>
+                        </p:par>
+                      </p:childTnLst>
+                    </p:cTn>
+                  </p:par>
+                </p:childTnLst>
+              </p:cTn>
+              <p:prevCondLst>
+                <p:cond evt="onPrev" delay="0">
+                  <p:tgtEl>
+                    <p:sldTgt/>
+                  </p:tgtEl>
+                </p:cond>
+              </p:prevCondLst>
+              <p:nextCondLst>
+                <p:cond evt="onNext" delay="0">
+                  <p:tgtEl>
+                    <p:sldTgt/>
+                  </p:tgtEl>
+                </p:cond>
+              </p:nextCondLst>
+            </p:seq>
+          </p:childTnLst>
+        </p:cTn>
+      </p:par>
+    </p:tnLst>
+    <p:bldLst>
+      <p:bldP spid="3" grpId="0" uiExpand="1" build="p"/>
+    </p:bldLst>
+  </p:timing>
+</p:sld>
+</file>
+
+<file path=ppt/slides/slide3.xml><?xml version="1.0" encoding="utf-8"?>
+<p:sld xmlns:a="http://schemas.openxmlformats.org/drawingml/2006/main" xmlns:r="http://schemas.openxmlformats.org/officeDocument/2006/relationships" xmlns:p="http://schemas.openxmlformats.org/presentationml/2006/main">
+  <p:cSld>
+    <p:spTree>
+      <p:nvGrpSpPr>
+        <p:cNvPr id="1" name=""/>
+        <p:cNvGrpSpPr/>
+        <p:nvPr/>
+      </p:nvGrpSpPr>
+      <p:grpSpPr>
+        <a:xfrm>
+          <a:off x="0" y="0"/>
+          <a:ext cx="0" cy="0"/>
+          <a:chOff x="0" y="0"/>
+          <a:chExt cx="0" cy="0"/>
+        </a:xfrm>
+      </p:grpSpPr>
+      <p:sp>
+        <p:nvSpPr>
+          <p:cNvPr id="2" name="Title 1"/>
+          <p:cNvSpPr>
+            <a:spLocks noGrp="1"/>
+          </p:cNvSpPr>
+          <p:nvPr>
+            <p:ph type="title"/>
+          </p:nvPr>
+        </p:nvSpPr>
+        <p:spPr/>
+        <p:txBody>
+          <a:bodyPr/>
+          <a:lstStyle/>
+          <a:p>
+            <a:pPr lvl="0" indent="0" marL="0">
+              <a:buNone/>
+            </a:pPr>
+            <a:r>
+              <a:rPr/>
+              <a:t>구글 시트</a:t>
+            </a:r>
+          </a:p>
+        </p:txBody>
+      </p:sp>
+      <p:sp>
+        <p:nvSpPr>
+          <p:cNvPr id="3" name="Content Placeholder 2"/>
+          <p:cNvSpPr>
+            <a:spLocks noGrp="1"/>
+          </p:cNvSpPr>
+          <p:nvPr>
+            <p:ph idx="1"/>
+          </p:nvPr>
+        </p:nvSpPr>
+        <p:spPr/>
+        <p:txBody>
+          <a:bodyPr/>
+          <a:lstStyle/>
+          <a:p>
+            <a:pPr lvl="0"/>
+            <a:r>
+              <a:rPr/>
+              <a:t>2차원 데이터베이스를 구축하고 가공하고 표시하는 소프트웨어 = 스프레드시트(Spreadsheets)</a:t>
+            </a:r>
+          </a:p>
+          <a:p>
+            <a:pPr lvl="0"/>
+            <a:r>
+              <a:rPr/>
+              <a:t>수식(Formula)과 함수(Function)를 사용해서, 동적으로 갱신되는 데이터를 다루는 것이 주요 기능</a:t>
+            </a:r>
+          </a:p>
+          <a:p>
+            <a:pPr lvl="1"/>
+            <a:r>
+              <a:rPr/>
+              <a:t>참조하고 있는 값이 변경되면 함께 재계산되어 갱신되는 데이터</a:t>
+            </a:r>
+          </a:p>
+        </p:txBody>
+      </p:sp>
+    </p:spTree>
+  </p:cSld>
+  <p:timing>
+    <p:tnLst>
+      <p:par>
+        <p:cTn id="1" dur="indefinite" restart="never" nodeType="tmRoot">
+          <p:childTnLst>
+            <p:seq concurrent="1" nextAc="seek">
+              <p:cTn id="2" dur="indefinite" nodeType="mainSeq">
+                <p:childTnLst>
+                  <p:par>
+                    <p:cTn id="3" fill="hold">
+                      <p:stCondLst>
+                        <p:cond delay="indefinite"/>
+                      </p:stCondLst>
+                      <p:childTnLst>
+                        <p:par>
+                          <p:cTn id="4" fill="hold">
+                            <p:stCondLst>
+                              <p:cond delay="0"/>
+                            </p:stCondLst>
+                            <p:childTnLst>
+                              <p:par>
+                                <p:cTn id="5" presetID="1" presetClass="entr" presetSubtype="0" fill="hold" grpId="0" nodeType="clickEffect">
+                                  <p:stCondLst>
+                                    <p:cond delay="0"/>
+                                  </p:stCondLst>
+                                  <p:childTnLst>
+                                    <p:set>
+                                      <p:cBhvr>
+                                        <p:cTn id="6" dur="1" fill="hold">
+                                          <p:stCondLst>
+                                            <p:cond delay="0"/>
+                                          </p:stCondLst>
+                                        </p:cTn>
+                                        <p:tgtEl>
+                                          <p:spTgt spid="3">
+                                            <p:txEl>
+                                              <p:pRg st="0" end="0"/>
+                                            </p:txEl>
+                                          </p:spTgt>
+                                        </p:tgtEl>
+                                        <p:attrNameLst>
+                                          <p:attrName>style.visibility</p:attrName>
+                                        </p:attrNameLst>
+                                      </p:cBhvr>
+                                      <p:to>
+                                        <p:strVal val="visible"/>
+                                      </p:to>
+                                    </p:set>
+                                  </p:childTnLst>
+                                </p:cTn>
+                              </p:par>
+                            </p:childTnLst>
+                          </p:cTn>
+                        </p:par>
+                      </p:childTnLst>
+                    </p:cTn>
+                  </p:par>
+                  <p:par>
+                    <p:cTn id="7" fill="hold">
+                      <p:stCondLst>
+                        <p:cond delay="indefinite"/>
+                      </p:stCondLst>
+                      <p:childTnLst>
+                        <p:par>
+                          <p:cTn id="8" fill="hold">
+                            <p:stCondLst>
+                              <p:cond delay="0"/>
+                            </p:stCondLst>
+                            <p:childTnLst>
+                              <p:par>
+                                <p:cTn id="9" presetID="1" presetClass="entr" presetSubtype="0" fill="hold" grpId="0" nodeType="clickEffect">
+                                  <p:stCondLst>
+                                    <p:cond delay="0"/>
+                                  </p:stCondLst>
+                                  <p:childTnLst>
+                                    <p:set>
+                                      <p:cBhvr>
+                                        <p:cTn id="10" dur="1" fill="hold">
+                                          <p:stCondLst>
+                                            <p:cond delay="0"/>
+                                          </p:stCondLst>
+                                        </p:cTn>
+                                        <p:tgtEl>
+                                          <p:spTgt spid="3">
+                                            <p:txEl>
+                                              <p:pRg st="1" end="1"/>
+                                            </p:txEl>
+                                          </p:spTgt>
+                                        </p:tgtEl>
+                                        <p:attrNameLst>
+                                          <p:attrName>style.visibility</p:attrName>
+                                        </p:attrNameLst>
+                                      </p:cBhvr>
+                                      <p:to>
+                                        <p:strVal val="visible"/>
+                                      </p:to>
+                                    </p:set>
+                                  </p:childTnLst>
+                                </p:cTn>
+                              </p:par>
+                            </p:childTnLst>
+                          </p:cTn>
+                        </p:par>
+                      </p:childTnLst>
+                    </p:cTn>
+                  </p:par>
+                  <p:par>
+                    <p:cTn id="11" fill="hold">
+                      <p:stCondLst>
+                        <p:cond delay="indefinite"/>
+                      </p:stCondLst>
+                      <p:childTnLst>
+                        <p:par>
+                          <p:cTn id="12" fill="hold">
+                            <p:stCondLst>
+                              <p:cond delay="0"/>
+                            </p:stCondLst>
+                            <p:childTnLst>
+                              <p:par>
+                                <p:cTn id="13" presetID="1" presetClass="entr" presetSubtype="0" fill="hold" grpId="0" nodeType="clickEffect">
+                                  <p:stCondLst>
+                                    <p:cond delay="0"/>
+                                  </p:stCondLst>
+                                  <p:childTnLst>
+                                    <p:set>
+                                      <p:cBhvr>
+                                        <p:cTn id="14" dur="1" fill="hold">
+                                          <p:stCondLst>
+                                            <p:cond delay="0"/>
+                                          </p:stCondLst>
+                                        </p:cTn>
+                                        <p:tgtEl>
+                                          <p:spTgt spid="3">
+                                            <p:txEl>
+                                              <p:pRg st="2" end="2"/>
+                                            </p:txEl>
+                                          </p:spTgt>
+                                        </p:tgtEl>
+                                        <p:attrNameLst>
+                                          <p:attrName>style.visibility</p:attrName>
+                                        </p:attrNameLst>
+                                      </p:cBhvr>
+                                      <p:to>
+                                        <p:strVal val="visible"/>
+                                      </p:to>
+                                    </p:set>
+                                  </p:childTnLst>
+                                </p:cTn>
+                              </p:par>
+                            </p:childTnLst>
+                          </p:cTn>
+                        </p:par>
+                      </p:childTnLst>
+                    </p:cTn>
+                  </p:par>
+                </p:childTnLst>
+              </p:cTn>
+              <p:prevCondLst>
+                <p:cond evt="onPrev" delay="0">
+                  <p:tgtEl>
+                    <p:sldTgt/>
+                  </p:tgtEl>
+                </p:cond>
+              </p:prevCondLst>
+              <p:nextCondLst>
+                <p:cond evt="onNext" delay="0">
+                  <p:tgtEl>
+                    <p:sldTgt/>
+                  </p:tgtEl>
+                </p:cond>
+              </p:nextCondLst>
+            </p:seq>
+          </p:childTnLst>
+        </p:cTn>
+      </p:par>
+    </p:tnLst>
+    <p:bldLst>
+      <p:bldP spid="3" grpId="0" uiExpand="1" build="p"/>
+    </p:bldLst>
+  </p:timing>
+</p:sld>
+</file>
+
+<file path=ppt/slides/slide4.xml><?xml version="1.0" encoding="utf-8"?>
+<p:sld xmlns:a="http://schemas.openxmlformats.org/drawingml/2006/main" xmlns:r="http://schemas.openxmlformats.org/officeDocument/2006/relationships" xmlns:p="http://schemas.openxmlformats.org/presentationml/2006/main">
+  <p:cSld>
+    <p:spTree>
+      <p:nvGrpSpPr>
+        <p:cNvPr id="1" name=""/>
+        <p:cNvGrpSpPr/>
+        <p:nvPr/>
+      </p:nvGrpSpPr>
+      <p:grpSpPr>
+        <a:xfrm>
+          <a:off x="0" y="0"/>
+          <a:ext cx="0" cy="0"/>
+          <a:chOff x="0" y="0"/>
+          <a:chExt cx="0" cy="0"/>
+        </a:xfrm>
+      </p:grpSpPr>
+      <p:sp>
+        <p:nvSpPr>
+          <p:cNvPr id="2" name="Title 1"/>
+          <p:cNvSpPr>
+            <a:spLocks noGrp="1"/>
+          </p:cNvSpPr>
+          <p:nvPr>
+            <p:ph type="title"/>
+          </p:nvPr>
+        </p:nvSpPr>
+        <p:spPr/>
+        <p:txBody>
+          <a:bodyPr/>
+          <a:lstStyle/>
+          <a:p>
+            <a:pPr lvl="0" indent="0" marL="0">
+              <a:buNone/>
+            </a:pPr>
+            <a:r>
+              <a:rPr/>
+              <a:t>왜 엑셀이 아니고?</a:t>
+            </a:r>
+          </a:p>
+        </p:txBody>
+      </p:sp>
+      <p:sp>
+        <p:nvSpPr>
+          <p:cNvPr id="3" name="Content Placeholder 2"/>
+          <p:cNvSpPr>
+            <a:spLocks noGrp="1"/>
+          </p:cNvSpPr>
+          <p:nvPr>
+            <p:ph idx="1"/>
+          </p:nvPr>
+        </p:nvSpPr>
+        <p:spPr/>
+        <p:txBody>
+          <a:bodyPr/>
+          <a:lstStyle/>
+          <a:p>
+            <a:pPr lvl="0"/>
+            <a:r>
+              <a:rPr/>
+              <a:t>처음부터 웹앱 + 클라우드</a:t>
+            </a:r>
+          </a:p>
+          <a:p>
+            <a:pPr lvl="1"/>
+            <a:r>
+              <a:rPr/>
+              <a:t>동료들과 협업하기 편리하다.</a:t>
+            </a:r>
+          </a:p>
+          <a:p>
+            <a:pPr lvl="1"/>
+            <a:r>
+              <a:rPr/>
+              <a:t>인터넷이 연결 안되면 쓸 수 없음.</a:t>
+            </a:r>
+          </a:p>
+          <a:p>
+            <a:pPr lvl="0"/>
+            <a:r>
+              <a:rPr/>
+              <a:t>구글 확장 기능들</a:t>
+            </a:r>
+          </a:p>
+          <a:p>
+            <a:pPr lvl="1"/>
+            <a:r>
+              <a:rPr/>
+              <a:t>구글 시트 전용 함수</a:t>
+            </a:r>
+          </a:p>
+          <a:p>
+            <a:pPr lvl="2"/>
+            <a:r>
+              <a:rPr/>
+              <a:t>구글 번역</a:t>
+            </a:r>
+          </a:p>
+          <a:p>
+            <a:pPr lvl="0"/>
+            <a:r>
+              <a:rPr/>
+              <a:t>클라우드 기반이기 때문에 API를 사용해서 소통이 편리</a:t>
+            </a:r>
+          </a:p>
+          <a:p>
+            <a:pPr lvl="1"/>
+            <a:r>
+              <a:rPr/>
+              <a:t>간이 백엔드 + DB로 활용할 수 있다</a:t>
+            </a:r>
+          </a:p>
+        </p:txBody>
+      </p:sp>
+    </p:spTree>
+  </p:cSld>
+  <p:timing>
+    <p:tnLst>
+      <p:par>
+        <p:cTn id="1" dur="indefinite" restart="never" nodeType="tmRoot">
+          <p:childTnLst>
+            <p:seq concurrent="1" nextAc="seek">
+              <p:cTn id="2" dur="indefinite" nodeType="mainSeq">
+                <p:childTnLst>
+                  <p:par>
+                    <p:cTn id="3" fill="hold">
+                      <p:stCondLst>
+                        <p:cond delay="indefinite"/>
+                      </p:stCondLst>
+                      <p:childTnLst>
+                        <p:par>
+                          <p:cTn id="4" fill="hold">
+                            <p:stCondLst>
+                              <p:cond delay="0"/>
+                            </p:stCondLst>
+                            <p:childTnLst>
+                              <p:par>
+                                <p:cTn id="5" presetID="1" presetClass="entr" presetSubtype="0" fill="hold" grpId="0" nodeType="clickEffect">
+                                  <p:stCondLst>
+                                    <p:cond delay="0"/>
+                                  </p:stCondLst>
+                                  <p:childTnLst>
+                                    <p:set>
+                                      <p:cBhvr>
+                                        <p:cTn id="6" dur="1" fill="hold">
+                                          <p:stCondLst>
+                                            <p:cond delay="0"/>
+                                          </p:stCondLst>
+                                        </p:cTn>
+                                        <p:tgtEl>
+                                          <p:spTgt spid="3">
+                                            <p:txEl>
+                                              <p:pRg st="0" end="0"/>
+                                            </p:txEl>
+                                          </p:spTgt>
+                                        </p:tgtEl>
+                                        <p:attrNameLst>
+                                          <p:attrName>style.visibility</p:attrName>
+                                        </p:attrNameLst>
+                                      </p:cBhvr>
+                                      <p:to>
+                                        <p:strVal val="visible"/>
+                                      </p:to>
+                                    </p:set>
+                                  </p:childTnLst>
+                                </p:cTn>
+                              </p:par>
+                            </p:childTnLst>
+                          </p:cTn>
+                        </p:par>
+                      </p:childTnLst>
+                    </p:cTn>
+                  </p:par>
+                  <p:par>
+                    <p:cTn id="7" fill="hold">
+                      <p:stCondLst>
+                        <p:cond delay="indefinite"/>
+                      </p:stCondLst>
+                      <p:childTnLst>
+                        <p:par>
+                          <p:cTn id="8" fill="hold">
+                            <p:stCondLst>
+                              <p:cond delay="0"/>
+                            </p:stCondLst>
+                            <p:childTnLst>
+                              <p:par>
+                                <p:cTn id="9" presetID="1" presetClass="entr" presetSubtype="0" fill="hold" grpId="0" nodeType="clickEffect">
+                                  <p:stCondLst>
+                                    <p:cond delay="0"/>
+                                  </p:stCondLst>
+                                  <p:childTnLst>
+                                    <p:set>
+                                      <p:cBhvr>
+                                        <p:cTn id="10" dur="1" fill="hold">
+                                          <p:stCondLst>
+                                            <p:cond delay="0"/>
+                                          </p:stCondLst>
+                                        </p:cTn>
+                                        <p:tgtEl>
+                                          <p:spTgt spid="3">
+                                            <p:txEl>
+                                              <p:pRg st="1" end="1"/>
+                                            </p:txEl>
+                                          </p:spTgt>
+                                        </p:tgtEl>
+                                        <p:attrNameLst>
+                                          <p:attrName>style.visibility</p:attrName>
+                                        </p:attrNameLst>
+                                      </p:cBhvr>
+                                      <p:to>
+                                        <p:strVal val="visible"/>
+                                      </p:to>
+                                    </p:set>
+                                  </p:childTnLst>
+                                </p:cTn>
+                              </p:par>
+                            </p:childTnLst>
+                          </p:cTn>
+                        </p:par>
+                      </p:childTnLst>
+                    </p:cTn>
+                  </p:par>
+                  <p:par>
+                    <p:cTn id="11" fill="hold">
+                      <p:stCondLst>
+                        <p:cond delay="indefinite"/>
+                      </p:stCondLst>
+                      <p:childTnLst>
+                        <p:par>
+                          <p:cTn id="12" fill="hold">
+                            <p:stCondLst>
+                              <p:cond delay="0"/>
+                            </p:stCondLst>
+                            <p:childTnLst>
+                              <p:par>
+                                <p:cTn id="13" presetID="1" presetClass="entr" presetSubtype="0" fill="hold" grpId="0" nodeType="clickEffect">
+                                  <p:stCondLst>
+                                    <p:cond delay="0"/>
+                                  </p:stCondLst>
+                                  <p:childTnLst>
+                                    <p:set>
+                                      <p:cBhvr>
+                                        <p:cTn id="14" dur="1" fill="hold">
+                                          <p:stCondLst>
+                                            <p:cond delay="0"/>
+                                          </p:stCondLst>
+                                        </p:cTn>
+                                        <p:tgtEl>
+                                          <p:spTgt spid="3">
+                                            <p:txEl>
+                                              <p:pRg st="2" end="2"/>
+                                            </p:txEl>
+                                          </p:spTgt>
+                                        </p:tgtEl>
+                                        <p:attrNameLst>
+                                          <p:attrName>style.visibility</p:attrName>
+                                        </p:attrNameLst>
+                                      </p:cBhvr>
+                                      <p:to>
+                                        <p:strVal val="visible"/>
+                                      </p:to>
+                                    </p:set>
+                                  </p:childTnLst>
+                                </p:cTn>
+                              </p:par>
+                            </p:childTnLst>
+                          </p:cTn>
+                        </p:par>
+                      </p:childTnLst>
+                    </p:cTn>
+                  </p:par>
+                  <p:par>
+                    <p:cTn id="15" fill="hold">
+                      <p:stCondLst>
+                        <p:cond delay="indefinite"/>
+                      </p:stCondLst>
+                      <p:childTnLst>
+                        <p:par>
+                          <p:cTn id="16" fill="hold">
+                            <p:stCondLst>
+                              <p:cond delay="0"/>
+                            </p:stCondLst>
+                            <p:childTnLst>
+                              <p:par>
+                                <p:cTn id="17" presetID="1" presetClass="entr" presetSubtype="0" fill="hold" grpId="0" nodeType="clickEffect">
+                                  <p:stCondLst>
+                                    <p:cond delay="0"/>
+                                  </p:stCondLst>
+                                  <p:childTnLst>
+                                    <p:set>
+                                      <p:cBhvr>
+                                        <p:cTn id="18" dur="1" fill="hold">
+                                          <p:stCondLst>
+                                            <p:cond delay="0"/>
+                                          </p:stCondLst>
+                                        </p:cTn>
+                                        <p:tgtEl>
+                                          <p:spTgt spid="3">
+                                            <p:txEl>
+                                              <p:pRg st="3" end="3"/>
+                                            </p:txEl>
+                                          </p:spTgt>
+                                        </p:tgtEl>
+                                        <p:attrNameLst>
+                                          <p:attrName>style.visibility</p:attrName>
+                                        </p:attrNameLst>
+                                      </p:cBhvr>
+                                      <p:to>
+                                        <p:strVal val="visible"/>
+                                      </p:to>
+                                    </p:set>
+                                  </p:childTnLst>
+                                </p:cTn>
+                              </p:par>
+                            </p:childTnLst>
+                          </p:cTn>
+                        </p:par>
+                      </p:childTnLst>
+                    </p:cTn>
+                  </p:par>
+                  <p:par>
+                    <p:cTn id="19" fill="hold">
+                      <p:stCondLst>
+                        <p:cond delay="indefinite"/>
+                      </p:stCondLst>
+                      <p:childTnLst>
+                        <p:par>
+                          <p:cTn id="20" fill="hold">
+                            <p:stCondLst>
+                              <p:cond delay="0"/>
+                            </p:stCondLst>
+                            <p:childTnLst>
+                              <p:par>
+                                <p:cTn id="21" presetID="1" presetClass="entr" presetSubtype="0" fill="hold" grpId="0" nodeType="clickEffect">
+                                  <p:stCondLst>
+                                    <p:cond delay="0"/>
+                                  </p:stCondLst>
+                                  <p:childTnLst>
+                                    <p:set>
+                                      <p:cBhvr>
+                                        <p:cTn id="22" dur="1" fill="hold">
+                                          <p:stCondLst>
+                                            <p:cond delay="0"/>
+                                          </p:stCondLst>
+                                        </p:cTn>
+                                        <p:tgtEl>
+                                          <p:spTgt spid="3">
+                                            <p:txEl>
+                                              <p:pRg st="4" end="4"/>
+                                            </p:txEl>
+                                          </p:spTgt>
+                                        </p:tgtEl>
+                                        <p:attrNameLst>
+                                          <p:attrName>style.visibility</p:attrName>
+                                        </p:attrNameLst>
+                                      </p:cBhvr>
+                                      <p:to>
+                                        <p:strVal val="visible"/>
+                                      </p:to>
+                                    </p:set>
+                                  </p:childTnLst>
+                                </p:cTn>
+                              </p:par>
+                            </p:childTnLst>
+                          </p:cTn>
+                        </p:par>
+                      </p:childTnLst>
+                    </p:cTn>
+                  </p:par>
+                  <p:par>
+                    <p:cTn id="23" fill="hold">
+                      <p:stCondLst>
+                        <p:cond delay="indefinite"/>
+                      </p:stCondLst>
+                      <p:childTnLst>
+                        <p:par>
+                          <p:cTn id="24" fill="hold">
+                            <p:stCondLst>
+                              <p:cond delay="0"/>
+                            </p:stCondLst>
+                            <p:childTnLst>
+                              <p:par>
+                                <p:cTn id="25" presetID="1" presetClass="entr" presetSubtype="0" fill="hold" grpId="0" nodeType="clickEffect">
+                                  <p:stCondLst>
+                                    <p:cond delay="0"/>
+                                  </p:stCondLst>
+                                  <p:childTnLst>
+                                    <p:set>
+                                      <p:cBhvr>
+                                        <p:cTn id="26" dur="1" fill="hold">
+                                          <p:stCondLst>
+                                            <p:cond delay="0"/>
+                                          </p:stCondLst>
+                                        </p:cTn>
+                                        <p:tgtEl>
+                                          <p:spTgt spid="3">
+                                            <p:txEl>
+                                              <p:pRg st="5" end="5"/>
+                                            </p:txEl>
+                                          </p:spTgt>
+                                        </p:tgtEl>
+                                        <p:attrNameLst>
+                                          <p:attrName>style.visibility</p:attrName>
+                                        </p:attrNameLst>
+                                      </p:cBhvr>
+                                      <p:to>
+                                        <p:strVal val="visible"/>
+                                      </p:to>
+                                    </p:set>
+                                  </p:childTnLst>
+                                </p:cTn>
+                              </p:par>
+                            </p:childTnLst>
+                          </p:cTn>
+                        </p:par>
+                      </p:childTnLst>
+                    </p:cTn>
+                  </p:par>
+                  <p:par>
+                    <p:cTn id="27" fill="hold">
+                      <p:stCondLst>
+                        <p:cond delay="indefinite"/>
+                      </p:stCondLst>
+                      <p:childTnLst>
+                        <p:par>
+                          <p:cTn id="28" fill="hold">
+                            <p:stCondLst>
+                              <p:cond delay="0"/>
+                            </p:stCondLst>
+                            <p:childTnLst>
+                              <p:par>
+                                <p:cTn id="29" presetID="1" presetClass="entr" presetSubtype="0" fill="hold" grpId="0" nodeType="clickEffect">
+                                  <p:stCondLst>
+                                    <p:cond delay="0"/>
+                                  </p:stCondLst>
+                                  <p:childTnLst>
+                                    <p:set>
+                                      <p:cBhvr>
+                                        <p:cTn id="30" dur="1" fill="hold">
+                                          <p:stCondLst>
+                                            <p:cond delay="0"/>
+                                          </p:stCondLst>
+                                        </p:cTn>
+                                        <p:tgtEl>
+                                          <p:spTgt spid="3">
+                                            <p:txEl>
+                                              <p:pRg st="6" end="6"/>
+                                            </p:txEl>
+                                          </p:spTgt>
+                                        </p:tgtEl>
+                                        <p:attrNameLst>
+                                          <p:attrName>style.visibility</p:attrName>
+                                        </p:attrNameLst>
+                                      </p:cBhvr>
+                                      <p:to>
+                                        <p:strVal val="visible"/>
+                                      </p:to>
+                                    </p:set>
+                                  </p:childTnLst>
+                                </p:cTn>
+                              </p:par>
+                            </p:childTnLst>
+                          </p:cTn>
+                        </p:par>
+                      </p:childTnLst>
+                    </p:cTn>
+                  </p:par>
+                  <p:par>
+                    <p:cTn id="31" fill="hold">
+                      <p:stCondLst>
+                        <p:cond delay="indefinite"/>
+                      </p:stCondLst>
+                      <p:childTnLst>
+                        <p:par>
+                          <p:cTn id="32" fill="hold">
+                            <p:stCondLst>
+                              <p:cond delay="0"/>
+                            </p:stCondLst>
+                            <p:childTnLst>
+                              <p:par>
+                                <p:cTn id="33" presetID="1" presetClass="entr" presetSubtype="0" fill="hold" grpId="0" nodeType="clickEffect">
+                                  <p:stCondLst>
+                                    <p:cond delay="0"/>
+                                  </p:stCondLst>
+                                  <p:childTnLst>
+                                    <p:set>
+                                      <p:cBhvr>
+                                        <p:cTn id="34" dur="1" fill="hold">
+                                          <p:stCondLst>
+                                            <p:cond delay="0"/>
+                                          </p:stCondLst>
+                                        </p:cTn>
+                                        <p:tgtEl>
+                                          <p:spTgt spid="3">
+                                            <p:txEl>
+                                              <p:pRg st="7" end="7"/>
+                                            </p:txEl>
+                                          </p:spTgt>
+                                        </p:tgtEl>
+                                        <p:attrNameLst>
+                                          <p:attrName>style.visibility</p:attrName>
+                                        </p:attrNameLst>
+                                      </p:cBhvr>
+                                      <p:to>
+                                        <p:strVal val="visible"/>
+                                      </p:to>
+                                    </p:set>
+                                  </p:childTnLst>
+                                </p:cTn>
+                              </p:par>
+                            </p:childTnLst>
+                          </p:cTn>
+                        </p:par>
+                      </p:childTnLst>
+                    </p:cTn>
+                  </p:par>
+                </p:childTnLst>
+              </p:cTn>
+              <p:prevCondLst>
+                <p:cond evt="onPrev" delay="0">
+                  <p:tgtEl>
+                    <p:sldTgt/>
+                  </p:tgtEl>
+                </p:cond>
+              </p:prevCondLst>
+              <p:nextCondLst>
+                <p:cond evt="onNext" delay="0">
+                  <p:tgtEl>
+                    <p:sldTgt/>
+                  </p:tgtEl>
+                </p:cond>
+              </p:nextCondLst>
+            </p:seq>
+          </p:childTnLst>
+        </p:cTn>
+      </p:par>
+    </p:tnLst>
+    <p:bldLst>
+      <p:bldP spid="3" grpId="0" uiExpand="1" build="p"/>
+    </p:bldLst>
+  </p:timing>
+</p:sld>
+</file>
+
 <file path=ppt/slides/slide5.xml><?xml version="1.0" encoding="utf-8"?>
+<p:sld xmlns:a="http://schemas.openxmlformats.org/drawingml/2006/main" xmlns:r="http://schemas.openxmlformats.org/officeDocument/2006/relationships" xmlns:p="http://schemas.openxmlformats.org/presentationml/2006/main">
+  <p:cSld>
+    <p:spTree>
+      <p:nvGrpSpPr>
+        <p:cNvPr id="1" name=""/>
+        <p:cNvGrpSpPr/>
+        <p:nvPr/>
+      </p:nvGrpSpPr>
+      <p:grpSpPr>
+        <a:xfrm>
+          <a:off x="0" y="0"/>
+          <a:ext cx="0" cy="0"/>
+          <a:chOff x="0" y="0"/>
+          <a:chExt cx="0" cy="0"/>
+        </a:xfrm>
+      </p:grpSpPr>
+      <p:sp>
+        <p:nvSpPr>
+          <p:cNvPr id="2" name="Title 1"/>
+          <p:cNvSpPr>
+            <a:spLocks noGrp="1"/>
+          </p:cNvSpPr>
+          <p:nvPr>
+            <p:ph type="title"/>
+          </p:nvPr>
+        </p:nvSpPr>
+        <p:spPr/>
+        <p:txBody>
+          <a:bodyPr/>
+          <a:lstStyle/>
+          <a:p>
+            <a:pPr lvl="0" indent="0" marL="0">
+              <a:buNone/>
+            </a:pPr>
+            <a:r>
+              <a:rPr/>
+              <a:t>타입(Types, 유형)</a:t>
+            </a:r>
+          </a:p>
+        </p:txBody>
+      </p:sp>
+      <p:sp>
+        <p:nvSpPr>
+          <p:cNvPr id="3" name="Content Placeholder 2"/>
+          <p:cNvSpPr>
+            <a:spLocks noGrp="1"/>
+          </p:cNvSpPr>
+          <p:nvPr>
+            <p:ph idx="1"/>
+          </p:nvPr>
+        </p:nvSpPr>
+        <p:spPr/>
+        <p:txBody>
+          <a:bodyPr/>
+          <a:lstStyle/>
+          <a:p>
+            <a:pPr lvl="0"/>
+            <a:r>
+              <a:rPr/>
+              <a:t>정보의 유형, 종류</a:t>
+            </a:r>
+          </a:p>
+          <a:p>
+            <a:pPr lvl="1"/>
+            <a:r>
+              <a:rPr/>
+              <a:t>숫자와 텍스트, 불리언</a:t>
+            </a:r>
+          </a:p>
+          <a:p>
+            <a:pPr lvl="1"/>
+            <a:r>
+              <a:rPr/>
+              <a:t>날짜, 지리적 위치 등 복합적인 정보 형태</a:t>
+            </a:r>
+          </a:p>
+          <a:p>
+            <a:pPr lvl="1"/>
+            <a:r>
+              <a:rPr/>
+              <a:t>리스트, 객체, 함수 등</a:t>
+            </a:r>
+          </a:p>
+          <a:p>
+            <a:pPr lvl="0" indent="0" marL="0">
+              <a:spcBef>
+                <a:spcPts val="3000"/>
+              </a:spcBef>
+              <a:buNone/>
+            </a:pPr>
+            <a:r>
+              <a:rPr b="1"/>
+              <a:t>타입이 같으면, 연산을 할 수 있다.</a:t>
+            </a:r>
+          </a:p>
+          <a:p>
+            <a:pPr lvl="0"/>
+            <a:r>
+              <a:rPr/>
+              <a:t>타입이 다르면, 연산을 할 수 없다.</a:t>
+            </a:r>
+          </a:p>
+        </p:txBody>
+      </p:sp>
+    </p:spTree>
+  </p:cSld>
+  <p:timing>
+    <p:tnLst>
+      <p:par>
+        <p:cTn id="1" dur="indefinite" restart="never" nodeType="tmRoot">
+          <p:childTnLst>
+            <p:seq concurrent="1" nextAc="seek">
+              <p:cTn id="2" dur="indefinite" nodeType="mainSeq">
+                <p:childTnLst>
+                  <p:par>
+                    <p:cTn id="3" fill="hold">
+                      <p:stCondLst>
+                        <p:cond delay="indefinite"/>
+                      </p:stCondLst>
+                      <p:childTnLst>
+                        <p:par>
+                          <p:cTn id="4" fill="hold">
+                            <p:stCondLst>
+                              <p:cond delay="0"/>
+                            </p:stCondLst>
+                            <p:childTnLst>
+                              <p:par>
+                                <p:cTn id="5" presetID="1" presetClass="entr" presetSubtype="0" fill="hold" grpId="0" nodeType="clickEffect">
+                                  <p:stCondLst>
+                                    <p:cond delay="0"/>
+                                  </p:stCondLst>
+                                  <p:childTnLst>
+                                    <p:set>
+                                      <p:cBhvr>
+                                        <p:cTn id="6" dur="1" fill="hold">
+                                          <p:stCondLst>
+                                            <p:cond delay="0"/>
+                                          </p:stCondLst>
+                                        </p:cTn>
+                                        <p:tgtEl>
+                                          <p:spTgt spid="3">
+                                            <p:txEl>
+                                              <p:pRg st="0" end="0"/>
+                                            </p:txEl>
+                                          </p:spTgt>
+                                        </p:tgtEl>
+                                        <p:attrNameLst>
+                                          <p:attrName>style.visibility</p:attrName>
+                                        </p:attrNameLst>
+                                      </p:cBhvr>
+                                      <p:to>
+                                        <p:strVal val="visible"/>
+                                      </p:to>
+                                    </p:set>
+                                  </p:childTnLst>
+                                </p:cTn>
+                              </p:par>
+                            </p:childTnLst>
+                          </p:cTn>
+                        </p:par>
+                      </p:childTnLst>
+                    </p:cTn>
+                  </p:par>
+                  <p:par>
+                    <p:cTn id="7" fill="hold">
+                      <p:stCondLst>
+                        <p:cond delay="indefinite"/>
+                      </p:stCondLst>
+                      <p:childTnLst>
+                        <p:par>
+                          <p:cTn id="8" fill="hold">
+                            <p:stCondLst>
+                              <p:cond delay="0"/>
+                            </p:stCondLst>
+                            <p:childTnLst>
+                              <p:par>
+                                <p:cTn id="9" presetID="1" presetClass="entr" presetSubtype="0" fill="hold" grpId="0" nodeType="clickEffect">
+                                  <p:stCondLst>
+                                    <p:cond delay="0"/>
+                                  </p:stCondLst>
+                                  <p:childTnLst>
+                                    <p:set>
+                                      <p:cBhvr>
+                                        <p:cTn id="10" dur="1" fill="hold">
+                                          <p:stCondLst>
+                                            <p:cond delay="0"/>
+                                          </p:stCondLst>
+                                        </p:cTn>
+                                        <p:tgtEl>
+                                          <p:spTgt spid="3">
+                                            <p:txEl>
+                                              <p:pRg st="1" end="1"/>
+                                            </p:txEl>
+                                          </p:spTgt>
+                                        </p:tgtEl>
+                                        <p:attrNameLst>
+                                          <p:attrName>style.visibility</p:attrName>
+                                        </p:attrNameLst>
+                                      </p:cBhvr>
+                                      <p:to>
+                                        <p:strVal val="visible"/>
+                                      </p:to>
+                                    </p:set>
+                                  </p:childTnLst>
+                                </p:cTn>
+                              </p:par>
+                            </p:childTnLst>
+                          </p:cTn>
+                        </p:par>
+                      </p:childTnLst>
+                    </p:cTn>
+                  </p:par>
+                  <p:par>
+                    <p:cTn id="11" fill="hold">
+                      <p:stCondLst>
+                        <p:cond delay="indefinite"/>
+                      </p:stCondLst>
+                      <p:childTnLst>
+                        <p:par>
+                          <p:cTn id="12" fill="hold">
+                            <p:stCondLst>
+                              <p:cond delay="0"/>
+                            </p:stCondLst>
+                            <p:childTnLst>
+                              <p:par>
+                                <p:cTn id="13" presetID="1" presetClass="entr" presetSubtype="0" fill="hold" grpId="0" nodeType="clickEffect">
+                                  <p:stCondLst>
+                                    <p:cond delay="0"/>
+                                  </p:stCondLst>
+                                  <p:childTnLst>
+                                    <p:set>
+                                      <p:cBhvr>
+                                        <p:cTn id="14" dur="1" fill="hold">
+                                          <p:stCondLst>
+                                            <p:cond delay="0"/>
+                                          </p:stCondLst>
+                                        </p:cTn>
+                                        <p:tgtEl>
+                                          <p:spTgt spid="3">
+                                            <p:txEl>
+                                              <p:pRg st="2" end="2"/>
+                                            </p:txEl>
+                                          </p:spTgt>
+                                        </p:tgtEl>
+                                        <p:attrNameLst>
+                                          <p:attrName>style.visibility</p:attrName>
+                                        </p:attrNameLst>
+                                      </p:cBhvr>
+                                      <p:to>
+                                        <p:strVal val="visible"/>
+                                      </p:to>
+                                    </p:set>
+                                  </p:childTnLst>
+                                </p:cTn>
+                              </p:par>
+                            </p:childTnLst>
+                          </p:cTn>
+                        </p:par>
+                      </p:childTnLst>
+                    </p:cTn>
+                  </p:par>
+                  <p:par>
+                    <p:cTn id="15" fill="hold">
+                      <p:stCondLst>
+                        <p:cond delay="indefinite"/>
+                      </p:stCondLst>
+                      <p:childTnLst>
+                        <p:par>
+                          <p:cTn id="16" fill="hold">
+                            <p:stCondLst>
+                              <p:cond delay="0"/>
+                            </p:stCondLst>
+                            <p:childTnLst>
+                              <p:par>
+                                <p:cTn id="17" presetID="1" presetClass="entr" presetSubtype="0" fill="hold" grpId="0" nodeType="clickEffect">
+                                  <p:stCondLst>
+                                    <p:cond delay="0"/>
+                                  </p:stCondLst>
+                                  <p:childTnLst>
+                                    <p:set>
+                                      <p:cBhvr>
+                                        <p:cTn id="18" dur="1" fill="hold">
+                                          <p:stCondLst>
+                                            <p:cond delay="0"/>
+                                          </p:stCondLst>
+                                        </p:cTn>
+                                        <p:tgtEl>
+                                          <p:spTgt spid="3">
+                                            <p:txEl>
+                                              <p:pRg st="3" end="3"/>
+                                            </p:txEl>
+                                          </p:spTgt>
+                                        </p:tgtEl>
+                                        <p:attrNameLst>
+                                          <p:attrName>style.visibility</p:attrName>
+                                        </p:attrNameLst>
+                                      </p:cBhvr>
+                                      <p:to>
+                                        <p:strVal val="visible"/>
+                                      </p:to>
+                                    </p:set>
+                                  </p:childTnLst>
+                                </p:cTn>
+                              </p:par>
+                            </p:childTnLst>
+                          </p:cTn>
+                        </p:par>
+                      </p:childTnLst>
+                    </p:cTn>
+                  </p:par>
+                  <p:par>
+                    <p:cTn id="19" fill="hold">
+                      <p:stCondLst>
+                        <p:cond delay="indefinite"/>
+                      </p:stCondLst>
+                      <p:childTnLst>
+                        <p:par>
+                          <p:cTn id="20" fill="hold">
+                            <p:stCondLst>
+                              <p:cond delay="0"/>
+                            </p:stCondLst>
+                            <p:childTnLst>
+                              <p:par>
+                                <p:cTn id="21" presetID="1" presetClass="entr" presetSubtype="0" fill="hold" grpId="0" nodeType="clickEffect">
+                                  <p:stCondLst>
+                                    <p:cond delay="0"/>
+                                  </p:stCondLst>
+                                  <p:childTnLst>
+                                    <p:set>
+                                      <p:cBhvr>
+                                        <p:cTn id="22" dur="1" fill="hold">
+                                          <p:stCondLst>
+                                            <p:cond delay="0"/>
+                                          </p:stCondLst>
+                                        </p:cTn>
+                                        <p:tgtEl>
+                                          <p:spTgt spid="3">
+                                            <p:txEl>
+                                              <p:pRg st="5" end="5"/>
+                                            </p:txEl>
+                                          </p:spTgt>
+                                        </p:tgtEl>
+                                        <p:attrNameLst>
+                                          <p:attrName>style.visibility</p:attrName>
+                                        </p:attrNameLst>
+                                      </p:cBhvr>
+                                      <p:to>
+                                        <p:strVal val="visible"/>
+                                      </p:to>
+                                    </p:set>
+                                  </p:childTnLst>
+                                </p:cTn>
+                              </p:par>
+                            </p:childTnLst>
+                          </p:cTn>
+                        </p:par>
+                      </p:childTnLst>
+                    </p:cTn>
+                  </p:par>
+                </p:childTnLst>
+              </p:cTn>
+              <p:prevCondLst>
+                <p:cond evt="onPrev" delay="0">
+                  <p:tgtEl>
+                    <p:sldTgt/>
+                  </p:tgtEl>
+                </p:cond>
+              </p:prevCondLst>
+              <p:nextCondLst>
+                <p:cond evt="onNext" delay="0">
+                  <p:tgtEl>
+                    <p:sldTgt/>
+                  </p:tgtEl>
+                </p:cond>
+              </p:nextCondLst>
+            </p:seq>
+          </p:childTnLst>
+        </p:cTn>
+      </p:par>
+    </p:tnLst>
+    <p:bldLst>
+      <p:bldP spid="3" grpId="0" uiExpand="1" build="p"/>
+    </p:bldLst>
+  </p:timing>
+</p:sld>
+</file>
+
+<file path=ppt/slides/slide6.xml><?xml version="1.0" encoding="utf-8"?>
+<p:sld xmlns:a="http://schemas.openxmlformats.org/drawingml/2006/main" xmlns:r="http://schemas.openxmlformats.org/officeDocument/2006/relationships" xmlns:p="http://schemas.openxmlformats.org/presentationml/2006/main">
+  <p:cSld>
+    <p:spTree>
+      <p:nvGrpSpPr>
+        <p:cNvPr id="1" name=""/>
+        <p:cNvGrpSpPr/>
+        <p:nvPr/>
+      </p:nvGrpSpPr>
+      <p:grpSpPr>
+        <a:xfrm>
+          <a:off x="0" y="0"/>
+          <a:ext cx="0" cy="0"/>
+          <a:chOff x="0" y="0"/>
+          <a:chExt cx="0" cy="0"/>
+        </a:xfrm>
+      </p:grpSpPr>
+      <p:sp>
+        <p:nvSpPr>
+          <p:cNvPr id="2" name="Title 1"/>
+          <p:cNvSpPr>
+            <a:spLocks noGrp="1"/>
+          </p:cNvSpPr>
+          <p:nvPr>
+            <p:ph type="title"/>
+          </p:nvPr>
+        </p:nvSpPr>
+        <p:spPr/>
+        <p:txBody>
+          <a:bodyPr/>
+          <a:lstStyle/>
+          <a:p>
+            <a:pPr lvl="0" indent="0" marL="0">
+              <a:buNone/>
+            </a:pPr>
+            <a:r>
+              <a:rPr/>
+              <a:t>연산(Operations)</a:t>
+            </a:r>
+          </a:p>
+        </p:txBody>
+      </p:sp>
+      <p:sp>
+        <p:nvSpPr>
+          <p:cNvPr id="3" name="Content Placeholder 2"/>
+          <p:cNvSpPr>
+            <a:spLocks noGrp="1"/>
+          </p:cNvSpPr>
+          <p:nvPr>
+            <p:ph idx="1"/>
+          </p:nvPr>
+        </p:nvSpPr>
+        <p:spPr/>
+        <p:txBody>
+          <a:bodyPr/>
+          <a:lstStyle/>
+          <a:p>
+            <a:pPr lvl="0"/>
+            <a:r>
+              <a:rPr/>
+              <a:t>사칙연산</a:t>
+            </a:r>
+          </a:p>
+          <a:p>
+            <a:pPr lvl="1"/>
+            <a:r>
+              <a:rPr/>
+              <a:t>더하기, 빼기, 곱하기, 나누기</a:t>
+            </a:r>
+          </a:p>
+          <a:p>
+            <a:pPr lvl="0"/>
+            <a:r>
+              <a:rPr/>
+              <a:t>두 개의 정보(값)을 연산자(Operator)를 사용해 하나로 만드는 것.</a:t>
+            </a:r>
+          </a:p>
+          <a:p>
+            <a:pPr lvl="1" indent="-457200" marL="914400">
+              <a:buAutoNum type="arabicPeriod"/>
+            </a:pPr>
+            <a:r>
+              <a:rPr/>
+              <a:t>두 개와 하나는 타입이 같다.</a:t>
+            </a:r>
+          </a:p>
+          <a:p>
+            <a:pPr lvl="2"/>
+            <a:r>
+              <a:rPr/>
+              <a:t>비교연산(Comparison Operation)의 경우는 결과값이 항상 불리언 타입으로 나옴.</a:t>
+            </a:r>
+          </a:p>
+        </p:txBody>
+      </p:sp>
+    </p:spTree>
+  </p:cSld>
+  <p:timing>
+    <p:tnLst>
+      <p:par>
+        <p:cTn id="1" dur="indefinite" restart="never" nodeType="tmRoot">
+          <p:childTnLst>
+            <p:seq concurrent="1" nextAc="seek">
+              <p:cTn id="2" dur="indefinite" nodeType="mainSeq">
+                <p:childTnLst>
+                  <p:par>
+                    <p:cTn id="3" fill="hold">
+                      <p:stCondLst>
+                        <p:cond delay="indefinite"/>
+                      </p:stCondLst>
+                      <p:childTnLst>
+                        <p:par>
+                          <p:cTn id="4" fill="hold">
+                            <p:stCondLst>
+                              <p:cond delay="0"/>
+                            </p:stCondLst>
+                            <p:childTnLst>
+                              <p:par>
+                                <p:cTn id="5" presetID="1" presetClass="entr" presetSubtype="0" fill="hold" grpId="0" nodeType="clickEffect">
+                                  <p:stCondLst>
+                                    <p:cond delay="0"/>
+                                  </p:stCondLst>
+                                  <p:childTnLst>
+                                    <p:set>
+                                      <p:cBhvr>
+                                        <p:cTn id="6" dur="1" fill="hold">
+                                          <p:stCondLst>
+                                            <p:cond delay="0"/>
+                                          </p:stCondLst>
+                                        </p:cTn>
+                                        <p:tgtEl>
+                                          <p:spTgt spid="3">
+                                            <p:txEl>
+                                              <p:pRg st="0" end="0"/>
+                                            </p:txEl>
+                                          </p:spTgt>
+                                        </p:tgtEl>
+                                        <p:attrNameLst>
+                                          <p:attrName>style.visibility</p:attrName>
+                                        </p:attrNameLst>
+                                      </p:cBhvr>
+                                      <p:to>
+                                        <p:strVal val="visible"/>
+                                      </p:to>
+                                    </p:set>
+                                  </p:childTnLst>
+                                </p:cTn>
+                              </p:par>
+                            </p:childTnLst>
+                          </p:cTn>
+                        </p:par>
+                      </p:childTnLst>
+                    </p:cTn>
+                  </p:par>
+                  <p:par>
+                    <p:cTn id="7" fill="hold">
+                      <p:stCondLst>
+                        <p:cond delay="indefinite"/>
+                      </p:stCondLst>
+                      <p:childTnLst>
+                        <p:par>
+                          <p:cTn id="8" fill="hold">
+                            <p:stCondLst>
+                              <p:cond delay="0"/>
+                            </p:stCondLst>
+                            <p:childTnLst>
+                              <p:par>
+                                <p:cTn id="9" presetID="1" presetClass="entr" presetSubtype="0" fill="hold" grpId="0" nodeType="clickEffect">
+                                  <p:stCondLst>
+                                    <p:cond delay="0"/>
+                                  </p:stCondLst>
+                                  <p:childTnLst>
+                                    <p:set>
+                                      <p:cBhvr>
+                                        <p:cTn id="10" dur="1" fill="hold">
+                                          <p:stCondLst>
+                                            <p:cond delay="0"/>
+                                          </p:stCondLst>
+                                        </p:cTn>
+                                        <p:tgtEl>
+                                          <p:spTgt spid="3">
+                                            <p:txEl>
+                                              <p:pRg st="1" end="1"/>
+                                            </p:txEl>
+                                          </p:spTgt>
+                                        </p:tgtEl>
+                                        <p:attrNameLst>
+                                          <p:attrName>style.visibility</p:attrName>
+                                        </p:attrNameLst>
+                                      </p:cBhvr>
+                                      <p:to>
+                                        <p:strVal val="visible"/>
+                                      </p:to>
+                                    </p:set>
+                                  </p:childTnLst>
+                                </p:cTn>
+                              </p:par>
+                            </p:childTnLst>
+                          </p:cTn>
+                        </p:par>
+                      </p:childTnLst>
+                    </p:cTn>
+                  </p:par>
+                  <p:par>
+                    <p:cTn id="11" fill="hold">
+                      <p:stCondLst>
+                        <p:cond delay="indefinite"/>
+                      </p:stCondLst>
+                      <p:childTnLst>
+                        <p:par>
+                          <p:cTn id="12" fill="hold">
+                            <p:stCondLst>
+                              <p:cond delay="0"/>
+                            </p:stCondLst>
+                            <p:childTnLst>
+                              <p:par>
+                                <p:cTn id="13" presetID="1" presetClass="entr" presetSubtype="0" fill="hold" grpId="0" nodeType="clickEffect">
+                                  <p:stCondLst>
+                                    <p:cond delay="0"/>
+                                  </p:stCondLst>
+                                  <p:childTnLst>
+                                    <p:set>
+                                      <p:cBhvr>
+                                        <p:cTn id="14" dur="1" fill="hold">
+                                          <p:stCondLst>
+                                            <p:cond delay="0"/>
+                                          </p:stCondLst>
+                                        </p:cTn>
+                                        <p:tgtEl>
+                                          <p:spTgt spid="3">
+                                            <p:txEl>
+                                              <p:pRg st="2" end="2"/>
+                                            </p:txEl>
+                                          </p:spTgt>
+                                        </p:tgtEl>
+                                        <p:attrNameLst>
+                                          <p:attrName>style.visibility</p:attrName>
+                                        </p:attrNameLst>
+                                      </p:cBhvr>
+                                      <p:to>
+                                        <p:strVal val="visible"/>
+                                      </p:to>
+                                    </p:set>
+                                  </p:childTnLst>
+                                </p:cTn>
+                              </p:par>
+                            </p:childTnLst>
+                          </p:cTn>
+                        </p:par>
+                      </p:childTnLst>
+                    </p:cTn>
+                  </p:par>
+                  <p:par>
+                    <p:cTn id="15" fill="hold">
+                      <p:stCondLst>
+                        <p:cond delay="indefinite"/>
+                      </p:stCondLst>
+                      <p:childTnLst>
+                        <p:par>
+                          <p:cTn id="16" fill="hold">
+                            <p:stCondLst>
+                              <p:cond delay="0"/>
+                            </p:stCondLst>
+                            <p:childTnLst>
+                              <p:par>
+                                <p:cTn id="17" presetID="1" presetClass="entr" presetSubtype="0" fill="hold" grpId="0" nodeType="clickEffect">
+                                  <p:stCondLst>
+                                    <p:cond delay="0"/>
+                                  </p:stCondLst>
+                                  <p:childTnLst>
+                                    <p:set>
+                                      <p:cBhvr>
+                                        <p:cTn id="18" dur="1" fill="hold">
+                                          <p:stCondLst>
+                                            <p:cond delay="0"/>
+                                          </p:stCondLst>
+                                        </p:cTn>
+                                        <p:tgtEl>
+                                          <p:spTgt spid="3">
+                                            <p:txEl>
+                                              <p:pRg st="3" end="3"/>
+                                            </p:txEl>
+                                          </p:spTgt>
+                                        </p:tgtEl>
+                                        <p:attrNameLst>
+                                          <p:attrName>style.visibility</p:attrName>
+                                        </p:attrNameLst>
+                                      </p:cBhvr>
+                                      <p:to>
+                                        <p:strVal val="visible"/>
+                                      </p:to>
+                                    </p:set>
+                                  </p:childTnLst>
+                                </p:cTn>
+                              </p:par>
+                            </p:childTnLst>
+                          </p:cTn>
+                        </p:par>
+                      </p:childTnLst>
+                    </p:cTn>
+                  </p:par>
+                  <p:par>
+                    <p:cTn id="19" fill="hold">
+                      <p:stCondLst>
+                        <p:cond delay="indefinite"/>
+                      </p:stCondLst>
+                      <p:childTnLst>
+                        <p:par>
+                          <p:cTn id="20" fill="hold">
+                            <p:stCondLst>
+                              <p:cond delay="0"/>
+                            </p:stCondLst>
+                            <p:childTnLst>
+                              <p:par>
+                                <p:cTn id="21" presetID="1" presetClass="entr" presetSubtype="0" fill="hold" grpId="0" nodeType="clickEffect">
+                                  <p:stCondLst>
+                                    <p:cond delay="0"/>
+                                  </p:stCondLst>
+                                  <p:childTnLst>
+                                    <p:set>
+                                      <p:cBhvr>
+                                        <p:cTn id="22" dur="1" fill="hold">
+                                          <p:stCondLst>
+                                            <p:cond delay="0"/>
+                                          </p:stCondLst>
+                                        </p:cTn>
+                                        <p:tgtEl>
+                                          <p:spTgt spid="3">
+                                            <p:txEl>
+                                              <p:pRg st="4" end="4"/>
+                                            </p:txEl>
+                                          </p:spTgt>
+                                        </p:tgtEl>
+                                        <p:attrNameLst>
+                                          <p:attrName>style.visibility</p:attrName>
+                                        </p:attrNameLst>
+                                      </p:cBhvr>
+                                      <p:to>
+                                        <p:strVal val="visible"/>
+                                      </p:to>
+                                    </p:set>
+                                  </p:childTnLst>
+                                </p:cTn>
+                              </p:par>
+                            </p:childTnLst>
+                          </p:cTn>
+                        </p:par>
+                      </p:childTnLst>
+                    </p:cTn>
+                  </p:par>
+                </p:childTnLst>
+              </p:cTn>
+              <p:prevCondLst>
+                <p:cond evt="onPrev" delay="0">
+                  <p:tgtEl>
+                    <p:sldTgt/>
+                  </p:tgtEl>
+                </p:cond>
+              </p:prevCondLst>
+              <p:nextCondLst>
+                <p:cond evt="onNext" delay="0">
+                  <p:tgtEl>
+                    <p:sldTgt/>
+                  </p:tgtEl>
+                </p:cond>
+              </p:nextCondLst>
+            </p:seq>
+          </p:childTnLst>
+        </p:cTn>
+      </p:par>
+    </p:tnLst>
+    <p:bldLst>
+      <p:bldP spid="3" grpId="0" uiExpand="1" build="p"/>
+    </p:bldLst>
+  </p:timing>
+</p:sld>
+</file>
+
+<file path=ppt/slides/slide7.xml><?xml version="1.0" encoding="utf-8"?>
+<p:sld xmlns:a="http://schemas.openxmlformats.org/drawingml/2006/main" xmlns:r="http://schemas.openxmlformats.org/officeDocument/2006/relationships" xmlns:p="http://schemas.openxmlformats.org/presentationml/2006/main">
+  <p:cSld>
+    <p:spTree>
+      <p:nvGrpSpPr>
+        <p:cNvPr id="1" name=""/>
+        <p:cNvGrpSpPr/>
+        <p:nvPr/>
+      </p:nvGrpSpPr>
+      <p:grpSpPr>
+        <a:xfrm>
+          <a:off x="0" y="0"/>
+          <a:ext cx="0" cy="0"/>
+          <a:chOff x="0" y="0"/>
+          <a:chExt cx="0" cy="0"/>
+        </a:xfrm>
+      </p:grpSpPr>
+      <p:sp>
+        <p:nvSpPr>
+          <p:cNvPr id="2" name="Title 1"/>
+          <p:cNvSpPr>
+            <a:spLocks noGrp="1"/>
+          </p:cNvSpPr>
+          <p:nvPr>
+            <p:ph type="title"/>
+          </p:nvPr>
+        </p:nvSpPr>
+        <p:spPr/>
+        <p:txBody>
+          <a:bodyPr/>
+          <a:lstStyle/>
+          <a:p>
+            <a:pPr lvl="0" indent="0" marL="0">
+              <a:buNone/>
+            </a:pPr>
+            <a:r>
+              <a:rPr/>
+              <a:t>타입의 종류</a:t>
+            </a:r>
+          </a:p>
+        </p:txBody>
+      </p:sp>
+      <p:sp>
+        <p:nvSpPr>
+          <p:cNvPr id="3" name="Content Placeholder 2"/>
+          <p:cNvSpPr>
+            <a:spLocks noGrp="1"/>
+          </p:cNvSpPr>
+          <p:nvPr>
+            <p:ph idx="1"/>
+          </p:nvPr>
+        </p:nvSpPr>
+        <p:spPr/>
+        <p:txBody>
+          <a:bodyPr/>
+          <a:lstStyle/>
+          <a:p>
+            <a:pPr lvl="0" indent="0" marL="0">
+              <a:spcBef>
+                <a:spcPts val="3000"/>
+              </a:spcBef>
+              <a:buNone/>
+            </a:pPr>
+            <a:r>
+              <a:rPr b="1"/>
+              <a:t>텍스트(Text)</a:t>
+            </a:r>
+          </a:p>
+          <a:p>
+            <a:pPr lvl="0"/>
+            <a:r>
+              <a:rPr/>
+              <a:t>문자의 나열, 순서</a:t>
+            </a:r>
+          </a:p>
+          <a:p>
+            <a:pPr lvl="0"/>
+            <a:r>
+              <a:rPr>
+                <a:latin typeface="Courier"/>
+              </a:rPr>
+              <a:t>"강아지", "컴퓨터", "나비"</a:t>
+            </a:r>
+          </a:p>
+          <a:p>
+            <a:pPr lvl="0"/>
+            <a:r>
+              <a:rPr>
+                <a:latin typeface="Courier"/>
+              </a:rPr>
+              <a:t>동해물과 백두산이 마르고 닳도록</a:t>
+            </a:r>
+          </a:p>
+          <a:p>
+            <a:pPr lvl="0" indent="0" marL="0">
+              <a:spcBef>
+                <a:spcPts val="3000"/>
+              </a:spcBef>
+              <a:buNone/>
+            </a:pPr>
+            <a:r>
+              <a:rPr b="1"/>
+              <a:t>숫자(Number)</a:t>
+            </a:r>
+          </a:p>
+          <a:p>
+            <a:pPr lvl="0"/>
+            <a:r>
+              <a:rPr/>
+              <a:t>양(amount)을 암시하는 정보.</a:t>
+            </a:r>
+          </a:p>
+          <a:p>
+            <a:pPr lvl="1"/>
+            <a:r>
+              <a:rPr/>
+              <a:t>Integer (정수)</a:t>
+            </a:r>
+          </a:p>
+          <a:p>
+            <a:pPr lvl="1"/>
+            <a:r>
+              <a:rPr/>
+              <a:t>Float (소수)</a:t>
+            </a:r>
+          </a:p>
+          <a:p>
+            <a:pPr lvl="1"/>
+            <a:r>
+              <a:rPr/>
+              <a:t>Double</a:t>
+            </a:r>
+          </a:p>
+          <a:p>
+            <a:pPr lvl="0"/>
+            <a:r>
+              <a:rPr/>
+              <a:t>날짜와 시간(Datetime)</a:t>
+            </a:r>
+          </a:p>
+          <a:p>
+            <a:pPr lvl="1"/>
+            <a:r>
+              <a:rPr/>
+              <a:t>내부적으로 숫자로 변환됨.</a:t>
+            </a:r>
+          </a:p>
+          <a:p>
+            <a:pPr lvl="2"/>
+            <a:r>
+              <a:rPr/>
+              <a:t>엑셀의 경우 </a:t>
+            </a:r>
+            <a:r>
+              <a:rPr>
+                <a:latin typeface="Courier"/>
+              </a:rPr>
+              <a:t>1899-12-30</a:t>
+            </a:r>
+            <a:r>
+              <a:rPr/>
+              <a:t> 부터 하루를 1로 쳐서 지난 시간을 날짜와 시간으로 관리</a:t>
+            </a:r>
+          </a:p>
+          <a:p>
+            <a:pPr lvl="2"/>
+            <a:r>
+              <a:rPr/>
+              <a:t>노션과 대부분의 개발 언어에서는 Unix Timestamp를 사용.</a:t>
+            </a:r>
+          </a:p>
+        </p:txBody>
+      </p:sp>
+    </p:spTree>
+  </p:cSld>
+  <p:timing>
+    <p:tnLst>
+      <p:par>
+        <p:cTn id="1" dur="indefinite" restart="never" nodeType="tmRoot">
+          <p:childTnLst>
+            <p:seq concurrent="1" nextAc="seek">
+              <p:cTn id="2" dur="indefinite" nodeType="mainSeq">
+                <p:childTnLst>
+                  <p:par>
+                    <p:cTn id="3" fill="hold">
+                      <p:stCondLst>
+                        <p:cond delay="indefinite"/>
+                      </p:stCondLst>
+                      <p:childTnLst>
+                        <p:par>
+                          <p:cTn id="4" fill="hold">
+                            <p:stCondLst>
+                              <p:cond delay="0"/>
+                            </p:stCondLst>
+                            <p:childTnLst>
+                              <p:par>
+                                <p:cTn id="5" presetID="1" presetClass="entr" presetSubtype="0" fill="hold" grpId="0" nodeType="clickEffect">
+                                  <p:stCondLst>
+                                    <p:cond delay="0"/>
+                                  </p:stCondLst>
+                                  <p:childTnLst>
+                                    <p:set>
+                                      <p:cBhvr>
+                                        <p:cTn id="6" dur="1" fill="hold">
+                                          <p:stCondLst>
+                                            <p:cond delay="0"/>
+                                          </p:stCondLst>
+                                        </p:cTn>
+                                        <p:tgtEl>
+                                          <p:spTgt spid="3">
+                                            <p:txEl>
+                                              <p:pRg st="1" end="1"/>
+                                            </p:txEl>
+                                          </p:spTgt>
+                                        </p:tgtEl>
+                                        <p:attrNameLst>
+                                          <p:attrName>style.visibility</p:attrName>
+                                        </p:attrNameLst>
+                                      </p:cBhvr>
+                                      <p:to>
+                                        <p:strVal val="visible"/>
+                                      </p:to>
+                                    </p:set>
+                                  </p:childTnLst>
+                                </p:cTn>
+                              </p:par>
+                            </p:childTnLst>
+                          </p:cTn>
+                        </p:par>
+                      </p:childTnLst>
+                    </p:cTn>
+                  </p:par>
+                  <p:par>
+                    <p:cTn id="7" fill="hold">
+                      <p:stCondLst>
+                        <p:cond delay="indefinite"/>
+                      </p:stCondLst>
+                      <p:childTnLst>
+                        <p:par>
+                          <p:cTn id="8" fill="hold">
+                            <p:stCondLst>
+                              <p:cond delay="0"/>
+                            </p:stCondLst>
+                            <p:childTnLst>
+                              <p:par>
+                                <p:cTn id="9" presetID="1" presetClass="entr" presetSubtype="0" fill="hold" grpId="0" nodeType="clickEffect">
+                                  <p:stCondLst>
+                                    <p:cond delay="0"/>
+                                  </p:stCondLst>
+                                  <p:childTnLst>
+                                    <p:set>
+                                      <p:cBhvr>
+                                        <p:cTn id="10" dur="1" fill="hold">
+                                          <p:stCondLst>
+                                            <p:cond delay="0"/>
+                                          </p:stCondLst>
+                                        </p:cTn>
+                                        <p:tgtEl>
+                                          <p:spTgt spid="3">
+                                            <p:txEl>
+                                              <p:pRg st="2" end="2"/>
+                                            </p:txEl>
+                                          </p:spTgt>
+                                        </p:tgtEl>
+                                        <p:attrNameLst>
+                                          <p:attrName>style.visibility</p:attrName>
+                                        </p:attrNameLst>
+                                      </p:cBhvr>
+                                      <p:to>
+                                        <p:strVal val="visible"/>
+                                      </p:to>
+                                    </p:set>
+                                  </p:childTnLst>
+                                </p:cTn>
+                              </p:par>
+                            </p:childTnLst>
+                          </p:cTn>
+                        </p:par>
+                      </p:childTnLst>
+                    </p:cTn>
+                  </p:par>
+                  <p:par>
+                    <p:cTn id="11" fill="hold">
+                      <p:stCondLst>
+                        <p:cond delay="indefinite"/>
+                      </p:stCondLst>
+                      <p:childTnLst>
+                        <p:par>
+                          <p:cTn id="12" fill="hold">
+                            <p:stCondLst>
+                              <p:cond delay="0"/>
+                            </p:stCondLst>
+                            <p:childTnLst>
+                              <p:par>
+                                <p:cTn id="13" presetID="1" presetClass="entr" presetSubtype="0" fill="hold" grpId="0" nodeType="clickEffect">
+                                  <p:stCondLst>
+                                    <p:cond delay="0"/>
+                                  </p:stCondLst>
+                                  <p:childTnLst>
+                                    <p:set>
+                                      <p:cBhvr>
+                                        <p:cTn id="14" dur="1" fill="hold">
+                                          <p:stCondLst>
+                                            <p:cond delay="0"/>
+                                          </p:stCondLst>
+                                        </p:cTn>
+                                        <p:tgtEl>
+                                          <p:spTgt spid="3">
+                                            <p:txEl>
+                                              <p:pRg st="3" end="3"/>
+                                            </p:txEl>
+                                          </p:spTgt>
+                                        </p:tgtEl>
+                                        <p:attrNameLst>
+                                          <p:attrName>style.visibility</p:attrName>
+                                        </p:attrNameLst>
+                                      </p:cBhvr>
+                                      <p:to>
+                                        <p:strVal val="visible"/>
+                                      </p:to>
+                                    </p:set>
+                                  </p:childTnLst>
+                                </p:cTn>
+                              </p:par>
+                            </p:childTnLst>
+                          </p:cTn>
+                        </p:par>
+                      </p:childTnLst>
+                    </p:cTn>
+                  </p:par>
+                  <p:par>
+                    <p:cTn id="15" fill="hold">
+                      <p:stCondLst>
+                        <p:cond delay="indefinite"/>
+                      </p:stCondLst>
+                      <p:childTnLst>
+                        <p:par>
+                          <p:cTn id="16" fill="hold">
+                            <p:stCondLst>
+                              <p:cond delay="0"/>
+                            </p:stCondLst>
+                            <p:childTnLst>
+                              <p:par>
+                                <p:cTn id="17" presetID="1" presetClass="entr" presetSubtype="0" fill="hold" grpId="0" nodeType="clickEffect">
+                                  <p:stCondLst>
+                                    <p:cond delay="0"/>
+                                  </p:stCondLst>
+                                  <p:childTnLst>
+                                    <p:set>
+                                      <p:cBhvr>
+                                        <p:cTn id="18" dur="1" fill="hold">
+                                          <p:stCondLst>
+                                            <p:cond delay="0"/>
+                                          </p:stCondLst>
+                                        </p:cTn>
+                                        <p:tgtEl>
+                                          <p:spTgt spid="3">
+                                            <p:txEl>
+                                              <p:pRg st="5" end="5"/>
+                                            </p:txEl>
+                                          </p:spTgt>
+                                        </p:tgtEl>
+                                        <p:attrNameLst>
+                                          <p:attrName>style.visibility</p:attrName>
+                                        </p:attrNameLst>
+                                      </p:cBhvr>
+                                      <p:to>
+                                        <p:strVal val="visible"/>
+                                      </p:to>
+                                    </p:set>
+                                  </p:childTnLst>
+                                </p:cTn>
+                              </p:par>
+                            </p:childTnLst>
+                          </p:cTn>
+                        </p:par>
+                      </p:childTnLst>
+                    </p:cTn>
+                  </p:par>
+                  <p:par>
+                    <p:cTn id="19" fill="hold">
+                      <p:stCondLst>
+                        <p:cond delay="indefinite"/>
+                      </p:stCondLst>
+                      <p:childTnLst>
+                        <p:par>
+                          <p:cTn id="20" fill="hold">
+                            <p:stCondLst>
+                              <p:cond delay="0"/>
+                            </p:stCondLst>
+                            <p:childTnLst>
+                              <p:par>
+                                <p:cTn id="21" presetID="1" presetClass="entr" presetSubtype="0" fill="hold" grpId="0" nodeType="clickEffect">
+                                  <p:stCondLst>
+                                    <p:cond delay="0"/>
+                                  </p:stCondLst>
+                                  <p:childTnLst>
+                                    <p:set>
+                                      <p:cBhvr>
+                                        <p:cTn id="22" dur="1" fill="hold">
+                                          <p:stCondLst>
+                                            <p:cond delay="0"/>
+                                          </p:stCondLst>
+                                        </p:cTn>
+                                        <p:tgtEl>
+                                          <p:spTgt spid="3">
+                                            <p:txEl>
+                                              <p:pRg st="6" end="6"/>
+                                            </p:txEl>
+                                          </p:spTgt>
+                                        </p:tgtEl>
+                                        <p:attrNameLst>
+                                          <p:attrName>style.visibility</p:attrName>
+                                        </p:attrNameLst>
+                                      </p:cBhvr>
+                                      <p:to>
+                                        <p:strVal val="visible"/>
+                                      </p:to>
+                                    </p:set>
+                                  </p:childTnLst>
+                                </p:cTn>
+                              </p:par>
+                            </p:childTnLst>
+                          </p:cTn>
+                        </p:par>
+                      </p:childTnLst>
+                    </p:cTn>
+                  </p:par>
+                  <p:par>
+                    <p:cTn id="23" fill="hold">
+                      <p:stCondLst>
+                        <p:cond delay="indefinite"/>
+                      </p:stCondLst>
+                      <p:childTnLst>
+                        <p:par>
+                          <p:cTn id="24" fill="hold">
+                            <p:stCondLst>
+                              <p:cond delay="0"/>
+                            </p:stCondLst>
+                            <p:childTnLst>
+                              <p:par>
+                                <p:cTn id="25" presetID="1" presetClass="entr" presetSubtype="0" fill="hold" grpId="0" nodeType="clickEffect">
+                                  <p:stCondLst>
+                                    <p:cond delay="0"/>
+                                  </p:stCondLst>
+                                  <p:childTnLst>
+                                    <p:set>
+                                      <p:cBhvr>
+                                        <p:cTn id="26" dur="1" fill="hold">
+                                          <p:stCondLst>
+                                            <p:cond delay="0"/>
+                                          </p:stCondLst>
+                                        </p:cTn>
+                                        <p:tgtEl>
+                                          <p:spTgt spid="3">
+                                            <p:txEl>
+                                              <p:pRg st="7" end="7"/>
+                                            </p:txEl>
+                                          </p:spTgt>
+                                        </p:tgtEl>
+                                        <p:attrNameLst>
+                                          <p:attrName>style.visibility</p:attrName>
+                                        </p:attrNameLst>
+                                      </p:cBhvr>
+                                      <p:to>
+                                        <p:strVal val="visible"/>
+                                      </p:to>
+                                    </p:set>
+                                  </p:childTnLst>
+                                </p:cTn>
+                              </p:par>
+                            </p:childTnLst>
+                          </p:cTn>
+                        </p:par>
+                      </p:childTnLst>
+                    </p:cTn>
+                  </p:par>
+                  <p:par>
+                    <p:cTn id="27" fill="hold">
+                      <p:stCondLst>
+                        <p:cond delay="indefinite"/>
+                      </p:stCondLst>
+                      <p:childTnLst>
+                        <p:par>
+                          <p:cTn id="28" fill="hold">
+                            <p:stCondLst>
+                              <p:cond delay="0"/>
+                            </p:stCondLst>
+                            <p:childTnLst>
+                              <p:par>
+                                <p:cTn id="29" presetID="1" presetClass="entr" presetSubtype="0" fill="hold" grpId="0" nodeType="clickEffect">
+                                  <p:stCondLst>
+                                    <p:cond delay="0"/>
+                                  </p:stCondLst>
+                                  <p:childTnLst>
+                                    <p:set>
+                                      <p:cBhvr>
+                                        <p:cTn id="30" dur="1" fill="hold">
+                                          <p:stCondLst>
+                                            <p:cond delay="0"/>
+                                          </p:stCondLst>
+                                        </p:cTn>
+                                        <p:tgtEl>
+                                          <p:spTgt spid="3">
+                                            <p:txEl>
+                                              <p:pRg st="8" end="8"/>
+                                            </p:txEl>
+                                          </p:spTgt>
+                                        </p:tgtEl>
+                                        <p:attrNameLst>
+                                          <p:attrName>style.visibility</p:attrName>
+                                        </p:attrNameLst>
+                                      </p:cBhvr>
+                                      <p:to>
+                                        <p:strVal val="visible"/>
+                                      </p:to>
+                                    </p:set>
+                                  </p:childTnLst>
+                                </p:cTn>
+                              </p:par>
+                            </p:childTnLst>
+                          </p:cTn>
+                        </p:par>
+                      </p:childTnLst>
+                    </p:cTn>
+                  </p:par>
+                  <p:par>
+                    <p:cTn id="31" fill="hold">
+                      <p:stCondLst>
+                        <p:cond delay="indefinite"/>
+                      </p:stCondLst>
+                      <p:childTnLst>
+                        <p:par>
+                          <p:cTn id="32" fill="hold">
+                            <p:stCondLst>
+                              <p:cond delay="0"/>
+                            </p:stCondLst>
+                            <p:childTnLst>
+                              <p:par>
+                                <p:cTn id="33" presetID="1" presetClass="entr" presetSubtype="0" fill="hold" grpId="0" nodeType="clickEffect">
+                                  <p:stCondLst>
+                                    <p:cond delay="0"/>
+                                  </p:stCondLst>
+                                  <p:childTnLst>
+                                    <p:set>
+                                      <p:cBhvr>
+                                        <p:cTn id="34" dur="1" fill="hold">
+                                          <p:stCondLst>
+                                            <p:cond delay="0"/>
+                                          </p:stCondLst>
+                                        </p:cTn>
+                                        <p:tgtEl>
+                                          <p:spTgt spid="3">
+                                            <p:txEl>
+                                              <p:pRg st="9" end="9"/>
+                                            </p:txEl>
+                                          </p:spTgt>
+                                        </p:tgtEl>
+                                        <p:attrNameLst>
+                                          <p:attrName>style.visibility</p:attrName>
+                                        </p:attrNameLst>
+                                      </p:cBhvr>
+                                      <p:to>
+                                        <p:strVal val="visible"/>
+                                      </p:to>
+                                    </p:set>
+                                  </p:childTnLst>
+                                </p:cTn>
+                              </p:par>
+                            </p:childTnLst>
+                          </p:cTn>
+                        </p:par>
+                      </p:childTnLst>
+                    </p:cTn>
+                  </p:par>
+                  <p:par>
+                    <p:cTn id="35" fill="hold">
+                      <p:stCondLst>
+                        <p:cond delay="indefinite"/>
+                      </p:stCondLst>
+                      <p:childTnLst>
+                        <p:par>
+                          <p:cTn id="36" fill="hold">
+                            <p:stCondLst>
+                              <p:cond delay="0"/>
+                            </p:stCondLst>
+                            <p:childTnLst>
+                              <p:par>
+                                <p:cTn id="37" presetID="1" presetClass="entr" presetSubtype="0" fill="hold" grpId="0" nodeType="clickEffect">
+                                  <p:stCondLst>
+                                    <p:cond delay="0"/>
+                                  </p:stCondLst>
+                                  <p:childTnLst>
+                                    <p:set>
+                                      <p:cBhvr>
+                                        <p:cTn id="38" dur="1" fill="hold">
+                                          <p:stCondLst>
+                                            <p:cond delay="0"/>
+                                          </p:stCondLst>
+                                        </p:cTn>
+                                        <p:tgtEl>
+                                          <p:spTgt spid="3">
+                                            <p:txEl>
+                                              <p:pRg st="10" end="10"/>
+                                            </p:txEl>
+                                          </p:spTgt>
+                                        </p:tgtEl>
+                                        <p:attrNameLst>
+                                          <p:attrName>style.visibility</p:attrName>
+                                        </p:attrNameLst>
+                                      </p:cBhvr>
+                                      <p:to>
+                                        <p:strVal val="visible"/>
+                                      </p:to>
+                                    </p:set>
+                                  </p:childTnLst>
+                                </p:cTn>
+                              </p:par>
+                            </p:childTnLst>
+                          </p:cTn>
+                        </p:par>
+                      </p:childTnLst>
+                    </p:cTn>
+                  </p:par>
+                  <p:par>
+                    <p:cTn id="39" fill="hold">
+                      <p:stCondLst>
+                        <p:cond delay="indefinite"/>
+                      </p:stCondLst>
+                      <p:childTnLst>
+                        <p:par>
+                          <p:cTn id="40" fill="hold">
+                            <p:stCondLst>
+                              <p:cond delay="0"/>
+                            </p:stCondLst>
+                            <p:childTnLst>
+                              <p:par>
+                                <p:cTn id="41" presetID="1" presetClass="entr" presetSubtype="0" fill="hold" grpId="0" nodeType="clickEffect">
+                                  <p:stCondLst>
+                                    <p:cond delay="0"/>
+                                  </p:stCondLst>
+                                  <p:childTnLst>
+                                    <p:set>
+                                      <p:cBhvr>
+                                        <p:cTn id="42" dur="1" fill="hold">
+                                          <p:stCondLst>
+                                            <p:cond delay="0"/>
+                                          </p:stCondLst>
+                                        </p:cTn>
+                                        <p:tgtEl>
+                                          <p:spTgt spid="3">
+                                            <p:txEl>
+                                              <p:pRg st="11" end="11"/>
+                                            </p:txEl>
+                                          </p:spTgt>
+                                        </p:tgtEl>
+                                        <p:attrNameLst>
+                                          <p:attrName>style.visibility</p:attrName>
+                                        </p:attrNameLst>
+                                      </p:cBhvr>
+                                      <p:to>
+                                        <p:strVal val="visible"/>
+                                      </p:to>
+                                    </p:set>
+                                  </p:childTnLst>
+                                </p:cTn>
+                              </p:par>
+                            </p:childTnLst>
+                          </p:cTn>
+                        </p:par>
+                      </p:childTnLst>
+                    </p:cTn>
+                  </p:par>
+                  <p:par>
+                    <p:cTn id="43" fill="hold">
+                      <p:stCondLst>
+                        <p:cond delay="indefinite"/>
+                      </p:stCondLst>
+                      <p:childTnLst>
+                        <p:par>
+                          <p:cTn id="44" fill="hold">
+                            <p:stCondLst>
+                              <p:cond delay="0"/>
+                            </p:stCondLst>
+                            <p:childTnLst>
+                              <p:par>
+                                <p:cTn id="45" presetID="1" presetClass="entr" presetSubtype="0" fill="hold" grpId="0" nodeType="clickEffect">
+                                  <p:stCondLst>
+                                    <p:cond delay="0"/>
+                                  </p:stCondLst>
+                                  <p:childTnLst>
+                                    <p:set>
+                                      <p:cBhvr>
+                                        <p:cTn id="46" dur="1" fill="hold">
+                                          <p:stCondLst>
+                                            <p:cond delay="0"/>
+                                          </p:stCondLst>
+                                        </p:cTn>
+                                        <p:tgtEl>
+                                          <p:spTgt spid="3">
+                                            <p:txEl>
+                                              <p:pRg st="12" end="12"/>
+                                            </p:txEl>
+                                          </p:spTgt>
+                                        </p:tgtEl>
+                                        <p:attrNameLst>
+                                          <p:attrName>style.visibility</p:attrName>
+                                        </p:attrNameLst>
+                                      </p:cBhvr>
+                                      <p:to>
+                                        <p:strVal val="visible"/>
+                                      </p:to>
+                                    </p:set>
+                                  </p:childTnLst>
+                                </p:cTn>
+                              </p:par>
+                            </p:childTnLst>
+                          </p:cTn>
+                        </p:par>
+                      </p:childTnLst>
+                    </p:cTn>
+                  </p:par>
+                </p:childTnLst>
+              </p:cTn>
+              <p:prevCondLst>
+                <p:cond evt="onPrev" delay="0">
+                  <p:tgtEl>
+                    <p:sldTgt/>
+                  </p:tgtEl>
+                </p:cond>
+              </p:prevCondLst>
+              <p:nextCondLst>
+                <p:cond evt="onNext" delay="0">
+                  <p:tgtEl>
+                    <p:sldTgt/>
+                  </p:tgtEl>
+                </p:cond>
+              </p:nextCondLst>
+            </p:seq>
+          </p:childTnLst>
+        </p:cTn>
+      </p:par>
+    </p:tnLst>
+    <p:bldLst>
+      <p:bldP spid="3" grpId="0" uiExpand="1" build="p"/>
+    </p:bldLst>
+  </p:timing>
+</p:sld>
+</file>
+
+<file path=ppt/slides/slide8.xml><?xml version="1.0" encoding="utf-8"?>
 <p:sld xmlns:a="http://schemas.openxmlformats.org/drawingml/2006/main" xmlns:r="http://schemas.openxmlformats.org/officeDocument/2006/relationships" xmlns:p="http://schemas.openxmlformats.org/presentationml/2006/main">
   <p:cSld>
     <p:spTree>
@@ -5690,7 +13901,7 @@
 </p:sld>
 </file>
 
-<file path=ppt/slides/slide6.xml><?xml version="1.0" encoding="utf-8"?>
+<file path=ppt/slides/slide9.xml><?xml version="1.0" encoding="utf-8"?>
 <p:sld xmlns:a="http://schemas.openxmlformats.org/drawingml/2006/main" xmlns:r="http://schemas.openxmlformats.org/officeDocument/2006/relationships" xmlns:p="http://schemas.openxmlformats.org/presentationml/2006/main">
   <p:cSld>
     <p:spTree>
@@ -6509,157 +14720,6 @@
 </p:sld>
 </file>
 
-<file path=ppt/slides/slide7.xml><?xml version="1.0" encoding="utf-8"?>
-<p:sld xmlns:a="http://schemas.openxmlformats.org/drawingml/2006/main" xmlns:r="http://schemas.openxmlformats.org/officeDocument/2006/relationships" xmlns:p="http://schemas.openxmlformats.org/presentationml/2006/main">
-  <p:cSld>
-    <p:spTree>
-      <p:nvGrpSpPr>
-        <p:cNvPr id="1" name=""/>
-        <p:cNvGrpSpPr/>
-        <p:nvPr/>
-      </p:nvGrpSpPr>
-      <p:grpSpPr>
-        <a:xfrm>
-          <a:off x="0" y="0"/>
-          <a:ext cx="0" cy="0"/>
-          <a:chOff x="0" y="0"/>
-          <a:chExt cx="0" cy="0"/>
-        </a:xfrm>
-      </p:grpSpPr>
-      <p:sp>
-        <p:nvSpPr>
-          <p:cNvPr id="3" name="Content Placeholder 2"/>
-          <p:cNvSpPr>
-            <a:spLocks noGrp="1"/>
-          </p:cNvSpPr>
-          <p:nvPr>
-            <p:ph idx="1"/>
-          </p:nvPr>
-        </p:nvSpPr>
-        <p:spPr/>
-        <p:txBody>
-          <a:bodyPr/>
-          <a:lstStyle/>
-          <a:p>
-            <a:pPr lvl="0" indent="0" marL="0">
-              <a:spcBef>
-                <a:spcPts val="3000"/>
-              </a:spcBef>
-              <a:buNone/>
-            </a:pPr>
-            <a:r>
-              <a:rPr b="1"/>
-              <a:t>객체(Object)</a:t>
-            </a:r>
-          </a:p>
-          <a:p>
-            <a:pPr lvl="0"/>
-            <a:r>
-              <a:rPr b="1"/>
-              <a:t>엔티티</a:t>
-            </a:r>
-            <a:r>
-              <a:rPr/>
-              <a:t>(Entities, 개체), </a:t>
-            </a:r>
-            <a:r>
-              <a:rPr b="1"/>
-              <a:t>띵</a:t>
-            </a:r>
-            <a:r>
-              <a:rPr/>
-              <a:t>(Thing)</a:t>
-            </a:r>
-          </a:p>
-        </p:txBody>
-      </p:sp>
-    </p:spTree>
-  </p:cSld>
-  <p:timing>
-    <p:tnLst>
-      <p:par>
-        <p:cTn id="1" dur="indefinite" restart="never" nodeType="tmRoot">
-          <p:childTnLst>
-            <p:seq concurrent="1" nextAc="seek">
-              <p:cTn id="2" dur="indefinite" nodeType="mainSeq">
-                <p:childTnLst>
-                  <p:par>
-                    <p:cTn id="3" fill="hold">
-                      <p:stCondLst>
-                        <p:cond delay="indefinite"/>
-                      </p:stCondLst>
-                      <p:childTnLst>
-                        <p:par>
-                          <p:cTn id="4" fill="hold">
-                            <p:stCondLst>
-                              <p:cond delay="0"/>
-                            </p:stCondLst>
-                            <p:childTnLst>
-                              <p:par>
-                                <p:cTn id="5" presetID="1" presetClass="entr" presetSubtype="0" fill="hold" grpId="0" nodeType="clickEffect">
-                                  <p:stCondLst>
-                                    <p:cond delay="0"/>
-                                  </p:stCondLst>
-                                  <p:childTnLst>
-                                    <p:set>
-                                      <p:cBhvr>
-                                        <p:cTn id="6" dur="1" fill="hold">
-                                          <p:stCondLst>
-                                            <p:cond delay="0"/>
-                                          </p:stCondLst>
-                                        </p:cTn>
-                                        <p:tgtEl>
-                                          <p:spTgt spid="3">
-                                            <p:txEl>
-                                              <p:pRg st="1" end="1"/>
-                                            </p:txEl>
-                                          </p:spTgt>
-                                        </p:tgtEl>
-                                        <p:attrNameLst>
-                                          <p:attrName>style.visibility</p:attrName>
-                                        </p:attrNameLst>
-                                      </p:cBhvr>
-                                      <p:to>
-                                        <p:strVal val="visible"/>
-                                      </p:to>
-                                    </p:set>
-                                  </p:childTnLst>
-                                </p:cTn>
-                              </p:par>
-                            </p:childTnLst>
-                          </p:cTn>
-                        </p:par>
-                      </p:childTnLst>
-                    </p:cTn>
-                  </p:par>
-                </p:childTnLst>
-              </p:cTn>
-              <p:prevCondLst>
-                <p:cond evt="onPrev" delay="0">
-                  <p:tgtEl>
-                    <p:sldTgt/>
-                  </p:tgtEl>
-                </p:cond>
-              </p:prevCondLst>
-              <p:nextCondLst>
-                <p:cond evt="onNext" delay="0">
-                  <p:tgtEl>
-                    <p:sldTgt/>
-                  </p:tgtEl>
-                </p:cond>
-              </p:nextCondLst>
-            </p:seq>
-          </p:childTnLst>
-        </p:cTn>
-      </p:par>
-    </p:tnLst>
-    <p:bldLst>
-      <p:bldP spid="3" grpId="0" uiExpand="1" build="p"/>
-    </p:bldLst>
-  </p:timing>
-</p:sld>
-</file>
-
 <file path=ppt/theme/theme1.xml><?xml version="1.0" encoding="utf-8"?>
 <a:theme xmlns:a="http://schemas.openxmlformats.org/drawingml/2006/main" name="Gallery">
   <a:themeElements>

--- a/노코드 엔지니어링/구글 시트로 데이터 관리하기.pptx
+++ b/노코드 엔지니어링/구글 시트로 데이터 관리하기.pptx
@@ -28,6 +28,12 @@
     <p:sldId id="276" r:id="rId22"/>
     <p:sldId id="277" r:id="rId23"/>
     <p:sldId id="278" r:id="rId24"/>
+    <p:sldId id="279" r:id="rId25"/>
+    <p:sldId id="280" r:id="rId26"/>
+    <p:sldId id="281" r:id="rId27"/>
+    <p:sldId id="282" r:id="rId28"/>
+    <p:sldId id="283" r:id="rId29"/>
+    <p:sldId id="284" r:id="rId30"/>
   </p:sldIdLst>
   <p:sldSz cx="12192000" cy="6858000"/>
   <p:notesSz cx="6858000" cy="9144000"/>
@@ -269,14 +275,22 @@
             <p:ph type="dt" sz="half" idx="10"/>
           </p:nvPr>
         </p:nvSpPr>
-        <p:spPr/>
+        <p:spPr>
+          <a:xfrm>
+            <a:off x="7554138" y="330370"/>
+            <a:ext cx="3500715" cy="309201"/>
+          </a:xfrm>
+          <a:prstGeom prst="rect">
+            <a:avLst/>
+          </a:prstGeom>
+        </p:spPr>
         <p:txBody>
           <a:bodyPr/>
           <a:lstStyle/>
           <a:p>
             <a:fld id="{F9B04C4E-34F9-45CC-B37F-CA2D38683A76}" type="datetimeFigureOut">
               <a:rPr lang="ko-KR" altLang="en-US" smtClean="0"/>
-              <a:t>2023-11-25</a:t>
+              <a:t>2023-11-26</a:t>
             </a:fld>
             <a:endParaRPr lang="ko-KR" altLang="en-US"/>
           </a:p>
@@ -297,6 +311,9 @@
             <a:off x="2416500" y="329307"/>
             <a:ext cx="4973915" cy="309201"/>
           </a:xfrm>
+          <a:prstGeom prst="rect">
+            <a:avLst/>
+          </a:prstGeom>
         </p:spPr>
         <p:txBody>
           <a:bodyPr/>
@@ -321,6 +338,9 @@
             <a:off x="1437664" y="798973"/>
             <a:ext cx="811019" cy="503578"/>
           </a:xfrm>
+          <a:prstGeom prst="rect">
+            <a:avLst/>
+          </a:prstGeom>
         </p:spPr>
         <p:txBody>
           <a:bodyPr/>
@@ -488,14 +508,22 @@
             <p:ph type="dt" sz="half" idx="10"/>
           </p:nvPr>
         </p:nvSpPr>
-        <p:spPr/>
+        <p:spPr>
+          <a:xfrm>
+            <a:off x="7554138" y="330370"/>
+            <a:ext cx="3500715" cy="309201"/>
+          </a:xfrm>
+          <a:prstGeom prst="rect">
+            <a:avLst/>
+          </a:prstGeom>
+        </p:spPr>
         <p:txBody>
           <a:bodyPr/>
           <a:lstStyle/>
           <a:p>
             <a:fld id="{F9B04C4E-34F9-45CC-B37F-CA2D38683A76}" type="datetimeFigureOut">
               <a:rPr lang="ko-KR" altLang="en-US" smtClean="0"/>
-              <a:t>2023-11-25</a:t>
+              <a:t>2023-11-26</a:t>
             </a:fld>
             <a:endParaRPr lang="ko-KR" altLang="en-US"/>
           </a:p>
@@ -511,7 +539,15 @@
             <p:ph type="ftr" sz="quarter" idx="11"/>
           </p:nvPr>
         </p:nvSpPr>
-        <p:spPr/>
+        <p:spPr>
+          <a:xfrm>
+            <a:off x="1451579" y="329307"/>
+            <a:ext cx="5938836" cy="309201"/>
+          </a:xfrm>
+          <a:prstGeom prst="rect">
+            <a:avLst/>
+          </a:prstGeom>
+        </p:spPr>
         <p:txBody>
           <a:bodyPr/>
           <a:lstStyle/>
@@ -530,7 +566,15 @@
             <p:ph type="sldNum" sz="quarter" idx="12"/>
           </p:nvPr>
         </p:nvSpPr>
-        <p:spPr/>
+        <p:spPr>
+          <a:xfrm>
+            <a:off x="480061" y="798973"/>
+            <a:ext cx="657086" cy="374919"/>
+          </a:xfrm>
+          <a:prstGeom prst="rect">
+            <a:avLst/>
+          </a:prstGeom>
+        </p:spPr>
         <p:txBody>
           <a:bodyPr/>
           <a:lstStyle/>
@@ -706,14 +750,22 @@
             <p:ph type="dt" sz="half" idx="10"/>
           </p:nvPr>
         </p:nvSpPr>
-        <p:spPr/>
+        <p:spPr>
+          <a:xfrm>
+            <a:off x="7554138" y="330370"/>
+            <a:ext cx="3500715" cy="309201"/>
+          </a:xfrm>
+          <a:prstGeom prst="rect">
+            <a:avLst/>
+          </a:prstGeom>
+        </p:spPr>
         <p:txBody>
           <a:bodyPr/>
           <a:lstStyle/>
           <a:p>
             <a:fld id="{F9B04C4E-34F9-45CC-B37F-CA2D38683A76}" type="datetimeFigureOut">
               <a:rPr lang="ko-KR" altLang="en-US" smtClean="0"/>
-              <a:t>2023-11-25</a:t>
+              <a:t>2023-11-26</a:t>
             </a:fld>
             <a:endParaRPr lang="ko-KR" altLang="en-US"/>
           </a:p>
@@ -729,7 +781,15 @@
             <p:ph type="ftr" sz="quarter" idx="11"/>
           </p:nvPr>
         </p:nvSpPr>
-        <p:spPr/>
+        <p:spPr>
+          <a:xfrm>
+            <a:off x="1451579" y="329307"/>
+            <a:ext cx="5938836" cy="309201"/>
+          </a:xfrm>
+          <a:prstGeom prst="rect">
+            <a:avLst/>
+          </a:prstGeom>
+        </p:spPr>
         <p:txBody>
           <a:bodyPr/>
           <a:lstStyle/>
@@ -748,7 +808,15 @@
             <p:ph type="sldNum" sz="quarter" idx="12"/>
           </p:nvPr>
         </p:nvSpPr>
-        <p:spPr/>
+        <p:spPr>
+          <a:xfrm>
+            <a:off x="480061" y="798973"/>
+            <a:ext cx="657086" cy="374919"/>
+          </a:xfrm>
+          <a:prstGeom prst="rect">
+            <a:avLst/>
+          </a:prstGeom>
+        </p:spPr>
         <p:txBody>
           <a:bodyPr/>
           <a:lstStyle/>
@@ -915,14 +983,22 @@
             <p:ph type="dt" sz="half" idx="10"/>
           </p:nvPr>
         </p:nvSpPr>
-        <p:spPr/>
+        <p:spPr>
+          <a:xfrm>
+            <a:off x="7554138" y="330370"/>
+            <a:ext cx="3500715" cy="309201"/>
+          </a:xfrm>
+          <a:prstGeom prst="rect">
+            <a:avLst/>
+          </a:prstGeom>
+        </p:spPr>
         <p:txBody>
           <a:bodyPr/>
           <a:lstStyle/>
           <a:p>
             <a:fld id="{F9B04C4E-34F9-45CC-B37F-CA2D38683A76}" type="datetimeFigureOut">
               <a:rPr lang="ko-KR" altLang="en-US" smtClean="0"/>
-              <a:t>2023-11-25</a:t>
+              <a:t>2023-11-26</a:t>
             </a:fld>
             <a:endParaRPr lang="ko-KR" altLang="en-US"/>
           </a:p>
@@ -938,7 +1014,15 @@
             <p:ph type="ftr" sz="quarter" idx="11"/>
           </p:nvPr>
         </p:nvSpPr>
-        <p:spPr/>
+        <p:spPr>
+          <a:xfrm>
+            <a:off x="1451579" y="329307"/>
+            <a:ext cx="5938836" cy="309201"/>
+          </a:xfrm>
+          <a:prstGeom prst="rect">
+            <a:avLst/>
+          </a:prstGeom>
+        </p:spPr>
         <p:txBody>
           <a:bodyPr/>
           <a:lstStyle/>
@@ -957,7 +1041,15 @@
             <p:ph type="sldNum" sz="quarter" idx="12"/>
           </p:nvPr>
         </p:nvSpPr>
-        <p:spPr/>
+        <p:spPr>
+          <a:xfrm>
+            <a:off x="480061" y="798973"/>
+            <a:ext cx="657086" cy="374919"/>
+          </a:xfrm>
+          <a:prstGeom prst="rect">
+            <a:avLst/>
+          </a:prstGeom>
+        </p:spPr>
         <p:txBody>
           <a:bodyPr/>
           <a:lstStyle/>
@@ -1166,14 +1258,22 @@
             <p:ph type="dt" sz="half" idx="10"/>
           </p:nvPr>
         </p:nvSpPr>
-        <p:spPr/>
+        <p:spPr>
+          <a:xfrm>
+            <a:off x="7554138" y="330370"/>
+            <a:ext cx="3500715" cy="309201"/>
+          </a:xfrm>
+          <a:prstGeom prst="rect">
+            <a:avLst/>
+          </a:prstGeom>
+        </p:spPr>
         <p:txBody>
           <a:bodyPr/>
           <a:lstStyle/>
           <a:p>
             <a:fld id="{F9B04C4E-34F9-45CC-B37F-CA2D38683A76}" type="datetimeFigureOut">
               <a:rPr lang="ko-KR" altLang="en-US" smtClean="0"/>
-              <a:t>2023-11-25</a:t>
+              <a:t>2023-11-26</a:t>
             </a:fld>
             <a:endParaRPr lang="ko-KR" altLang="en-US"/>
           </a:p>
@@ -1189,7 +1289,15 @@
             <p:ph type="ftr" sz="quarter" idx="11"/>
           </p:nvPr>
         </p:nvSpPr>
-        <p:spPr/>
+        <p:spPr>
+          <a:xfrm>
+            <a:off x="1451579" y="329307"/>
+            <a:ext cx="5938836" cy="309201"/>
+          </a:xfrm>
+          <a:prstGeom prst="rect">
+            <a:avLst/>
+          </a:prstGeom>
+        </p:spPr>
         <p:txBody>
           <a:bodyPr/>
           <a:lstStyle/>
@@ -1208,7 +1316,15 @@
             <p:ph type="sldNum" sz="quarter" idx="12"/>
           </p:nvPr>
         </p:nvSpPr>
-        <p:spPr/>
+        <p:spPr>
+          <a:xfrm>
+            <a:off x="480061" y="798973"/>
+            <a:ext cx="657086" cy="374919"/>
+          </a:xfrm>
+          <a:prstGeom prst="rect">
+            <a:avLst/>
+          </a:prstGeom>
+        </p:spPr>
         <p:txBody>
           <a:bodyPr/>
           <a:lstStyle/>
@@ -1409,14 +1525,22 @@
             <p:ph type="dt" sz="half" idx="10"/>
           </p:nvPr>
         </p:nvSpPr>
-        <p:spPr/>
+        <p:spPr>
+          <a:xfrm>
+            <a:off x="7554138" y="330370"/>
+            <a:ext cx="3500715" cy="309201"/>
+          </a:xfrm>
+          <a:prstGeom prst="rect">
+            <a:avLst/>
+          </a:prstGeom>
+        </p:spPr>
         <p:txBody>
           <a:bodyPr/>
           <a:lstStyle/>
           <a:p>
             <a:fld id="{F9B04C4E-34F9-45CC-B37F-CA2D38683A76}" type="datetimeFigureOut">
               <a:rPr lang="ko-KR" altLang="en-US" smtClean="0"/>
-              <a:t>2023-11-25</a:t>
+              <a:t>2023-11-26</a:t>
             </a:fld>
             <a:endParaRPr lang="ko-KR" altLang="en-US"/>
           </a:p>
@@ -1432,7 +1556,15 @@
             <p:ph type="ftr" sz="quarter" idx="11"/>
           </p:nvPr>
         </p:nvSpPr>
-        <p:spPr/>
+        <p:spPr>
+          <a:xfrm>
+            <a:off x="1451579" y="329307"/>
+            <a:ext cx="5938836" cy="309201"/>
+          </a:xfrm>
+          <a:prstGeom prst="rect">
+            <a:avLst/>
+          </a:prstGeom>
+        </p:spPr>
         <p:txBody>
           <a:bodyPr/>
           <a:lstStyle/>
@@ -1451,7 +1583,15 @@
             <p:ph type="sldNum" sz="quarter" idx="12"/>
           </p:nvPr>
         </p:nvSpPr>
-        <p:spPr/>
+        <p:spPr>
+          <a:xfrm>
+            <a:off x="480061" y="798973"/>
+            <a:ext cx="657086" cy="374919"/>
+          </a:xfrm>
+          <a:prstGeom prst="rect">
+            <a:avLst/>
+          </a:prstGeom>
+        </p:spPr>
         <p:txBody>
           <a:bodyPr/>
           <a:lstStyle/>
@@ -1806,14 +1946,22 @@
             <p:ph type="dt" sz="half" idx="10"/>
           </p:nvPr>
         </p:nvSpPr>
-        <p:spPr/>
+        <p:spPr>
+          <a:xfrm>
+            <a:off x="7554138" y="330370"/>
+            <a:ext cx="3500715" cy="309201"/>
+          </a:xfrm>
+          <a:prstGeom prst="rect">
+            <a:avLst/>
+          </a:prstGeom>
+        </p:spPr>
         <p:txBody>
           <a:bodyPr/>
           <a:lstStyle/>
           <a:p>
             <a:fld id="{F9B04C4E-34F9-45CC-B37F-CA2D38683A76}" type="datetimeFigureOut">
               <a:rPr lang="ko-KR" altLang="en-US" smtClean="0"/>
-              <a:t>2023-11-25</a:t>
+              <a:t>2023-11-26</a:t>
             </a:fld>
             <a:endParaRPr lang="ko-KR" altLang="en-US"/>
           </a:p>
@@ -1829,7 +1977,15 @@
             <p:ph type="ftr" sz="quarter" idx="11"/>
           </p:nvPr>
         </p:nvSpPr>
-        <p:spPr/>
+        <p:spPr>
+          <a:xfrm>
+            <a:off x="1451579" y="329307"/>
+            <a:ext cx="5938836" cy="309201"/>
+          </a:xfrm>
+          <a:prstGeom prst="rect">
+            <a:avLst/>
+          </a:prstGeom>
+        </p:spPr>
         <p:txBody>
           <a:bodyPr/>
           <a:lstStyle/>
@@ -1848,7 +2004,15 @@
             <p:ph type="sldNum" sz="quarter" idx="12"/>
           </p:nvPr>
         </p:nvSpPr>
-        <p:spPr/>
+        <p:spPr>
+          <a:xfrm>
+            <a:off x="480061" y="798973"/>
+            <a:ext cx="657086" cy="374919"/>
+          </a:xfrm>
+          <a:prstGeom prst="rect">
+            <a:avLst/>
+          </a:prstGeom>
+        </p:spPr>
         <p:txBody>
           <a:bodyPr/>
           <a:lstStyle/>
@@ -1955,14 +2119,22 @@
             <p:ph type="dt" sz="half" idx="10"/>
           </p:nvPr>
         </p:nvSpPr>
-        <p:spPr/>
+        <p:spPr>
+          <a:xfrm>
+            <a:off x="7554138" y="330370"/>
+            <a:ext cx="3500715" cy="309201"/>
+          </a:xfrm>
+          <a:prstGeom prst="rect">
+            <a:avLst/>
+          </a:prstGeom>
+        </p:spPr>
         <p:txBody>
           <a:bodyPr/>
           <a:lstStyle/>
           <a:p>
             <a:fld id="{F9B04C4E-34F9-45CC-B37F-CA2D38683A76}" type="datetimeFigureOut">
               <a:rPr lang="ko-KR" altLang="en-US" smtClean="0"/>
-              <a:t>2023-11-25</a:t>
+              <a:t>2023-11-26</a:t>
             </a:fld>
             <a:endParaRPr lang="ko-KR" altLang="en-US"/>
           </a:p>
@@ -1978,7 +2150,15 @@
             <p:ph type="ftr" sz="quarter" idx="11"/>
           </p:nvPr>
         </p:nvSpPr>
-        <p:spPr/>
+        <p:spPr>
+          <a:xfrm>
+            <a:off x="1451579" y="329307"/>
+            <a:ext cx="5938836" cy="309201"/>
+          </a:xfrm>
+          <a:prstGeom prst="rect">
+            <a:avLst/>
+          </a:prstGeom>
+        </p:spPr>
         <p:txBody>
           <a:bodyPr/>
           <a:lstStyle/>
@@ -1997,7 +2177,15 @@
             <p:ph type="sldNum" sz="quarter" idx="12"/>
           </p:nvPr>
         </p:nvSpPr>
-        <p:spPr/>
+        <p:spPr>
+          <a:xfrm>
+            <a:off x="480061" y="798973"/>
+            <a:ext cx="657086" cy="374919"/>
+          </a:xfrm>
+          <a:prstGeom prst="rect">
+            <a:avLst/>
+          </a:prstGeom>
+        </p:spPr>
         <p:txBody>
           <a:bodyPr/>
           <a:lstStyle/>
@@ -2081,14 +2269,22 @@
             <p:ph type="dt" sz="half" idx="10"/>
           </p:nvPr>
         </p:nvSpPr>
-        <p:spPr/>
+        <p:spPr>
+          <a:xfrm>
+            <a:off x="7554138" y="330370"/>
+            <a:ext cx="3500715" cy="309201"/>
+          </a:xfrm>
+          <a:prstGeom prst="rect">
+            <a:avLst/>
+          </a:prstGeom>
+        </p:spPr>
         <p:txBody>
           <a:bodyPr/>
           <a:lstStyle/>
           <a:p>
             <a:fld id="{F9B04C4E-34F9-45CC-B37F-CA2D38683A76}" type="datetimeFigureOut">
               <a:rPr lang="ko-KR" altLang="en-US" smtClean="0"/>
-              <a:t>2023-11-25</a:t>
+              <a:t>2023-11-26</a:t>
             </a:fld>
             <a:endParaRPr lang="ko-KR" altLang="en-US"/>
           </a:p>
@@ -2104,7 +2300,15 @@
             <p:ph type="ftr" sz="quarter" idx="11"/>
           </p:nvPr>
         </p:nvSpPr>
-        <p:spPr/>
+        <p:spPr>
+          <a:xfrm>
+            <a:off x="1451579" y="329307"/>
+            <a:ext cx="5938836" cy="309201"/>
+          </a:xfrm>
+          <a:prstGeom prst="rect">
+            <a:avLst/>
+          </a:prstGeom>
+        </p:spPr>
         <p:txBody>
           <a:bodyPr/>
           <a:lstStyle/>
@@ -2123,7 +2327,15 @@
             <p:ph type="sldNum" sz="quarter" idx="12"/>
           </p:nvPr>
         </p:nvSpPr>
-        <p:spPr/>
+        <p:spPr>
+          <a:xfrm>
+            <a:off x="480061" y="798973"/>
+            <a:ext cx="657086" cy="374919"/>
+          </a:xfrm>
+          <a:prstGeom prst="rect">
+            <a:avLst/>
+          </a:prstGeom>
+        </p:spPr>
         <p:txBody>
           <a:bodyPr/>
           <a:lstStyle/>
@@ -2526,14 +2738,22 @@
             <p:ph type="dt" sz="half" idx="10"/>
           </p:nvPr>
         </p:nvSpPr>
-        <p:spPr/>
+        <p:spPr>
+          <a:xfrm>
+            <a:off x="7554138" y="330370"/>
+            <a:ext cx="3500715" cy="309201"/>
+          </a:xfrm>
+          <a:prstGeom prst="rect">
+            <a:avLst/>
+          </a:prstGeom>
+        </p:spPr>
         <p:txBody>
           <a:bodyPr/>
           <a:lstStyle/>
           <a:p>
             <a:fld id="{F9B04C4E-34F9-45CC-B37F-CA2D38683A76}" type="datetimeFigureOut">
               <a:rPr lang="ko-KR" altLang="en-US" smtClean="0"/>
-              <a:t>2023-11-25</a:t>
+              <a:t>2023-11-26</a:t>
             </a:fld>
             <a:endParaRPr lang="ko-KR" altLang="en-US"/>
           </a:p>
@@ -2549,7 +2769,15 @@
             <p:ph type="ftr" sz="quarter" idx="11"/>
           </p:nvPr>
         </p:nvSpPr>
-        <p:spPr/>
+        <p:spPr>
+          <a:xfrm>
+            <a:off x="1451579" y="329307"/>
+            <a:ext cx="5938836" cy="309201"/>
+          </a:xfrm>
+          <a:prstGeom prst="rect">
+            <a:avLst/>
+          </a:prstGeom>
+        </p:spPr>
         <p:txBody>
           <a:bodyPr/>
           <a:lstStyle/>
@@ -2568,7 +2796,15 @@
             <p:ph type="sldNum" sz="quarter" idx="12"/>
           </p:nvPr>
         </p:nvSpPr>
-        <p:spPr/>
+        <p:spPr>
+          <a:xfrm>
+            <a:off x="480061" y="798973"/>
+            <a:ext cx="657086" cy="374919"/>
+          </a:xfrm>
+          <a:prstGeom prst="rect">
+            <a:avLst/>
+          </a:prstGeom>
+        </p:spPr>
         <p:txBody>
           <a:bodyPr/>
           <a:lstStyle/>
@@ -2973,6 +3209,9 @@
             <a:off x="1447382" y="5469856"/>
             <a:ext cx="5527351" cy="320123"/>
           </a:xfrm>
+          <a:prstGeom prst="rect">
+            <a:avLst/>
+          </a:prstGeom>
         </p:spPr>
         <p:txBody>
           <a:bodyPr/>
@@ -2984,7 +3223,7 @@
           <a:p>
             <a:fld id="{F9B04C4E-34F9-45CC-B37F-CA2D38683A76}" type="datetimeFigureOut">
               <a:rPr lang="ko-KR" altLang="en-US" smtClean="0"/>
-              <a:t>2023-11-25</a:t>
+              <a:t>2023-11-26</a:t>
             </a:fld>
             <a:endParaRPr lang="ko-KR" altLang="en-US"/>
           </a:p>
@@ -3005,6 +3244,9 @@
             <a:off x="1447382" y="318640"/>
             <a:ext cx="5541004" cy="320931"/>
           </a:xfrm>
+          <a:prstGeom prst="rect">
+            <a:avLst/>
+          </a:prstGeom>
         </p:spPr>
         <p:txBody>
           <a:bodyPr/>
@@ -3024,7 +3266,15 @@
             <p:ph type="sldNum" sz="quarter" idx="12"/>
           </p:nvPr>
         </p:nvSpPr>
-        <p:spPr/>
+        <p:spPr>
+          <a:xfrm>
+            <a:off x="480061" y="798973"/>
+            <a:ext cx="657086" cy="374919"/>
+          </a:xfrm>
+          <a:prstGeom prst="rect">
+            <a:avLst/>
+          </a:prstGeom>
+        </p:spPr>
         <p:txBody>
           <a:bodyPr/>
           <a:lstStyle/>
@@ -3152,7 +3402,7 @@
           </a:prstGeom>
         </p:spPr>
         <p:txBody>
-          <a:bodyPr anchor="t" bIns="45720" lIns="91440" rIns="91440" rtlCol="0" tIns="45720" vert="horz">
+          <a:bodyPr anchor="ctr" bIns="45720" lIns="91440" rIns="91440" rtlCol="0" tIns="45720" vert="horz">
             <a:normAutofit/>
           </a:bodyPr>
           <a:lstStyle/>
@@ -3265,7 +3515,7 @@
           <a:p>
             <a:fld id="{F9B04C4E-34F9-45CC-B37F-CA2D38683A76}" type="datetimeFigureOut">
               <a:rPr altLang="en-US" lang="ko-KR" smtClean="0"/>
-              <a:t>2023-11-25</a:t>
+              <a:t>2023-11-26</a:t>
             </a:fld>
             <a:endParaRPr altLang="en-US" lang="ko-KR"/>
           </a:p>
@@ -3304,7 +3554,7 @@
             </a:lvl1pPr>
           </a:lstStyle>
           <a:p>
-            <a:endParaRPr altLang="en-US" lang="ko-KR"/>
+            <a:endParaRPr altLang="en-US" dirty="0" lang="ko-KR"/>
           </a:p>
         </p:txBody>
       </p:sp>
@@ -3320,8 +3570,8 @@
         </p:nvSpPr>
         <p:spPr>
           <a:xfrm>
-            <a:off x="480060" y="798973"/>
-            <a:ext cx="811019" cy="503578"/>
+            <a:off x="480061" y="798973"/>
+            <a:ext cx="657086" cy="374919"/>
           </a:xfrm>
           <a:prstGeom prst="rect">
             <a:avLst/>
@@ -3343,7 +3593,7 @@
               <a:rPr altLang="en-US" lang="ko-KR" smtClean="0"/>
               <a:t>‹#›</a:t>
             </a:fld>
-            <a:endParaRPr altLang="en-US" lang="ko-KR"/>
+            <a:endParaRPr altLang="en-US" dirty="0" lang="ko-KR"/>
           </a:p>
         </p:txBody>
       </p:sp>
@@ -3415,7 +3665,7 @@
           <a:spcPct val="0"/>
         </a:spcBef>
         <a:buNone/>
-        <a:defRPr b="0" cap="all" i="0" kern="1200" sz="3200">
+        <a:defRPr b="0" cap="all" i="0" kern="1200" sz="2400">
           <a:solidFill>
             <a:schemeClr val="tx1"/>
           </a:solidFill>
@@ -11086,6 +11336,4411 @@
                                           <p:spTgt spid="3">
                                             <p:txEl>
                                               <p:pRg st="5" end="5"/>
+                                            </p:txEl>
+                                          </p:spTgt>
+                                        </p:tgtEl>
+                                        <p:attrNameLst>
+                                          <p:attrName>style.visibility</p:attrName>
+                                        </p:attrNameLst>
+                                      </p:cBhvr>
+                                      <p:to>
+                                        <p:strVal val="visible"/>
+                                      </p:to>
+                                    </p:set>
+                                  </p:childTnLst>
+                                </p:cTn>
+                              </p:par>
+                            </p:childTnLst>
+                          </p:cTn>
+                        </p:par>
+                      </p:childTnLst>
+                    </p:cTn>
+                  </p:par>
+                </p:childTnLst>
+              </p:cTn>
+              <p:prevCondLst>
+                <p:cond evt="onPrev" delay="0">
+                  <p:tgtEl>
+                    <p:sldTgt/>
+                  </p:tgtEl>
+                </p:cond>
+              </p:prevCondLst>
+              <p:nextCondLst>
+                <p:cond evt="onNext" delay="0">
+                  <p:tgtEl>
+                    <p:sldTgt/>
+                  </p:tgtEl>
+                </p:cond>
+              </p:nextCondLst>
+            </p:seq>
+          </p:childTnLst>
+        </p:cTn>
+      </p:par>
+    </p:tnLst>
+    <p:bldLst>
+      <p:bldP spid="3" grpId="0" uiExpand="1" build="p"/>
+    </p:bldLst>
+  </p:timing>
+</p:sld>
+</file>
+
+<file path=ppt/slides/slide24.xml><?xml version="1.0" encoding="utf-8"?>
+<p:sld xmlns:a="http://schemas.openxmlformats.org/drawingml/2006/main" xmlns:r="http://schemas.openxmlformats.org/officeDocument/2006/relationships" xmlns:p="http://schemas.openxmlformats.org/presentationml/2006/main">
+  <p:cSld>
+    <p:spTree>
+      <p:nvGrpSpPr>
+        <p:cNvPr id="1" name=""/>
+        <p:cNvGrpSpPr/>
+        <p:nvPr/>
+      </p:nvGrpSpPr>
+      <p:grpSpPr>
+        <a:xfrm>
+          <a:off x="0" y="0"/>
+          <a:ext cx="0" cy="0"/>
+          <a:chOff x="0" y="0"/>
+          <a:chExt cx="0" cy="0"/>
+        </a:xfrm>
+      </p:grpSpPr>
+      <p:sp>
+        <p:nvSpPr>
+          <p:cNvPr id="2" name="Title 1"/>
+          <p:cNvSpPr>
+            <a:spLocks noGrp="1"/>
+          </p:cNvSpPr>
+          <p:nvPr>
+            <p:ph type="title"/>
+          </p:nvPr>
+        </p:nvSpPr>
+        <p:spPr/>
+        <p:txBody>
+          <a:bodyPr/>
+          <a:lstStyle/>
+          <a:p>
+            <a:pPr lvl="0" indent="0" marL="0">
+              <a:buNone/>
+            </a:pPr>
+            <a:r>
+              <a:rPr/>
+              <a:t>조건부 서식</a:t>
+            </a:r>
+          </a:p>
+        </p:txBody>
+      </p:sp>
+      <p:sp>
+        <p:nvSpPr>
+          <p:cNvPr id="3" name="Content Placeholder 2"/>
+          <p:cNvSpPr>
+            <a:spLocks noGrp="1"/>
+          </p:cNvSpPr>
+          <p:nvPr>
+            <p:ph idx="1"/>
+          </p:nvPr>
+        </p:nvSpPr>
+        <p:spPr/>
+        <p:txBody>
+          <a:bodyPr/>
+          <a:lstStyle/>
+          <a:p>
+            <a:pPr lvl="0"/>
+            <a:r>
+              <a:rPr/>
+              <a:t>특정한 조건에 따라 서식 (색상, 셀 외곽선 등)을 달리하여 데이터를 강조하는 방법</a:t>
+            </a:r>
+          </a:p>
+          <a:p>
+            <a:pPr lvl="0"/>
+            <a:r>
+              <a:rPr/>
+              <a:t>참조 값이 비어 있을 때 표시 안하기</a:t>
+            </a:r>
+          </a:p>
+          <a:p>
+            <a:pPr lvl="1"/>
+            <a:r>
+              <a:rPr>
+                <a:latin typeface="Courier"/>
+              </a:rPr>
+              <a:t>IF(비어있으면이라는 조건식, “”, 아닌 경우 수식)</a:t>
+            </a:r>
+          </a:p>
+          <a:p>
+            <a:pPr lvl="1"/>
+            <a:r>
+              <a:rPr/>
+              <a:t>조건부 서식을 사용한 방법</a:t>
+            </a:r>
+          </a:p>
+          <a:p>
+            <a:pPr lvl="1"/>
+            <a:r>
+              <a:rPr/>
+              <a:t>셀 서식을 사용한 방법</a:t>
+            </a:r>
+          </a:p>
+        </p:txBody>
+      </p:sp>
+    </p:spTree>
+  </p:cSld>
+  <p:timing>
+    <p:tnLst>
+      <p:par>
+        <p:cTn id="1" dur="indefinite" restart="never" nodeType="tmRoot">
+          <p:childTnLst>
+            <p:seq concurrent="1" nextAc="seek">
+              <p:cTn id="2" dur="indefinite" nodeType="mainSeq">
+                <p:childTnLst>
+                  <p:par>
+                    <p:cTn id="3" fill="hold">
+                      <p:stCondLst>
+                        <p:cond delay="indefinite"/>
+                      </p:stCondLst>
+                      <p:childTnLst>
+                        <p:par>
+                          <p:cTn id="4" fill="hold">
+                            <p:stCondLst>
+                              <p:cond delay="0"/>
+                            </p:stCondLst>
+                            <p:childTnLst>
+                              <p:par>
+                                <p:cTn id="5" presetID="1" presetClass="entr" presetSubtype="0" fill="hold" grpId="0" nodeType="clickEffect">
+                                  <p:stCondLst>
+                                    <p:cond delay="0"/>
+                                  </p:stCondLst>
+                                  <p:childTnLst>
+                                    <p:set>
+                                      <p:cBhvr>
+                                        <p:cTn id="6" dur="1" fill="hold">
+                                          <p:stCondLst>
+                                            <p:cond delay="0"/>
+                                          </p:stCondLst>
+                                        </p:cTn>
+                                        <p:tgtEl>
+                                          <p:spTgt spid="3">
+                                            <p:txEl>
+                                              <p:pRg st="0" end="0"/>
+                                            </p:txEl>
+                                          </p:spTgt>
+                                        </p:tgtEl>
+                                        <p:attrNameLst>
+                                          <p:attrName>style.visibility</p:attrName>
+                                        </p:attrNameLst>
+                                      </p:cBhvr>
+                                      <p:to>
+                                        <p:strVal val="visible"/>
+                                      </p:to>
+                                    </p:set>
+                                  </p:childTnLst>
+                                </p:cTn>
+                              </p:par>
+                            </p:childTnLst>
+                          </p:cTn>
+                        </p:par>
+                      </p:childTnLst>
+                    </p:cTn>
+                  </p:par>
+                  <p:par>
+                    <p:cTn id="7" fill="hold">
+                      <p:stCondLst>
+                        <p:cond delay="indefinite"/>
+                      </p:stCondLst>
+                      <p:childTnLst>
+                        <p:par>
+                          <p:cTn id="8" fill="hold">
+                            <p:stCondLst>
+                              <p:cond delay="0"/>
+                            </p:stCondLst>
+                            <p:childTnLst>
+                              <p:par>
+                                <p:cTn id="9" presetID="1" presetClass="entr" presetSubtype="0" fill="hold" grpId="0" nodeType="clickEffect">
+                                  <p:stCondLst>
+                                    <p:cond delay="0"/>
+                                  </p:stCondLst>
+                                  <p:childTnLst>
+                                    <p:set>
+                                      <p:cBhvr>
+                                        <p:cTn id="10" dur="1" fill="hold">
+                                          <p:stCondLst>
+                                            <p:cond delay="0"/>
+                                          </p:stCondLst>
+                                        </p:cTn>
+                                        <p:tgtEl>
+                                          <p:spTgt spid="3">
+                                            <p:txEl>
+                                              <p:pRg st="1" end="1"/>
+                                            </p:txEl>
+                                          </p:spTgt>
+                                        </p:tgtEl>
+                                        <p:attrNameLst>
+                                          <p:attrName>style.visibility</p:attrName>
+                                        </p:attrNameLst>
+                                      </p:cBhvr>
+                                      <p:to>
+                                        <p:strVal val="visible"/>
+                                      </p:to>
+                                    </p:set>
+                                  </p:childTnLst>
+                                </p:cTn>
+                              </p:par>
+                            </p:childTnLst>
+                          </p:cTn>
+                        </p:par>
+                      </p:childTnLst>
+                    </p:cTn>
+                  </p:par>
+                  <p:par>
+                    <p:cTn id="11" fill="hold">
+                      <p:stCondLst>
+                        <p:cond delay="indefinite"/>
+                      </p:stCondLst>
+                      <p:childTnLst>
+                        <p:par>
+                          <p:cTn id="12" fill="hold">
+                            <p:stCondLst>
+                              <p:cond delay="0"/>
+                            </p:stCondLst>
+                            <p:childTnLst>
+                              <p:par>
+                                <p:cTn id="13" presetID="1" presetClass="entr" presetSubtype="0" fill="hold" grpId="0" nodeType="clickEffect">
+                                  <p:stCondLst>
+                                    <p:cond delay="0"/>
+                                  </p:stCondLst>
+                                  <p:childTnLst>
+                                    <p:set>
+                                      <p:cBhvr>
+                                        <p:cTn id="14" dur="1" fill="hold">
+                                          <p:stCondLst>
+                                            <p:cond delay="0"/>
+                                          </p:stCondLst>
+                                        </p:cTn>
+                                        <p:tgtEl>
+                                          <p:spTgt spid="3">
+                                            <p:txEl>
+                                              <p:pRg st="2" end="2"/>
+                                            </p:txEl>
+                                          </p:spTgt>
+                                        </p:tgtEl>
+                                        <p:attrNameLst>
+                                          <p:attrName>style.visibility</p:attrName>
+                                        </p:attrNameLst>
+                                      </p:cBhvr>
+                                      <p:to>
+                                        <p:strVal val="visible"/>
+                                      </p:to>
+                                    </p:set>
+                                  </p:childTnLst>
+                                </p:cTn>
+                              </p:par>
+                            </p:childTnLst>
+                          </p:cTn>
+                        </p:par>
+                      </p:childTnLst>
+                    </p:cTn>
+                  </p:par>
+                  <p:par>
+                    <p:cTn id="15" fill="hold">
+                      <p:stCondLst>
+                        <p:cond delay="indefinite"/>
+                      </p:stCondLst>
+                      <p:childTnLst>
+                        <p:par>
+                          <p:cTn id="16" fill="hold">
+                            <p:stCondLst>
+                              <p:cond delay="0"/>
+                            </p:stCondLst>
+                            <p:childTnLst>
+                              <p:par>
+                                <p:cTn id="17" presetID="1" presetClass="entr" presetSubtype="0" fill="hold" grpId="0" nodeType="clickEffect">
+                                  <p:stCondLst>
+                                    <p:cond delay="0"/>
+                                  </p:stCondLst>
+                                  <p:childTnLst>
+                                    <p:set>
+                                      <p:cBhvr>
+                                        <p:cTn id="18" dur="1" fill="hold">
+                                          <p:stCondLst>
+                                            <p:cond delay="0"/>
+                                          </p:stCondLst>
+                                        </p:cTn>
+                                        <p:tgtEl>
+                                          <p:spTgt spid="3">
+                                            <p:txEl>
+                                              <p:pRg st="3" end="3"/>
+                                            </p:txEl>
+                                          </p:spTgt>
+                                        </p:tgtEl>
+                                        <p:attrNameLst>
+                                          <p:attrName>style.visibility</p:attrName>
+                                        </p:attrNameLst>
+                                      </p:cBhvr>
+                                      <p:to>
+                                        <p:strVal val="visible"/>
+                                      </p:to>
+                                    </p:set>
+                                  </p:childTnLst>
+                                </p:cTn>
+                              </p:par>
+                            </p:childTnLst>
+                          </p:cTn>
+                        </p:par>
+                      </p:childTnLst>
+                    </p:cTn>
+                  </p:par>
+                  <p:par>
+                    <p:cTn id="19" fill="hold">
+                      <p:stCondLst>
+                        <p:cond delay="indefinite"/>
+                      </p:stCondLst>
+                      <p:childTnLst>
+                        <p:par>
+                          <p:cTn id="20" fill="hold">
+                            <p:stCondLst>
+                              <p:cond delay="0"/>
+                            </p:stCondLst>
+                            <p:childTnLst>
+                              <p:par>
+                                <p:cTn id="21" presetID="1" presetClass="entr" presetSubtype="0" fill="hold" grpId="0" nodeType="clickEffect">
+                                  <p:stCondLst>
+                                    <p:cond delay="0"/>
+                                  </p:stCondLst>
+                                  <p:childTnLst>
+                                    <p:set>
+                                      <p:cBhvr>
+                                        <p:cTn id="22" dur="1" fill="hold">
+                                          <p:stCondLst>
+                                            <p:cond delay="0"/>
+                                          </p:stCondLst>
+                                        </p:cTn>
+                                        <p:tgtEl>
+                                          <p:spTgt spid="3">
+                                            <p:txEl>
+                                              <p:pRg st="4" end="4"/>
+                                            </p:txEl>
+                                          </p:spTgt>
+                                        </p:tgtEl>
+                                        <p:attrNameLst>
+                                          <p:attrName>style.visibility</p:attrName>
+                                        </p:attrNameLst>
+                                      </p:cBhvr>
+                                      <p:to>
+                                        <p:strVal val="visible"/>
+                                      </p:to>
+                                    </p:set>
+                                  </p:childTnLst>
+                                </p:cTn>
+                              </p:par>
+                            </p:childTnLst>
+                          </p:cTn>
+                        </p:par>
+                      </p:childTnLst>
+                    </p:cTn>
+                  </p:par>
+                </p:childTnLst>
+              </p:cTn>
+              <p:prevCondLst>
+                <p:cond evt="onPrev" delay="0">
+                  <p:tgtEl>
+                    <p:sldTgt/>
+                  </p:tgtEl>
+                </p:cond>
+              </p:prevCondLst>
+              <p:nextCondLst>
+                <p:cond evt="onNext" delay="0">
+                  <p:tgtEl>
+                    <p:sldTgt/>
+                  </p:tgtEl>
+                </p:cond>
+              </p:nextCondLst>
+            </p:seq>
+          </p:childTnLst>
+        </p:cTn>
+      </p:par>
+    </p:tnLst>
+    <p:bldLst>
+      <p:bldP spid="3" grpId="0" uiExpand="1" build="p"/>
+    </p:bldLst>
+  </p:timing>
+</p:sld>
+</file>
+
+<file path=ppt/slides/slide25.xml><?xml version="1.0" encoding="utf-8"?>
+<p:sld xmlns:a="http://schemas.openxmlformats.org/drawingml/2006/main" xmlns:r="http://schemas.openxmlformats.org/officeDocument/2006/relationships" xmlns:p="http://schemas.openxmlformats.org/presentationml/2006/main">
+  <p:cSld>
+    <p:spTree>
+      <p:nvGrpSpPr>
+        <p:cNvPr id="1" name=""/>
+        <p:cNvGrpSpPr/>
+        <p:nvPr/>
+      </p:nvGrpSpPr>
+      <p:grpSpPr>
+        <a:xfrm>
+          <a:off x="0" y="0"/>
+          <a:ext cx="0" cy="0"/>
+          <a:chOff x="0" y="0"/>
+          <a:chExt cx="0" cy="0"/>
+        </a:xfrm>
+      </p:grpSpPr>
+      <p:sp>
+        <p:nvSpPr>
+          <p:cNvPr id="2" name="Title 1"/>
+          <p:cNvSpPr>
+            <a:spLocks noGrp="1"/>
+          </p:cNvSpPr>
+          <p:nvPr>
+            <p:ph type="title"/>
+          </p:nvPr>
+        </p:nvSpPr>
+        <p:spPr/>
+        <p:txBody>
+          <a:bodyPr/>
+          <a:lstStyle/>
+          <a:p>
+            <a:pPr lvl="0" indent="0" marL="0">
+              <a:buNone/>
+            </a:pPr>
+            <a:r>
+              <a:rPr/>
+              <a:t>함수 일람</a:t>
+            </a:r>
+          </a:p>
+        </p:txBody>
+      </p:sp>
+      <p:sp>
+        <p:nvSpPr>
+          <p:cNvPr id="3" name="Content Placeholder 2"/>
+          <p:cNvSpPr>
+            <a:spLocks noGrp="1"/>
+          </p:cNvSpPr>
+          <p:nvPr>
+            <p:ph idx="1"/>
+          </p:nvPr>
+        </p:nvSpPr>
+        <p:spPr/>
+        <p:txBody>
+          <a:bodyPr/>
+          <a:lstStyle/>
+          <a:p>
+            <a:pPr lvl="0"/>
+            <a:r>
+              <a:rPr>
+                <a:latin typeface="Courier"/>
+              </a:rPr>
+              <a:t>split()</a:t>
+            </a:r>
+          </a:p>
+          <a:p>
+            <a:pPr lvl="0"/>
+            <a:r>
+              <a:rPr>
+                <a:latin typeface="Courier"/>
+              </a:rPr>
+              <a:t>isblank()</a:t>
+            </a:r>
+          </a:p>
+          <a:p>
+            <a:pPr lvl="0"/>
+            <a:r>
+              <a:rPr>
+                <a:latin typeface="Courier"/>
+              </a:rPr>
+              <a:t>rounddown(숫자, 자릿수)</a:t>
+            </a:r>
+          </a:p>
+          <a:p>
+            <a:pPr lvl="0"/>
+            <a:r>
+              <a:rPr>
+                <a:latin typeface="Courier"/>
+              </a:rPr>
+              <a:t>SUM(숫자의 배열)</a:t>
+            </a:r>
+          </a:p>
+          <a:p>
+            <a:pPr lvl="1"/>
+            <a:r>
+              <a:rPr/>
+              <a:t>인풋(매개변수) 타입: 숫자의 배열</a:t>
+            </a:r>
+          </a:p>
+          <a:p>
+            <a:pPr lvl="1"/>
+            <a:r>
+              <a:rPr/>
+              <a:t>아웃풋(리턴) 타입: 숫자</a:t>
+            </a:r>
+          </a:p>
+          <a:p>
+            <a:pPr lvl="0"/>
+            <a:r>
+              <a:rPr>
+                <a:latin typeface="Courier"/>
+              </a:rPr>
+              <a:t>JOIN(텍스트, 텍스트 배열)</a:t>
+            </a:r>
+          </a:p>
+          <a:p>
+            <a:pPr lvl="1"/>
+            <a:r>
+              <a:rPr/>
+              <a:t>인풋: 텍스트, 텍스트의 배열</a:t>
+            </a:r>
+          </a:p>
+          <a:p>
+            <a:pPr lvl="1"/>
+            <a:r>
+              <a:rPr/>
+              <a:t>아웃풋: 텍스트</a:t>
+            </a:r>
+          </a:p>
+          <a:p>
+            <a:pPr lvl="0"/>
+            <a:r>
+              <a:rPr>
+                <a:latin typeface="Courier"/>
+              </a:rPr>
+              <a:t>TODAY()</a:t>
+            </a:r>
+          </a:p>
+          <a:p>
+            <a:pPr lvl="1"/>
+            <a:r>
+              <a:rPr/>
+              <a:t>인풋: 없음</a:t>
+            </a:r>
+          </a:p>
+          <a:p>
+            <a:pPr lvl="1"/>
+            <a:r>
+              <a:rPr/>
+              <a:t>아웃풋: 숫자</a:t>
+            </a:r>
+          </a:p>
+        </p:txBody>
+      </p:sp>
+    </p:spTree>
+  </p:cSld>
+  <p:timing>
+    <p:tnLst>
+      <p:par>
+        <p:cTn id="1" dur="indefinite" restart="never" nodeType="tmRoot">
+          <p:childTnLst>
+            <p:seq concurrent="1" nextAc="seek">
+              <p:cTn id="2" dur="indefinite" nodeType="mainSeq">
+                <p:childTnLst>
+                  <p:par>
+                    <p:cTn id="3" fill="hold">
+                      <p:stCondLst>
+                        <p:cond delay="indefinite"/>
+                      </p:stCondLst>
+                      <p:childTnLst>
+                        <p:par>
+                          <p:cTn id="4" fill="hold">
+                            <p:stCondLst>
+                              <p:cond delay="0"/>
+                            </p:stCondLst>
+                            <p:childTnLst>
+                              <p:par>
+                                <p:cTn id="5" presetID="1" presetClass="entr" presetSubtype="0" fill="hold" grpId="0" nodeType="clickEffect">
+                                  <p:stCondLst>
+                                    <p:cond delay="0"/>
+                                  </p:stCondLst>
+                                  <p:childTnLst>
+                                    <p:set>
+                                      <p:cBhvr>
+                                        <p:cTn id="6" dur="1" fill="hold">
+                                          <p:stCondLst>
+                                            <p:cond delay="0"/>
+                                          </p:stCondLst>
+                                        </p:cTn>
+                                        <p:tgtEl>
+                                          <p:spTgt spid="3">
+                                            <p:txEl>
+                                              <p:pRg st="0" end="0"/>
+                                            </p:txEl>
+                                          </p:spTgt>
+                                        </p:tgtEl>
+                                        <p:attrNameLst>
+                                          <p:attrName>style.visibility</p:attrName>
+                                        </p:attrNameLst>
+                                      </p:cBhvr>
+                                      <p:to>
+                                        <p:strVal val="visible"/>
+                                      </p:to>
+                                    </p:set>
+                                  </p:childTnLst>
+                                </p:cTn>
+                              </p:par>
+                            </p:childTnLst>
+                          </p:cTn>
+                        </p:par>
+                      </p:childTnLst>
+                    </p:cTn>
+                  </p:par>
+                  <p:par>
+                    <p:cTn id="7" fill="hold">
+                      <p:stCondLst>
+                        <p:cond delay="indefinite"/>
+                      </p:stCondLst>
+                      <p:childTnLst>
+                        <p:par>
+                          <p:cTn id="8" fill="hold">
+                            <p:stCondLst>
+                              <p:cond delay="0"/>
+                            </p:stCondLst>
+                            <p:childTnLst>
+                              <p:par>
+                                <p:cTn id="9" presetID="1" presetClass="entr" presetSubtype="0" fill="hold" grpId="0" nodeType="clickEffect">
+                                  <p:stCondLst>
+                                    <p:cond delay="0"/>
+                                  </p:stCondLst>
+                                  <p:childTnLst>
+                                    <p:set>
+                                      <p:cBhvr>
+                                        <p:cTn id="10" dur="1" fill="hold">
+                                          <p:stCondLst>
+                                            <p:cond delay="0"/>
+                                          </p:stCondLst>
+                                        </p:cTn>
+                                        <p:tgtEl>
+                                          <p:spTgt spid="3">
+                                            <p:txEl>
+                                              <p:pRg st="1" end="1"/>
+                                            </p:txEl>
+                                          </p:spTgt>
+                                        </p:tgtEl>
+                                        <p:attrNameLst>
+                                          <p:attrName>style.visibility</p:attrName>
+                                        </p:attrNameLst>
+                                      </p:cBhvr>
+                                      <p:to>
+                                        <p:strVal val="visible"/>
+                                      </p:to>
+                                    </p:set>
+                                  </p:childTnLst>
+                                </p:cTn>
+                              </p:par>
+                            </p:childTnLst>
+                          </p:cTn>
+                        </p:par>
+                      </p:childTnLst>
+                    </p:cTn>
+                  </p:par>
+                  <p:par>
+                    <p:cTn id="11" fill="hold">
+                      <p:stCondLst>
+                        <p:cond delay="indefinite"/>
+                      </p:stCondLst>
+                      <p:childTnLst>
+                        <p:par>
+                          <p:cTn id="12" fill="hold">
+                            <p:stCondLst>
+                              <p:cond delay="0"/>
+                            </p:stCondLst>
+                            <p:childTnLst>
+                              <p:par>
+                                <p:cTn id="13" presetID="1" presetClass="entr" presetSubtype="0" fill="hold" grpId="0" nodeType="clickEffect">
+                                  <p:stCondLst>
+                                    <p:cond delay="0"/>
+                                  </p:stCondLst>
+                                  <p:childTnLst>
+                                    <p:set>
+                                      <p:cBhvr>
+                                        <p:cTn id="14" dur="1" fill="hold">
+                                          <p:stCondLst>
+                                            <p:cond delay="0"/>
+                                          </p:stCondLst>
+                                        </p:cTn>
+                                        <p:tgtEl>
+                                          <p:spTgt spid="3">
+                                            <p:txEl>
+                                              <p:pRg st="2" end="2"/>
+                                            </p:txEl>
+                                          </p:spTgt>
+                                        </p:tgtEl>
+                                        <p:attrNameLst>
+                                          <p:attrName>style.visibility</p:attrName>
+                                        </p:attrNameLst>
+                                      </p:cBhvr>
+                                      <p:to>
+                                        <p:strVal val="visible"/>
+                                      </p:to>
+                                    </p:set>
+                                  </p:childTnLst>
+                                </p:cTn>
+                              </p:par>
+                            </p:childTnLst>
+                          </p:cTn>
+                        </p:par>
+                      </p:childTnLst>
+                    </p:cTn>
+                  </p:par>
+                  <p:par>
+                    <p:cTn id="15" fill="hold">
+                      <p:stCondLst>
+                        <p:cond delay="indefinite"/>
+                      </p:stCondLst>
+                      <p:childTnLst>
+                        <p:par>
+                          <p:cTn id="16" fill="hold">
+                            <p:stCondLst>
+                              <p:cond delay="0"/>
+                            </p:stCondLst>
+                            <p:childTnLst>
+                              <p:par>
+                                <p:cTn id="17" presetID="1" presetClass="entr" presetSubtype="0" fill="hold" grpId="0" nodeType="clickEffect">
+                                  <p:stCondLst>
+                                    <p:cond delay="0"/>
+                                  </p:stCondLst>
+                                  <p:childTnLst>
+                                    <p:set>
+                                      <p:cBhvr>
+                                        <p:cTn id="18" dur="1" fill="hold">
+                                          <p:stCondLst>
+                                            <p:cond delay="0"/>
+                                          </p:stCondLst>
+                                        </p:cTn>
+                                        <p:tgtEl>
+                                          <p:spTgt spid="3">
+                                            <p:txEl>
+                                              <p:pRg st="3" end="3"/>
+                                            </p:txEl>
+                                          </p:spTgt>
+                                        </p:tgtEl>
+                                        <p:attrNameLst>
+                                          <p:attrName>style.visibility</p:attrName>
+                                        </p:attrNameLst>
+                                      </p:cBhvr>
+                                      <p:to>
+                                        <p:strVal val="visible"/>
+                                      </p:to>
+                                    </p:set>
+                                  </p:childTnLst>
+                                </p:cTn>
+                              </p:par>
+                            </p:childTnLst>
+                          </p:cTn>
+                        </p:par>
+                      </p:childTnLst>
+                    </p:cTn>
+                  </p:par>
+                  <p:par>
+                    <p:cTn id="19" fill="hold">
+                      <p:stCondLst>
+                        <p:cond delay="indefinite"/>
+                      </p:stCondLst>
+                      <p:childTnLst>
+                        <p:par>
+                          <p:cTn id="20" fill="hold">
+                            <p:stCondLst>
+                              <p:cond delay="0"/>
+                            </p:stCondLst>
+                            <p:childTnLst>
+                              <p:par>
+                                <p:cTn id="21" presetID="1" presetClass="entr" presetSubtype="0" fill="hold" grpId="0" nodeType="clickEffect">
+                                  <p:stCondLst>
+                                    <p:cond delay="0"/>
+                                  </p:stCondLst>
+                                  <p:childTnLst>
+                                    <p:set>
+                                      <p:cBhvr>
+                                        <p:cTn id="22" dur="1" fill="hold">
+                                          <p:stCondLst>
+                                            <p:cond delay="0"/>
+                                          </p:stCondLst>
+                                        </p:cTn>
+                                        <p:tgtEl>
+                                          <p:spTgt spid="3">
+                                            <p:txEl>
+                                              <p:pRg st="4" end="4"/>
+                                            </p:txEl>
+                                          </p:spTgt>
+                                        </p:tgtEl>
+                                        <p:attrNameLst>
+                                          <p:attrName>style.visibility</p:attrName>
+                                        </p:attrNameLst>
+                                      </p:cBhvr>
+                                      <p:to>
+                                        <p:strVal val="visible"/>
+                                      </p:to>
+                                    </p:set>
+                                  </p:childTnLst>
+                                </p:cTn>
+                              </p:par>
+                            </p:childTnLst>
+                          </p:cTn>
+                        </p:par>
+                      </p:childTnLst>
+                    </p:cTn>
+                  </p:par>
+                  <p:par>
+                    <p:cTn id="23" fill="hold">
+                      <p:stCondLst>
+                        <p:cond delay="indefinite"/>
+                      </p:stCondLst>
+                      <p:childTnLst>
+                        <p:par>
+                          <p:cTn id="24" fill="hold">
+                            <p:stCondLst>
+                              <p:cond delay="0"/>
+                            </p:stCondLst>
+                            <p:childTnLst>
+                              <p:par>
+                                <p:cTn id="25" presetID="1" presetClass="entr" presetSubtype="0" fill="hold" grpId="0" nodeType="clickEffect">
+                                  <p:stCondLst>
+                                    <p:cond delay="0"/>
+                                  </p:stCondLst>
+                                  <p:childTnLst>
+                                    <p:set>
+                                      <p:cBhvr>
+                                        <p:cTn id="26" dur="1" fill="hold">
+                                          <p:stCondLst>
+                                            <p:cond delay="0"/>
+                                          </p:stCondLst>
+                                        </p:cTn>
+                                        <p:tgtEl>
+                                          <p:spTgt spid="3">
+                                            <p:txEl>
+                                              <p:pRg st="5" end="5"/>
+                                            </p:txEl>
+                                          </p:spTgt>
+                                        </p:tgtEl>
+                                        <p:attrNameLst>
+                                          <p:attrName>style.visibility</p:attrName>
+                                        </p:attrNameLst>
+                                      </p:cBhvr>
+                                      <p:to>
+                                        <p:strVal val="visible"/>
+                                      </p:to>
+                                    </p:set>
+                                  </p:childTnLst>
+                                </p:cTn>
+                              </p:par>
+                            </p:childTnLst>
+                          </p:cTn>
+                        </p:par>
+                      </p:childTnLst>
+                    </p:cTn>
+                  </p:par>
+                  <p:par>
+                    <p:cTn id="27" fill="hold">
+                      <p:stCondLst>
+                        <p:cond delay="indefinite"/>
+                      </p:stCondLst>
+                      <p:childTnLst>
+                        <p:par>
+                          <p:cTn id="28" fill="hold">
+                            <p:stCondLst>
+                              <p:cond delay="0"/>
+                            </p:stCondLst>
+                            <p:childTnLst>
+                              <p:par>
+                                <p:cTn id="29" presetID="1" presetClass="entr" presetSubtype="0" fill="hold" grpId="0" nodeType="clickEffect">
+                                  <p:stCondLst>
+                                    <p:cond delay="0"/>
+                                  </p:stCondLst>
+                                  <p:childTnLst>
+                                    <p:set>
+                                      <p:cBhvr>
+                                        <p:cTn id="30" dur="1" fill="hold">
+                                          <p:stCondLst>
+                                            <p:cond delay="0"/>
+                                          </p:stCondLst>
+                                        </p:cTn>
+                                        <p:tgtEl>
+                                          <p:spTgt spid="3">
+                                            <p:txEl>
+                                              <p:pRg st="6" end="6"/>
+                                            </p:txEl>
+                                          </p:spTgt>
+                                        </p:tgtEl>
+                                        <p:attrNameLst>
+                                          <p:attrName>style.visibility</p:attrName>
+                                        </p:attrNameLst>
+                                      </p:cBhvr>
+                                      <p:to>
+                                        <p:strVal val="visible"/>
+                                      </p:to>
+                                    </p:set>
+                                  </p:childTnLst>
+                                </p:cTn>
+                              </p:par>
+                            </p:childTnLst>
+                          </p:cTn>
+                        </p:par>
+                      </p:childTnLst>
+                    </p:cTn>
+                  </p:par>
+                  <p:par>
+                    <p:cTn id="31" fill="hold">
+                      <p:stCondLst>
+                        <p:cond delay="indefinite"/>
+                      </p:stCondLst>
+                      <p:childTnLst>
+                        <p:par>
+                          <p:cTn id="32" fill="hold">
+                            <p:stCondLst>
+                              <p:cond delay="0"/>
+                            </p:stCondLst>
+                            <p:childTnLst>
+                              <p:par>
+                                <p:cTn id="33" presetID="1" presetClass="entr" presetSubtype="0" fill="hold" grpId="0" nodeType="clickEffect">
+                                  <p:stCondLst>
+                                    <p:cond delay="0"/>
+                                  </p:stCondLst>
+                                  <p:childTnLst>
+                                    <p:set>
+                                      <p:cBhvr>
+                                        <p:cTn id="34" dur="1" fill="hold">
+                                          <p:stCondLst>
+                                            <p:cond delay="0"/>
+                                          </p:stCondLst>
+                                        </p:cTn>
+                                        <p:tgtEl>
+                                          <p:spTgt spid="3">
+                                            <p:txEl>
+                                              <p:pRg st="7" end="7"/>
+                                            </p:txEl>
+                                          </p:spTgt>
+                                        </p:tgtEl>
+                                        <p:attrNameLst>
+                                          <p:attrName>style.visibility</p:attrName>
+                                        </p:attrNameLst>
+                                      </p:cBhvr>
+                                      <p:to>
+                                        <p:strVal val="visible"/>
+                                      </p:to>
+                                    </p:set>
+                                  </p:childTnLst>
+                                </p:cTn>
+                              </p:par>
+                            </p:childTnLst>
+                          </p:cTn>
+                        </p:par>
+                      </p:childTnLst>
+                    </p:cTn>
+                  </p:par>
+                  <p:par>
+                    <p:cTn id="35" fill="hold">
+                      <p:stCondLst>
+                        <p:cond delay="indefinite"/>
+                      </p:stCondLst>
+                      <p:childTnLst>
+                        <p:par>
+                          <p:cTn id="36" fill="hold">
+                            <p:stCondLst>
+                              <p:cond delay="0"/>
+                            </p:stCondLst>
+                            <p:childTnLst>
+                              <p:par>
+                                <p:cTn id="37" presetID="1" presetClass="entr" presetSubtype="0" fill="hold" grpId="0" nodeType="clickEffect">
+                                  <p:stCondLst>
+                                    <p:cond delay="0"/>
+                                  </p:stCondLst>
+                                  <p:childTnLst>
+                                    <p:set>
+                                      <p:cBhvr>
+                                        <p:cTn id="38" dur="1" fill="hold">
+                                          <p:stCondLst>
+                                            <p:cond delay="0"/>
+                                          </p:stCondLst>
+                                        </p:cTn>
+                                        <p:tgtEl>
+                                          <p:spTgt spid="3">
+                                            <p:txEl>
+                                              <p:pRg st="8" end="8"/>
+                                            </p:txEl>
+                                          </p:spTgt>
+                                        </p:tgtEl>
+                                        <p:attrNameLst>
+                                          <p:attrName>style.visibility</p:attrName>
+                                        </p:attrNameLst>
+                                      </p:cBhvr>
+                                      <p:to>
+                                        <p:strVal val="visible"/>
+                                      </p:to>
+                                    </p:set>
+                                  </p:childTnLst>
+                                </p:cTn>
+                              </p:par>
+                            </p:childTnLst>
+                          </p:cTn>
+                        </p:par>
+                      </p:childTnLst>
+                    </p:cTn>
+                  </p:par>
+                  <p:par>
+                    <p:cTn id="39" fill="hold">
+                      <p:stCondLst>
+                        <p:cond delay="indefinite"/>
+                      </p:stCondLst>
+                      <p:childTnLst>
+                        <p:par>
+                          <p:cTn id="40" fill="hold">
+                            <p:stCondLst>
+                              <p:cond delay="0"/>
+                            </p:stCondLst>
+                            <p:childTnLst>
+                              <p:par>
+                                <p:cTn id="41" presetID="1" presetClass="entr" presetSubtype="0" fill="hold" grpId="0" nodeType="clickEffect">
+                                  <p:stCondLst>
+                                    <p:cond delay="0"/>
+                                  </p:stCondLst>
+                                  <p:childTnLst>
+                                    <p:set>
+                                      <p:cBhvr>
+                                        <p:cTn id="42" dur="1" fill="hold">
+                                          <p:stCondLst>
+                                            <p:cond delay="0"/>
+                                          </p:stCondLst>
+                                        </p:cTn>
+                                        <p:tgtEl>
+                                          <p:spTgt spid="3">
+                                            <p:txEl>
+                                              <p:pRg st="9" end="9"/>
+                                            </p:txEl>
+                                          </p:spTgt>
+                                        </p:tgtEl>
+                                        <p:attrNameLst>
+                                          <p:attrName>style.visibility</p:attrName>
+                                        </p:attrNameLst>
+                                      </p:cBhvr>
+                                      <p:to>
+                                        <p:strVal val="visible"/>
+                                      </p:to>
+                                    </p:set>
+                                  </p:childTnLst>
+                                </p:cTn>
+                              </p:par>
+                            </p:childTnLst>
+                          </p:cTn>
+                        </p:par>
+                      </p:childTnLst>
+                    </p:cTn>
+                  </p:par>
+                  <p:par>
+                    <p:cTn id="43" fill="hold">
+                      <p:stCondLst>
+                        <p:cond delay="indefinite"/>
+                      </p:stCondLst>
+                      <p:childTnLst>
+                        <p:par>
+                          <p:cTn id="44" fill="hold">
+                            <p:stCondLst>
+                              <p:cond delay="0"/>
+                            </p:stCondLst>
+                            <p:childTnLst>
+                              <p:par>
+                                <p:cTn id="45" presetID="1" presetClass="entr" presetSubtype="0" fill="hold" grpId="0" nodeType="clickEffect">
+                                  <p:stCondLst>
+                                    <p:cond delay="0"/>
+                                  </p:stCondLst>
+                                  <p:childTnLst>
+                                    <p:set>
+                                      <p:cBhvr>
+                                        <p:cTn id="46" dur="1" fill="hold">
+                                          <p:stCondLst>
+                                            <p:cond delay="0"/>
+                                          </p:stCondLst>
+                                        </p:cTn>
+                                        <p:tgtEl>
+                                          <p:spTgt spid="3">
+                                            <p:txEl>
+                                              <p:pRg st="10" end="10"/>
+                                            </p:txEl>
+                                          </p:spTgt>
+                                        </p:tgtEl>
+                                        <p:attrNameLst>
+                                          <p:attrName>style.visibility</p:attrName>
+                                        </p:attrNameLst>
+                                      </p:cBhvr>
+                                      <p:to>
+                                        <p:strVal val="visible"/>
+                                      </p:to>
+                                    </p:set>
+                                  </p:childTnLst>
+                                </p:cTn>
+                              </p:par>
+                            </p:childTnLst>
+                          </p:cTn>
+                        </p:par>
+                      </p:childTnLst>
+                    </p:cTn>
+                  </p:par>
+                  <p:par>
+                    <p:cTn id="47" fill="hold">
+                      <p:stCondLst>
+                        <p:cond delay="indefinite"/>
+                      </p:stCondLst>
+                      <p:childTnLst>
+                        <p:par>
+                          <p:cTn id="48" fill="hold">
+                            <p:stCondLst>
+                              <p:cond delay="0"/>
+                            </p:stCondLst>
+                            <p:childTnLst>
+                              <p:par>
+                                <p:cTn id="49" presetID="1" presetClass="entr" presetSubtype="0" fill="hold" grpId="0" nodeType="clickEffect">
+                                  <p:stCondLst>
+                                    <p:cond delay="0"/>
+                                  </p:stCondLst>
+                                  <p:childTnLst>
+                                    <p:set>
+                                      <p:cBhvr>
+                                        <p:cTn id="50" dur="1" fill="hold">
+                                          <p:stCondLst>
+                                            <p:cond delay="0"/>
+                                          </p:stCondLst>
+                                        </p:cTn>
+                                        <p:tgtEl>
+                                          <p:spTgt spid="3">
+                                            <p:txEl>
+                                              <p:pRg st="11" end="11"/>
+                                            </p:txEl>
+                                          </p:spTgt>
+                                        </p:tgtEl>
+                                        <p:attrNameLst>
+                                          <p:attrName>style.visibility</p:attrName>
+                                        </p:attrNameLst>
+                                      </p:cBhvr>
+                                      <p:to>
+                                        <p:strVal val="visible"/>
+                                      </p:to>
+                                    </p:set>
+                                  </p:childTnLst>
+                                </p:cTn>
+                              </p:par>
+                            </p:childTnLst>
+                          </p:cTn>
+                        </p:par>
+                      </p:childTnLst>
+                    </p:cTn>
+                  </p:par>
+                </p:childTnLst>
+              </p:cTn>
+              <p:prevCondLst>
+                <p:cond evt="onPrev" delay="0">
+                  <p:tgtEl>
+                    <p:sldTgt/>
+                  </p:tgtEl>
+                </p:cond>
+              </p:prevCondLst>
+              <p:nextCondLst>
+                <p:cond evt="onNext" delay="0">
+                  <p:tgtEl>
+                    <p:sldTgt/>
+                  </p:tgtEl>
+                </p:cond>
+              </p:nextCondLst>
+            </p:seq>
+          </p:childTnLst>
+        </p:cTn>
+      </p:par>
+    </p:tnLst>
+    <p:bldLst>
+      <p:bldP spid="3" grpId="0" uiExpand="1" build="p"/>
+    </p:bldLst>
+  </p:timing>
+</p:sld>
+</file>
+
+<file path=ppt/slides/slide26.xml><?xml version="1.0" encoding="utf-8"?>
+<p:sld xmlns:a="http://schemas.openxmlformats.org/drawingml/2006/main" xmlns:r="http://schemas.openxmlformats.org/officeDocument/2006/relationships" xmlns:p="http://schemas.openxmlformats.org/presentationml/2006/main">
+  <p:cSld>
+    <p:spTree>
+      <p:nvGrpSpPr>
+        <p:cNvPr id="1" name=""/>
+        <p:cNvGrpSpPr/>
+        <p:nvPr/>
+      </p:nvGrpSpPr>
+      <p:grpSpPr>
+        <a:xfrm>
+          <a:off x="0" y="0"/>
+          <a:ext cx="0" cy="0"/>
+          <a:chOff x="0" y="0"/>
+          <a:chExt cx="0" cy="0"/>
+        </a:xfrm>
+      </p:grpSpPr>
+      <p:sp>
+        <p:nvSpPr>
+          <p:cNvPr id="3" name="Content Placeholder 2"/>
+          <p:cNvSpPr>
+            <a:spLocks noGrp="1"/>
+          </p:cNvSpPr>
+          <p:nvPr>
+            <p:ph idx="1"/>
+          </p:nvPr>
+        </p:nvSpPr>
+        <p:spPr/>
+        <p:txBody>
+          <a:bodyPr/>
+          <a:lstStyle/>
+          <a:p>
+            <a:pPr lvl="0"/>
+            <a:r>
+              <a:rPr>
+                <a:latin typeface="Courier"/>
+              </a:rPr>
+              <a:t>RANDBETWEEN(정수, 정수)</a:t>
+            </a:r>
+          </a:p>
+          <a:p>
+            <a:pPr lvl="1"/>
+            <a:r>
+              <a:rPr/>
+              <a:t>아웃풋: 정수1과 정수2 사이의 랜덤한 정수</a:t>
+            </a:r>
+          </a:p>
+          <a:p>
+            <a:pPr lvl="1"/>
+            <a:r>
+              <a:rPr>
+                <a:latin typeface="Courier"/>
+              </a:rPr>
+              <a:t>RAND()</a:t>
+            </a:r>
+          </a:p>
+          <a:p>
+            <a:pPr lvl="2"/>
+            <a:r>
+              <a:rPr/>
+              <a:t>0 ~ 1 사이의 랜덤한 실수를 생성해줌.</a:t>
+            </a:r>
+          </a:p>
+          <a:p>
+            <a:pPr lvl="0"/>
+            <a:r>
+              <a:rPr>
+                <a:latin typeface="Courier"/>
+              </a:rPr>
+              <a:t>VLOOKUP(검색할 키, 검색 대상 테이블, 가져올 컬럼, FALSE)</a:t>
+            </a:r>
+          </a:p>
+          <a:p>
+            <a:pPr lvl="1"/>
+            <a:r>
+              <a:rPr/>
+              <a:t>인풋(Argument, Parameter)</a:t>
+            </a:r>
+          </a:p>
+          <a:p>
+            <a:pPr lvl="2"/>
+            <a:r>
+              <a:rPr/>
+              <a:t>값(타입 무관)</a:t>
+            </a:r>
+          </a:p>
+          <a:p>
+            <a:pPr lvl="2"/>
+            <a:r>
+              <a:rPr/>
+              <a:t>범위</a:t>
+            </a:r>
+          </a:p>
+          <a:p>
+            <a:pPr lvl="2"/>
+            <a:r>
+              <a:rPr/>
+              <a:t>숫자 (컬럼)</a:t>
+            </a:r>
+          </a:p>
+          <a:p>
+            <a:pPr lvl="2"/>
+            <a:r>
+              <a:rPr/>
+              <a:t>불리언</a:t>
+            </a:r>
+          </a:p>
+          <a:p>
+            <a:pPr lvl="1"/>
+            <a:r>
+              <a:rPr/>
+              <a:t>아웃풋</a:t>
+            </a:r>
+          </a:p>
+          <a:p>
+            <a:pPr lvl="2"/>
+            <a:r>
+              <a:rPr/>
+              <a:t>값</a:t>
+            </a:r>
+          </a:p>
+          <a:p>
+            <a:pPr lvl="1"/>
+            <a:r>
+              <a:rPr/>
+              <a:t>키로 사용할 필드를 가장 왼쪽에 두어야 한다.</a:t>
+            </a:r>
+          </a:p>
+          <a:p>
+            <a:pPr lvl="2"/>
+            <a:r>
+              <a:rPr>
+                <a:latin typeface="Courier"/>
+              </a:rPr>
+              <a:t>XLOOKUP()</a:t>
+            </a:r>
+            <a:r>
+              <a:rPr/>
+              <a:t> 오피스365에서 사용가능한 확장 수식</a:t>
+            </a:r>
+          </a:p>
+        </p:txBody>
+      </p:sp>
+    </p:spTree>
+  </p:cSld>
+  <p:timing>
+    <p:tnLst>
+      <p:par>
+        <p:cTn id="1" dur="indefinite" restart="never" nodeType="tmRoot">
+          <p:childTnLst>
+            <p:seq concurrent="1" nextAc="seek">
+              <p:cTn id="2" dur="indefinite" nodeType="mainSeq">
+                <p:childTnLst>
+                  <p:par>
+                    <p:cTn id="3" fill="hold">
+                      <p:stCondLst>
+                        <p:cond delay="indefinite"/>
+                      </p:stCondLst>
+                      <p:childTnLst>
+                        <p:par>
+                          <p:cTn id="4" fill="hold">
+                            <p:stCondLst>
+                              <p:cond delay="0"/>
+                            </p:stCondLst>
+                            <p:childTnLst>
+                              <p:par>
+                                <p:cTn id="5" presetID="1" presetClass="entr" presetSubtype="0" fill="hold" grpId="0" nodeType="clickEffect">
+                                  <p:stCondLst>
+                                    <p:cond delay="0"/>
+                                  </p:stCondLst>
+                                  <p:childTnLst>
+                                    <p:set>
+                                      <p:cBhvr>
+                                        <p:cTn id="6" dur="1" fill="hold">
+                                          <p:stCondLst>
+                                            <p:cond delay="0"/>
+                                          </p:stCondLst>
+                                        </p:cTn>
+                                        <p:tgtEl>
+                                          <p:spTgt spid="3">
+                                            <p:txEl>
+                                              <p:pRg st="0" end="0"/>
+                                            </p:txEl>
+                                          </p:spTgt>
+                                        </p:tgtEl>
+                                        <p:attrNameLst>
+                                          <p:attrName>style.visibility</p:attrName>
+                                        </p:attrNameLst>
+                                      </p:cBhvr>
+                                      <p:to>
+                                        <p:strVal val="visible"/>
+                                      </p:to>
+                                    </p:set>
+                                  </p:childTnLst>
+                                </p:cTn>
+                              </p:par>
+                            </p:childTnLst>
+                          </p:cTn>
+                        </p:par>
+                      </p:childTnLst>
+                    </p:cTn>
+                  </p:par>
+                  <p:par>
+                    <p:cTn id="7" fill="hold">
+                      <p:stCondLst>
+                        <p:cond delay="indefinite"/>
+                      </p:stCondLst>
+                      <p:childTnLst>
+                        <p:par>
+                          <p:cTn id="8" fill="hold">
+                            <p:stCondLst>
+                              <p:cond delay="0"/>
+                            </p:stCondLst>
+                            <p:childTnLst>
+                              <p:par>
+                                <p:cTn id="9" presetID="1" presetClass="entr" presetSubtype="0" fill="hold" grpId="0" nodeType="clickEffect">
+                                  <p:stCondLst>
+                                    <p:cond delay="0"/>
+                                  </p:stCondLst>
+                                  <p:childTnLst>
+                                    <p:set>
+                                      <p:cBhvr>
+                                        <p:cTn id="10" dur="1" fill="hold">
+                                          <p:stCondLst>
+                                            <p:cond delay="0"/>
+                                          </p:stCondLst>
+                                        </p:cTn>
+                                        <p:tgtEl>
+                                          <p:spTgt spid="3">
+                                            <p:txEl>
+                                              <p:pRg st="1" end="1"/>
+                                            </p:txEl>
+                                          </p:spTgt>
+                                        </p:tgtEl>
+                                        <p:attrNameLst>
+                                          <p:attrName>style.visibility</p:attrName>
+                                        </p:attrNameLst>
+                                      </p:cBhvr>
+                                      <p:to>
+                                        <p:strVal val="visible"/>
+                                      </p:to>
+                                    </p:set>
+                                  </p:childTnLst>
+                                </p:cTn>
+                              </p:par>
+                            </p:childTnLst>
+                          </p:cTn>
+                        </p:par>
+                      </p:childTnLst>
+                    </p:cTn>
+                  </p:par>
+                  <p:par>
+                    <p:cTn id="11" fill="hold">
+                      <p:stCondLst>
+                        <p:cond delay="indefinite"/>
+                      </p:stCondLst>
+                      <p:childTnLst>
+                        <p:par>
+                          <p:cTn id="12" fill="hold">
+                            <p:stCondLst>
+                              <p:cond delay="0"/>
+                            </p:stCondLst>
+                            <p:childTnLst>
+                              <p:par>
+                                <p:cTn id="13" presetID="1" presetClass="entr" presetSubtype="0" fill="hold" grpId="0" nodeType="clickEffect">
+                                  <p:stCondLst>
+                                    <p:cond delay="0"/>
+                                  </p:stCondLst>
+                                  <p:childTnLst>
+                                    <p:set>
+                                      <p:cBhvr>
+                                        <p:cTn id="14" dur="1" fill="hold">
+                                          <p:stCondLst>
+                                            <p:cond delay="0"/>
+                                          </p:stCondLst>
+                                        </p:cTn>
+                                        <p:tgtEl>
+                                          <p:spTgt spid="3">
+                                            <p:txEl>
+                                              <p:pRg st="2" end="2"/>
+                                            </p:txEl>
+                                          </p:spTgt>
+                                        </p:tgtEl>
+                                        <p:attrNameLst>
+                                          <p:attrName>style.visibility</p:attrName>
+                                        </p:attrNameLst>
+                                      </p:cBhvr>
+                                      <p:to>
+                                        <p:strVal val="visible"/>
+                                      </p:to>
+                                    </p:set>
+                                  </p:childTnLst>
+                                </p:cTn>
+                              </p:par>
+                            </p:childTnLst>
+                          </p:cTn>
+                        </p:par>
+                      </p:childTnLst>
+                    </p:cTn>
+                  </p:par>
+                  <p:par>
+                    <p:cTn id="15" fill="hold">
+                      <p:stCondLst>
+                        <p:cond delay="indefinite"/>
+                      </p:stCondLst>
+                      <p:childTnLst>
+                        <p:par>
+                          <p:cTn id="16" fill="hold">
+                            <p:stCondLst>
+                              <p:cond delay="0"/>
+                            </p:stCondLst>
+                            <p:childTnLst>
+                              <p:par>
+                                <p:cTn id="17" presetID="1" presetClass="entr" presetSubtype="0" fill="hold" grpId="0" nodeType="clickEffect">
+                                  <p:stCondLst>
+                                    <p:cond delay="0"/>
+                                  </p:stCondLst>
+                                  <p:childTnLst>
+                                    <p:set>
+                                      <p:cBhvr>
+                                        <p:cTn id="18" dur="1" fill="hold">
+                                          <p:stCondLst>
+                                            <p:cond delay="0"/>
+                                          </p:stCondLst>
+                                        </p:cTn>
+                                        <p:tgtEl>
+                                          <p:spTgt spid="3">
+                                            <p:txEl>
+                                              <p:pRg st="3" end="3"/>
+                                            </p:txEl>
+                                          </p:spTgt>
+                                        </p:tgtEl>
+                                        <p:attrNameLst>
+                                          <p:attrName>style.visibility</p:attrName>
+                                        </p:attrNameLst>
+                                      </p:cBhvr>
+                                      <p:to>
+                                        <p:strVal val="visible"/>
+                                      </p:to>
+                                    </p:set>
+                                  </p:childTnLst>
+                                </p:cTn>
+                              </p:par>
+                            </p:childTnLst>
+                          </p:cTn>
+                        </p:par>
+                      </p:childTnLst>
+                    </p:cTn>
+                  </p:par>
+                  <p:par>
+                    <p:cTn id="19" fill="hold">
+                      <p:stCondLst>
+                        <p:cond delay="indefinite"/>
+                      </p:stCondLst>
+                      <p:childTnLst>
+                        <p:par>
+                          <p:cTn id="20" fill="hold">
+                            <p:stCondLst>
+                              <p:cond delay="0"/>
+                            </p:stCondLst>
+                            <p:childTnLst>
+                              <p:par>
+                                <p:cTn id="21" presetID="1" presetClass="entr" presetSubtype="0" fill="hold" grpId="0" nodeType="clickEffect">
+                                  <p:stCondLst>
+                                    <p:cond delay="0"/>
+                                  </p:stCondLst>
+                                  <p:childTnLst>
+                                    <p:set>
+                                      <p:cBhvr>
+                                        <p:cTn id="22" dur="1" fill="hold">
+                                          <p:stCondLst>
+                                            <p:cond delay="0"/>
+                                          </p:stCondLst>
+                                        </p:cTn>
+                                        <p:tgtEl>
+                                          <p:spTgt spid="3">
+                                            <p:txEl>
+                                              <p:pRg st="4" end="4"/>
+                                            </p:txEl>
+                                          </p:spTgt>
+                                        </p:tgtEl>
+                                        <p:attrNameLst>
+                                          <p:attrName>style.visibility</p:attrName>
+                                        </p:attrNameLst>
+                                      </p:cBhvr>
+                                      <p:to>
+                                        <p:strVal val="visible"/>
+                                      </p:to>
+                                    </p:set>
+                                  </p:childTnLst>
+                                </p:cTn>
+                              </p:par>
+                            </p:childTnLst>
+                          </p:cTn>
+                        </p:par>
+                      </p:childTnLst>
+                    </p:cTn>
+                  </p:par>
+                  <p:par>
+                    <p:cTn id="23" fill="hold">
+                      <p:stCondLst>
+                        <p:cond delay="indefinite"/>
+                      </p:stCondLst>
+                      <p:childTnLst>
+                        <p:par>
+                          <p:cTn id="24" fill="hold">
+                            <p:stCondLst>
+                              <p:cond delay="0"/>
+                            </p:stCondLst>
+                            <p:childTnLst>
+                              <p:par>
+                                <p:cTn id="25" presetID="1" presetClass="entr" presetSubtype="0" fill="hold" grpId="0" nodeType="clickEffect">
+                                  <p:stCondLst>
+                                    <p:cond delay="0"/>
+                                  </p:stCondLst>
+                                  <p:childTnLst>
+                                    <p:set>
+                                      <p:cBhvr>
+                                        <p:cTn id="26" dur="1" fill="hold">
+                                          <p:stCondLst>
+                                            <p:cond delay="0"/>
+                                          </p:stCondLst>
+                                        </p:cTn>
+                                        <p:tgtEl>
+                                          <p:spTgt spid="3">
+                                            <p:txEl>
+                                              <p:pRg st="5" end="5"/>
+                                            </p:txEl>
+                                          </p:spTgt>
+                                        </p:tgtEl>
+                                        <p:attrNameLst>
+                                          <p:attrName>style.visibility</p:attrName>
+                                        </p:attrNameLst>
+                                      </p:cBhvr>
+                                      <p:to>
+                                        <p:strVal val="visible"/>
+                                      </p:to>
+                                    </p:set>
+                                  </p:childTnLst>
+                                </p:cTn>
+                              </p:par>
+                            </p:childTnLst>
+                          </p:cTn>
+                        </p:par>
+                      </p:childTnLst>
+                    </p:cTn>
+                  </p:par>
+                  <p:par>
+                    <p:cTn id="27" fill="hold">
+                      <p:stCondLst>
+                        <p:cond delay="indefinite"/>
+                      </p:stCondLst>
+                      <p:childTnLst>
+                        <p:par>
+                          <p:cTn id="28" fill="hold">
+                            <p:stCondLst>
+                              <p:cond delay="0"/>
+                            </p:stCondLst>
+                            <p:childTnLst>
+                              <p:par>
+                                <p:cTn id="29" presetID="1" presetClass="entr" presetSubtype="0" fill="hold" grpId="0" nodeType="clickEffect">
+                                  <p:stCondLst>
+                                    <p:cond delay="0"/>
+                                  </p:stCondLst>
+                                  <p:childTnLst>
+                                    <p:set>
+                                      <p:cBhvr>
+                                        <p:cTn id="30" dur="1" fill="hold">
+                                          <p:stCondLst>
+                                            <p:cond delay="0"/>
+                                          </p:stCondLst>
+                                        </p:cTn>
+                                        <p:tgtEl>
+                                          <p:spTgt spid="3">
+                                            <p:txEl>
+                                              <p:pRg st="6" end="6"/>
+                                            </p:txEl>
+                                          </p:spTgt>
+                                        </p:tgtEl>
+                                        <p:attrNameLst>
+                                          <p:attrName>style.visibility</p:attrName>
+                                        </p:attrNameLst>
+                                      </p:cBhvr>
+                                      <p:to>
+                                        <p:strVal val="visible"/>
+                                      </p:to>
+                                    </p:set>
+                                  </p:childTnLst>
+                                </p:cTn>
+                              </p:par>
+                            </p:childTnLst>
+                          </p:cTn>
+                        </p:par>
+                      </p:childTnLst>
+                    </p:cTn>
+                  </p:par>
+                  <p:par>
+                    <p:cTn id="31" fill="hold">
+                      <p:stCondLst>
+                        <p:cond delay="indefinite"/>
+                      </p:stCondLst>
+                      <p:childTnLst>
+                        <p:par>
+                          <p:cTn id="32" fill="hold">
+                            <p:stCondLst>
+                              <p:cond delay="0"/>
+                            </p:stCondLst>
+                            <p:childTnLst>
+                              <p:par>
+                                <p:cTn id="33" presetID="1" presetClass="entr" presetSubtype="0" fill="hold" grpId="0" nodeType="clickEffect">
+                                  <p:stCondLst>
+                                    <p:cond delay="0"/>
+                                  </p:stCondLst>
+                                  <p:childTnLst>
+                                    <p:set>
+                                      <p:cBhvr>
+                                        <p:cTn id="34" dur="1" fill="hold">
+                                          <p:stCondLst>
+                                            <p:cond delay="0"/>
+                                          </p:stCondLst>
+                                        </p:cTn>
+                                        <p:tgtEl>
+                                          <p:spTgt spid="3">
+                                            <p:txEl>
+                                              <p:pRg st="7" end="7"/>
+                                            </p:txEl>
+                                          </p:spTgt>
+                                        </p:tgtEl>
+                                        <p:attrNameLst>
+                                          <p:attrName>style.visibility</p:attrName>
+                                        </p:attrNameLst>
+                                      </p:cBhvr>
+                                      <p:to>
+                                        <p:strVal val="visible"/>
+                                      </p:to>
+                                    </p:set>
+                                  </p:childTnLst>
+                                </p:cTn>
+                              </p:par>
+                            </p:childTnLst>
+                          </p:cTn>
+                        </p:par>
+                      </p:childTnLst>
+                    </p:cTn>
+                  </p:par>
+                  <p:par>
+                    <p:cTn id="35" fill="hold">
+                      <p:stCondLst>
+                        <p:cond delay="indefinite"/>
+                      </p:stCondLst>
+                      <p:childTnLst>
+                        <p:par>
+                          <p:cTn id="36" fill="hold">
+                            <p:stCondLst>
+                              <p:cond delay="0"/>
+                            </p:stCondLst>
+                            <p:childTnLst>
+                              <p:par>
+                                <p:cTn id="37" presetID="1" presetClass="entr" presetSubtype="0" fill="hold" grpId="0" nodeType="clickEffect">
+                                  <p:stCondLst>
+                                    <p:cond delay="0"/>
+                                  </p:stCondLst>
+                                  <p:childTnLst>
+                                    <p:set>
+                                      <p:cBhvr>
+                                        <p:cTn id="38" dur="1" fill="hold">
+                                          <p:stCondLst>
+                                            <p:cond delay="0"/>
+                                          </p:stCondLst>
+                                        </p:cTn>
+                                        <p:tgtEl>
+                                          <p:spTgt spid="3">
+                                            <p:txEl>
+                                              <p:pRg st="8" end="8"/>
+                                            </p:txEl>
+                                          </p:spTgt>
+                                        </p:tgtEl>
+                                        <p:attrNameLst>
+                                          <p:attrName>style.visibility</p:attrName>
+                                        </p:attrNameLst>
+                                      </p:cBhvr>
+                                      <p:to>
+                                        <p:strVal val="visible"/>
+                                      </p:to>
+                                    </p:set>
+                                  </p:childTnLst>
+                                </p:cTn>
+                              </p:par>
+                            </p:childTnLst>
+                          </p:cTn>
+                        </p:par>
+                      </p:childTnLst>
+                    </p:cTn>
+                  </p:par>
+                  <p:par>
+                    <p:cTn id="39" fill="hold">
+                      <p:stCondLst>
+                        <p:cond delay="indefinite"/>
+                      </p:stCondLst>
+                      <p:childTnLst>
+                        <p:par>
+                          <p:cTn id="40" fill="hold">
+                            <p:stCondLst>
+                              <p:cond delay="0"/>
+                            </p:stCondLst>
+                            <p:childTnLst>
+                              <p:par>
+                                <p:cTn id="41" presetID="1" presetClass="entr" presetSubtype="0" fill="hold" grpId="0" nodeType="clickEffect">
+                                  <p:stCondLst>
+                                    <p:cond delay="0"/>
+                                  </p:stCondLst>
+                                  <p:childTnLst>
+                                    <p:set>
+                                      <p:cBhvr>
+                                        <p:cTn id="42" dur="1" fill="hold">
+                                          <p:stCondLst>
+                                            <p:cond delay="0"/>
+                                          </p:stCondLst>
+                                        </p:cTn>
+                                        <p:tgtEl>
+                                          <p:spTgt spid="3">
+                                            <p:txEl>
+                                              <p:pRg st="9" end="9"/>
+                                            </p:txEl>
+                                          </p:spTgt>
+                                        </p:tgtEl>
+                                        <p:attrNameLst>
+                                          <p:attrName>style.visibility</p:attrName>
+                                        </p:attrNameLst>
+                                      </p:cBhvr>
+                                      <p:to>
+                                        <p:strVal val="visible"/>
+                                      </p:to>
+                                    </p:set>
+                                  </p:childTnLst>
+                                </p:cTn>
+                              </p:par>
+                            </p:childTnLst>
+                          </p:cTn>
+                        </p:par>
+                      </p:childTnLst>
+                    </p:cTn>
+                  </p:par>
+                  <p:par>
+                    <p:cTn id="43" fill="hold">
+                      <p:stCondLst>
+                        <p:cond delay="indefinite"/>
+                      </p:stCondLst>
+                      <p:childTnLst>
+                        <p:par>
+                          <p:cTn id="44" fill="hold">
+                            <p:stCondLst>
+                              <p:cond delay="0"/>
+                            </p:stCondLst>
+                            <p:childTnLst>
+                              <p:par>
+                                <p:cTn id="45" presetID="1" presetClass="entr" presetSubtype="0" fill="hold" grpId="0" nodeType="clickEffect">
+                                  <p:stCondLst>
+                                    <p:cond delay="0"/>
+                                  </p:stCondLst>
+                                  <p:childTnLst>
+                                    <p:set>
+                                      <p:cBhvr>
+                                        <p:cTn id="46" dur="1" fill="hold">
+                                          <p:stCondLst>
+                                            <p:cond delay="0"/>
+                                          </p:stCondLst>
+                                        </p:cTn>
+                                        <p:tgtEl>
+                                          <p:spTgt spid="3">
+                                            <p:txEl>
+                                              <p:pRg st="10" end="10"/>
+                                            </p:txEl>
+                                          </p:spTgt>
+                                        </p:tgtEl>
+                                        <p:attrNameLst>
+                                          <p:attrName>style.visibility</p:attrName>
+                                        </p:attrNameLst>
+                                      </p:cBhvr>
+                                      <p:to>
+                                        <p:strVal val="visible"/>
+                                      </p:to>
+                                    </p:set>
+                                  </p:childTnLst>
+                                </p:cTn>
+                              </p:par>
+                            </p:childTnLst>
+                          </p:cTn>
+                        </p:par>
+                      </p:childTnLst>
+                    </p:cTn>
+                  </p:par>
+                  <p:par>
+                    <p:cTn id="47" fill="hold">
+                      <p:stCondLst>
+                        <p:cond delay="indefinite"/>
+                      </p:stCondLst>
+                      <p:childTnLst>
+                        <p:par>
+                          <p:cTn id="48" fill="hold">
+                            <p:stCondLst>
+                              <p:cond delay="0"/>
+                            </p:stCondLst>
+                            <p:childTnLst>
+                              <p:par>
+                                <p:cTn id="49" presetID="1" presetClass="entr" presetSubtype="0" fill="hold" grpId="0" nodeType="clickEffect">
+                                  <p:stCondLst>
+                                    <p:cond delay="0"/>
+                                  </p:stCondLst>
+                                  <p:childTnLst>
+                                    <p:set>
+                                      <p:cBhvr>
+                                        <p:cTn id="50" dur="1" fill="hold">
+                                          <p:stCondLst>
+                                            <p:cond delay="0"/>
+                                          </p:stCondLst>
+                                        </p:cTn>
+                                        <p:tgtEl>
+                                          <p:spTgt spid="3">
+                                            <p:txEl>
+                                              <p:pRg st="11" end="11"/>
+                                            </p:txEl>
+                                          </p:spTgt>
+                                        </p:tgtEl>
+                                        <p:attrNameLst>
+                                          <p:attrName>style.visibility</p:attrName>
+                                        </p:attrNameLst>
+                                      </p:cBhvr>
+                                      <p:to>
+                                        <p:strVal val="visible"/>
+                                      </p:to>
+                                    </p:set>
+                                  </p:childTnLst>
+                                </p:cTn>
+                              </p:par>
+                            </p:childTnLst>
+                          </p:cTn>
+                        </p:par>
+                      </p:childTnLst>
+                    </p:cTn>
+                  </p:par>
+                  <p:par>
+                    <p:cTn id="51" fill="hold">
+                      <p:stCondLst>
+                        <p:cond delay="indefinite"/>
+                      </p:stCondLst>
+                      <p:childTnLst>
+                        <p:par>
+                          <p:cTn id="52" fill="hold">
+                            <p:stCondLst>
+                              <p:cond delay="0"/>
+                            </p:stCondLst>
+                            <p:childTnLst>
+                              <p:par>
+                                <p:cTn id="53" presetID="1" presetClass="entr" presetSubtype="0" fill="hold" grpId="0" nodeType="clickEffect">
+                                  <p:stCondLst>
+                                    <p:cond delay="0"/>
+                                  </p:stCondLst>
+                                  <p:childTnLst>
+                                    <p:set>
+                                      <p:cBhvr>
+                                        <p:cTn id="54" dur="1" fill="hold">
+                                          <p:stCondLst>
+                                            <p:cond delay="0"/>
+                                          </p:stCondLst>
+                                        </p:cTn>
+                                        <p:tgtEl>
+                                          <p:spTgt spid="3">
+                                            <p:txEl>
+                                              <p:pRg st="12" end="12"/>
+                                            </p:txEl>
+                                          </p:spTgt>
+                                        </p:tgtEl>
+                                        <p:attrNameLst>
+                                          <p:attrName>style.visibility</p:attrName>
+                                        </p:attrNameLst>
+                                      </p:cBhvr>
+                                      <p:to>
+                                        <p:strVal val="visible"/>
+                                      </p:to>
+                                    </p:set>
+                                  </p:childTnLst>
+                                </p:cTn>
+                              </p:par>
+                            </p:childTnLst>
+                          </p:cTn>
+                        </p:par>
+                      </p:childTnLst>
+                    </p:cTn>
+                  </p:par>
+                  <p:par>
+                    <p:cTn id="55" fill="hold">
+                      <p:stCondLst>
+                        <p:cond delay="indefinite"/>
+                      </p:stCondLst>
+                      <p:childTnLst>
+                        <p:par>
+                          <p:cTn id="56" fill="hold">
+                            <p:stCondLst>
+                              <p:cond delay="0"/>
+                            </p:stCondLst>
+                            <p:childTnLst>
+                              <p:par>
+                                <p:cTn id="57" presetID="1" presetClass="entr" presetSubtype="0" fill="hold" grpId="0" nodeType="clickEffect">
+                                  <p:stCondLst>
+                                    <p:cond delay="0"/>
+                                  </p:stCondLst>
+                                  <p:childTnLst>
+                                    <p:set>
+                                      <p:cBhvr>
+                                        <p:cTn id="58" dur="1" fill="hold">
+                                          <p:stCondLst>
+                                            <p:cond delay="0"/>
+                                          </p:stCondLst>
+                                        </p:cTn>
+                                        <p:tgtEl>
+                                          <p:spTgt spid="3">
+                                            <p:txEl>
+                                              <p:pRg st="13" end="13"/>
+                                            </p:txEl>
+                                          </p:spTgt>
+                                        </p:tgtEl>
+                                        <p:attrNameLst>
+                                          <p:attrName>style.visibility</p:attrName>
+                                        </p:attrNameLst>
+                                      </p:cBhvr>
+                                      <p:to>
+                                        <p:strVal val="visible"/>
+                                      </p:to>
+                                    </p:set>
+                                  </p:childTnLst>
+                                </p:cTn>
+                              </p:par>
+                            </p:childTnLst>
+                          </p:cTn>
+                        </p:par>
+                      </p:childTnLst>
+                    </p:cTn>
+                  </p:par>
+                </p:childTnLst>
+              </p:cTn>
+              <p:prevCondLst>
+                <p:cond evt="onPrev" delay="0">
+                  <p:tgtEl>
+                    <p:sldTgt/>
+                  </p:tgtEl>
+                </p:cond>
+              </p:prevCondLst>
+              <p:nextCondLst>
+                <p:cond evt="onNext" delay="0">
+                  <p:tgtEl>
+                    <p:sldTgt/>
+                  </p:tgtEl>
+                </p:cond>
+              </p:nextCondLst>
+            </p:seq>
+          </p:childTnLst>
+        </p:cTn>
+      </p:par>
+    </p:tnLst>
+    <p:bldLst>
+      <p:bldP spid="3" grpId="0" uiExpand="1" build="p"/>
+    </p:bldLst>
+  </p:timing>
+</p:sld>
+</file>
+
+<file path=ppt/slides/slide27.xml><?xml version="1.0" encoding="utf-8"?>
+<p:sld xmlns:a="http://schemas.openxmlformats.org/drawingml/2006/main" xmlns:r="http://schemas.openxmlformats.org/officeDocument/2006/relationships" xmlns:p="http://schemas.openxmlformats.org/presentationml/2006/main">
+  <p:cSld>
+    <p:spTree>
+      <p:nvGrpSpPr>
+        <p:cNvPr id="1" name=""/>
+        <p:cNvGrpSpPr/>
+        <p:nvPr/>
+      </p:nvGrpSpPr>
+      <p:grpSpPr>
+        <a:xfrm>
+          <a:off x="0" y="0"/>
+          <a:ext cx="0" cy="0"/>
+          <a:chOff x="0" y="0"/>
+          <a:chExt cx="0" cy="0"/>
+        </a:xfrm>
+      </p:grpSpPr>
+      <p:sp>
+        <p:nvSpPr>
+          <p:cNvPr id="3" name="Content Placeholder 2"/>
+          <p:cNvSpPr>
+            <a:spLocks noGrp="1"/>
+          </p:cNvSpPr>
+          <p:nvPr>
+            <p:ph idx="1"/>
+          </p:nvPr>
+        </p:nvSpPr>
+        <p:spPr/>
+        <p:txBody>
+          <a:bodyPr/>
+          <a:lstStyle/>
+          <a:p>
+            <a:pPr lvl="0"/>
+            <a:r>
+              <a:rPr>
+                <a:latin typeface="Courier"/>
+              </a:rPr>
+              <a:t>IFERROR(값, [오류인_경우_값])</a:t>
+            </a:r>
+          </a:p>
+          <a:p>
+            <a:pPr lvl="0"/>
+            <a:r>
+              <a:rPr>
+                <a:latin typeface="Courier"/>
+              </a:rPr>
+              <a:t>FILTER(범위, 조건1, [조건2], ...)</a:t>
+            </a:r>
+          </a:p>
+          <a:p>
+            <a:pPr lvl="1"/>
+            <a:r>
+              <a:rPr/>
+              <a:t>아웃풋: 배열(범위)</a:t>
+            </a:r>
+          </a:p>
+          <a:p>
+            <a:pPr lvl="0"/>
+            <a:r>
+              <a:rPr>
+                <a:latin typeface="Courier"/>
+              </a:rPr>
+              <a:t>QUERY(범위, SQL쿼리문, [헤더])</a:t>
+            </a:r>
+          </a:p>
+          <a:p>
+            <a:pPr lvl="1"/>
+            <a:r>
+              <a:rPr/>
+              <a:t>아웃풋: 배열(범위)</a:t>
+            </a:r>
+          </a:p>
+          <a:p>
+            <a:pPr lvl="2"/>
+            <a:r>
+              <a:rPr/>
+              <a:t>날짜를 </a:t>
+            </a:r>
+            <a:r>
+              <a:rPr>
+                <a:latin typeface="Courier"/>
+              </a:rPr>
+              <a:t>date ‘yyyy-MM-dd’</a:t>
+            </a:r>
+          </a:p>
+          <a:p>
+            <a:pPr lvl="0"/>
+            <a:r>
+              <a:rPr>
+                <a:latin typeface="Courier"/>
+              </a:rPr>
+              <a:t>DATE(연, 월, 일)</a:t>
+            </a:r>
+          </a:p>
+          <a:p>
+            <a:pPr lvl="1"/>
+            <a:r>
+              <a:rPr/>
+              <a:t>인풋: 숫자, 숫자, 숫자</a:t>
+            </a:r>
+          </a:p>
+          <a:p>
+            <a:pPr lvl="1"/>
+            <a:r>
+              <a:rPr/>
+              <a:t>아웃풋: 날짜</a:t>
+            </a:r>
+          </a:p>
+          <a:p>
+            <a:pPr lvl="0"/>
+            <a:r>
+              <a:rPr>
+                <a:latin typeface="Courier"/>
+              </a:rPr>
+              <a:t>YEAR(날짜)</a:t>
+            </a:r>
+            <a:r>
+              <a:rPr/>
+              <a:t>, </a:t>
+            </a:r>
+            <a:r>
+              <a:rPr>
+                <a:latin typeface="Courier"/>
+              </a:rPr>
+              <a:t>MONTH(날짜)</a:t>
+            </a:r>
+            <a:r>
+              <a:rPr/>
+              <a:t>, </a:t>
+            </a:r>
+            <a:r>
+              <a:rPr>
+                <a:latin typeface="Courier"/>
+              </a:rPr>
+              <a:t>DAY(날짜)</a:t>
+            </a:r>
+          </a:p>
+          <a:p>
+            <a:pPr lvl="1"/>
+            <a:r>
+              <a:rPr/>
+              <a:t>인풋: 날짜</a:t>
+            </a:r>
+          </a:p>
+          <a:p>
+            <a:pPr lvl="1"/>
+            <a:r>
+              <a:rPr/>
+              <a:t>아웃풋: 숫자</a:t>
+            </a:r>
+          </a:p>
+        </p:txBody>
+      </p:sp>
+    </p:spTree>
+  </p:cSld>
+  <p:timing>
+    <p:tnLst>
+      <p:par>
+        <p:cTn id="1" dur="indefinite" restart="never" nodeType="tmRoot">
+          <p:childTnLst>
+            <p:seq concurrent="1" nextAc="seek">
+              <p:cTn id="2" dur="indefinite" nodeType="mainSeq">
+                <p:childTnLst>
+                  <p:par>
+                    <p:cTn id="3" fill="hold">
+                      <p:stCondLst>
+                        <p:cond delay="indefinite"/>
+                      </p:stCondLst>
+                      <p:childTnLst>
+                        <p:par>
+                          <p:cTn id="4" fill="hold">
+                            <p:stCondLst>
+                              <p:cond delay="0"/>
+                            </p:stCondLst>
+                            <p:childTnLst>
+                              <p:par>
+                                <p:cTn id="5" presetID="1" presetClass="entr" presetSubtype="0" fill="hold" grpId="0" nodeType="clickEffect">
+                                  <p:stCondLst>
+                                    <p:cond delay="0"/>
+                                  </p:stCondLst>
+                                  <p:childTnLst>
+                                    <p:set>
+                                      <p:cBhvr>
+                                        <p:cTn id="6" dur="1" fill="hold">
+                                          <p:stCondLst>
+                                            <p:cond delay="0"/>
+                                          </p:stCondLst>
+                                        </p:cTn>
+                                        <p:tgtEl>
+                                          <p:spTgt spid="3">
+                                            <p:txEl>
+                                              <p:pRg st="0" end="0"/>
+                                            </p:txEl>
+                                          </p:spTgt>
+                                        </p:tgtEl>
+                                        <p:attrNameLst>
+                                          <p:attrName>style.visibility</p:attrName>
+                                        </p:attrNameLst>
+                                      </p:cBhvr>
+                                      <p:to>
+                                        <p:strVal val="visible"/>
+                                      </p:to>
+                                    </p:set>
+                                  </p:childTnLst>
+                                </p:cTn>
+                              </p:par>
+                            </p:childTnLst>
+                          </p:cTn>
+                        </p:par>
+                      </p:childTnLst>
+                    </p:cTn>
+                  </p:par>
+                  <p:par>
+                    <p:cTn id="7" fill="hold">
+                      <p:stCondLst>
+                        <p:cond delay="indefinite"/>
+                      </p:stCondLst>
+                      <p:childTnLst>
+                        <p:par>
+                          <p:cTn id="8" fill="hold">
+                            <p:stCondLst>
+                              <p:cond delay="0"/>
+                            </p:stCondLst>
+                            <p:childTnLst>
+                              <p:par>
+                                <p:cTn id="9" presetID="1" presetClass="entr" presetSubtype="0" fill="hold" grpId="0" nodeType="clickEffect">
+                                  <p:stCondLst>
+                                    <p:cond delay="0"/>
+                                  </p:stCondLst>
+                                  <p:childTnLst>
+                                    <p:set>
+                                      <p:cBhvr>
+                                        <p:cTn id="10" dur="1" fill="hold">
+                                          <p:stCondLst>
+                                            <p:cond delay="0"/>
+                                          </p:stCondLst>
+                                        </p:cTn>
+                                        <p:tgtEl>
+                                          <p:spTgt spid="3">
+                                            <p:txEl>
+                                              <p:pRg st="1" end="1"/>
+                                            </p:txEl>
+                                          </p:spTgt>
+                                        </p:tgtEl>
+                                        <p:attrNameLst>
+                                          <p:attrName>style.visibility</p:attrName>
+                                        </p:attrNameLst>
+                                      </p:cBhvr>
+                                      <p:to>
+                                        <p:strVal val="visible"/>
+                                      </p:to>
+                                    </p:set>
+                                  </p:childTnLst>
+                                </p:cTn>
+                              </p:par>
+                            </p:childTnLst>
+                          </p:cTn>
+                        </p:par>
+                      </p:childTnLst>
+                    </p:cTn>
+                  </p:par>
+                  <p:par>
+                    <p:cTn id="11" fill="hold">
+                      <p:stCondLst>
+                        <p:cond delay="indefinite"/>
+                      </p:stCondLst>
+                      <p:childTnLst>
+                        <p:par>
+                          <p:cTn id="12" fill="hold">
+                            <p:stCondLst>
+                              <p:cond delay="0"/>
+                            </p:stCondLst>
+                            <p:childTnLst>
+                              <p:par>
+                                <p:cTn id="13" presetID="1" presetClass="entr" presetSubtype="0" fill="hold" grpId="0" nodeType="clickEffect">
+                                  <p:stCondLst>
+                                    <p:cond delay="0"/>
+                                  </p:stCondLst>
+                                  <p:childTnLst>
+                                    <p:set>
+                                      <p:cBhvr>
+                                        <p:cTn id="14" dur="1" fill="hold">
+                                          <p:stCondLst>
+                                            <p:cond delay="0"/>
+                                          </p:stCondLst>
+                                        </p:cTn>
+                                        <p:tgtEl>
+                                          <p:spTgt spid="3">
+                                            <p:txEl>
+                                              <p:pRg st="2" end="2"/>
+                                            </p:txEl>
+                                          </p:spTgt>
+                                        </p:tgtEl>
+                                        <p:attrNameLst>
+                                          <p:attrName>style.visibility</p:attrName>
+                                        </p:attrNameLst>
+                                      </p:cBhvr>
+                                      <p:to>
+                                        <p:strVal val="visible"/>
+                                      </p:to>
+                                    </p:set>
+                                  </p:childTnLst>
+                                </p:cTn>
+                              </p:par>
+                            </p:childTnLst>
+                          </p:cTn>
+                        </p:par>
+                      </p:childTnLst>
+                    </p:cTn>
+                  </p:par>
+                  <p:par>
+                    <p:cTn id="15" fill="hold">
+                      <p:stCondLst>
+                        <p:cond delay="indefinite"/>
+                      </p:stCondLst>
+                      <p:childTnLst>
+                        <p:par>
+                          <p:cTn id="16" fill="hold">
+                            <p:stCondLst>
+                              <p:cond delay="0"/>
+                            </p:stCondLst>
+                            <p:childTnLst>
+                              <p:par>
+                                <p:cTn id="17" presetID="1" presetClass="entr" presetSubtype="0" fill="hold" grpId="0" nodeType="clickEffect">
+                                  <p:stCondLst>
+                                    <p:cond delay="0"/>
+                                  </p:stCondLst>
+                                  <p:childTnLst>
+                                    <p:set>
+                                      <p:cBhvr>
+                                        <p:cTn id="18" dur="1" fill="hold">
+                                          <p:stCondLst>
+                                            <p:cond delay="0"/>
+                                          </p:stCondLst>
+                                        </p:cTn>
+                                        <p:tgtEl>
+                                          <p:spTgt spid="3">
+                                            <p:txEl>
+                                              <p:pRg st="3" end="3"/>
+                                            </p:txEl>
+                                          </p:spTgt>
+                                        </p:tgtEl>
+                                        <p:attrNameLst>
+                                          <p:attrName>style.visibility</p:attrName>
+                                        </p:attrNameLst>
+                                      </p:cBhvr>
+                                      <p:to>
+                                        <p:strVal val="visible"/>
+                                      </p:to>
+                                    </p:set>
+                                  </p:childTnLst>
+                                </p:cTn>
+                              </p:par>
+                            </p:childTnLst>
+                          </p:cTn>
+                        </p:par>
+                      </p:childTnLst>
+                    </p:cTn>
+                  </p:par>
+                  <p:par>
+                    <p:cTn id="19" fill="hold">
+                      <p:stCondLst>
+                        <p:cond delay="indefinite"/>
+                      </p:stCondLst>
+                      <p:childTnLst>
+                        <p:par>
+                          <p:cTn id="20" fill="hold">
+                            <p:stCondLst>
+                              <p:cond delay="0"/>
+                            </p:stCondLst>
+                            <p:childTnLst>
+                              <p:par>
+                                <p:cTn id="21" presetID="1" presetClass="entr" presetSubtype="0" fill="hold" grpId="0" nodeType="clickEffect">
+                                  <p:stCondLst>
+                                    <p:cond delay="0"/>
+                                  </p:stCondLst>
+                                  <p:childTnLst>
+                                    <p:set>
+                                      <p:cBhvr>
+                                        <p:cTn id="22" dur="1" fill="hold">
+                                          <p:stCondLst>
+                                            <p:cond delay="0"/>
+                                          </p:stCondLst>
+                                        </p:cTn>
+                                        <p:tgtEl>
+                                          <p:spTgt spid="3">
+                                            <p:txEl>
+                                              <p:pRg st="4" end="4"/>
+                                            </p:txEl>
+                                          </p:spTgt>
+                                        </p:tgtEl>
+                                        <p:attrNameLst>
+                                          <p:attrName>style.visibility</p:attrName>
+                                        </p:attrNameLst>
+                                      </p:cBhvr>
+                                      <p:to>
+                                        <p:strVal val="visible"/>
+                                      </p:to>
+                                    </p:set>
+                                  </p:childTnLst>
+                                </p:cTn>
+                              </p:par>
+                            </p:childTnLst>
+                          </p:cTn>
+                        </p:par>
+                      </p:childTnLst>
+                    </p:cTn>
+                  </p:par>
+                  <p:par>
+                    <p:cTn id="23" fill="hold">
+                      <p:stCondLst>
+                        <p:cond delay="indefinite"/>
+                      </p:stCondLst>
+                      <p:childTnLst>
+                        <p:par>
+                          <p:cTn id="24" fill="hold">
+                            <p:stCondLst>
+                              <p:cond delay="0"/>
+                            </p:stCondLst>
+                            <p:childTnLst>
+                              <p:par>
+                                <p:cTn id="25" presetID="1" presetClass="entr" presetSubtype="0" fill="hold" grpId="0" nodeType="clickEffect">
+                                  <p:stCondLst>
+                                    <p:cond delay="0"/>
+                                  </p:stCondLst>
+                                  <p:childTnLst>
+                                    <p:set>
+                                      <p:cBhvr>
+                                        <p:cTn id="26" dur="1" fill="hold">
+                                          <p:stCondLst>
+                                            <p:cond delay="0"/>
+                                          </p:stCondLst>
+                                        </p:cTn>
+                                        <p:tgtEl>
+                                          <p:spTgt spid="3">
+                                            <p:txEl>
+                                              <p:pRg st="5" end="5"/>
+                                            </p:txEl>
+                                          </p:spTgt>
+                                        </p:tgtEl>
+                                        <p:attrNameLst>
+                                          <p:attrName>style.visibility</p:attrName>
+                                        </p:attrNameLst>
+                                      </p:cBhvr>
+                                      <p:to>
+                                        <p:strVal val="visible"/>
+                                      </p:to>
+                                    </p:set>
+                                  </p:childTnLst>
+                                </p:cTn>
+                              </p:par>
+                            </p:childTnLst>
+                          </p:cTn>
+                        </p:par>
+                      </p:childTnLst>
+                    </p:cTn>
+                  </p:par>
+                  <p:par>
+                    <p:cTn id="27" fill="hold">
+                      <p:stCondLst>
+                        <p:cond delay="indefinite"/>
+                      </p:stCondLst>
+                      <p:childTnLst>
+                        <p:par>
+                          <p:cTn id="28" fill="hold">
+                            <p:stCondLst>
+                              <p:cond delay="0"/>
+                            </p:stCondLst>
+                            <p:childTnLst>
+                              <p:par>
+                                <p:cTn id="29" presetID="1" presetClass="entr" presetSubtype="0" fill="hold" grpId="0" nodeType="clickEffect">
+                                  <p:stCondLst>
+                                    <p:cond delay="0"/>
+                                  </p:stCondLst>
+                                  <p:childTnLst>
+                                    <p:set>
+                                      <p:cBhvr>
+                                        <p:cTn id="30" dur="1" fill="hold">
+                                          <p:stCondLst>
+                                            <p:cond delay="0"/>
+                                          </p:stCondLst>
+                                        </p:cTn>
+                                        <p:tgtEl>
+                                          <p:spTgt spid="3">
+                                            <p:txEl>
+                                              <p:pRg st="6" end="6"/>
+                                            </p:txEl>
+                                          </p:spTgt>
+                                        </p:tgtEl>
+                                        <p:attrNameLst>
+                                          <p:attrName>style.visibility</p:attrName>
+                                        </p:attrNameLst>
+                                      </p:cBhvr>
+                                      <p:to>
+                                        <p:strVal val="visible"/>
+                                      </p:to>
+                                    </p:set>
+                                  </p:childTnLst>
+                                </p:cTn>
+                              </p:par>
+                            </p:childTnLst>
+                          </p:cTn>
+                        </p:par>
+                      </p:childTnLst>
+                    </p:cTn>
+                  </p:par>
+                  <p:par>
+                    <p:cTn id="31" fill="hold">
+                      <p:stCondLst>
+                        <p:cond delay="indefinite"/>
+                      </p:stCondLst>
+                      <p:childTnLst>
+                        <p:par>
+                          <p:cTn id="32" fill="hold">
+                            <p:stCondLst>
+                              <p:cond delay="0"/>
+                            </p:stCondLst>
+                            <p:childTnLst>
+                              <p:par>
+                                <p:cTn id="33" presetID="1" presetClass="entr" presetSubtype="0" fill="hold" grpId="0" nodeType="clickEffect">
+                                  <p:stCondLst>
+                                    <p:cond delay="0"/>
+                                  </p:stCondLst>
+                                  <p:childTnLst>
+                                    <p:set>
+                                      <p:cBhvr>
+                                        <p:cTn id="34" dur="1" fill="hold">
+                                          <p:stCondLst>
+                                            <p:cond delay="0"/>
+                                          </p:stCondLst>
+                                        </p:cTn>
+                                        <p:tgtEl>
+                                          <p:spTgt spid="3">
+                                            <p:txEl>
+                                              <p:pRg st="7" end="7"/>
+                                            </p:txEl>
+                                          </p:spTgt>
+                                        </p:tgtEl>
+                                        <p:attrNameLst>
+                                          <p:attrName>style.visibility</p:attrName>
+                                        </p:attrNameLst>
+                                      </p:cBhvr>
+                                      <p:to>
+                                        <p:strVal val="visible"/>
+                                      </p:to>
+                                    </p:set>
+                                  </p:childTnLst>
+                                </p:cTn>
+                              </p:par>
+                            </p:childTnLst>
+                          </p:cTn>
+                        </p:par>
+                      </p:childTnLst>
+                    </p:cTn>
+                  </p:par>
+                  <p:par>
+                    <p:cTn id="35" fill="hold">
+                      <p:stCondLst>
+                        <p:cond delay="indefinite"/>
+                      </p:stCondLst>
+                      <p:childTnLst>
+                        <p:par>
+                          <p:cTn id="36" fill="hold">
+                            <p:stCondLst>
+                              <p:cond delay="0"/>
+                            </p:stCondLst>
+                            <p:childTnLst>
+                              <p:par>
+                                <p:cTn id="37" presetID="1" presetClass="entr" presetSubtype="0" fill="hold" grpId="0" nodeType="clickEffect">
+                                  <p:stCondLst>
+                                    <p:cond delay="0"/>
+                                  </p:stCondLst>
+                                  <p:childTnLst>
+                                    <p:set>
+                                      <p:cBhvr>
+                                        <p:cTn id="38" dur="1" fill="hold">
+                                          <p:stCondLst>
+                                            <p:cond delay="0"/>
+                                          </p:stCondLst>
+                                        </p:cTn>
+                                        <p:tgtEl>
+                                          <p:spTgt spid="3">
+                                            <p:txEl>
+                                              <p:pRg st="8" end="8"/>
+                                            </p:txEl>
+                                          </p:spTgt>
+                                        </p:tgtEl>
+                                        <p:attrNameLst>
+                                          <p:attrName>style.visibility</p:attrName>
+                                        </p:attrNameLst>
+                                      </p:cBhvr>
+                                      <p:to>
+                                        <p:strVal val="visible"/>
+                                      </p:to>
+                                    </p:set>
+                                  </p:childTnLst>
+                                </p:cTn>
+                              </p:par>
+                            </p:childTnLst>
+                          </p:cTn>
+                        </p:par>
+                      </p:childTnLst>
+                    </p:cTn>
+                  </p:par>
+                  <p:par>
+                    <p:cTn id="39" fill="hold">
+                      <p:stCondLst>
+                        <p:cond delay="indefinite"/>
+                      </p:stCondLst>
+                      <p:childTnLst>
+                        <p:par>
+                          <p:cTn id="40" fill="hold">
+                            <p:stCondLst>
+                              <p:cond delay="0"/>
+                            </p:stCondLst>
+                            <p:childTnLst>
+                              <p:par>
+                                <p:cTn id="41" presetID="1" presetClass="entr" presetSubtype="0" fill="hold" grpId="0" nodeType="clickEffect">
+                                  <p:stCondLst>
+                                    <p:cond delay="0"/>
+                                  </p:stCondLst>
+                                  <p:childTnLst>
+                                    <p:set>
+                                      <p:cBhvr>
+                                        <p:cTn id="42" dur="1" fill="hold">
+                                          <p:stCondLst>
+                                            <p:cond delay="0"/>
+                                          </p:stCondLst>
+                                        </p:cTn>
+                                        <p:tgtEl>
+                                          <p:spTgt spid="3">
+                                            <p:txEl>
+                                              <p:pRg st="9" end="9"/>
+                                            </p:txEl>
+                                          </p:spTgt>
+                                        </p:tgtEl>
+                                        <p:attrNameLst>
+                                          <p:attrName>style.visibility</p:attrName>
+                                        </p:attrNameLst>
+                                      </p:cBhvr>
+                                      <p:to>
+                                        <p:strVal val="visible"/>
+                                      </p:to>
+                                    </p:set>
+                                  </p:childTnLst>
+                                </p:cTn>
+                              </p:par>
+                            </p:childTnLst>
+                          </p:cTn>
+                        </p:par>
+                      </p:childTnLst>
+                    </p:cTn>
+                  </p:par>
+                  <p:par>
+                    <p:cTn id="43" fill="hold">
+                      <p:stCondLst>
+                        <p:cond delay="indefinite"/>
+                      </p:stCondLst>
+                      <p:childTnLst>
+                        <p:par>
+                          <p:cTn id="44" fill="hold">
+                            <p:stCondLst>
+                              <p:cond delay="0"/>
+                            </p:stCondLst>
+                            <p:childTnLst>
+                              <p:par>
+                                <p:cTn id="45" presetID="1" presetClass="entr" presetSubtype="0" fill="hold" grpId="0" nodeType="clickEffect">
+                                  <p:stCondLst>
+                                    <p:cond delay="0"/>
+                                  </p:stCondLst>
+                                  <p:childTnLst>
+                                    <p:set>
+                                      <p:cBhvr>
+                                        <p:cTn id="46" dur="1" fill="hold">
+                                          <p:stCondLst>
+                                            <p:cond delay="0"/>
+                                          </p:stCondLst>
+                                        </p:cTn>
+                                        <p:tgtEl>
+                                          <p:spTgt spid="3">
+                                            <p:txEl>
+                                              <p:pRg st="10" end="10"/>
+                                            </p:txEl>
+                                          </p:spTgt>
+                                        </p:tgtEl>
+                                        <p:attrNameLst>
+                                          <p:attrName>style.visibility</p:attrName>
+                                        </p:attrNameLst>
+                                      </p:cBhvr>
+                                      <p:to>
+                                        <p:strVal val="visible"/>
+                                      </p:to>
+                                    </p:set>
+                                  </p:childTnLst>
+                                </p:cTn>
+                              </p:par>
+                            </p:childTnLst>
+                          </p:cTn>
+                        </p:par>
+                      </p:childTnLst>
+                    </p:cTn>
+                  </p:par>
+                  <p:par>
+                    <p:cTn id="47" fill="hold">
+                      <p:stCondLst>
+                        <p:cond delay="indefinite"/>
+                      </p:stCondLst>
+                      <p:childTnLst>
+                        <p:par>
+                          <p:cTn id="48" fill="hold">
+                            <p:stCondLst>
+                              <p:cond delay="0"/>
+                            </p:stCondLst>
+                            <p:childTnLst>
+                              <p:par>
+                                <p:cTn id="49" presetID="1" presetClass="entr" presetSubtype="0" fill="hold" grpId="0" nodeType="clickEffect">
+                                  <p:stCondLst>
+                                    <p:cond delay="0"/>
+                                  </p:stCondLst>
+                                  <p:childTnLst>
+                                    <p:set>
+                                      <p:cBhvr>
+                                        <p:cTn id="50" dur="1" fill="hold">
+                                          <p:stCondLst>
+                                            <p:cond delay="0"/>
+                                          </p:stCondLst>
+                                        </p:cTn>
+                                        <p:tgtEl>
+                                          <p:spTgt spid="3">
+                                            <p:txEl>
+                                              <p:pRg st="11" end="11"/>
+                                            </p:txEl>
+                                          </p:spTgt>
+                                        </p:tgtEl>
+                                        <p:attrNameLst>
+                                          <p:attrName>style.visibility</p:attrName>
+                                        </p:attrNameLst>
+                                      </p:cBhvr>
+                                      <p:to>
+                                        <p:strVal val="visible"/>
+                                      </p:to>
+                                    </p:set>
+                                  </p:childTnLst>
+                                </p:cTn>
+                              </p:par>
+                            </p:childTnLst>
+                          </p:cTn>
+                        </p:par>
+                      </p:childTnLst>
+                    </p:cTn>
+                  </p:par>
+                </p:childTnLst>
+              </p:cTn>
+              <p:prevCondLst>
+                <p:cond evt="onPrev" delay="0">
+                  <p:tgtEl>
+                    <p:sldTgt/>
+                  </p:tgtEl>
+                </p:cond>
+              </p:prevCondLst>
+              <p:nextCondLst>
+                <p:cond evt="onNext" delay="0">
+                  <p:tgtEl>
+                    <p:sldTgt/>
+                  </p:tgtEl>
+                </p:cond>
+              </p:nextCondLst>
+            </p:seq>
+          </p:childTnLst>
+        </p:cTn>
+      </p:par>
+    </p:tnLst>
+    <p:bldLst>
+      <p:bldP spid="3" grpId="0" uiExpand="1" build="p"/>
+    </p:bldLst>
+  </p:timing>
+</p:sld>
+</file>
+
+<file path=ppt/slides/slide28.xml><?xml version="1.0" encoding="utf-8"?>
+<p:sld xmlns:a="http://schemas.openxmlformats.org/drawingml/2006/main" xmlns:r="http://schemas.openxmlformats.org/officeDocument/2006/relationships" xmlns:p="http://schemas.openxmlformats.org/presentationml/2006/main">
+  <p:cSld>
+    <p:spTree>
+      <p:nvGrpSpPr>
+        <p:cNvPr id="1" name=""/>
+        <p:cNvGrpSpPr/>
+        <p:nvPr/>
+      </p:nvGrpSpPr>
+      <p:grpSpPr>
+        <a:xfrm>
+          <a:off x="0" y="0"/>
+          <a:ext cx="0" cy="0"/>
+          <a:chOff x="0" y="0"/>
+          <a:chExt cx="0" cy="0"/>
+        </a:xfrm>
+      </p:grpSpPr>
+      <p:sp>
+        <p:nvSpPr>
+          <p:cNvPr id="2" name="Title 1"/>
+          <p:cNvSpPr>
+            <a:spLocks noGrp="1"/>
+          </p:cNvSpPr>
+          <p:nvPr>
+            <p:ph type="title"/>
+          </p:nvPr>
+        </p:nvSpPr>
+        <p:spPr/>
+        <p:txBody>
+          <a:bodyPr/>
+          <a:lstStyle/>
+          <a:p>
+            <a:pPr lvl="0" indent="0" marL="0">
+              <a:buNone/>
+            </a:pPr>
+            <a:r>
+              <a:rPr/>
+              <a:t>단축키 일람</a:t>
+            </a:r>
+          </a:p>
+        </p:txBody>
+      </p:sp>
+      <p:sp>
+        <p:nvSpPr>
+          <p:cNvPr id="3" name="Content Placeholder 2"/>
+          <p:cNvSpPr>
+            <a:spLocks noGrp="1"/>
+          </p:cNvSpPr>
+          <p:nvPr>
+            <p:ph idx="1"/>
+          </p:nvPr>
+        </p:nvSpPr>
+        <p:spPr/>
+        <p:txBody>
+          <a:bodyPr/>
+          <a:lstStyle/>
+          <a:p>
+            <a:pPr lvl="0"/>
+            <a:r>
+              <a:rPr/>
+              <a:t>호환되는 스프레드시트 단축키 사용 옵션을 켰을 때 기준</a:t>
+            </a:r>
+          </a:p>
+          <a:p>
+            <a:pPr lvl="1"/>
+            <a:r>
+              <a:rPr>
+                <a:latin typeface="Courier"/>
+              </a:rPr>
+              <a:t>방향키</a:t>
+            </a:r>
+            <a:r>
+              <a:rPr/>
+              <a:t>: 포커스 이동</a:t>
+            </a:r>
+          </a:p>
+          <a:p>
+            <a:pPr lvl="1"/>
+            <a:r>
+              <a:rPr>
+                <a:latin typeface="Courier"/>
+              </a:rPr>
+              <a:t>Shift + 방향키</a:t>
+            </a:r>
+            <a:r>
+              <a:rPr/>
+              <a:t>: 포커스 기준으로 셀 범위 선택</a:t>
+            </a:r>
+          </a:p>
+          <a:p>
+            <a:pPr lvl="1"/>
+            <a:r>
+              <a:rPr>
+                <a:latin typeface="Courier"/>
+              </a:rPr>
+              <a:t>Shift + Space Bar</a:t>
+            </a:r>
+            <a:r>
+              <a:rPr/>
+              <a:t>: 포커스 기준으로 현재 행을 선택, 비어있거나 한 번 더 누르면 행 전체 선택</a:t>
+            </a:r>
+          </a:p>
+          <a:p>
+            <a:pPr lvl="1"/>
+            <a:r>
+              <a:rPr>
+                <a:latin typeface="Courier"/>
+              </a:rPr>
+              <a:t>Ctrl + Space Bar</a:t>
+            </a:r>
+            <a:r>
+              <a:rPr/>
+              <a:t>: 포커스 기준으로 현재 열을 선택, 비어있거나 한 번 더 누르면 열 전체 선택</a:t>
+            </a:r>
+          </a:p>
+          <a:p>
+            <a:pPr lvl="1"/>
+            <a:r>
+              <a:rPr>
+                <a:latin typeface="Courier"/>
+              </a:rPr>
+              <a:t>Ctrl + Shift + Space Bar</a:t>
+            </a:r>
+            <a:r>
+              <a:rPr/>
+              <a:t>: 데이터 영역 범위 선택, 비어있거나 한 번 더 누르면 시트 전체 선택</a:t>
+            </a:r>
+          </a:p>
+          <a:p>
+            <a:pPr lvl="1"/>
+            <a:r>
+              <a:rPr/>
+              <a:t>셀 위에 포커스를 올려놓은 상태에서</a:t>
+            </a:r>
+          </a:p>
+          <a:p>
+            <a:pPr lvl="2"/>
+            <a:r>
+              <a:rPr>
+                <a:latin typeface="Courier"/>
+              </a:rPr>
+              <a:t>Enter</a:t>
+            </a:r>
+            <a:r>
+              <a:rPr/>
+              <a:t>: 현재 셀 편집 모드로 진입. 엑셀에서는 </a:t>
+            </a:r>
+            <a:r>
+              <a:rPr>
+                <a:latin typeface="Courier"/>
+              </a:rPr>
+              <a:t>F2</a:t>
+            </a:r>
+            <a:r>
+              <a:rPr/>
+              <a:t>에 해당</a:t>
+            </a:r>
+          </a:p>
+          <a:p>
+            <a:pPr lvl="3"/>
+            <a:r>
+              <a:rPr>
+                <a:latin typeface="Courier"/>
+              </a:rPr>
+              <a:t>Enter</a:t>
+            </a:r>
+            <a:r>
+              <a:rPr/>
+              <a:t>: 현재 셀 편집을 종료하고 다음 셀(아래)로 포커스 이동</a:t>
+            </a:r>
+          </a:p>
+          <a:p>
+            <a:pPr lvl="3"/>
+            <a:r>
+              <a:rPr>
+                <a:latin typeface="Courier"/>
+              </a:rPr>
+              <a:t>Tab</a:t>
+            </a:r>
+            <a:r>
+              <a:rPr/>
+              <a:t>: 현재 셀 편집을 종료하고 다음 셀(오른쪽)으로 포커스 이동</a:t>
+            </a:r>
+          </a:p>
+          <a:p>
+            <a:pPr lvl="3"/>
+            <a:r>
+              <a:rPr>
+                <a:latin typeface="Courier"/>
+              </a:rPr>
+              <a:t>Esc</a:t>
+            </a:r>
+            <a:r>
+              <a:rPr/>
+              <a:t>: 편집 모드를 해제</a:t>
+            </a:r>
+          </a:p>
+          <a:p>
+            <a:pPr lvl="1"/>
+            <a:r>
+              <a:rPr/>
+              <a:t>범위 안에서 </a:t>
+            </a:r>
+            <a:r>
+              <a:rPr>
+                <a:latin typeface="Courier"/>
+              </a:rPr>
+              <a:t>Enter</a:t>
+            </a:r>
+            <a:r>
+              <a:rPr/>
+              <a:t> 또는 </a:t>
+            </a:r>
+            <a:r>
+              <a:rPr>
+                <a:latin typeface="Courier"/>
+              </a:rPr>
+              <a:t>Tab</a:t>
+            </a:r>
+            <a:r>
+              <a:rPr/>
+              <a:t>: 범위 안에서 아래 또는 오른쪽 셀로 이동</a:t>
+            </a:r>
+          </a:p>
+        </p:txBody>
+      </p:sp>
+    </p:spTree>
+  </p:cSld>
+  <p:timing>
+    <p:tnLst>
+      <p:par>
+        <p:cTn id="1" dur="indefinite" restart="never" nodeType="tmRoot">
+          <p:childTnLst>
+            <p:seq concurrent="1" nextAc="seek">
+              <p:cTn id="2" dur="indefinite" nodeType="mainSeq">
+                <p:childTnLst>
+                  <p:par>
+                    <p:cTn id="3" fill="hold">
+                      <p:stCondLst>
+                        <p:cond delay="indefinite"/>
+                      </p:stCondLst>
+                      <p:childTnLst>
+                        <p:par>
+                          <p:cTn id="4" fill="hold">
+                            <p:stCondLst>
+                              <p:cond delay="0"/>
+                            </p:stCondLst>
+                            <p:childTnLst>
+                              <p:par>
+                                <p:cTn id="5" presetID="1" presetClass="entr" presetSubtype="0" fill="hold" grpId="0" nodeType="clickEffect">
+                                  <p:stCondLst>
+                                    <p:cond delay="0"/>
+                                  </p:stCondLst>
+                                  <p:childTnLst>
+                                    <p:set>
+                                      <p:cBhvr>
+                                        <p:cTn id="6" dur="1" fill="hold">
+                                          <p:stCondLst>
+                                            <p:cond delay="0"/>
+                                          </p:stCondLst>
+                                        </p:cTn>
+                                        <p:tgtEl>
+                                          <p:spTgt spid="3">
+                                            <p:txEl>
+                                              <p:pRg st="0" end="0"/>
+                                            </p:txEl>
+                                          </p:spTgt>
+                                        </p:tgtEl>
+                                        <p:attrNameLst>
+                                          <p:attrName>style.visibility</p:attrName>
+                                        </p:attrNameLst>
+                                      </p:cBhvr>
+                                      <p:to>
+                                        <p:strVal val="visible"/>
+                                      </p:to>
+                                    </p:set>
+                                  </p:childTnLst>
+                                </p:cTn>
+                              </p:par>
+                            </p:childTnLst>
+                          </p:cTn>
+                        </p:par>
+                      </p:childTnLst>
+                    </p:cTn>
+                  </p:par>
+                  <p:par>
+                    <p:cTn id="7" fill="hold">
+                      <p:stCondLst>
+                        <p:cond delay="indefinite"/>
+                      </p:stCondLst>
+                      <p:childTnLst>
+                        <p:par>
+                          <p:cTn id="8" fill="hold">
+                            <p:stCondLst>
+                              <p:cond delay="0"/>
+                            </p:stCondLst>
+                            <p:childTnLst>
+                              <p:par>
+                                <p:cTn id="9" presetID="1" presetClass="entr" presetSubtype="0" fill="hold" grpId="0" nodeType="clickEffect">
+                                  <p:stCondLst>
+                                    <p:cond delay="0"/>
+                                  </p:stCondLst>
+                                  <p:childTnLst>
+                                    <p:set>
+                                      <p:cBhvr>
+                                        <p:cTn id="10" dur="1" fill="hold">
+                                          <p:stCondLst>
+                                            <p:cond delay="0"/>
+                                          </p:stCondLst>
+                                        </p:cTn>
+                                        <p:tgtEl>
+                                          <p:spTgt spid="3">
+                                            <p:txEl>
+                                              <p:pRg st="1" end="1"/>
+                                            </p:txEl>
+                                          </p:spTgt>
+                                        </p:tgtEl>
+                                        <p:attrNameLst>
+                                          <p:attrName>style.visibility</p:attrName>
+                                        </p:attrNameLst>
+                                      </p:cBhvr>
+                                      <p:to>
+                                        <p:strVal val="visible"/>
+                                      </p:to>
+                                    </p:set>
+                                  </p:childTnLst>
+                                </p:cTn>
+                              </p:par>
+                            </p:childTnLst>
+                          </p:cTn>
+                        </p:par>
+                      </p:childTnLst>
+                    </p:cTn>
+                  </p:par>
+                  <p:par>
+                    <p:cTn id="11" fill="hold">
+                      <p:stCondLst>
+                        <p:cond delay="indefinite"/>
+                      </p:stCondLst>
+                      <p:childTnLst>
+                        <p:par>
+                          <p:cTn id="12" fill="hold">
+                            <p:stCondLst>
+                              <p:cond delay="0"/>
+                            </p:stCondLst>
+                            <p:childTnLst>
+                              <p:par>
+                                <p:cTn id="13" presetID="1" presetClass="entr" presetSubtype="0" fill="hold" grpId="0" nodeType="clickEffect">
+                                  <p:stCondLst>
+                                    <p:cond delay="0"/>
+                                  </p:stCondLst>
+                                  <p:childTnLst>
+                                    <p:set>
+                                      <p:cBhvr>
+                                        <p:cTn id="14" dur="1" fill="hold">
+                                          <p:stCondLst>
+                                            <p:cond delay="0"/>
+                                          </p:stCondLst>
+                                        </p:cTn>
+                                        <p:tgtEl>
+                                          <p:spTgt spid="3">
+                                            <p:txEl>
+                                              <p:pRg st="2" end="2"/>
+                                            </p:txEl>
+                                          </p:spTgt>
+                                        </p:tgtEl>
+                                        <p:attrNameLst>
+                                          <p:attrName>style.visibility</p:attrName>
+                                        </p:attrNameLst>
+                                      </p:cBhvr>
+                                      <p:to>
+                                        <p:strVal val="visible"/>
+                                      </p:to>
+                                    </p:set>
+                                  </p:childTnLst>
+                                </p:cTn>
+                              </p:par>
+                            </p:childTnLst>
+                          </p:cTn>
+                        </p:par>
+                      </p:childTnLst>
+                    </p:cTn>
+                  </p:par>
+                  <p:par>
+                    <p:cTn id="15" fill="hold">
+                      <p:stCondLst>
+                        <p:cond delay="indefinite"/>
+                      </p:stCondLst>
+                      <p:childTnLst>
+                        <p:par>
+                          <p:cTn id="16" fill="hold">
+                            <p:stCondLst>
+                              <p:cond delay="0"/>
+                            </p:stCondLst>
+                            <p:childTnLst>
+                              <p:par>
+                                <p:cTn id="17" presetID="1" presetClass="entr" presetSubtype="0" fill="hold" grpId="0" nodeType="clickEffect">
+                                  <p:stCondLst>
+                                    <p:cond delay="0"/>
+                                  </p:stCondLst>
+                                  <p:childTnLst>
+                                    <p:set>
+                                      <p:cBhvr>
+                                        <p:cTn id="18" dur="1" fill="hold">
+                                          <p:stCondLst>
+                                            <p:cond delay="0"/>
+                                          </p:stCondLst>
+                                        </p:cTn>
+                                        <p:tgtEl>
+                                          <p:spTgt spid="3">
+                                            <p:txEl>
+                                              <p:pRg st="3" end="3"/>
+                                            </p:txEl>
+                                          </p:spTgt>
+                                        </p:tgtEl>
+                                        <p:attrNameLst>
+                                          <p:attrName>style.visibility</p:attrName>
+                                        </p:attrNameLst>
+                                      </p:cBhvr>
+                                      <p:to>
+                                        <p:strVal val="visible"/>
+                                      </p:to>
+                                    </p:set>
+                                  </p:childTnLst>
+                                </p:cTn>
+                              </p:par>
+                            </p:childTnLst>
+                          </p:cTn>
+                        </p:par>
+                      </p:childTnLst>
+                    </p:cTn>
+                  </p:par>
+                  <p:par>
+                    <p:cTn id="19" fill="hold">
+                      <p:stCondLst>
+                        <p:cond delay="indefinite"/>
+                      </p:stCondLst>
+                      <p:childTnLst>
+                        <p:par>
+                          <p:cTn id="20" fill="hold">
+                            <p:stCondLst>
+                              <p:cond delay="0"/>
+                            </p:stCondLst>
+                            <p:childTnLst>
+                              <p:par>
+                                <p:cTn id="21" presetID="1" presetClass="entr" presetSubtype="0" fill="hold" grpId="0" nodeType="clickEffect">
+                                  <p:stCondLst>
+                                    <p:cond delay="0"/>
+                                  </p:stCondLst>
+                                  <p:childTnLst>
+                                    <p:set>
+                                      <p:cBhvr>
+                                        <p:cTn id="22" dur="1" fill="hold">
+                                          <p:stCondLst>
+                                            <p:cond delay="0"/>
+                                          </p:stCondLst>
+                                        </p:cTn>
+                                        <p:tgtEl>
+                                          <p:spTgt spid="3">
+                                            <p:txEl>
+                                              <p:pRg st="4" end="4"/>
+                                            </p:txEl>
+                                          </p:spTgt>
+                                        </p:tgtEl>
+                                        <p:attrNameLst>
+                                          <p:attrName>style.visibility</p:attrName>
+                                        </p:attrNameLst>
+                                      </p:cBhvr>
+                                      <p:to>
+                                        <p:strVal val="visible"/>
+                                      </p:to>
+                                    </p:set>
+                                  </p:childTnLst>
+                                </p:cTn>
+                              </p:par>
+                            </p:childTnLst>
+                          </p:cTn>
+                        </p:par>
+                      </p:childTnLst>
+                    </p:cTn>
+                  </p:par>
+                  <p:par>
+                    <p:cTn id="23" fill="hold">
+                      <p:stCondLst>
+                        <p:cond delay="indefinite"/>
+                      </p:stCondLst>
+                      <p:childTnLst>
+                        <p:par>
+                          <p:cTn id="24" fill="hold">
+                            <p:stCondLst>
+                              <p:cond delay="0"/>
+                            </p:stCondLst>
+                            <p:childTnLst>
+                              <p:par>
+                                <p:cTn id="25" presetID="1" presetClass="entr" presetSubtype="0" fill="hold" grpId="0" nodeType="clickEffect">
+                                  <p:stCondLst>
+                                    <p:cond delay="0"/>
+                                  </p:stCondLst>
+                                  <p:childTnLst>
+                                    <p:set>
+                                      <p:cBhvr>
+                                        <p:cTn id="26" dur="1" fill="hold">
+                                          <p:stCondLst>
+                                            <p:cond delay="0"/>
+                                          </p:stCondLst>
+                                        </p:cTn>
+                                        <p:tgtEl>
+                                          <p:spTgt spid="3">
+                                            <p:txEl>
+                                              <p:pRg st="5" end="5"/>
+                                            </p:txEl>
+                                          </p:spTgt>
+                                        </p:tgtEl>
+                                        <p:attrNameLst>
+                                          <p:attrName>style.visibility</p:attrName>
+                                        </p:attrNameLst>
+                                      </p:cBhvr>
+                                      <p:to>
+                                        <p:strVal val="visible"/>
+                                      </p:to>
+                                    </p:set>
+                                  </p:childTnLst>
+                                </p:cTn>
+                              </p:par>
+                            </p:childTnLst>
+                          </p:cTn>
+                        </p:par>
+                      </p:childTnLst>
+                    </p:cTn>
+                  </p:par>
+                  <p:par>
+                    <p:cTn id="27" fill="hold">
+                      <p:stCondLst>
+                        <p:cond delay="indefinite"/>
+                      </p:stCondLst>
+                      <p:childTnLst>
+                        <p:par>
+                          <p:cTn id="28" fill="hold">
+                            <p:stCondLst>
+                              <p:cond delay="0"/>
+                            </p:stCondLst>
+                            <p:childTnLst>
+                              <p:par>
+                                <p:cTn id="29" presetID="1" presetClass="entr" presetSubtype="0" fill="hold" grpId="0" nodeType="clickEffect">
+                                  <p:stCondLst>
+                                    <p:cond delay="0"/>
+                                  </p:stCondLst>
+                                  <p:childTnLst>
+                                    <p:set>
+                                      <p:cBhvr>
+                                        <p:cTn id="30" dur="1" fill="hold">
+                                          <p:stCondLst>
+                                            <p:cond delay="0"/>
+                                          </p:stCondLst>
+                                        </p:cTn>
+                                        <p:tgtEl>
+                                          <p:spTgt spid="3">
+                                            <p:txEl>
+                                              <p:pRg st="6" end="6"/>
+                                            </p:txEl>
+                                          </p:spTgt>
+                                        </p:tgtEl>
+                                        <p:attrNameLst>
+                                          <p:attrName>style.visibility</p:attrName>
+                                        </p:attrNameLst>
+                                      </p:cBhvr>
+                                      <p:to>
+                                        <p:strVal val="visible"/>
+                                      </p:to>
+                                    </p:set>
+                                  </p:childTnLst>
+                                </p:cTn>
+                              </p:par>
+                            </p:childTnLst>
+                          </p:cTn>
+                        </p:par>
+                      </p:childTnLst>
+                    </p:cTn>
+                  </p:par>
+                  <p:par>
+                    <p:cTn id="31" fill="hold">
+                      <p:stCondLst>
+                        <p:cond delay="indefinite"/>
+                      </p:stCondLst>
+                      <p:childTnLst>
+                        <p:par>
+                          <p:cTn id="32" fill="hold">
+                            <p:stCondLst>
+                              <p:cond delay="0"/>
+                            </p:stCondLst>
+                            <p:childTnLst>
+                              <p:par>
+                                <p:cTn id="33" presetID="1" presetClass="entr" presetSubtype="0" fill="hold" grpId="0" nodeType="clickEffect">
+                                  <p:stCondLst>
+                                    <p:cond delay="0"/>
+                                  </p:stCondLst>
+                                  <p:childTnLst>
+                                    <p:set>
+                                      <p:cBhvr>
+                                        <p:cTn id="34" dur="1" fill="hold">
+                                          <p:stCondLst>
+                                            <p:cond delay="0"/>
+                                          </p:stCondLst>
+                                        </p:cTn>
+                                        <p:tgtEl>
+                                          <p:spTgt spid="3">
+                                            <p:txEl>
+                                              <p:pRg st="7" end="7"/>
+                                            </p:txEl>
+                                          </p:spTgt>
+                                        </p:tgtEl>
+                                        <p:attrNameLst>
+                                          <p:attrName>style.visibility</p:attrName>
+                                        </p:attrNameLst>
+                                      </p:cBhvr>
+                                      <p:to>
+                                        <p:strVal val="visible"/>
+                                      </p:to>
+                                    </p:set>
+                                  </p:childTnLst>
+                                </p:cTn>
+                              </p:par>
+                            </p:childTnLst>
+                          </p:cTn>
+                        </p:par>
+                      </p:childTnLst>
+                    </p:cTn>
+                  </p:par>
+                  <p:par>
+                    <p:cTn id="35" fill="hold">
+                      <p:stCondLst>
+                        <p:cond delay="indefinite"/>
+                      </p:stCondLst>
+                      <p:childTnLst>
+                        <p:par>
+                          <p:cTn id="36" fill="hold">
+                            <p:stCondLst>
+                              <p:cond delay="0"/>
+                            </p:stCondLst>
+                            <p:childTnLst>
+                              <p:par>
+                                <p:cTn id="37" presetID="1" presetClass="entr" presetSubtype="0" fill="hold" grpId="0" nodeType="clickEffect">
+                                  <p:stCondLst>
+                                    <p:cond delay="0"/>
+                                  </p:stCondLst>
+                                  <p:childTnLst>
+                                    <p:set>
+                                      <p:cBhvr>
+                                        <p:cTn id="38" dur="1" fill="hold">
+                                          <p:stCondLst>
+                                            <p:cond delay="0"/>
+                                          </p:stCondLst>
+                                        </p:cTn>
+                                        <p:tgtEl>
+                                          <p:spTgt spid="3">
+                                            <p:txEl>
+                                              <p:pRg st="8" end="8"/>
+                                            </p:txEl>
+                                          </p:spTgt>
+                                        </p:tgtEl>
+                                        <p:attrNameLst>
+                                          <p:attrName>style.visibility</p:attrName>
+                                        </p:attrNameLst>
+                                      </p:cBhvr>
+                                      <p:to>
+                                        <p:strVal val="visible"/>
+                                      </p:to>
+                                    </p:set>
+                                  </p:childTnLst>
+                                </p:cTn>
+                              </p:par>
+                            </p:childTnLst>
+                          </p:cTn>
+                        </p:par>
+                      </p:childTnLst>
+                    </p:cTn>
+                  </p:par>
+                  <p:par>
+                    <p:cTn id="39" fill="hold">
+                      <p:stCondLst>
+                        <p:cond delay="indefinite"/>
+                      </p:stCondLst>
+                      <p:childTnLst>
+                        <p:par>
+                          <p:cTn id="40" fill="hold">
+                            <p:stCondLst>
+                              <p:cond delay="0"/>
+                            </p:stCondLst>
+                            <p:childTnLst>
+                              <p:par>
+                                <p:cTn id="41" presetID="1" presetClass="entr" presetSubtype="0" fill="hold" grpId="0" nodeType="clickEffect">
+                                  <p:stCondLst>
+                                    <p:cond delay="0"/>
+                                  </p:stCondLst>
+                                  <p:childTnLst>
+                                    <p:set>
+                                      <p:cBhvr>
+                                        <p:cTn id="42" dur="1" fill="hold">
+                                          <p:stCondLst>
+                                            <p:cond delay="0"/>
+                                          </p:stCondLst>
+                                        </p:cTn>
+                                        <p:tgtEl>
+                                          <p:spTgt spid="3">
+                                            <p:txEl>
+                                              <p:pRg st="9" end="9"/>
+                                            </p:txEl>
+                                          </p:spTgt>
+                                        </p:tgtEl>
+                                        <p:attrNameLst>
+                                          <p:attrName>style.visibility</p:attrName>
+                                        </p:attrNameLst>
+                                      </p:cBhvr>
+                                      <p:to>
+                                        <p:strVal val="visible"/>
+                                      </p:to>
+                                    </p:set>
+                                  </p:childTnLst>
+                                </p:cTn>
+                              </p:par>
+                            </p:childTnLst>
+                          </p:cTn>
+                        </p:par>
+                      </p:childTnLst>
+                    </p:cTn>
+                  </p:par>
+                  <p:par>
+                    <p:cTn id="43" fill="hold">
+                      <p:stCondLst>
+                        <p:cond delay="indefinite"/>
+                      </p:stCondLst>
+                      <p:childTnLst>
+                        <p:par>
+                          <p:cTn id="44" fill="hold">
+                            <p:stCondLst>
+                              <p:cond delay="0"/>
+                            </p:stCondLst>
+                            <p:childTnLst>
+                              <p:par>
+                                <p:cTn id="45" presetID="1" presetClass="entr" presetSubtype="0" fill="hold" grpId="0" nodeType="clickEffect">
+                                  <p:stCondLst>
+                                    <p:cond delay="0"/>
+                                  </p:stCondLst>
+                                  <p:childTnLst>
+                                    <p:set>
+                                      <p:cBhvr>
+                                        <p:cTn id="46" dur="1" fill="hold">
+                                          <p:stCondLst>
+                                            <p:cond delay="0"/>
+                                          </p:stCondLst>
+                                        </p:cTn>
+                                        <p:tgtEl>
+                                          <p:spTgt spid="3">
+                                            <p:txEl>
+                                              <p:pRg st="10" end="10"/>
+                                            </p:txEl>
+                                          </p:spTgt>
+                                        </p:tgtEl>
+                                        <p:attrNameLst>
+                                          <p:attrName>style.visibility</p:attrName>
+                                        </p:attrNameLst>
+                                      </p:cBhvr>
+                                      <p:to>
+                                        <p:strVal val="visible"/>
+                                      </p:to>
+                                    </p:set>
+                                  </p:childTnLst>
+                                </p:cTn>
+                              </p:par>
+                            </p:childTnLst>
+                          </p:cTn>
+                        </p:par>
+                      </p:childTnLst>
+                    </p:cTn>
+                  </p:par>
+                  <p:par>
+                    <p:cTn id="47" fill="hold">
+                      <p:stCondLst>
+                        <p:cond delay="indefinite"/>
+                      </p:stCondLst>
+                      <p:childTnLst>
+                        <p:par>
+                          <p:cTn id="48" fill="hold">
+                            <p:stCondLst>
+                              <p:cond delay="0"/>
+                            </p:stCondLst>
+                            <p:childTnLst>
+                              <p:par>
+                                <p:cTn id="49" presetID="1" presetClass="entr" presetSubtype="0" fill="hold" grpId="0" nodeType="clickEffect">
+                                  <p:stCondLst>
+                                    <p:cond delay="0"/>
+                                  </p:stCondLst>
+                                  <p:childTnLst>
+                                    <p:set>
+                                      <p:cBhvr>
+                                        <p:cTn id="50" dur="1" fill="hold">
+                                          <p:stCondLst>
+                                            <p:cond delay="0"/>
+                                          </p:stCondLst>
+                                        </p:cTn>
+                                        <p:tgtEl>
+                                          <p:spTgt spid="3">
+                                            <p:txEl>
+                                              <p:pRg st="11" end="11"/>
+                                            </p:txEl>
+                                          </p:spTgt>
+                                        </p:tgtEl>
+                                        <p:attrNameLst>
+                                          <p:attrName>style.visibility</p:attrName>
+                                        </p:attrNameLst>
+                                      </p:cBhvr>
+                                      <p:to>
+                                        <p:strVal val="visible"/>
+                                      </p:to>
+                                    </p:set>
+                                  </p:childTnLst>
+                                </p:cTn>
+                              </p:par>
+                            </p:childTnLst>
+                          </p:cTn>
+                        </p:par>
+                      </p:childTnLst>
+                    </p:cTn>
+                  </p:par>
+                </p:childTnLst>
+              </p:cTn>
+              <p:prevCondLst>
+                <p:cond evt="onPrev" delay="0">
+                  <p:tgtEl>
+                    <p:sldTgt/>
+                  </p:tgtEl>
+                </p:cond>
+              </p:prevCondLst>
+              <p:nextCondLst>
+                <p:cond evt="onNext" delay="0">
+                  <p:tgtEl>
+                    <p:sldTgt/>
+                  </p:tgtEl>
+                </p:cond>
+              </p:nextCondLst>
+            </p:seq>
+          </p:childTnLst>
+        </p:cTn>
+      </p:par>
+    </p:tnLst>
+    <p:bldLst>
+      <p:bldP spid="3" grpId="0" uiExpand="1" build="p"/>
+    </p:bldLst>
+  </p:timing>
+</p:sld>
+</file>
+
+<file path=ppt/slides/slide29.xml><?xml version="1.0" encoding="utf-8"?>
+<p:sld xmlns:a="http://schemas.openxmlformats.org/drawingml/2006/main" xmlns:r="http://schemas.openxmlformats.org/officeDocument/2006/relationships" xmlns:p="http://schemas.openxmlformats.org/presentationml/2006/main">
+  <p:cSld>
+    <p:spTree>
+      <p:nvGrpSpPr>
+        <p:cNvPr id="1" name=""/>
+        <p:cNvGrpSpPr/>
+        <p:nvPr/>
+      </p:nvGrpSpPr>
+      <p:grpSpPr>
+        <a:xfrm>
+          <a:off x="0" y="0"/>
+          <a:ext cx="0" cy="0"/>
+          <a:chOff x="0" y="0"/>
+          <a:chExt cx="0" cy="0"/>
+        </a:xfrm>
+      </p:grpSpPr>
+      <p:sp>
+        <p:nvSpPr>
+          <p:cNvPr id="3" name="Content Placeholder 2"/>
+          <p:cNvSpPr>
+            <a:spLocks noGrp="1"/>
+          </p:cNvSpPr>
+          <p:nvPr>
+            <p:ph idx="1"/>
+          </p:nvPr>
+        </p:nvSpPr>
+        <p:spPr/>
+        <p:txBody>
+          <a:bodyPr/>
+          <a:lstStyle/>
+          <a:p>
+            <a:pPr lvl="0"/>
+            <a:r>
+              <a:rPr>
+                <a:latin typeface="Courier"/>
+              </a:rPr>
+              <a:t>Ctrl</a:t>
+            </a:r>
+            <a:r>
+              <a:rPr/>
+              <a:t> + </a:t>
+            </a:r>
+            <a:r>
+              <a:rPr>
+                <a:latin typeface="Courier"/>
+              </a:rPr>
+              <a:t>Shift</a:t>
+            </a:r>
+            <a:r>
+              <a:rPr/>
+              <a:t> + </a:t>
+            </a:r>
+            <a:r>
+              <a:rPr>
+                <a:latin typeface="Courier"/>
+              </a:rPr>
+              <a:t>=</a:t>
+            </a:r>
+            <a:r>
+              <a:rPr/>
+              <a:t>: 선택한 행 위에 행 추가 또는 선택한 열의 왼쪽에 열 추가</a:t>
+            </a:r>
+          </a:p>
+          <a:p>
+            <a:pPr lvl="0"/>
+            <a:r>
+              <a:rPr>
+                <a:latin typeface="Courier"/>
+              </a:rPr>
+              <a:t>Ctrl</a:t>
+            </a:r>
+            <a:r>
+              <a:rPr/>
+              <a:t> + </a:t>
+            </a:r>
+            <a:r>
+              <a:rPr>
+                <a:latin typeface="Courier"/>
+              </a:rPr>
+              <a:t>-</a:t>
+            </a:r>
+            <a:r>
+              <a:rPr/>
+              <a:t>: 선택한 열 또는 행 삭제</a:t>
+            </a:r>
+          </a:p>
+          <a:p>
+            <a:pPr lvl="0"/>
+            <a:r>
+              <a:rPr/>
+              <a:t>셀을 복사한 뒤에</a:t>
+            </a:r>
+          </a:p>
+          <a:p>
+            <a:pPr lvl="1"/>
+            <a:r>
+              <a:rPr>
+                <a:latin typeface="Courier"/>
+              </a:rPr>
+              <a:t>Ctrl + Alt + V</a:t>
+            </a:r>
+            <a:r>
+              <a:rPr/>
+              <a:t>: 서식 붙여넣기</a:t>
+            </a:r>
+          </a:p>
+          <a:p>
+            <a:pPr lvl="1"/>
+            <a:r>
+              <a:rPr>
+                <a:latin typeface="Courier"/>
+              </a:rPr>
+              <a:t>Ctrl + Shift + V</a:t>
+            </a:r>
+            <a:r>
+              <a:rPr/>
+              <a:t>: 값만 붙여넣기</a:t>
+            </a:r>
+          </a:p>
+          <a:p>
+            <a:pPr lvl="0"/>
+            <a:r>
+              <a:rPr>
+                <a:latin typeface="Courier"/>
+              </a:rPr>
+              <a:t>Ctrl</a:t>
+            </a:r>
+            <a:r>
+              <a:rPr/>
+              <a:t> + </a:t>
+            </a:r>
+            <a:r>
+              <a:rPr>
+                <a:latin typeface="Courier"/>
+              </a:rPr>
+              <a:t>0</a:t>
+            </a:r>
+            <a:r>
+              <a:rPr/>
+              <a:t>: 행 또는 열 숨기기</a:t>
+            </a:r>
+          </a:p>
+          <a:p>
+            <a:pPr lvl="0"/>
+            <a:r>
+              <a:rPr>
+                <a:latin typeface="Courier"/>
+              </a:rPr>
+              <a:t>Ctrl</a:t>
+            </a:r>
+            <a:r>
+              <a:rPr/>
+              <a:t> + </a:t>
+            </a:r>
+            <a:r>
+              <a:rPr>
+                <a:latin typeface="Courier"/>
+              </a:rPr>
+              <a:t>방향키</a:t>
+            </a:r>
+            <a:r>
+              <a:rPr/>
+              <a:t>: 해당 방향으로 데이터의 끝까지 이동</a:t>
+            </a:r>
+          </a:p>
+          <a:p>
+            <a:pPr lvl="0"/>
+            <a:r>
+              <a:rPr>
+                <a:latin typeface="Courier"/>
+              </a:rPr>
+              <a:t>Ctrl</a:t>
+            </a:r>
+            <a:r>
+              <a:rPr/>
+              <a:t> + </a:t>
+            </a:r>
+            <a:r>
+              <a:rPr>
+                <a:latin typeface="Courier"/>
+              </a:rPr>
+              <a:t>Shift</a:t>
+            </a:r>
+            <a:r>
+              <a:rPr/>
+              <a:t> + </a:t>
+            </a:r>
+            <a:r>
+              <a:rPr>
+                <a:latin typeface="Courier"/>
+              </a:rPr>
+              <a:t>방향키</a:t>
+            </a:r>
+            <a:r>
+              <a:rPr/>
+              <a:t>: 해당 방향으로 데이터의 끝까지 선택</a:t>
+            </a:r>
+          </a:p>
+          <a:p>
+            <a:pPr lvl="0"/>
+            <a:r>
+              <a:rPr>
+                <a:latin typeface="Courier"/>
+              </a:rPr>
+              <a:t>Ctrl + D</a:t>
+            </a:r>
+            <a:r>
+              <a:rPr/>
+              <a:t>: 현재 셀 또는 선택한 영역에 채우기</a:t>
+            </a:r>
+          </a:p>
+          <a:p>
+            <a:pPr lvl="0"/>
+            <a:r>
+              <a:rPr/>
+              <a:t>열 또는 행 경계를 더블클릭하면 열의 너비 또는 행의 높이가 데이터의 크기에 맞게 줄어듦.</a:t>
+            </a:r>
+          </a:p>
+        </p:txBody>
+      </p:sp>
+    </p:spTree>
+  </p:cSld>
+  <p:timing>
+    <p:tnLst>
+      <p:par>
+        <p:cTn id="1" dur="indefinite" restart="never" nodeType="tmRoot">
+          <p:childTnLst>
+            <p:seq concurrent="1" nextAc="seek">
+              <p:cTn id="2" dur="indefinite" nodeType="mainSeq">
+                <p:childTnLst>
+                  <p:par>
+                    <p:cTn id="3" fill="hold">
+                      <p:stCondLst>
+                        <p:cond delay="indefinite"/>
+                      </p:stCondLst>
+                      <p:childTnLst>
+                        <p:par>
+                          <p:cTn id="4" fill="hold">
+                            <p:stCondLst>
+                              <p:cond delay="0"/>
+                            </p:stCondLst>
+                            <p:childTnLst>
+                              <p:par>
+                                <p:cTn id="5" presetID="1" presetClass="entr" presetSubtype="0" fill="hold" grpId="0" nodeType="clickEffect">
+                                  <p:stCondLst>
+                                    <p:cond delay="0"/>
+                                  </p:stCondLst>
+                                  <p:childTnLst>
+                                    <p:set>
+                                      <p:cBhvr>
+                                        <p:cTn id="6" dur="1" fill="hold">
+                                          <p:stCondLst>
+                                            <p:cond delay="0"/>
+                                          </p:stCondLst>
+                                        </p:cTn>
+                                        <p:tgtEl>
+                                          <p:spTgt spid="3">
+                                            <p:txEl>
+                                              <p:pRg st="0" end="0"/>
+                                            </p:txEl>
+                                          </p:spTgt>
+                                        </p:tgtEl>
+                                        <p:attrNameLst>
+                                          <p:attrName>style.visibility</p:attrName>
+                                        </p:attrNameLst>
+                                      </p:cBhvr>
+                                      <p:to>
+                                        <p:strVal val="visible"/>
+                                      </p:to>
+                                    </p:set>
+                                  </p:childTnLst>
+                                </p:cTn>
+                              </p:par>
+                            </p:childTnLst>
+                          </p:cTn>
+                        </p:par>
+                      </p:childTnLst>
+                    </p:cTn>
+                  </p:par>
+                  <p:par>
+                    <p:cTn id="7" fill="hold">
+                      <p:stCondLst>
+                        <p:cond delay="indefinite"/>
+                      </p:stCondLst>
+                      <p:childTnLst>
+                        <p:par>
+                          <p:cTn id="8" fill="hold">
+                            <p:stCondLst>
+                              <p:cond delay="0"/>
+                            </p:stCondLst>
+                            <p:childTnLst>
+                              <p:par>
+                                <p:cTn id="9" presetID="1" presetClass="entr" presetSubtype="0" fill="hold" grpId="0" nodeType="clickEffect">
+                                  <p:stCondLst>
+                                    <p:cond delay="0"/>
+                                  </p:stCondLst>
+                                  <p:childTnLst>
+                                    <p:set>
+                                      <p:cBhvr>
+                                        <p:cTn id="10" dur="1" fill="hold">
+                                          <p:stCondLst>
+                                            <p:cond delay="0"/>
+                                          </p:stCondLst>
+                                        </p:cTn>
+                                        <p:tgtEl>
+                                          <p:spTgt spid="3">
+                                            <p:txEl>
+                                              <p:pRg st="1" end="1"/>
+                                            </p:txEl>
+                                          </p:spTgt>
+                                        </p:tgtEl>
+                                        <p:attrNameLst>
+                                          <p:attrName>style.visibility</p:attrName>
+                                        </p:attrNameLst>
+                                      </p:cBhvr>
+                                      <p:to>
+                                        <p:strVal val="visible"/>
+                                      </p:to>
+                                    </p:set>
+                                  </p:childTnLst>
+                                </p:cTn>
+                              </p:par>
+                            </p:childTnLst>
+                          </p:cTn>
+                        </p:par>
+                      </p:childTnLst>
+                    </p:cTn>
+                  </p:par>
+                  <p:par>
+                    <p:cTn id="11" fill="hold">
+                      <p:stCondLst>
+                        <p:cond delay="indefinite"/>
+                      </p:stCondLst>
+                      <p:childTnLst>
+                        <p:par>
+                          <p:cTn id="12" fill="hold">
+                            <p:stCondLst>
+                              <p:cond delay="0"/>
+                            </p:stCondLst>
+                            <p:childTnLst>
+                              <p:par>
+                                <p:cTn id="13" presetID="1" presetClass="entr" presetSubtype="0" fill="hold" grpId="0" nodeType="clickEffect">
+                                  <p:stCondLst>
+                                    <p:cond delay="0"/>
+                                  </p:stCondLst>
+                                  <p:childTnLst>
+                                    <p:set>
+                                      <p:cBhvr>
+                                        <p:cTn id="14" dur="1" fill="hold">
+                                          <p:stCondLst>
+                                            <p:cond delay="0"/>
+                                          </p:stCondLst>
+                                        </p:cTn>
+                                        <p:tgtEl>
+                                          <p:spTgt spid="3">
+                                            <p:txEl>
+                                              <p:pRg st="2" end="2"/>
+                                            </p:txEl>
+                                          </p:spTgt>
+                                        </p:tgtEl>
+                                        <p:attrNameLst>
+                                          <p:attrName>style.visibility</p:attrName>
+                                        </p:attrNameLst>
+                                      </p:cBhvr>
+                                      <p:to>
+                                        <p:strVal val="visible"/>
+                                      </p:to>
+                                    </p:set>
+                                  </p:childTnLst>
+                                </p:cTn>
+                              </p:par>
+                            </p:childTnLst>
+                          </p:cTn>
+                        </p:par>
+                      </p:childTnLst>
+                    </p:cTn>
+                  </p:par>
+                  <p:par>
+                    <p:cTn id="15" fill="hold">
+                      <p:stCondLst>
+                        <p:cond delay="indefinite"/>
+                      </p:stCondLst>
+                      <p:childTnLst>
+                        <p:par>
+                          <p:cTn id="16" fill="hold">
+                            <p:stCondLst>
+                              <p:cond delay="0"/>
+                            </p:stCondLst>
+                            <p:childTnLst>
+                              <p:par>
+                                <p:cTn id="17" presetID="1" presetClass="entr" presetSubtype="0" fill="hold" grpId="0" nodeType="clickEffect">
+                                  <p:stCondLst>
+                                    <p:cond delay="0"/>
+                                  </p:stCondLst>
+                                  <p:childTnLst>
+                                    <p:set>
+                                      <p:cBhvr>
+                                        <p:cTn id="18" dur="1" fill="hold">
+                                          <p:stCondLst>
+                                            <p:cond delay="0"/>
+                                          </p:stCondLst>
+                                        </p:cTn>
+                                        <p:tgtEl>
+                                          <p:spTgt spid="3">
+                                            <p:txEl>
+                                              <p:pRg st="3" end="3"/>
+                                            </p:txEl>
+                                          </p:spTgt>
+                                        </p:tgtEl>
+                                        <p:attrNameLst>
+                                          <p:attrName>style.visibility</p:attrName>
+                                        </p:attrNameLst>
+                                      </p:cBhvr>
+                                      <p:to>
+                                        <p:strVal val="visible"/>
+                                      </p:to>
+                                    </p:set>
+                                  </p:childTnLst>
+                                </p:cTn>
+                              </p:par>
+                            </p:childTnLst>
+                          </p:cTn>
+                        </p:par>
+                      </p:childTnLst>
+                    </p:cTn>
+                  </p:par>
+                  <p:par>
+                    <p:cTn id="19" fill="hold">
+                      <p:stCondLst>
+                        <p:cond delay="indefinite"/>
+                      </p:stCondLst>
+                      <p:childTnLst>
+                        <p:par>
+                          <p:cTn id="20" fill="hold">
+                            <p:stCondLst>
+                              <p:cond delay="0"/>
+                            </p:stCondLst>
+                            <p:childTnLst>
+                              <p:par>
+                                <p:cTn id="21" presetID="1" presetClass="entr" presetSubtype="0" fill="hold" grpId="0" nodeType="clickEffect">
+                                  <p:stCondLst>
+                                    <p:cond delay="0"/>
+                                  </p:stCondLst>
+                                  <p:childTnLst>
+                                    <p:set>
+                                      <p:cBhvr>
+                                        <p:cTn id="22" dur="1" fill="hold">
+                                          <p:stCondLst>
+                                            <p:cond delay="0"/>
+                                          </p:stCondLst>
+                                        </p:cTn>
+                                        <p:tgtEl>
+                                          <p:spTgt spid="3">
+                                            <p:txEl>
+                                              <p:pRg st="4" end="4"/>
+                                            </p:txEl>
+                                          </p:spTgt>
+                                        </p:tgtEl>
+                                        <p:attrNameLst>
+                                          <p:attrName>style.visibility</p:attrName>
+                                        </p:attrNameLst>
+                                      </p:cBhvr>
+                                      <p:to>
+                                        <p:strVal val="visible"/>
+                                      </p:to>
+                                    </p:set>
+                                  </p:childTnLst>
+                                </p:cTn>
+                              </p:par>
+                            </p:childTnLst>
+                          </p:cTn>
+                        </p:par>
+                      </p:childTnLst>
+                    </p:cTn>
+                  </p:par>
+                  <p:par>
+                    <p:cTn id="23" fill="hold">
+                      <p:stCondLst>
+                        <p:cond delay="indefinite"/>
+                      </p:stCondLst>
+                      <p:childTnLst>
+                        <p:par>
+                          <p:cTn id="24" fill="hold">
+                            <p:stCondLst>
+                              <p:cond delay="0"/>
+                            </p:stCondLst>
+                            <p:childTnLst>
+                              <p:par>
+                                <p:cTn id="25" presetID="1" presetClass="entr" presetSubtype="0" fill="hold" grpId="0" nodeType="clickEffect">
+                                  <p:stCondLst>
+                                    <p:cond delay="0"/>
+                                  </p:stCondLst>
+                                  <p:childTnLst>
+                                    <p:set>
+                                      <p:cBhvr>
+                                        <p:cTn id="26" dur="1" fill="hold">
+                                          <p:stCondLst>
+                                            <p:cond delay="0"/>
+                                          </p:stCondLst>
+                                        </p:cTn>
+                                        <p:tgtEl>
+                                          <p:spTgt spid="3">
+                                            <p:txEl>
+                                              <p:pRg st="5" end="5"/>
+                                            </p:txEl>
+                                          </p:spTgt>
+                                        </p:tgtEl>
+                                        <p:attrNameLst>
+                                          <p:attrName>style.visibility</p:attrName>
+                                        </p:attrNameLst>
+                                      </p:cBhvr>
+                                      <p:to>
+                                        <p:strVal val="visible"/>
+                                      </p:to>
+                                    </p:set>
+                                  </p:childTnLst>
+                                </p:cTn>
+                              </p:par>
+                            </p:childTnLst>
+                          </p:cTn>
+                        </p:par>
+                      </p:childTnLst>
+                    </p:cTn>
+                  </p:par>
+                  <p:par>
+                    <p:cTn id="27" fill="hold">
+                      <p:stCondLst>
+                        <p:cond delay="indefinite"/>
+                      </p:stCondLst>
+                      <p:childTnLst>
+                        <p:par>
+                          <p:cTn id="28" fill="hold">
+                            <p:stCondLst>
+                              <p:cond delay="0"/>
+                            </p:stCondLst>
+                            <p:childTnLst>
+                              <p:par>
+                                <p:cTn id="29" presetID="1" presetClass="entr" presetSubtype="0" fill="hold" grpId="0" nodeType="clickEffect">
+                                  <p:stCondLst>
+                                    <p:cond delay="0"/>
+                                  </p:stCondLst>
+                                  <p:childTnLst>
+                                    <p:set>
+                                      <p:cBhvr>
+                                        <p:cTn id="30" dur="1" fill="hold">
+                                          <p:stCondLst>
+                                            <p:cond delay="0"/>
+                                          </p:stCondLst>
+                                        </p:cTn>
+                                        <p:tgtEl>
+                                          <p:spTgt spid="3">
+                                            <p:txEl>
+                                              <p:pRg st="6" end="6"/>
+                                            </p:txEl>
+                                          </p:spTgt>
+                                        </p:tgtEl>
+                                        <p:attrNameLst>
+                                          <p:attrName>style.visibility</p:attrName>
+                                        </p:attrNameLst>
+                                      </p:cBhvr>
+                                      <p:to>
+                                        <p:strVal val="visible"/>
+                                      </p:to>
+                                    </p:set>
+                                  </p:childTnLst>
+                                </p:cTn>
+                              </p:par>
+                            </p:childTnLst>
+                          </p:cTn>
+                        </p:par>
+                      </p:childTnLst>
+                    </p:cTn>
+                  </p:par>
+                  <p:par>
+                    <p:cTn id="31" fill="hold">
+                      <p:stCondLst>
+                        <p:cond delay="indefinite"/>
+                      </p:stCondLst>
+                      <p:childTnLst>
+                        <p:par>
+                          <p:cTn id="32" fill="hold">
+                            <p:stCondLst>
+                              <p:cond delay="0"/>
+                            </p:stCondLst>
+                            <p:childTnLst>
+                              <p:par>
+                                <p:cTn id="33" presetID="1" presetClass="entr" presetSubtype="0" fill="hold" grpId="0" nodeType="clickEffect">
+                                  <p:stCondLst>
+                                    <p:cond delay="0"/>
+                                  </p:stCondLst>
+                                  <p:childTnLst>
+                                    <p:set>
+                                      <p:cBhvr>
+                                        <p:cTn id="34" dur="1" fill="hold">
+                                          <p:stCondLst>
+                                            <p:cond delay="0"/>
+                                          </p:stCondLst>
+                                        </p:cTn>
+                                        <p:tgtEl>
+                                          <p:spTgt spid="3">
+                                            <p:txEl>
+                                              <p:pRg st="7" end="7"/>
+                                            </p:txEl>
+                                          </p:spTgt>
+                                        </p:tgtEl>
+                                        <p:attrNameLst>
+                                          <p:attrName>style.visibility</p:attrName>
+                                        </p:attrNameLst>
+                                      </p:cBhvr>
+                                      <p:to>
+                                        <p:strVal val="visible"/>
+                                      </p:to>
+                                    </p:set>
+                                  </p:childTnLst>
+                                </p:cTn>
+                              </p:par>
+                            </p:childTnLst>
+                          </p:cTn>
+                        </p:par>
+                      </p:childTnLst>
+                    </p:cTn>
+                  </p:par>
+                  <p:par>
+                    <p:cTn id="35" fill="hold">
+                      <p:stCondLst>
+                        <p:cond delay="indefinite"/>
+                      </p:stCondLst>
+                      <p:childTnLst>
+                        <p:par>
+                          <p:cTn id="36" fill="hold">
+                            <p:stCondLst>
+                              <p:cond delay="0"/>
+                            </p:stCondLst>
+                            <p:childTnLst>
+                              <p:par>
+                                <p:cTn id="37" presetID="1" presetClass="entr" presetSubtype="0" fill="hold" grpId="0" nodeType="clickEffect">
+                                  <p:stCondLst>
+                                    <p:cond delay="0"/>
+                                  </p:stCondLst>
+                                  <p:childTnLst>
+                                    <p:set>
+                                      <p:cBhvr>
+                                        <p:cTn id="38" dur="1" fill="hold">
+                                          <p:stCondLst>
+                                            <p:cond delay="0"/>
+                                          </p:stCondLst>
+                                        </p:cTn>
+                                        <p:tgtEl>
+                                          <p:spTgt spid="3">
+                                            <p:txEl>
+                                              <p:pRg st="8" end="8"/>
+                                            </p:txEl>
+                                          </p:spTgt>
+                                        </p:tgtEl>
+                                        <p:attrNameLst>
+                                          <p:attrName>style.visibility</p:attrName>
+                                        </p:attrNameLst>
+                                      </p:cBhvr>
+                                      <p:to>
+                                        <p:strVal val="visible"/>
+                                      </p:to>
+                                    </p:set>
+                                  </p:childTnLst>
+                                </p:cTn>
+                              </p:par>
+                            </p:childTnLst>
+                          </p:cTn>
+                        </p:par>
+                      </p:childTnLst>
+                    </p:cTn>
+                  </p:par>
+                  <p:par>
+                    <p:cTn id="39" fill="hold">
+                      <p:stCondLst>
+                        <p:cond delay="indefinite"/>
+                      </p:stCondLst>
+                      <p:childTnLst>
+                        <p:par>
+                          <p:cTn id="40" fill="hold">
+                            <p:stCondLst>
+                              <p:cond delay="0"/>
+                            </p:stCondLst>
+                            <p:childTnLst>
+                              <p:par>
+                                <p:cTn id="41" presetID="1" presetClass="entr" presetSubtype="0" fill="hold" grpId="0" nodeType="clickEffect">
+                                  <p:stCondLst>
+                                    <p:cond delay="0"/>
+                                  </p:stCondLst>
+                                  <p:childTnLst>
+                                    <p:set>
+                                      <p:cBhvr>
+                                        <p:cTn id="42" dur="1" fill="hold">
+                                          <p:stCondLst>
+                                            <p:cond delay="0"/>
+                                          </p:stCondLst>
+                                        </p:cTn>
+                                        <p:tgtEl>
+                                          <p:spTgt spid="3">
+                                            <p:txEl>
+                                              <p:pRg st="9" end="9"/>
                                             </p:txEl>
                                           </p:spTgt>
                                         </p:tgtEl>
